--- a/result/kopkpopok- FR0014009DK8result.pptx
+++ b/result/kopkpopok- FR0014009DK8result.pptx
@@ -7903,7 +7903,7 @@
                         <a:defRPr sz="700"/>
                       </a:pPr>
                       <a:r>
-                        <a:t>80% du Niveau de Référence de l'indice</a:t>
+                        <a:t>100% du Niveau de Référence de l'indice</a:t>
                       </a:r>
                     </a:p>
                   </a:txBody>
@@ -12288,7 +12288,7 @@
                 <a:ea typeface="+mn-ea"/>
                 <a:cs typeface="+mn-cs"/>
               </a:rPr>
-              <a:t>, ou si à la date de constatation finale(¹), l'indice clôture à un niveau supérieur ou égal à 80% de son Niveau de Référence</a:t>
+              <a:t/>
             </a:r>
             <a:r>
               <a:rPr kumimoji="0" lang="fr-FR" sz="800" b="0" i="0" u="none" strike="noStrike" kern="1200" cap="none" spc="0" normalizeH="0" baseline="0" noProof="0" dirty="0">
@@ -14087,7 +14087,7 @@
                   <a:schemeClr val="tx2"/>
                 </a:solidFill>
               </a:rPr>
-              <a:t>clôture à un niveau supérieur ou égal à 80% de son Niveau de Référence, l’investisseur reçoit, le 02 août 2032</a:t>
+              <a:t>clôture à un niveau supérieur ou égal à 100% de son Niveau de Référence, l’investisseur reçoit, le 02 août 2032</a:t>
             </a:r>
             <a:r>
               <a:rPr lang="fr-FR" sz="800" b="1" baseline="30000" dirty="0">
@@ -14431,7 +14431,7 @@
             </a:r>
             <a:r>
               <a:rPr lang="fr-FR" sz="800"/>
-              <a:t>à -9,20%</a:t>
+              <a:t>à -7,62%</a:t>
             </a:r>
             <a:r>
               <a:rPr lang="fr-FR" sz="800" baseline="30000"/>
@@ -15359,7 +15359,7 @@
                   <a:srgbClr val="000000"/>
                 </a:solidFill>
               </a:rPr>
-              <a:t>clôture à un niveau strictement inférieur à 80% mais supérieur ou égal à 50% de son Niveau de Référence, l’investisseur reçoit, le 02 août 2032 : </a:t>
+              <a:t>clôture à un niveau strictement inférieur à 100% mais supérieur ou égal à 50% de son Niveau de Référence, l’investisseur reçoit, le 02 août 2032 : </a:t>
             </a:r>
           </a:p>
         </p:txBody>
@@ -15394,7 +15394,7 @@
           <a:p>
             <a:r>
               <a:rPr lang="fr-FR" sz="800" dirty="0"/>
-              <a:t>La barrière de remboursement anticipé automatique est dégressive au fil du temps. Elle est fixée à 100% du Niveau de Référence  en fin de trimestre 4, puis décroît de 100,00% chaque trimestre, pour atteindre 100% du Niveau de Référence à la fin du trimestre 39. La barrière de remboursement anticipé automatique est dégressive au fil du temps. Elle est fixée à &lt;BAC&gt; du Niveau de Référence  en fin de &lt;F0&gt; 4, puis décroît de 100,00% chaque &lt;F0&gt;, pour atteindre &lt;ABDAC&gt;% du Niveau de Référence à la fin du &lt;F0&gt; 39.</a:t>
+              <a:t> 100% DU Niveau de Référence de l'indice</a:t>
             </a:r>
             <a:endParaRPr lang="en-US" sz="800" dirty="0"/>
           </a:p>
@@ -16127,7 +16127,7 @@
                   <a:srgbClr val="000000"/>
                 </a:solidFill>
               </a:rPr>
-              <a:t>, si le mécanisme de remboursement anticipé n’a pas été activé au préalable, et si l'indice clôture à un niveau supérieur ou égal à 80% de son Niveau de Référence, l’investisseur récupère alors l’intégralité de son capital initial, majorée d’un gain de 1,00% par trimestre écoulé depuis le 29/07/2022  (soit un gain de 40,00% et un Taux de Rendement Annuel net de 2,38%</a:t>
+              <a:t>, si le mécanisme de remboursement anticipé n’a pas été activé au préalable, et si l'indice clôture à un niveau supérieur ou égal à 100% de son Niveau de Référence, l’investisseur récupère alors l’intégralité de son capital initial, majorée d’un gain de 1,00% par trimestre écoulé depuis le 29/07/2022  (soit un gain de 40,00% et un Taux de Rendement Annuel net de 2,38%</a:t>
             </a:r>
             <a:r>
               <a:rPr lang="fr-FR" sz="800" baseline="30000" dirty="0">
@@ -16163,7 +16163,7 @@
                   <a:srgbClr val="000000"/>
                 </a:solidFill>
               </a:rPr>
-              <a:t>Sinon, si le mécanisme automatique de remboursement anticipé n’a pas été activé au préalable et si, à la date de constatation finale⁽¹⁾, l'indice clôture à un niveau strictement inférieur à 80% de son Niveau de Référence mais supérieur ou égal à 50% de ce dernier, l’investisseur récupère l’intégralité de son capital initialement investi. Le capital n’est donc exposé à un risque de perte à l’échéance⁽¹⁾ que si l'indice clôture à un niveau strictement inférieur à 50% de son Niveau de Référence à la date de constatation finale⁽¹⁾.</a:t>
+              <a:t>Sinon, si le mécanisme automatique de remboursement anticipé n’a pas été activé au préalable et si, à la date de constatation finale⁽¹⁾, l'indice clôture à un niveau strictement inférieur à 100% de son Niveau de Référence mais supérieur ou égal à 50% de ce dernier, l’investisseur récupère l’intégralité de son capital initialement investi. Le capital n’est donc exposé à un risque de perte à l’échéance⁽¹⁾ que si l'indice clôture à un niveau strictement inférieur à 50% de son Niveau de Référence à la date de constatation finale⁽¹⁾.</a:t>
             </a:r>
           </a:p>
           <a:p>
@@ -16636,7 +16636,7 @@
                 <a:effectLst/>
                 <a:ea typeface="Calibri" panose="020F0502020204030204" pitchFamily="34" charset="0"/>
               </a:rPr>
-              <a:t>en cours de vie, et des seuils de 80% et 50% de son Niveau de Référence à la date de constatation finale</a:t>
+              <a:t>en cours de vie, et des seuils de 100% et 50% de son Niveau de Référence à la date de constatation finale</a:t>
             </a:r>
             <a:r>
               <a:rPr lang="fr-FR" sz="800" b="1" baseline="30000" dirty="0">
@@ -17348,7 +17348,7 @@
               <a:rPr lang="fr-FR" sz="800" b="0" dirty="0">
                 <a:latin typeface="+mn-lt"/>
               </a:rPr>
-              <a:t>À la date de constatation finale(¹), l'indice clôture à un niveau strictement inférieur à 80% mais supérieur ou égal à 50% de son Niveau de Référence</a:t>
+              <a:t>À la date de constatation finale(¹), l'indice clôture à un niveau strictement inférieur à 100% mais supérieur ou égal à 50% de son Niveau de Référence</a:t>
             </a:r>
           </a:p>
         </p:txBody>
@@ -17624,7 +17624,7 @@
                 </a:solidFill>
                 <a:latin typeface="+mn-lt"/>
               </a:rPr>
-              <a:t>LE RENDEMENT DU PRODUIT « kopkpopok » EST TRÈS SENSIBLE À UNE FAIBLE VARIATION DU niveau DE CLÔTURE de l'indice AUTOUR DES SEUILS DE 80% ET DE 50% </a:t>
+              <a:t>LE RENDEMENT DU PRODUIT « kopkpopok » EST TRÈS SENSIBLE À UNE FAIBLE VARIATION DU niveau DE CLÔTURE de l'indice AUTOUR DES SEUILS DE 100% ET DE 50% </a:t>
             </a:r>
             <a:r>
               <a:rPr lang="fr-FR" sz="800" cap="all" dirty="0">
@@ -17926,7 +17926,7 @@
               <a:rPr lang="fr-FR" sz="800" dirty="0">
                 <a:latin typeface="+mn-lt"/>
               </a:rPr>
-              <a:t>À la date de constatation finale(¹), l'indice clôture à un niveau strictement inférieur à 80% de son Niveau de Référence (70% dans cet exemple). L’investisseur récupère alors l’intégralité de son capital initialement investi.
+              <a:t>À la date de constatation finale(¹), l'indice clôture à un niveau strictement inférieur à 100% de son Niveau de Référence (70% dans cet exemple). L’investisseur récupère alors l’intégralité de son capital initialement investi.
         </a:t>
             </a:r>
           </a:p>

--- a/result/kopkpopok- FR0014009DK8result.pptx
+++ b/result/kopkpopok- FR0014009DK8result.pptx
@@ -15,9 +15,10 @@
     <p:sldId id="284" r:id="rId6"/>
     <p:sldId id="285" r:id="rId8"/>
     <p:sldId id="286" r:id="rId11"/>
-    <p:sldId id="287" r:id="rId13"/>
+    <p:sldId id="294" r:id="rId12"/>
+    <p:sldId id="295" r:id="rId14"/>
     <p:sldId id="288" r:id="rId15"/>
-    <p:sldId id="289" r:id="rId16"/>
+    <p:sldId id="296" r:id="rId17"/>
     <p:sldId id="290" r:id="rId18"/>
   </p:sldIdLst>
   <p:sldSz cx="7559675" cy="10691813"/>
@@ -1696,7 +1697,7 @@
             </a:r>
             <a:r>
               <a:rPr lang="fr-FR" sz="800" b="1" cap="none" dirty="0"/>
-              <a:t>de droit anglais </a:t>
+              <a:t>de droit français </a:t>
             </a:r>
             <a:r>
               <a:rPr lang="fr-FR" sz="800" b="1" cap="none" dirty="0">
@@ -1842,7 +1843,7 @@
             </a:r>
             <a:r>
               <a:rPr lang="fr-FR" sz="800" b="1" cap="none" dirty="0"/>
-              <a:t>alternatif à un investissement dynamique risqué de type indice.</a:t>
+              <a:t>alternatif à un investissement dynamique risqué de type action.</a:t>
             </a:r>
             <a:endParaRPr lang="fr-FR" sz="800" cap="none" dirty="0"/>
           </a:p>
@@ -2366,7 +2367,7 @@
                 </a:solidFill>
                 <a:latin typeface="Proxima Nova Rg" panose="02000506030000020004" pitchFamily="2" charset="0"/>
               </a:rPr>
-              <a:t>17 juin 2022. </a:t>
+              <a:t>20 juin 2022. </a:t>
             </a:r>
             <a:r>
               <a:rPr lang="fr-FR" sz="600" i="1" dirty="0">
@@ -2439,6 +2440,1890 @@
     <p:extLst>
       <p:ext uri="{BB962C8B-B14F-4D97-AF65-F5344CB8AC3E}">
         <p14:creationId xmlns:p14="http://schemas.microsoft.com/office/powerpoint/2010/main" val="279835308"/>
+      </p:ext>
+    </p:extLst>
+  </p:cSld>
+  <p:clrMapOvr>
+    <a:masterClrMapping/>
+  </p:clrMapOvr>
+</p:sld>
+</file>
+
+<file path=ppt/slides/slide10.xml><?xml version="1.0" encoding="utf-8"?>
+<p:sld xmlns:a="http://schemas.openxmlformats.org/drawingml/2006/main" xmlns:r="http://schemas.openxmlformats.org/officeDocument/2006/relationships" xmlns:p="http://schemas.openxmlformats.org/presentationml/2006/main">
+  <p:cSld>
+    <p:spTree>
+      <p:nvGrpSpPr>
+        <p:cNvPr id="1" name=""/>
+        <p:cNvGrpSpPr/>
+        <p:nvPr/>
+      </p:nvGrpSpPr>
+      <p:grpSpPr>
+        <a:xfrm>
+          <a:off x="0" y="0"/>
+          <a:ext cx="0" cy="0"/>
+          <a:chOff x="0" y="0"/>
+          <a:chExt cx="0" cy="0"/>
+        </a:xfrm>
+      </p:grpSpPr>
+      <p:sp>
+        <p:nvSpPr>
+          <p:cNvPr id="2" name="Espace réservé du numéro de diapositive 1">
+            <a:extLst>
+              <a:ext uri="{FF2B5EF4-FFF2-40B4-BE49-F238E27FC236}">
+                <a16:creationId xmlns:a16="http://schemas.microsoft.com/office/drawing/2014/main" id="{9C068595-9FF8-42B8-8F45-83A54159E531}"/>
+              </a:ext>
+            </a:extLst>
+          </p:cNvPr>
+          <p:cNvSpPr>
+            <a:spLocks noGrp="1"/>
+          </p:cNvSpPr>
+          <p:nvPr>
+            <p:ph type="sldNum" sz="quarter" idx="4"/>
+          </p:nvPr>
+        </p:nvSpPr>
+        <p:spPr/>
+        <p:txBody>
+          <a:bodyPr/>
+          <a:lstStyle/>
+          <a:p>
+            <a:fld id="{58F0BA28-1212-45AE-B075-64C06113A6D3}" type="slidenum">
+              <a:rPr lang="fr-FR" smtClean="0"/>
+              <a:pPr/>
+              <a:t>10</a:t>
+            </a:fld>
+            <a:endParaRPr lang="fr-FR" dirty="0"/>
+          </a:p>
+        </p:txBody>
+      </p:sp>
+      <p:sp>
+        <p:nvSpPr>
+          <p:cNvPr id="5" name="Text Box 2">
+            <a:extLst>
+              <a:ext uri="{FF2B5EF4-FFF2-40B4-BE49-F238E27FC236}">
+                <a16:creationId xmlns:a16="http://schemas.microsoft.com/office/drawing/2014/main" id="{D0ED12C2-7003-44D9-A2FB-4B2BA1F366F5}"/>
+              </a:ext>
+            </a:extLst>
+          </p:cNvPr>
+          <p:cNvSpPr txBox="1">
+            <a:spLocks noChangeArrowheads="1"/>
+          </p:cNvSpPr>
+          <p:nvPr/>
+        </p:nvSpPr>
+        <p:spPr bwMode="auto">
+          <a:xfrm>
+            <a:off x="361950" y="9765983"/>
+            <a:ext cx="6483350" cy="800219"/>
+          </a:xfrm>
+          <a:prstGeom prst="rect">
+            <a:avLst/>
+          </a:prstGeom>
+          <a:noFill/>
+          <a:ln w="9525">
+            <a:noFill/>
+            <a:miter lim="800000"/>
+            <a:headEnd/>
+            <a:tailEnd/>
+          </a:ln>
+        </p:spPr>
+        <p:txBody>
+          <a:bodyPr wrap="square" lIns="0" tIns="0" rIns="0" bIns="0">
+            <a:spAutoFit/>
+          </a:bodyPr>
+          <a:lstStyle/>
+          <a:p>
+            <a:pPr marL="0" lvl="1" algn="just"/>
+            <a:r>
+              <a:rPr lang="fr-FR" sz="650" baseline="30000" dirty="0">
+                <a:solidFill>
+                  <a:schemeClr val="tx2"/>
+                </a:solidFill>
+                <a:latin typeface="+mn-lt"/>
+              </a:rPr>
+              <a:t>⁽¹⁾</a:t>
+            </a:r>
+            <a:r>
+              <a:rPr lang="fr-FR" sz="650" dirty="0">
+                <a:solidFill>
+                  <a:schemeClr val="tx2"/>
+                </a:solidFill>
+                <a:latin typeface="+mn-lt"/>
+              </a:rPr>
+              <a:t> Veuillez vous référer au tableau récapitulant les principales caractéristiques financières en page 8 pour le détail des dates. </a:t>
+            </a:r>
+          </a:p>
+          <a:p>
+            <a:pPr marL="0" lvl="1" algn="just"/>
+            <a:r>
+              <a:rPr lang="fr-FR" sz="650" baseline="30000" dirty="0">
+                <a:solidFill>
+                  <a:schemeClr val="tx2"/>
+                </a:solidFill>
+                <a:latin typeface="+mn-lt"/>
+              </a:rPr>
+              <a:t>⁽²⁾</a:t>
+            </a:r>
+            <a:r>
+              <a:rPr lang="fr-FR" sz="650" dirty="0">
+                <a:solidFill>
+                  <a:schemeClr val="tx2"/>
+                </a:solidFill>
+                <a:latin typeface="+mn-lt"/>
+              </a:rPr>
+              <a:t> En prenant comme hypothèse 1,00% de frais de gestion du contrat d’assurance vie ou de capitalisation. TRA nets hors autres frais, fiscalité et prélèvements sociaux applicables au cadre d’investissement, et hors défaut de paiement et/ou faillite de l’Émetteur et du Garant de la formule et hors mise en résolution du Garant de la formule. Les TRA sont calculés à partir du 29/07/2022 jusqu’à la date de remboursement anticipé automatique éventuel</a:t>
+            </a:r>
+            <a:r>
+              <a:rPr lang="fr-FR" sz="650" baseline="30000" dirty="0">
+                <a:solidFill>
+                  <a:schemeClr val="tx2"/>
+                </a:solidFill>
+                <a:latin typeface="+mn-lt"/>
+              </a:rPr>
+              <a:t>⁽¹⁾</a:t>
+            </a:r>
+            <a:r>
+              <a:rPr lang="fr-FR" sz="650" dirty="0">
+                <a:solidFill>
+                  <a:schemeClr val="tx2"/>
+                </a:solidFill>
+                <a:latin typeface="+mn-lt"/>
+              </a:rPr>
+              <a:t> ou d’échéance</a:t>
+            </a:r>
+            <a:r>
+              <a:rPr lang="fr-FR" sz="650" baseline="30000" dirty="0">
+                <a:solidFill>
+                  <a:schemeClr val="tx2"/>
+                </a:solidFill>
+                <a:latin typeface="+mn-lt"/>
+              </a:rPr>
+              <a:t>⁽¹⁾</a:t>
+            </a:r>
+            <a:r>
+              <a:rPr lang="fr-FR" sz="650" dirty="0">
+                <a:solidFill>
+                  <a:schemeClr val="tx2"/>
+                </a:solidFill>
+                <a:latin typeface="+mn-lt"/>
+              </a:rPr>
+              <a:t> selon les scénarios. Une sortie anticipée à l’initiative de l’investisseur se fera à un cours dépendant de l’évolution des paramètres de marché au moment de la sortie (cours de l'action, des taux d’intérêt, de la volatilité et des primes de risque de crédit notamment) et pourra donc entraîner un risque de perte en capital.</a:t>
+            </a:r>
+          </a:p>
+          <a:p>
+            <a:pPr marL="0" lvl="1" algn="just"/>
+            <a:r>
+              <a:rPr lang="fr-FR" sz="650" baseline="30000" dirty="0">
+                <a:solidFill>
+                  <a:schemeClr val="tx2"/>
+                </a:solidFill>
+                <a:latin typeface="+mn-lt"/>
+              </a:rPr>
+              <a:t>(3) </a:t>
+            </a:r>
+            <a:r>
+              <a:rPr lang="fr-FR" sz="650" dirty="0">
+                <a:solidFill>
+                  <a:schemeClr val="tx2"/>
+                </a:solidFill>
+                <a:latin typeface="+mn-lt"/>
+              </a:rPr>
+              <a:t>Hors prise en compte des dividendes éventuels détachés par </a:t>
+            </a:r>
+            <a:r>
+              <a:rPr lang="it-IT" sz="650" dirty="0">
+                <a:solidFill>
+                  <a:schemeClr val="tx2"/>
+                </a:solidFill>
+                <a:latin typeface="+mn-lt"/>
+              </a:rPr>
+              <a:t>l’action</a:t>
+            </a:r>
+            <a:endParaRPr lang="fr-FR" sz="650" dirty="0">
+              <a:solidFill>
+                <a:schemeClr val="tx2"/>
+              </a:solidFill>
+              <a:latin typeface="+mn-lt"/>
+            </a:endParaRPr>
+          </a:p>
+          <a:p>
+            <a:pPr marL="0" lvl="1" algn="just"/>
+            <a:endParaRPr lang="fr-FR" sz="650" dirty="0">
+              <a:solidFill>
+                <a:schemeClr val="tx2"/>
+              </a:solidFill>
+              <a:latin typeface="+mn-lt"/>
+            </a:endParaRPr>
+          </a:p>
+        </p:txBody>
+      </p:sp>
+      <p:sp>
+        <p:nvSpPr>
+          <p:cNvPr id="4" name="Espace réservé du texte 11">
+            <a:extLst>
+              <a:ext uri="{FF2B5EF4-FFF2-40B4-BE49-F238E27FC236}">
+                <a16:creationId xmlns:a16="http://schemas.microsoft.com/office/drawing/2014/main" id="{177D1BD7-6780-4E19-AB78-D31AC6937846}"/>
+              </a:ext>
+            </a:extLst>
+          </p:cNvPr>
+          <p:cNvSpPr txBox="1">
+            <a:spLocks/>
+          </p:cNvSpPr>
+          <p:nvPr/>
+        </p:nvSpPr>
+        <p:spPr>
+          <a:xfrm>
+            <a:off x="458462" y="670080"/>
+            <a:ext cx="6804000" cy="230950"/>
+          </a:xfrm>
+          <a:prstGeom prst="rect">
+            <a:avLst/>
+          </a:prstGeom>
+        </p:spPr>
+        <p:txBody>
+          <a:bodyPr lIns="0" tIns="0" rIns="0" bIns="0" anchor="ctr">
+            <a:noAutofit/>
+          </a:bodyPr>
+          <a:lstStyle>
+            <a:lvl1pPr marL="0" indent="0" algn="l" defTabSz="755934" rtl="0" eaLnBrk="1" latinLnBrk="0" hangingPunct="1">
+              <a:lnSpc>
+                <a:spcPct val="90000"/>
+              </a:lnSpc>
+              <a:spcBef>
+                <a:spcPts val="2400"/>
+              </a:spcBef>
+              <a:buFont typeface="Arial" panose="020B0604020202020204" pitchFamily="34" charset="0"/>
+              <a:buNone/>
+              <a:defRPr sz="1600" b="0" kern="1200" cap="all" baseline="0">
+                <a:solidFill>
+                  <a:schemeClr val="tx1"/>
+                </a:solidFill>
+                <a:latin typeface="Gotham Bold" pitchFamily="50" charset="0"/>
+                <a:ea typeface="+mn-ea"/>
+                <a:cs typeface="Gotham Bold" pitchFamily="50" charset="0"/>
+              </a:defRPr>
+            </a:lvl1pPr>
+            <a:lvl2pPr marL="179388" indent="0" algn="l" defTabSz="755934" rtl="0" eaLnBrk="1" latinLnBrk="0" hangingPunct="1">
+              <a:lnSpc>
+                <a:spcPct val="100000"/>
+              </a:lnSpc>
+              <a:spcBef>
+                <a:spcPts val="900"/>
+              </a:spcBef>
+              <a:buFont typeface="Arial" panose="020B0604020202020204" pitchFamily="34" charset="0"/>
+              <a:buNone/>
+              <a:defRPr sz="1200" kern="1200" cap="all" baseline="0">
+                <a:solidFill>
+                  <a:schemeClr val="tx1"/>
+                </a:solidFill>
+                <a:latin typeface="Gotham Medium" pitchFamily="50" charset="0"/>
+                <a:ea typeface="+mn-ea"/>
+                <a:cs typeface="Gotham Medium" pitchFamily="50" charset="0"/>
+              </a:defRPr>
+            </a:lvl2pPr>
+            <a:lvl3pPr marL="179388" indent="0" algn="l" defTabSz="755934" rtl="0" eaLnBrk="1" latinLnBrk="0" hangingPunct="1">
+              <a:lnSpc>
+                <a:spcPct val="100000"/>
+              </a:lnSpc>
+              <a:spcBef>
+                <a:spcPts val="600"/>
+              </a:spcBef>
+              <a:buFont typeface="Arial" panose="020B0604020202020204" pitchFamily="34" charset="0"/>
+              <a:buNone/>
+              <a:defRPr sz="900" kern="1200">
+                <a:solidFill>
+                  <a:schemeClr val="tx2"/>
+                </a:solidFill>
+                <a:latin typeface="+mn-lt"/>
+                <a:ea typeface="+mn-ea"/>
+                <a:cs typeface="+mn-cs"/>
+              </a:defRPr>
+            </a:lvl3pPr>
+            <a:lvl4pPr marL="0" indent="0" algn="ctr" defTabSz="755934" rtl="0" eaLnBrk="1" latinLnBrk="0" hangingPunct="1">
+              <a:lnSpc>
+                <a:spcPct val="100000"/>
+              </a:lnSpc>
+              <a:spcBef>
+                <a:spcPts val="1000"/>
+              </a:spcBef>
+              <a:spcAft>
+                <a:spcPts val="1000"/>
+              </a:spcAft>
+              <a:buFont typeface="Arial" panose="020B0604020202020204" pitchFamily="34" charset="0"/>
+              <a:buNone/>
+              <a:defRPr sz="900" u="none" kern="1200">
+                <a:solidFill>
+                  <a:schemeClr val="tx2"/>
+                </a:solidFill>
+                <a:latin typeface="Ciutadella Light" panose="02000000000000000000" pitchFamily="50" charset="0"/>
+                <a:ea typeface="+mn-ea"/>
+                <a:cs typeface="+mn-cs"/>
+              </a:defRPr>
+            </a:lvl4pPr>
+            <a:lvl5pPr marL="179388" indent="0" algn="l" defTabSz="755934" rtl="0" eaLnBrk="1" latinLnBrk="0" hangingPunct="1">
+              <a:lnSpc>
+                <a:spcPct val="100000"/>
+              </a:lnSpc>
+              <a:spcBef>
+                <a:spcPts val="600"/>
+              </a:spcBef>
+              <a:buFont typeface="Arial" panose="020B0604020202020204" pitchFamily="34" charset="0"/>
+              <a:buNone/>
+              <a:defRPr sz="900" kern="1200">
+                <a:solidFill>
+                  <a:schemeClr val="tx2"/>
+                </a:solidFill>
+                <a:latin typeface="Ciutadella Medium" panose="01000000000000000000" pitchFamily="50" charset="0"/>
+                <a:ea typeface="+mn-ea"/>
+                <a:cs typeface="+mn-cs"/>
+              </a:defRPr>
+            </a:lvl5pPr>
+            <a:lvl6pPr marL="2078820" indent="-188984" algn="l" defTabSz="755934" rtl="0" eaLnBrk="1" latinLnBrk="0" hangingPunct="1">
+              <a:lnSpc>
+                <a:spcPct val="90000"/>
+              </a:lnSpc>
+              <a:spcBef>
+                <a:spcPts val="413"/>
+              </a:spcBef>
+              <a:buFont typeface="Arial" panose="020B0604020202020204" pitchFamily="34" charset="0"/>
+              <a:buChar char="•"/>
+              <a:defRPr sz="1488" kern="1200">
+                <a:solidFill>
+                  <a:schemeClr val="tx1"/>
+                </a:solidFill>
+                <a:latin typeface="+mn-lt"/>
+                <a:ea typeface="+mn-ea"/>
+                <a:cs typeface="+mn-cs"/>
+              </a:defRPr>
+            </a:lvl6pPr>
+            <a:lvl7pPr marL="2456787" indent="-188984" algn="l" defTabSz="755934" rtl="0" eaLnBrk="1" latinLnBrk="0" hangingPunct="1">
+              <a:lnSpc>
+                <a:spcPct val="90000"/>
+              </a:lnSpc>
+              <a:spcBef>
+                <a:spcPts val="413"/>
+              </a:spcBef>
+              <a:buFont typeface="Arial" panose="020B0604020202020204" pitchFamily="34" charset="0"/>
+              <a:buChar char="•"/>
+              <a:defRPr sz="1488" kern="1200">
+                <a:solidFill>
+                  <a:schemeClr val="tx1"/>
+                </a:solidFill>
+                <a:latin typeface="+mn-lt"/>
+                <a:ea typeface="+mn-ea"/>
+                <a:cs typeface="+mn-cs"/>
+              </a:defRPr>
+            </a:lvl7pPr>
+            <a:lvl8pPr marL="2834754" indent="-188984" algn="l" defTabSz="755934" rtl="0" eaLnBrk="1" latinLnBrk="0" hangingPunct="1">
+              <a:lnSpc>
+                <a:spcPct val="90000"/>
+              </a:lnSpc>
+              <a:spcBef>
+                <a:spcPts val="413"/>
+              </a:spcBef>
+              <a:buFont typeface="Arial" panose="020B0604020202020204" pitchFamily="34" charset="0"/>
+              <a:buChar char="•"/>
+              <a:defRPr sz="1488" kern="1200">
+                <a:solidFill>
+                  <a:schemeClr val="tx1"/>
+                </a:solidFill>
+                <a:latin typeface="+mn-lt"/>
+                <a:ea typeface="+mn-ea"/>
+                <a:cs typeface="+mn-cs"/>
+              </a:defRPr>
+            </a:lvl8pPr>
+            <a:lvl9pPr marL="3212722" indent="-188984" algn="l" defTabSz="755934" rtl="0" eaLnBrk="1" latinLnBrk="0" hangingPunct="1">
+              <a:lnSpc>
+                <a:spcPct val="90000"/>
+              </a:lnSpc>
+              <a:spcBef>
+                <a:spcPts val="413"/>
+              </a:spcBef>
+              <a:buFont typeface="Arial" panose="020B0604020202020204" pitchFamily="34" charset="0"/>
+              <a:buChar char="•"/>
+              <a:defRPr sz="1488" kern="1200">
+                <a:solidFill>
+                  <a:schemeClr val="tx1"/>
+                </a:solidFill>
+                <a:latin typeface="+mn-lt"/>
+                <a:ea typeface="+mn-ea"/>
+                <a:cs typeface="+mn-cs"/>
+              </a:defRPr>
+            </a:lvl9pPr>
+          </a:lstStyle>
+          <a:p>
+            <a:r>
+              <a:rPr lang="fr-FR" sz="1200" dirty="0">
+                <a:latin typeface="Futura PT" panose="020B0902020204020203" pitchFamily="34" charset="0"/>
+              </a:rPr>
+              <a:t>ILLUSTRATION DU MÉCANISME DE REMBOURSEMENT</a:t>
+            </a:r>
+          </a:p>
+        </p:txBody>
+      </p:sp>
+      <p:sp>
+        <p:nvSpPr>
+          <p:cNvPr id="6" name="Rectangle">
+            <a:extLst>
+              <a:ext uri="{FF2B5EF4-FFF2-40B4-BE49-F238E27FC236}">
+                <a16:creationId xmlns:a16="http://schemas.microsoft.com/office/drawing/2014/main" id="{460FFCA7-A5EC-42E7-8F01-3BD3E4D99B2F}"/>
+              </a:ext>
+            </a:extLst>
+          </p:cNvPr>
+          <p:cNvSpPr/>
+          <p:nvPr/>
+        </p:nvSpPr>
+        <p:spPr>
+          <a:xfrm>
+            <a:off x="361950" y="703340"/>
+            <a:ext cx="45719" cy="138398"/>
+          </a:xfrm>
+          <a:prstGeom prst="rect">
+            <a:avLst/>
+          </a:prstGeom>
+          <a:solidFill>
+            <a:srgbClr val="B9A049"/>
+          </a:solidFill>
+          <a:ln w="3175">
+            <a:miter lim="400000"/>
+          </a:ln>
+        </p:spPr>
+        <p:txBody>
+          <a:bodyPr lIns="20981" tIns="20981" rIns="20981" bIns="20981"/>
+          <a:lstStyle/>
+          <a:p>
+            <a:pPr algn="ctr" defTabSz="825500">
+              <a:lnSpc>
+                <a:spcPct val="100000"/>
+              </a:lnSpc>
+              <a:defRPr sz="3200" b="0">
+                <a:solidFill>
+                  <a:srgbClr val="FFFFFF"/>
+                </a:solidFill>
+                <a:latin typeface="Helvetica Neue Medium"/>
+                <a:ea typeface="Helvetica Neue Medium"/>
+                <a:cs typeface="Helvetica Neue Medium"/>
+                <a:sym typeface="Helvetica Neue Medium"/>
+              </a:defRPr>
+            </a:pPr>
+            <a:endParaRPr/>
+          </a:p>
+        </p:txBody>
+      </p:sp>
+      <p:sp>
+        <p:nvSpPr>
+          <p:cNvPr id="7" name="ZoneTexte 49">
+            <a:extLst>
+              <a:ext uri="{FF2B5EF4-FFF2-40B4-BE49-F238E27FC236}">
+                <a16:creationId xmlns:a16="http://schemas.microsoft.com/office/drawing/2014/main" id="{D9B4A527-A86B-4756-8775-FA28C4786F3E}"/>
+              </a:ext>
+            </a:extLst>
+          </p:cNvPr>
+          <p:cNvSpPr txBox="1">
+            <a:spLocks noChangeArrowheads="1"/>
+          </p:cNvSpPr>
+          <p:nvPr/>
+        </p:nvSpPr>
+        <p:spPr bwMode="auto">
+          <a:xfrm>
+            <a:off x="458462" y="953313"/>
+            <a:ext cx="6741374" cy="246221"/>
+          </a:xfrm>
+          <a:prstGeom prst="rect">
+            <a:avLst/>
+          </a:prstGeom>
+          <a:noFill/>
+          <a:ln w="9525">
+            <a:noFill/>
+            <a:miter lim="800000"/>
+            <a:headEnd/>
+            <a:tailEnd/>
+          </a:ln>
+        </p:spPr>
+        <p:txBody>
+          <a:bodyPr wrap="square" lIns="0" tIns="0" rIns="0" bIns="0">
+            <a:spAutoFit/>
+          </a:bodyPr>
+          <a:lstStyle/>
+          <a:p>
+            <a:pPr algn="just"/>
+            <a:r>
+              <a:rPr lang="fr-FR" sz="800" dirty="0">
+                <a:solidFill>
+                  <a:schemeClr val="tx2"/>
+                </a:solidFill>
+                <a:latin typeface="Proxima Nova Rg" panose="02000506030000020004" pitchFamily="2" charset="0"/>
+              </a:rPr>
+              <a:t>Les données chiffrées utilisées dans ces exemples n’ont qu’une valeur indicative et informative, l’objectif étant de décrire le mécanisme du produit. Elles ne préjugent en rien de résultats futurs et ne sauraient constituer en aucune manière une offre commerciale.</a:t>
+            </a:r>
+          </a:p>
+        </p:txBody>
+      </p:sp>
+      <p:sp>
+        <p:nvSpPr>
+          <p:cNvPr id="8" name="ZoneTexte 7">
+            <a:extLst>
+              <a:ext uri="{FF2B5EF4-FFF2-40B4-BE49-F238E27FC236}">
+                <a16:creationId xmlns:a16="http://schemas.microsoft.com/office/drawing/2014/main" id="{FFCF2BB5-A92A-4145-BAC5-803B42C466A2}"/>
+              </a:ext>
+            </a:extLst>
+          </p:cNvPr>
+          <p:cNvSpPr txBox="1"/>
+          <p:nvPr/>
+        </p:nvSpPr>
+        <p:spPr>
+          <a:xfrm>
+            <a:off x="458460" y="1314410"/>
+            <a:ext cx="6741375" cy="123111"/>
+          </a:xfrm>
+          <a:prstGeom prst="rect">
+            <a:avLst/>
+          </a:prstGeom>
+          <a:noFill/>
+        </p:spPr>
+        <p:txBody>
+          <a:bodyPr wrap="square" lIns="0" tIns="0" rIns="0" bIns="0" rtlCol="0">
+            <a:spAutoFit/>
+          </a:bodyPr>
+          <a:lstStyle/>
+          <a:p>
+            <a:pPr algn="just"/>
+            <a:r>
+              <a:rPr lang="fr-FR" sz="800" b="1" dirty="0">
+                <a:solidFill>
+                  <a:srgbClr val="B9A049"/>
+                </a:solidFill>
+              </a:rPr>
+              <a:t>SCÉNARIO DÉFAVORABLE </a:t>
+            </a:r>
+            <a:r>
+              <a:rPr lang="fr-FR" sz="800" dirty="0">
+                <a:solidFill>
+                  <a:srgbClr val="B9A049"/>
+                </a:solidFill>
+              </a:rPr>
+              <a:t>: À la date de constatation finale</a:t>
+            </a:r>
+            <a:r>
+              <a:rPr lang="fr-FR" sz="800" baseline="30000" dirty="0">
+                <a:solidFill>
+                  <a:srgbClr val="B9A049"/>
+                </a:solidFill>
+              </a:rPr>
+              <a:t>⁽¹⁾</a:t>
+            </a:r>
+            <a:r>
+              <a:rPr lang="fr-FR" sz="800" dirty="0">
+                <a:solidFill>
+                  <a:srgbClr val="B9A049"/>
+                </a:solidFill>
+              </a:rPr>
+              <a:t>, l’action clôture à un cours strictement inférieur à 75% de son Cours Initial</a:t>
+            </a:r>
+          </a:p>
+        </p:txBody>
+      </p:sp>
+      <p:sp>
+        <p:nvSpPr>
+          <p:cNvPr id="9" name="ZoneTexte 8">
+            <a:extLst>
+              <a:ext uri="{FF2B5EF4-FFF2-40B4-BE49-F238E27FC236}">
+                <a16:creationId xmlns:a16="http://schemas.microsoft.com/office/drawing/2014/main" id="{EC8EA57A-F6C8-4630-A4E0-A7B9CB234556}"/>
+              </a:ext>
+            </a:extLst>
+          </p:cNvPr>
+          <p:cNvSpPr txBox="1"/>
+          <p:nvPr/>
+        </p:nvSpPr>
+        <p:spPr>
+          <a:xfrm>
+            <a:off x="458459" y="4163001"/>
+            <a:ext cx="6741373" cy="110800"/>
+          </a:xfrm>
+          <a:prstGeom prst="rect">
+            <a:avLst/>
+          </a:prstGeom>
+          <a:noFill/>
+        </p:spPr>
+        <p:txBody>
+          <a:bodyPr wrap="square" lIns="0" tIns="0" rIns="0" bIns="0" rtlCol="0">
+            <a:spAutoFit/>
+          </a:bodyPr>
+          <a:lstStyle>
+            <a:defPPr>
+              <a:defRPr lang="en-US"/>
+            </a:defPPr>
+            <a:lvl1pPr algn="just">
+              <a:lnSpc>
+                <a:spcPct val="90000"/>
+              </a:lnSpc>
+              <a:defRPr sz="900" b="1">
+                <a:solidFill>
+                  <a:srgbClr val="B9A049"/>
+                </a:solidFill>
+                <a:latin typeface="Futura PT" panose="020B0902020204020203" pitchFamily="34" charset="0"/>
+              </a:defRPr>
+            </a:lvl1pPr>
+          </a:lstStyle>
+          <a:p>
+            <a:r>
+              <a:rPr lang="fr-FR" sz="800" dirty="0">
+                <a:latin typeface="+mn-lt"/>
+              </a:rPr>
+              <a:t>SCÉNARIO MÉDIAN : </a:t>
+            </a:r>
+            <a:r>
+              <a:rPr lang="fr-FR" sz="800" b="0" dirty="0">
+                <a:latin typeface="+mn-lt"/>
+              </a:rPr>
+              <a:t>À la date de constatation finale⁽¹⁾, l’action clôture à un cours strictement inférieur à 95% mais supérieur ou égal à 75% de son Cours Initial</a:t>
+            </a:r>
+          </a:p>
+        </p:txBody>
+      </p:sp>
+      <p:sp>
+        <p:nvSpPr>
+          <p:cNvPr id="10" name="ZoneTexte 9">
+            <a:extLst>
+              <a:ext uri="{FF2B5EF4-FFF2-40B4-BE49-F238E27FC236}">
+                <a16:creationId xmlns:a16="http://schemas.microsoft.com/office/drawing/2014/main" id="{C8AE3A6A-C537-450E-A547-0EC6DD9F7A53}"/>
+              </a:ext>
+            </a:extLst>
+          </p:cNvPr>
+          <p:cNvSpPr txBox="1"/>
+          <p:nvPr/>
+        </p:nvSpPr>
+        <p:spPr>
+          <a:xfrm>
+            <a:off x="458459" y="6787332"/>
+            <a:ext cx="6741373" cy="221599"/>
+          </a:xfrm>
+          <a:prstGeom prst="rect">
+            <a:avLst/>
+          </a:prstGeom>
+          <a:noFill/>
+        </p:spPr>
+        <p:txBody>
+          <a:bodyPr wrap="square" lIns="0" tIns="0" rIns="0" bIns="0" rtlCol="0">
+            <a:spAutoFit/>
+          </a:bodyPr>
+          <a:lstStyle>
+            <a:defPPr>
+              <a:defRPr lang="en-US"/>
+            </a:defPPr>
+            <a:lvl1pPr algn="just">
+              <a:lnSpc>
+                <a:spcPct val="90000"/>
+              </a:lnSpc>
+              <a:defRPr sz="900" b="1">
+                <a:solidFill>
+                  <a:srgbClr val="B9A049"/>
+                </a:solidFill>
+                <a:latin typeface="Futura PT" panose="020B0902020204020203" pitchFamily="34" charset="0"/>
+              </a:defRPr>
+            </a:lvl1pPr>
+          </a:lstStyle>
+          <a:p>
+            <a:r>
+              <a:rPr lang="fr-FR" sz="800" dirty="0">
+                <a:latin typeface="+mn-lt"/>
+              </a:rPr>
+              <a:t>SCÉNARIO FAVORABLE AVEC MISE EN ÉVIDENCE DU PLAFONNEMENT DES GAINS : </a:t>
+            </a:r>
+            <a:r>
+              <a:rPr lang="fr-FR" sz="800" b="0" dirty="0">
+                <a:latin typeface="+mn-lt"/>
+              </a:rPr>
+              <a:t>Dès la première date de constatation du mécanisme de remboursement anticipé automatique, l’action clôture à un cours supérieur ou égal à la barrière dégressive de remboursement anticipé automatique</a:t>
+            </a:r>
+          </a:p>
+        </p:txBody>
+      </p:sp>
+      <p:sp>
+        <p:nvSpPr>
+          <p:cNvPr id="11" name="Espace réservé du texte 11">
+            <a:extLst>
+              <a:ext uri="{FF2B5EF4-FFF2-40B4-BE49-F238E27FC236}">
+                <a16:creationId xmlns:a16="http://schemas.microsoft.com/office/drawing/2014/main" id="{62E64A7A-B241-457F-85AF-644F9663089B}"/>
+              </a:ext>
+            </a:extLst>
+          </p:cNvPr>
+          <p:cNvSpPr txBox="1">
+            <a:spLocks/>
+          </p:cNvSpPr>
+          <p:nvPr/>
+        </p:nvSpPr>
+        <p:spPr>
+          <a:xfrm>
+            <a:off x="458459" y="9282268"/>
+            <a:ext cx="6739266" cy="396000"/>
+          </a:xfrm>
+          <a:prstGeom prst="rect">
+            <a:avLst/>
+          </a:prstGeom>
+        </p:spPr>
+        <p:txBody>
+          <a:bodyPr lIns="0" tIns="0" rIns="0" bIns="0">
+            <a:noAutofit/>
+          </a:bodyPr>
+          <a:lstStyle>
+            <a:lvl1pPr marL="0" indent="0" algn="l" defTabSz="755934" rtl="0" eaLnBrk="1" latinLnBrk="0" hangingPunct="1">
+              <a:lnSpc>
+                <a:spcPct val="90000"/>
+              </a:lnSpc>
+              <a:spcBef>
+                <a:spcPts val="2400"/>
+              </a:spcBef>
+              <a:buFont typeface="Arial" panose="020B0604020202020204" pitchFamily="34" charset="0"/>
+              <a:buNone/>
+              <a:defRPr sz="1600" b="0" kern="1200" cap="all" baseline="0">
+                <a:solidFill>
+                  <a:schemeClr val="tx1"/>
+                </a:solidFill>
+                <a:latin typeface="Gotham Bold" pitchFamily="50" charset="0"/>
+                <a:ea typeface="+mn-ea"/>
+                <a:cs typeface="Gotham Bold" pitchFamily="50" charset="0"/>
+              </a:defRPr>
+            </a:lvl1pPr>
+            <a:lvl2pPr marL="108000" indent="0" algn="l" defTabSz="755934" rtl="0" eaLnBrk="1" latinLnBrk="0" hangingPunct="1">
+              <a:lnSpc>
+                <a:spcPct val="100000"/>
+              </a:lnSpc>
+              <a:spcBef>
+                <a:spcPts val="600"/>
+              </a:spcBef>
+              <a:buFont typeface="Arial" panose="020B0604020202020204" pitchFamily="34" charset="0"/>
+              <a:buNone/>
+              <a:defRPr sz="700" b="0" i="0" kern="1200" cap="none" baseline="0">
+                <a:solidFill>
+                  <a:schemeClr val="tx2"/>
+                </a:solidFill>
+                <a:latin typeface="Ciutadella Regular Italic" panose="01000000000000000000" pitchFamily="50" charset="0"/>
+                <a:ea typeface="+mn-ea"/>
+                <a:cs typeface="Gotham Medium" pitchFamily="50" charset="0"/>
+              </a:defRPr>
+            </a:lvl2pPr>
+            <a:lvl3pPr marL="108000" indent="0" algn="l" defTabSz="755934" rtl="0" eaLnBrk="1" latinLnBrk="0" hangingPunct="1">
+              <a:lnSpc>
+                <a:spcPct val="100000"/>
+              </a:lnSpc>
+              <a:spcBef>
+                <a:spcPts val="1000"/>
+              </a:spcBef>
+              <a:spcAft>
+                <a:spcPts val="1000"/>
+              </a:spcAft>
+              <a:buFont typeface="Arial" panose="020B0604020202020204" pitchFamily="34" charset="0"/>
+              <a:buNone/>
+              <a:defRPr sz="1000" b="0" i="0" kern="1200" cap="all" baseline="0">
+                <a:solidFill>
+                  <a:schemeClr val="tx1"/>
+                </a:solidFill>
+                <a:latin typeface="Gotham Medium" pitchFamily="50" charset="0"/>
+                <a:ea typeface="+mn-ea"/>
+                <a:cs typeface="Gotham Medium" pitchFamily="50" charset="0"/>
+              </a:defRPr>
+            </a:lvl3pPr>
+            <a:lvl4pPr marL="2340000" indent="0" algn="l" defTabSz="755934" rtl="0" eaLnBrk="1" latinLnBrk="0" hangingPunct="1">
+              <a:lnSpc>
+                <a:spcPct val="100000"/>
+              </a:lnSpc>
+              <a:spcBef>
+                <a:spcPts val="300"/>
+              </a:spcBef>
+              <a:spcAft>
+                <a:spcPts val="0"/>
+              </a:spcAft>
+              <a:buFont typeface="Arial" panose="020B0604020202020204" pitchFamily="34" charset="0"/>
+              <a:buNone/>
+              <a:defRPr sz="850" u="none" kern="1200">
+                <a:solidFill>
+                  <a:schemeClr val="tx2"/>
+                </a:solidFill>
+                <a:latin typeface="Ciutadella Light" panose="02000000000000000000" pitchFamily="50" charset="0"/>
+                <a:ea typeface="+mn-ea"/>
+                <a:cs typeface="+mn-cs"/>
+              </a:defRPr>
+            </a:lvl4pPr>
+            <a:lvl5pPr marL="2340000" indent="0" algn="l" defTabSz="755934" rtl="0" eaLnBrk="1" latinLnBrk="0" hangingPunct="1">
+              <a:lnSpc>
+                <a:spcPct val="100000"/>
+              </a:lnSpc>
+              <a:spcBef>
+                <a:spcPts val="300"/>
+              </a:spcBef>
+              <a:buFont typeface="Arial" panose="020B0604020202020204" pitchFamily="34" charset="0"/>
+              <a:buNone/>
+              <a:defRPr sz="850" kern="1200">
+                <a:solidFill>
+                  <a:schemeClr val="tx2"/>
+                </a:solidFill>
+                <a:latin typeface="Ciutadella Medium" panose="01000000000000000000" pitchFamily="50" charset="0"/>
+                <a:ea typeface="+mn-ea"/>
+                <a:cs typeface="+mn-cs"/>
+              </a:defRPr>
+            </a:lvl5pPr>
+            <a:lvl6pPr marL="2078820" indent="-188984" algn="l" defTabSz="755934" rtl="0" eaLnBrk="1" latinLnBrk="0" hangingPunct="1">
+              <a:lnSpc>
+                <a:spcPct val="90000"/>
+              </a:lnSpc>
+              <a:spcBef>
+                <a:spcPts val="413"/>
+              </a:spcBef>
+              <a:buFont typeface="Arial" panose="020B0604020202020204" pitchFamily="34" charset="0"/>
+              <a:buChar char="•"/>
+              <a:defRPr sz="1488" kern="1200">
+                <a:solidFill>
+                  <a:schemeClr val="tx1"/>
+                </a:solidFill>
+                <a:latin typeface="+mn-lt"/>
+                <a:ea typeface="+mn-ea"/>
+                <a:cs typeface="+mn-cs"/>
+              </a:defRPr>
+            </a:lvl6pPr>
+            <a:lvl7pPr marL="2456787" indent="-188984" algn="l" defTabSz="755934" rtl="0" eaLnBrk="1" latinLnBrk="0" hangingPunct="1">
+              <a:lnSpc>
+                <a:spcPct val="90000"/>
+              </a:lnSpc>
+              <a:spcBef>
+                <a:spcPts val="413"/>
+              </a:spcBef>
+              <a:buFont typeface="Arial" panose="020B0604020202020204" pitchFamily="34" charset="0"/>
+              <a:buChar char="•"/>
+              <a:defRPr sz="1488" kern="1200">
+                <a:solidFill>
+                  <a:schemeClr val="tx1"/>
+                </a:solidFill>
+                <a:latin typeface="+mn-lt"/>
+                <a:ea typeface="+mn-ea"/>
+                <a:cs typeface="+mn-cs"/>
+              </a:defRPr>
+            </a:lvl7pPr>
+            <a:lvl8pPr marL="2834754" indent="-188984" algn="l" defTabSz="755934" rtl="0" eaLnBrk="1" latinLnBrk="0" hangingPunct="1">
+              <a:lnSpc>
+                <a:spcPct val="90000"/>
+              </a:lnSpc>
+              <a:spcBef>
+                <a:spcPts val="413"/>
+              </a:spcBef>
+              <a:buFont typeface="Arial" panose="020B0604020202020204" pitchFamily="34" charset="0"/>
+              <a:buChar char="•"/>
+              <a:defRPr sz="1488" kern="1200">
+                <a:solidFill>
+                  <a:schemeClr val="tx1"/>
+                </a:solidFill>
+                <a:latin typeface="+mn-lt"/>
+                <a:ea typeface="+mn-ea"/>
+                <a:cs typeface="+mn-cs"/>
+              </a:defRPr>
+            </a:lvl8pPr>
+            <a:lvl9pPr marL="3212722" indent="-188984" algn="l" defTabSz="755934" rtl="0" eaLnBrk="1" latinLnBrk="0" hangingPunct="1">
+              <a:lnSpc>
+                <a:spcPct val="90000"/>
+              </a:lnSpc>
+              <a:spcBef>
+                <a:spcPts val="413"/>
+              </a:spcBef>
+              <a:buFont typeface="Arial" panose="020B0604020202020204" pitchFamily="34" charset="0"/>
+              <a:buChar char="•"/>
+              <a:defRPr sz="1488" kern="1200">
+                <a:solidFill>
+                  <a:schemeClr val="tx1"/>
+                </a:solidFill>
+                <a:latin typeface="+mn-lt"/>
+                <a:ea typeface="+mn-ea"/>
+                <a:cs typeface="+mn-cs"/>
+              </a:defRPr>
+            </a:lvl9pPr>
+          </a:lstStyle>
+          <a:p>
+            <a:pPr marL="0" lvl="2" algn="just">
+              <a:spcBef>
+                <a:spcPts val="0"/>
+              </a:spcBef>
+              <a:spcAft>
+                <a:spcPts val="0"/>
+              </a:spcAft>
+            </a:pPr>
+            <a:endParaRPr lang="fr-FR" sz="800">
+              <a:solidFill>
+                <a:srgbClr val="B9A049"/>
+              </a:solidFill>
+              <a:latin typeface="+mn-lt"/>
+            </a:endParaRPr>
+          </a:p>
+          <a:p>
+            <a:pPr marL="0" lvl="2" algn="just">
+              <a:spcBef>
+                <a:spcPts val="0"/>
+              </a:spcBef>
+              <a:spcAft>
+                <a:spcPts val="0"/>
+              </a:spcAft>
+            </a:pPr>
+            <a:r>
+              <a:rPr lang="fr-FR" sz="800" dirty="0">
+                <a:solidFill>
+                  <a:srgbClr val="B9A049"/>
+                </a:solidFill>
+                <a:latin typeface="+mn-lt"/>
+              </a:rPr>
+              <a:t>LE RENDEMENT DU PRODUIT « kopkpopok » EST TRÈS SENSIBLE À UNE FAIBLE </a:t>
+            </a:r>
+            <a:r>
+              <a:rPr lang="fr-FR" sz="800">
+                <a:solidFill>
+                  <a:srgbClr val="B9A049"/>
+                </a:solidFill>
+                <a:latin typeface="+mn-lt"/>
+              </a:rPr>
+              <a:t>VARIATION DU cours </a:t>
+            </a:r>
+            <a:r>
+              <a:rPr lang="fr-FR" sz="800" dirty="0">
+                <a:solidFill>
+                  <a:srgbClr val="B9A049"/>
+                </a:solidFill>
+                <a:latin typeface="+mn-lt"/>
+              </a:rPr>
+              <a:t>DE l’action AUTOUR DES SEUILS DE 75% ET DE 95% DE SON Cours Initial À LA DATE DE CONSTATATION FINALE</a:t>
+            </a:r>
+            <a:r>
+              <a:rPr lang="fr-FR" sz="800" baseline="30000" dirty="0">
+                <a:solidFill>
+                  <a:srgbClr val="B9A049"/>
+                </a:solidFill>
+                <a:latin typeface="+mn-lt"/>
+              </a:rPr>
+              <a:t>⁽¹⁾</a:t>
+            </a:r>
+            <a:r>
+              <a:rPr lang="fr-FR" sz="800" dirty="0">
+                <a:solidFill>
+                  <a:srgbClr val="B9A049"/>
+                </a:solidFill>
+                <a:latin typeface="+mn-lt"/>
+              </a:rPr>
+              <a:t>.</a:t>
+            </a:r>
+          </a:p>
+        </p:txBody>
+      </p:sp>
+      <p:sp>
+        <p:nvSpPr>
+          <p:cNvPr id="67" name="ZoneTexte 66">
+            <a:extLst>
+              <a:ext uri="{FF2B5EF4-FFF2-40B4-BE49-F238E27FC236}">
+                <a16:creationId xmlns:a16="http://schemas.microsoft.com/office/drawing/2014/main" id="{54856FA3-20DE-4C1E-8670-977050ABC5CF}"/>
+              </a:ext>
+            </a:extLst>
+          </p:cNvPr>
+          <p:cNvSpPr txBox="1"/>
+          <p:nvPr/>
+        </p:nvSpPr>
+        <p:spPr>
+          <a:xfrm>
+            <a:off x="4008562" y="1524157"/>
+            <a:ext cx="3189159" cy="2416046"/>
+          </a:xfrm>
+          <a:prstGeom prst="rect">
+            <a:avLst/>
+          </a:prstGeom>
+          <a:solidFill>
+            <a:schemeClr val="bg1"/>
+          </a:solidFill>
+          <a:ln>
+            <a:noFill/>
+          </a:ln>
+          <a:effectLst/>
+        </p:spPr>
+        <p:txBody>
+          <a:bodyPr wrap="square" lIns="0" tIns="0" rIns="0" bIns="0" rtlCol="0">
+            <a:spAutoFit/>
+          </a:bodyPr>
+          <a:lstStyle/>
+          <a:p>
+            <a:pPr lvl="0" algn="just" defTabSz="1042988" fontAlgn="base">
+              <a:spcBef>
+                <a:spcPct val="0"/>
+              </a:spcBef>
+              <a:spcAft>
+                <a:spcPct val="0"/>
+              </a:spcAft>
+            </a:pPr>
+            <a:r>
+              <a:rPr lang="fr-FR" sz="800" dirty="0"/>
+              <a:t>À la fin du trimestre 1, à la date de constatation correspondante</a:t>
+            </a:r>
+            <a:r>
+              <a:rPr lang="fr-FR" sz="800" baseline="30000" dirty="0">
+                <a:solidFill>
+                  <a:schemeClr val="tx2"/>
+                </a:solidFill>
+                <a:latin typeface="Proxima Nova Rg" panose="02000506030000020004" pitchFamily="2" charset="0"/>
+              </a:rPr>
+              <a:t>⁽¹⁾</a:t>
+            </a:r>
+            <a:r>
+              <a:rPr lang="fr-FR" sz="800" dirty="0"/>
+              <a:t>, l’action clôture à un cours strictement supérieur à 95% de son Cours Initial. Le produit verse donc un coupon de 1,00% au titre du trimestre.</a:t>
+            </a:r>
+          </a:p>
+          <a:p>
+            <a:pPr lvl="0" algn="just" defTabSz="1042988" fontAlgn="base">
+              <a:spcBef>
+                <a:spcPct val="0"/>
+              </a:spcBef>
+              <a:spcAft>
+                <a:spcPct val="0"/>
+              </a:spcAft>
+            </a:pPr>
+            <a:endParaRPr lang="fr-FR" sz="800" dirty="0"/>
+          </a:p>
+          <a:p>
+            <a:pPr lvl="0" algn="just" defTabSz="1042988" fontAlgn="base">
+              <a:spcBef>
+                <a:spcPct val="0"/>
+              </a:spcBef>
+              <a:spcAft>
+                <a:spcPct val="0"/>
+              </a:spcAft>
+            </a:pPr>
+            <a:r>
+              <a:rPr lang="fr-FR" sz="800" dirty="0"/>
+              <a:t>À l’issue des trimestres 2 à 39, aux dates de constatation correspondantes⁽¹⁾, l’action clôture à un cours strictement inférieur à 95% de son Cours Initial. Le mécanisme de remboursement anticipé automatique n’est donc pas activé et le produit ne verse aucun coupon, ils sont mis en mémoire.</a:t>
+            </a:r>
+          </a:p>
+          <a:p>
+            <a:pPr lvl="0" algn="just" defTabSz="1042988" fontAlgn="base">
+              <a:spcBef>
+                <a:spcPct val="0"/>
+              </a:spcBef>
+              <a:spcAft>
+                <a:spcPct val="0"/>
+              </a:spcAft>
+            </a:pPr>
+            <a:endParaRPr lang="fr-FR" sz="800" dirty="0">
+              <a:highlight>
+                <a:srgbClr val="FFFF00"/>
+              </a:highlight>
+            </a:endParaRPr>
+          </a:p>
+          <a:p>
+            <a:pPr lvl="0" algn="just" defTabSz="1042988" fontAlgn="base">
+              <a:spcBef>
+                <a:spcPct val="0"/>
+              </a:spcBef>
+              <a:spcAft>
+                <a:spcPts val="600"/>
+              </a:spcAft>
+            </a:pPr>
+            <a:r>
+              <a:rPr lang="fr-FR" sz="800" dirty="0"/>
+              <a:t>À la date de constatation finale</a:t>
+            </a:r>
+            <a:r>
+              <a:rPr lang="fr-FR" sz="800" baseline="30000" dirty="0"/>
+              <a:t>⁽¹⁾</a:t>
+            </a:r>
+            <a:r>
+              <a:rPr lang="fr-FR" sz="800" dirty="0"/>
+              <a:t>, l’action clôture à un cours strictement inférieur à 75% de son Cours Initial (30% dans cet exemple). L’investisseur récupère alors le capital initialement investi diminué de l’intégralité de la baisse enregistrée par l’action, soit 30% de son capital initial dans cet exemple.</a:t>
+            </a:r>
+          </a:p>
+          <a:p>
+            <a:pPr lvl="0" algn="just" defTabSz="1042988" fontAlgn="base">
+              <a:spcBef>
+                <a:spcPct val="0"/>
+              </a:spcBef>
+              <a:spcAft>
+                <a:spcPts val="600"/>
+              </a:spcAft>
+            </a:pPr>
+            <a:r>
+              <a:rPr lang="fr-FR" sz="800" dirty="0"/>
+              <a:t>Ce qui correspond à un Taux de Rendement Annuel net négatif de        </a:t>
+            </a:r>
+            <a:r>
+              <a:rPr lang="fr-FR" sz="800" dirty="0">
+                <a:solidFill>
+                  <a:srgbClr val="000000"/>
+                </a:solidFill>
+                <a:highlight>
+                  <a:srgbClr val="00FFFF"/>
+                </a:highlight>
+              </a:rPr>
+              <a:t>%</a:t>
+            </a:r>
+            <a:r>
+              <a:rPr lang="fr-FR" sz="800" baseline="30000" dirty="0"/>
+              <a:t>⁽²⁾</a:t>
+            </a:r>
+            <a:r>
+              <a:rPr lang="fr-FR" sz="800" dirty="0"/>
+              <a:t>, contre un Taux de Rendement Annuel net négatif de </a:t>
+            </a:r>
+            <a:r>
+              <a:rPr lang="fr-FR" sz="800" dirty="0">
+                <a:solidFill>
+                  <a:srgbClr val="000000"/>
+                </a:solidFill>
+                <a:highlight>
+                  <a:srgbClr val="00FFFF"/>
+                </a:highlight>
+              </a:rPr>
+              <a:t>-12,21%</a:t>
+            </a:r>
+            <a:r>
+              <a:rPr lang="fr-FR" sz="800" baseline="30000" dirty="0"/>
+              <a:t>⁽²⁾</a:t>
+            </a:r>
+            <a:r>
+              <a:rPr lang="fr-FR" sz="800" dirty="0"/>
+              <a:t>, pour un investissement direct dans l’action</a:t>
+            </a:r>
+            <a:r>
+              <a:rPr lang="fr-FR" sz="800" baseline="30000" dirty="0"/>
+              <a:t>(3)</a:t>
+            </a:r>
+            <a:r>
+              <a:rPr lang="fr-FR" sz="800" dirty="0"/>
+              <a:t>. Dans ce scénario, l’investisseur subit une perte en capital, qui peut être totale dans le cas le plus défavorable.</a:t>
+            </a:r>
+          </a:p>
+        </p:txBody>
+      </p:sp>
+      <p:sp>
+        <p:nvSpPr>
+          <p:cNvPr id="39" name="ZoneTexte 38">
+            <a:extLst>
+              <a:ext uri="{FF2B5EF4-FFF2-40B4-BE49-F238E27FC236}">
+                <a16:creationId xmlns:a16="http://schemas.microsoft.com/office/drawing/2014/main" id="{24D170D4-46F4-43FE-B0B4-2763010FA847}"/>
+              </a:ext>
+            </a:extLst>
+          </p:cNvPr>
+          <p:cNvSpPr txBox="1"/>
+          <p:nvPr/>
+        </p:nvSpPr>
+        <p:spPr>
+          <a:xfrm>
+            <a:off x="4008562" y="4526931"/>
+            <a:ext cx="3189159" cy="1431161"/>
+          </a:xfrm>
+          <a:prstGeom prst="rect">
+            <a:avLst/>
+          </a:prstGeom>
+          <a:solidFill>
+            <a:schemeClr val="bg1"/>
+          </a:solidFill>
+          <a:ln>
+            <a:noFill/>
+          </a:ln>
+          <a:effectLst/>
+        </p:spPr>
+        <p:txBody>
+          <a:bodyPr wrap="square" lIns="0" tIns="0" rIns="0" bIns="0" rtlCol="0">
+            <a:spAutoFit/>
+          </a:bodyPr>
+          <a:lstStyle>
+            <a:defPPr>
+              <a:defRPr lang="en-US"/>
+            </a:defPPr>
+            <a:lvl1pPr algn="just">
+              <a:defRPr sz="700">
+                <a:solidFill>
+                  <a:schemeClr val="tx2"/>
+                </a:solidFill>
+                <a:latin typeface="Century Gothic" panose="020B0502020202020204" pitchFamily="34" charset="0"/>
+              </a:defRPr>
+            </a:lvl1pPr>
+          </a:lstStyle>
+          <a:p>
+            <a:pPr defTabSz="1042988" fontAlgn="base">
+              <a:spcBef>
+                <a:spcPct val="0"/>
+              </a:spcBef>
+              <a:spcAft>
+                <a:spcPct val="0"/>
+              </a:spcAft>
+            </a:pPr>
+            <a:r>
+              <a:rPr lang="fr-FR" sz="800" dirty="0">
+                <a:latin typeface="+mn-lt"/>
+              </a:rPr>
+              <a:t>À l’issue du trimestre 2, à la date de constatation correspondante</a:t>
+            </a:r>
+            <a:r>
+              <a:rPr lang="fr-FR" sz="800" baseline="30000" dirty="0">
+                <a:latin typeface="+mn-lt"/>
+              </a:rPr>
+              <a:t>⁽¹⁾</a:t>
+            </a:r>
+            <a:r>
+              <a:rPr lang="fr-FR" sz="800" dirty="0">
+                <a:latin typeface="+mn-lt"/>
+              </a:rPr>
+              <a:t>, l’action clôture à un cours strictement inférieur à la barrière dégressive de remboursement anticipé automatique mais supérieur au seuil de versement du coupon. Le mécanisme de remboursement anticipé automatique n’est donc pas activé mais le produit verse un coupon de 1,00% au titre du trimestre ainsi que le coupon mémorisé au préalable.</a:t>
+            </a:r>
+          </a:p>
+          <a:p>
+            <a:pPr lvl="0" defTabSz="1042988" fontAlgn="base">
+              <a:spcBef>
+                <a:spcPct val="0"/>
+              </a:spcBef>
+              <a:spcAft>
+                <a:spcPct val="0"/>
+              </a:spcAft>
+            </a:pPr>
+            <a:endParaRPr lang="fr-FR" sz="800" dirty="0">
+              <a:latin typeface="+mn-lt"/>
+            </a:endParaRPr>
+          </a:p>
+          <a:p>
+            <a:pPr lvl="0" defTabSz="1042988" fontAlgn="base">
+              <a:spcBef>
+                <a:spcPct val="0"/>
+              </a:spcBef>
+              <a:spcAft>
+                <a:spcPts val="600"/>
+              </a:spcAft>
+            </a:pPr>
+            <a:r>
+              <a:rPr lang="fr-FR" sz="800" dirty="0">
+                <a:latin typeface="+mn-lt"/>
+              </a:rPr>
+              <a:t>À la date de constatation finale⁽¹⁾, l’action clôture à un cours strictement inférieur à 95% de son Cours Initial (65% dans cet exemple) mais strictement supérieur à 75% de son Cours Initial. L’investisseur récupère alors l’intégralité de son capital initialement investi.</a:t>
+            </a:r>
+          </a:p>
+          <a:p>
+            <a:pPr lvl="0" defTabSz="1042988" fontAlgn="base">
+              <a:spcBef>
+                <a:spcPct val="0"/>
+              </a:spcBef>
+              <a:spcAft>
+                <a:spcPts val="600"/>
+              </a:spcAft>
+            </a:pPr>
+            <a:r>
+              <a:rPr lang="fr-FR" sz="800" dirty="0">
+                <a:latin typeface="+mn-lt"/>
+              </a:rPr>
+              <a:t>Ce qui correspond à un Taux de Rendement Annuel net de </a:t>
+            </a:r>
+            <a:r>
+              <a:rPr lang="fr-FR" sz="800" dirty="0">
+                <a:solidFill>
+                  <a:srgbClr val="000000"/>
+                </a:solidFill>
+                <a:highlight>
+                  <a:srgbClr val="00FFFF"/>
+                </a:highlight>
+                <a:latin typeface="+mn-lt"/>
+              </a:rPr>
+              <a:t>-0,88%</a:t>
+            </a:r>
+            <a:r>
+              <a:rPr lang="fr-FR" sz="800" baseline="30000" dirty="0">
+                <a:solidFill>
+                  <a:srgbClr val="04202E"/>
+                </a:solidFill>
+                <a:latin typeface="+mn-lt"/>
+              </a:rPr>
+              <a:t>⁽²⁾</a:t>
+            </a:r>
+            <a:r>
+              <a:rPr lang="fr-FR" sz="800" dirty="0">
+                <a:solidFill>
+                  <a:srgbClr val="04202E"/>
+                </a:solidFill>
+                <a:latin typeface="+mn-lt"/>
+              </a:rPr>
+              <a:t>, </a:t>
+            </a:r>
+            <a:r>
+              <a:rPr lang="fr-FR" sz="800" dirty="0">
+                <a:latin typeface="+mn-lt"/>
+              </a:rPr>
+              <a:t>contre un Taux de Rendement Annuel net de </a:t>
+            </a:r>
+            <a:r>
+              <a:rPr lang="fr-FR" sz="800" dirty="0">
+                <a:solidFill>
+                  <a:srgbClr val="000000"/>
+                </a:solidFill>
+                <a:highlight>
+                  <a:srgbClr val="00FFFF"/>
+                </a:highlight>
+                <a:latin typeface="+mn-lt"/>
+              </a:rPr>
+              <a:t>-5,17%</a:t>
+            </a:r>
+            <a:r>
+              <a:rPr lang="fr-FR" sz="800" baseline="30000" dirty="0">
+                <a:latin typeface="+mn-lt"/>
+              </a:rPr>
+              <a:t>(</a:t>
+            </a:r>
+            <a:r>
+              <a:rPr lang="fr-FR" sz="800" baseline="30000" dirty="0">
+                <a:solidFill>
+                  <a:srgbClr val="04202E"/>
+                </a:solidFill>
+                <a:latin typeface="+mn-lt"/>
+              </a:rPr>
+              <a:t>2)</a:t>
+            </a:r>
+            <a:r>
+              <a:rPr lang="fr-FR" sz="800" dirty="0">
+                <a:solidFill>
+                  <a:srgbClr val="04202E"/>
+                </a:solidFill>
+                <a:latin typeface="+mn-lt"/>
+              </a:rPr>
+              <a:t>, </a:t>
+            </a:r>
+            <a:r>
+              <a:rPr lang="fr-FR" sz="800" dirty="0">
+                <a:latin typeface="+mn-lt"/>
+              </a:rPr>
+              <a:t>pour un investissement direct dans l’action</a:t>
+            </a:r>
+            <a:r>
+              <a:rPr lang="fr-FR" sz="800" baseline="30000" dirty="0">
+                <a:solidFill>
+                  <a:srgbClr val="04202E"/>
+                </a:solidFill>
+                <a:latin typeface="+mn-lt"/>
+              </a:rPr>
+              <a:t>(3)</a:t>
+            </a:r>
+            <a:r>
+              <a:rPr lang="fr-FR" sz="800" dirty="0">
+                <a:solidFill>
+                  <a:srgbClr val="04202E"/>
+                </a:solidFill>
+                <a:latin typeface="+mn-lt"/>
+              </a:rPr>
+              <a:t>,</a:t>
+            </a:r>
+            <a:r>
+              <a:rPr lang="fr-FR" sz="800" baseline="30000" dirty="0">
+                <a:solidFill>
+                  <a:srgbClr val="04202E"/>
+                </a:solidFill>
+                <a:latin typeface="+mn-lt"/>
+              </a:rPr>
+              <a:t> </a:t>
+            </a:r>
+            <a:r>
+              <a:rPr lang="fr-FR" sz="800" dirty="0">
+                <a:latin typeface="+mn-lt"/>
+              </a:rPr>
+              <a:t>du fait du </a:t>
+            </a:r>
+            <a:r>
+              <a:rPr lang="fr-FR" sz="800" b="1" dirty="0">
+                <a:latin typeface="+mn-lt"/>
+              </a:rPr>
+              <a:t>mécanisme de remboursement à l’échéance</a:t>
+            </a:r>
+            <a:r>
+              <a:rPr lang="fr-FR" sz="800" b="1" baseline="30000" dirty="0">
+                <a:solidFill>
+                  <a:srgbClr val="04202E"/>
+                </a:solidFill>
+                <a:latin typeface="+mn-lt"/>
+              </a:rPr>
+              <a:t>⁽¹⁾</a:t>
+            </a:r>
+            <a:r>
+              <a:rPr lang="fr-FR" sz="800" b="1" dirty="0">
+                <a:latin typeface="+mn-lt"/>
+              </a:rPr>
+              <a:t> de « kopkpopok ».</a:t>
+            </a:r>
+          </a:p>
+        </p:txBody>
+      </p:sp>
+      <p:sp>
+        <p:nvSpPr>
+          <p:cNvPr id="41" name="ZoneTexte 40">
+            <a:extLst>
+              <a:ext uri="{FF2B5EF4-FFF2-40B4-BE49-F238E27FC236}">
+                <a16:creationId xmlns:a16="http://schemas.microsoft.com/office/drawing/2014/main" id="{D9808083-2602-4381-B2C0-93B66238FCB8}"/>
+              </a:ext>
+            </a:extLst>
+          </p:cNvPr>
+          <p:cNvSpPr txBox="1"/>
+          <p:nvPr/>
+        </p:nvSpPr>
+        <p:spPr>
+          <a:xfrm>
+            <a:off x="4008562" y="7334571"/>
+            <a:ext cx="3239378" cy="1631216"/>
+          </a:xfrm>
+          <a:prstGeom prst="rect">
+            <a:avLst/>
+          </a:prstGeom>
+          <a:solidFill>
+            <a:schemeClr val="bg1"/>
+          </a:solidFill>
+          <a:ln>
+            <a:noFill/>
+          </a:ln>
+          <a:effectLst/>
+        </p:spPr>
+        <p:txBody>
+          <a:bodyPr wrap="square" lIns="0" tIns="0" rIns="0" bIns="0" rtlCol="0">
+            <a:spAutoFit/>
+          </a:bodyPr>
+          <a:lstStyle/>
+          <a:p>
+            <a:pPr algn="just">
+              <a:spcAft>
+                <a:spcPts val="600"/>
+              </a:spcAft>
+            </a:pPr>
+            <a:r>
+              <a:rPr lang="fr-FR" sz="800" dirty="0">
+                <a:solidFill>
+                  <a:schemeClr val="tx2"/>
+                </a:solidFill>
+              </a:rPr>
+              <a:t>Du trimestre 1 au trimestre 3, aux dates de constatation correspondantes</a:t>
+            </a:r>
+            <a:r>
+              <a:rPr lang="fr-FR" sz="800" baseline="30000" dirty="0">
+                <a:solidFill>
+                  <a:schemeClr val="tx2"/>
+                </a:solidFill>
+              </a:rPr>
+              <a:t>⁽¹⁾</a:t>
+            </a:r>
+            <a:r>
+              <a:rPr lang="fr-FR" sz="800" dirty="0">
+                <a:solidFill>
+                  <a:schemeClr val="tx2"/>
+                </a:solidFill>
+              </a:rPr>
+              <a:t>, l’action clôture à un cours supérieur à 95% de son Cours Initial. Le produit verse alors un coupon de 1,00% au titre de chaque trimestre.</a:t>
+            </a:r>
+          </a:p>
+          <a:p>
+            <a:pPr algn="just">
+              <a:spcAft>
+                <a:spcPts val="600"/>
+              </a:spcAft>
+            </a:pPr>
+            <a:r>
+              <a:rPr lang="fr-FR" sz="800" dirty="0">
+                <a:solidFill>
+                  <a:schemeClr val="tx2"/>
+                </a:solidFill>
+              </a:rPr>
+              <a:t>Dès la fin du trimestre 4, à la date de constatation correspondante</a:t>
+            </a:r>
+            <a:r>
+              <a:rPr lang="fr-FR" sz="800" baseline="30000" dirty="0">
+                <a:solidFill>
+                  <a:schemeClr val="tx2"/>
+                </a:solidFill>
+              </a:rPr>
+              <a:t>⁽¹⁾</a:t>
+            </a:r>
+            <a:r>
+              <a:rPr lang="fr-FR" sz="800" dirty="0">
+                <a:solidFill>
+                  <a:schemeClr val="tx2"/>
+                </a:solidFill>
+              </a:rPr>
+              <a:t>, l’action clôture à un cours supérieur à la barrière dégressive de remboursement anticipé automatique (115% dans cet exemple). Le produit est alors automatiquement remboursé par anticipation. L’investisseur récupère l’intégralité du capital initial majoré d’un coupon de 1,00% au titre du trimestre.</a:t>
+            </a:r>
+          </a:p>
+          <a:p>
+            <a:pPr algn="just">
+              <a:spcAft>
+                <a:spcPts val="600"/>
+              </a:spcAft>
+            </a:pPr>
+            <a:r>
+              <a:rPr lang="fr-FR" sz="800" dirty="0">
+                <a:solidFill>
+                  <a:srgbClr val="04202E"/>
+                </a:solidFill>
+              </a:rPr>
+              <a:t>Ce qui correspond à un Taux de Rendement Annuel net de </a:t>
+            </a:r>
+            <a:r>
+              <a:rPr lang="fr-FR" sz="800" dirty="0">
+                <a:solidFill>
+                  <a:srgbClr val="04202E"/>
+                </a:solidFill>
+                <a:highlight>
+                  <a:srgbClr val="00FFFF"/>
+                </a:highlight>
+              </a:rPr>
+              <a:t>2,87%</a:t>
+            </a:r>
+            <a:r>
+              <a:rPr lang="fr-FR" sz="800" baseline="30000" dirty="0">
+                <a:solidFill>
+                  <a:srgbClr val="04202E"/>
+                </a:solidFill>
+                <a:highlight>
+                  <a:srgbClr val="00FFFF"/>
+                </a:highlight>
+              </a:rPr>
+              <a:t>(</a:t>
+            </a:r>
+            <a:r>
+              <a:rPr lang="fr-FR" sz="800" baseline="30000" dirty="0">
+                <a:solidFill>
+                  <a:srgbClr val="04202E"/>
+                </a:solidFill>
+              </a:rPr>
+              <a:t>2)</a:t>
+            </a:r>
+            <a:r>
+              <a:rPr lang="fr-FR" sz="800" dirty="0">
+                <a:solidFill>
+                  <a:srgbClr val="04202E"/>
+                </a:solidFill>
+              </a:rPr>
+              <a:t>, contre un Taux de Rendement Annuel net de </a:t>
+            </a:r>
+            <a:r>
+              <a:rPr lang="fr-FR" sz="800" dirty="0">
+                <a:highlight>
+                  <a:srgbClr val="00FFFF"/>
+                </a:highlight>
+              </a:rPr>
+              <a:t>13,68%</a:t>
+            </a:r>
+            <a:r>
+              <a:rPr lang="fr-FR" sz="800" baseline="30000" dirty="0">
+                <a:solidFill>
+                  <a:srgbClr val="04202E"/>
+                </a:solidFill>
+                <a:highlight>
+                  <a:srgbClr val="00FFFF"/>
+                </a:highlight>
+              </a:rPr>
+              <a:t>(</a:t>
+            </a:r>
+            <a:r>
+              <a:rPr lang="fr-FR" sz="800" baseline="30000" dirty="0">
+                <a:solidFill>
+                  <a:srgbClr val="04202E"/>
+                </a:solidFill>
+              </a:rPr>
+              <a:t>2)</a:t>
+            </a:r>
+            <a:r>
+              <a:rPr lang="fr-FR" sz="800" dirty="0">
+                <a:solidFill>
+                  <a:srgbClr val="04202E"/>
+                </a:solidFill>
+              </a:rPr>
+              <a:t> pour un investissement direct dans </a:t>
+            </a:r>
+            <a:r>
+              <a:rPr lang="it-IT" sz="800" dirty="0">
+                <a:solidFill>
+                  <a:srgbClr val="04202E"/>
+                </a:solidFill>
+              </a:rPr>
+              <a:t>l’action</a:t>
+            </a:r>
+            <a:r>
+              <a:rPr lang="fr-FR" sz="800" baseline="30000" dirty="0">
+                <a:solidFill>
+                  <a:srgbClr val="04202E"/>
+                </a:solidFill>
+              </a:rPr>
+              <a:t>(3)</a:t>
+            </a:r>
+            <a:r>
+              <a:rPr lang="fr-FR" sz="800" dirty="0">
+                <a:solidFill>
+                  <a:srgbClr val="04202E"/>
+                </a:solidFill>
+              </a:rPr>
+              <a:t>, du fait du </a:t>
+            </a:r>
+            <a:r>
+              <a:rPr lang="fr-FR" sz="800" b="1" dirty="0">
+                <a:solidFill>
+                  <a:schemeClr val="tx2"/>
+                </a:solidFill>
+              </a:rPr>
+              <a:t>mécanisme de plafonnement des gains à 1,00% par trimestre.</a:t>
+            </a:r>
+          </a:p>
+        </p:txBody>
+      </p:sp>
+      <p:sp>
+        <p:nvSpPr>
+          <p:cNvPr id="16" name="ZoneTexte 15">
+            <a:extLst>
+              <a:ext uri="{FF2B5EF4-FFF2-40B4-BE49-F238E27FC236}">
+                <a16:creationId xmlns:a16="http://schemas.microsoft.com/office/drawing/2014/main" id="{B9B1E93F-04D6-443C-BA62-C62656DE571B}"/>
+              </a:ext>
+            </a:extLst>
+          </p:cNvPr>
+          <p:cNvSpPr txBox="1"/>
+          <p:nvPr/>
+        </p:nvSpPr>
+        <p:spPr>
+          <a:xfrm>
+            <a:off x="771525" y="2415143"/>
+            <a:ext cx="4057650" cy="369332"/>
+          </a:xfrm>
+          <a:prstGeom prst="rect">
+            <a:avLst/>
+          </a:prstGeom>
+          <a:noFill/>
+        </p:spPr>
+        <p:txBody>
+          <a:bodyPr wrap="square">
+            <a:spAutoFit/>
+          </a:bodyPr>
+          <a:lstStyle/>
+          <a:p/>
+        </p:txBody>
+      </p:sp>
+      <p:sp>
+        <p:nvSpPr>
+          <p:cNvPr id="17" name="ZoneTexte 16">
+            <a:extLst>
+              <a:ext uri="{FF2B5EF4-FFF2-40B4-BE49-F238E27FC236}">
+                <a16:creationId xmlns:a16="http://schemas.microsoft.com/office/drawing/2014/main" id="{8539C88E-CE17-EC3F-E7D2-0160E84E2E36}"/>
+              </a:ext>
+            </a:extLst>
+          </p:cNvPr>
+          <p:cNvSpPr txBox="1"/>
+          <p:nvPr/>
+        </p:nvSpPr>
+        <p:spPr>
+          <a:xfrm>
+            <a:off x="858012" y="4976568"/>
+            <a:ext cx="4056888" cy="369332"/>
+          </a:xfrm>
+          <a:prstGeom prst="rect">
+            <a:avLst/>
+          </a:prstGeom>
+          <a:noFill/>
+        </p:spPr>
+        <p:txBody>
+          <a:bodyPr wrap="square">
+            <a:spAutoFit/>
+          </a:bodyPr>
+          <a:lstStyle/>
+          <a:p/>
+        </p:txBody>
+      </p:sp>
+      <p:sp>
+        <p:nvSpPr>
+          <p:cNvPr id="18" name="ZoneTexte 17">
+            <a:extLst>
+              <a:ext uri="{FF2B5EF4-FFF2-40B4-BE49-F238E27FC236}">
+                <a16:creationId xmlns:a16="http://schemas.microsoft.com/office/drawing/2014/main" id="{57346406-5984-EBB4-1273-7356AD921889}"/>
+              </a:ext>
+            </a:extLst>
+          </p:cNvPr>
+          <p:cNvSpPr txBox="1"/>
+          <p:nvPr/>
+        </p:nvSpPr>
+        <p:spPr>
+          <a:xfrm>
+            <a:off x="723900" y="7776267"/>
+            <a:ext cx="4056888" cy="369332"/>
+          </a:xfrm>
+          <a:prstGeom prst="rect">
+            <a:avLst/>
+          </a:prstGeom>
+          <a:noFill/>
+        </p:spPr>
+        <p:txBody>
+          <a:bodyPr wrap="square">
+            <a:spAutoFit/>
+          </a:bodyPr>
+          <a:lstStyle/>
+          <a:p/>
+        </p:txBody>
+      </p:sp>
+      <p:sp>
+        <p:nvSpPr>
+          <p:cNvPr id="3" name="ZoneTexte 2">
+            <a:extLst>
+              <a:ext uri="{FF2B5EF4-FFF2-40B4-BE49-F238E27FC236}">
+                <a16:creationId xmlns:a16="http://schemas.microsoft.com/office/drawing/2014/main" id="{D652E3E6-A9EC-9841-2DE3-2DD070B4FB32}"/>
+              </a:ext>
+            </a:extLst>
+          </p:cNvPr>
+          <p:cNvSpPr txBox="1"/>
+          <p:nvPr/>
+        </p:nvSpPr>
+        <p:spPr>
+          <a:xfrm>
+            <a:off x="5684520" y="9174546"/>
+            <a:ext cx="1646522" cy="215444"/>
+          </a:xfrm>
+          <a:prstGeom prst="rect">
+            <a:avLst/>
+          </a:prstGeom>
+          <a:noFill/>
+        </p:spPr>
+        <p:txBody>
+          <a:bodyPr wrap="square" rtlCol="0">
+            <a:spAutoFit/>
+          </a:bodyPr>
+          <a:lstStyle/>
+          <a:p>
+            <a:r>
+              <a:rPr lang="fr-FR" sz="800" u="sng"/>
+              <a:t>Source :</a:t>
+            </a:r>
+            <a:r>
+              <a:rPr lang="fr-FR" sz="800"/>
+              <a:t> Equitim, le </a:t>
+            </a:r>
+            <a:r>
+              <a:rPr lang="fr-FR" sz="800">
+                <a:solidFill>
+                  <a:schemeClr val="tx2"/>
+                </a:solidFill>
+              </a:rPr>
+              <a:t>20 juin 2022</a:t>
+            </a:r>
+            <a:endParaRPr lang="fr-FR" sz="800"/>
+          </a:p>
+        </p:txBody>
+      </p:sp>
+      <p:sp>
+        <p:nvSpPr>
+          <p:cNvPr id="19" name="Rectangle">
+            <a:extLst>
+              <a:ext uri="{FF2B5EF4-FFF2-40B4-BE49-F238E27FC236}">
+                <a16:creationId xmlns:a16="http://schemas.microsoft.com/office/drawing/2014/main" id="{19EE1CDE-3347-6DCC-BCF5-5A246EA88D66}"/>
+              </a:ext>
+            </a:extLst>
+          </p:cNvPr>
+          <p:cNvSpPr/>
+          <p:nvPr/>
+        </p:nvSpPr>
+        <p:spPr>
+          <a:xfrm>
+            <a:off x="357721" y="9743194"/>
+            <a:ext cx="6840000" cy="6846"/>
+          </a:xfrm>
+          <a:prstGeom prst="rect">
+            <a:avLst/>
+          </a:prstGeom>
+          <a:solidFill>
+            <a:srgbClr val="C5AF5C"/>
+          </a:solidFill>
+          <a:ln w="3175">
+            <a:miter lim="400000"/>
+          </a:ln>
+        </p:spPr>
+        <p:txBody>
+          <a:bodyPr lIns="20981" tIns="20981" rIns="20981" bIns="20981" anchor="ctr"/>
+          <a:lstStyle/>
+          <a:p>
+            <a:pPr algn="ctr" defTabSz="825500">
+              <a:lnSpc>
+                <a:spcPct val="100000"/>
+              </a:lnSpc>
+              <a:defRPr sz="3200" b="0">
+                <a:solidFill>
+                  <a:srgbClr val="FFFFFF"/>
+                </a:solidFill>
+                <a:latin typeface="Helvetica Neue Medium"/>
+                <a:ea typeface="Helvetica Neue Medium"/>
+                <a:cs typeface="Helvetica Neue Medium"/>
+                <a:sym typeface="Helvetica Neue Medium"/>
+              </a:defRPr>
+            </a:pPr>
+            <a:endParaRPr/>
+          </a:p>
+        </p:txBody>
+      </p:sp>
+      <p:pic>
+        <p:nvPicPr>
+          <p:cNvPr id="68" name="Picture 67" descr="graph_scenario_def.png"/>
+          <p:cNvPicPr>
+            <a:picLocks noChangeAspect="1"/>
+          </p:cNvPicPr>
+          <p:nvPr/>
+        </p:nvPicPr>
+        <p:blipFill>
+          <a:blip r:embed="rId2"/>
+          <a:stretch>
+            <a:fillRect/>
+          </a:stretch>
+        </p:blipFill>
+        <p:spPr>
+          <a:xfrm>
+            <a:off x="411480" y="1645920"/>
+            <a:ext cx="3383280" cy="2416629"/>
+          </a:xfrm>
+          <a:prstGeom prst="rect">
+            <a:avLst/>
+          </a:prstGeom>
+        </p:spPr>
+      </p:pic>
+      <p:pic>
+        <p:nvPicPr>
+          <p:cNvPr id="69" name="Picture 68" descr="graph_scenario_median.png"/>
+          <p:cNvPicPr>
+            <a:picLocks noChangeAspect="1"/>
+          </p:cNvPicPr>
+          <p:nvPr/>
+        </p:nvPicPr>
+        <p:blipFill>
+          <a:blip r:embed="rId3"/>
+          <a:stretch>
+            <a:fillRect/>
+          </a:stretch>
+        </p:blipFill>
+        <p:spPr>
+          <a:xfrm>
+            <a:off x="411480" y="4370832"/>
+            <a:ext cx="3291840" cy="2351314"/>
+          </a:xfrm>
+          <a:prstGeom prst="rect">
+            <a:avLst/>
+          </a:prstGeom>
+        </p:spPr>
+      </p:pic>
+      <p:pic>
+        <p:nvPicPr>
+          <p:cNvPr id="70" name="Picture 69" descr="graph_scenario_fav.png"/>
+          <p:cNvPicPr>
+            <a:picLocks noChangeAspect="1"/>
+          </p:cNvPicPr>
+          <p:nvPr/>
+        </p:nvPicPr>
+        <p:blipFill>
+          <a:blip r:embed="rId4"/>
+          <a:stretch>
+            <a:fillRect/>
+          </a:stretch>
+        </p:blipFill>
+        <p:spPr>
+          <a:xfrm>
+            <a:off x="411480" y="7022592"/>
+            <a:ext cx="3154680" cy="2253343"/>
+          </a:xfrm>
+          <a:prstGeom prst="rect">
+            <a:avLst/>
+          </a:prstGeom>
+        </p:spPr>
+      </p:pic>
+    </p:spTree>
+    <p:extLst>
+      <p:ext uri="{BB962C8B-B14F-4D97-AF65-F5344CB8AC3E}">
+        <p14:creationId xmlns:p14="http://schemas.microsoft.com/office/powerpoint/2010/main" val="1551785400"/>
       </p:ext>
     </p:extLst>
   </p:cSld>
@@ -2694,7 +4579,7 @@
               <a:rPr lang="fr-FR" sz="1200" cap="none" dirty="0">
                 <a:latin typeface="Futura PT" panose="020B0902020204020203" pitchFamily="34" charset="0"/>
               </a:rPr>
-              <a:t>ZOOM SUR EURO STOXX 50 PRICE EUR   </a:t>
+              <a:t>ZOOM SUR BOUYGUES SA   </a:t>
             </a:r>
           </a:p>
         </p:txBody>
@@ -3080,7 +4965,7 @@
                         <a:defRPr sz="700"/>
                       </a:pPr>
                       <a:r>
-                        <a:t>Performances au 16/06/2022</a:t>
+                        <a:t>Performances au 19/06/2022</a:t>
                       </a:r>
                     </a:p>
                   </a:txBody>
@@ -3392,7 +5277,7 @@
                         <a:defRPr sz="700"/>
                       </a:pPr>
                       <a:r>
-                        <a:t>EURO STOXX 50 PRICE EUR</a:t>
+                        <a:t>BOUYGUES SA</a:t>
                       </a:r>
                     </a:p>
                   </a:txBody>
@@ -3432,7 +5317,7 @@
                         <a:defRPr sz="700"/>
                       </a:pPr>
                       <a:r>
-                        <a:t>N/A</a:t>
+                        <a:t>0,76%</a:t>
                       </a:r>
                     </a:p>
                   </a:txBody>
@@ -3472,7 +5357,7 @@
                         <a:defRPr sz="700"/>
                       </a:pPr>
                       <a:r>
-                        <a:t>N/A</a:t>
+                        <a:t>13,61%</a:t>
                       </a:r>
                     </a:p>
                   </a:txBody>
@@ -3512,7 +5397,7 @@
                         <a:defRPr sz="700"/>
                       </a:pPr>
                       <a:r>
-                        <a:t>N/A</a:t>
+                        <a:t>13,67%</a:t>
                       </a:r>
                     </a:p>
                   </a:txBody>
@@ -3552,7 +5437,7 @@
                         <a:defRPr sz="700"/>
                       </a:pPr>
                       <a:r>
-                        <a:t>N/A</a:t>
+                        <a:t>160,21%</a:t>
                       </a:r>
                     </a:p>
                   </a:txBody>
@@ -3588,18 +5473,12 @@
                     <a:bodyPr/>
                     <a:lstStyle/>
                     <a:p>
-                      <a:pPr marL="0" algn="ctr" defTabSz="755934" rtl="0" eaLnBrk="1" fontAlgn="ctr" latinLnBrk="0" hangingPunct="1">
+                      <a:pPr>
                         <a:defRPr sz="700"/>
                       </a:pPr>
-                      <a:endParaRPr lang="fr-FR" sz="800" b="1" i="0" u="none" strike="noStrike" kern="1200" dirty="0">
-                        <a:solidFill>
-                          <a:srgbClr val="004F74"/>
-                        </a:solidFill>
-                        <a:effectLst/>
-                        <a:latin typeface="Proxima Nova Rg" panose="02000506030000020004" pitchFamily="2" charset="0"/>
-                        <a:ea typeface="+mn-ea"/>
-                        <a:cs typeface="+mn-cs"/>
-                      </a:endParaRPr>
+                      <a:r>
+                        <a:t>86,95%</a:t>
+                      </a:r>
                     </a:p>
                   </a:txBody>
                   <a:tcPr marL="9525" marR="9525" marT="9525" marB="0" anchor="ctr">
@@ -3935,14 +5814,14 @@
               <a:rPr lang="fr-FR" sz="1200" cap="none" dirty="0">
                 <a:latin typeface="Futura PT" panose="020B0902020204020203" pitchFamily="34" charset="0"/>
               </a:rPr>
-              <a:t>ÉVOLUTION DE L'INDICE  EURO STOXX 50 PRICE EUR ENTRE LE </a:t>
+              <a:t>ÉVOLUTION DE L'ACTION  BOUYGUES SA ENTRE LE </a:t>
             </a:r>
             <a:r>
               <a:rPr lang="en-US" sz="1200" b="0" dirty="0">
                 <a:effectLst/>
                 <a:latin typeface="+mj-lt"/>
               </a:rPr>
-              <a:t>16 JUIN 2010</a:t>
+              <a:t>19 JUIN 2010</a:t>
             </a:r>
             <a:r>
               <a:rPr lang="en-US" sz="1200" dirty="0">
@@ -3954,7 +5833,7 @@
               <a:rPr lang="fr-FR" sz="1200" cap="none" dirty="0">
                 <a:latin typeface="Futura PT" panose="020B0902020204020203" pitchFamily="34" charset="0"/>
               </a:rPr>
-              <a:t>ET LE 16 JUIN 2022</a:t>
+              <a:t>ET LE 19 JUIN 2022</a:t>
             </a:r>
           </a:p>
         </p:txBody>
@@ -4249,7 +6128,7 @@
                   <a:srgbClr val="FF00FF"/>
                 </a:highlight>
               </a:rPr>
-              <a:t>16 JUIN 2022</a:t>
+              <a:t>19 JUIN 2022</a:t>
             </a:r>
             <a:endParaRPr lang="fr-FR" sz="800" dirty="0">
               <a:highlight>
@@ -4312,7 +6191,7 @@
                   <a:srgbClr val="FF00FF"/>
                 </a:highlight>
               </a:rPr>
-              <a:t>16 JUIN 2022</a:t>
+              <a:t>19 JUIN 2022</a:t>
             </a:r>
             <a:endParaRPr lang="fr-FR" sz="800" dirty="0">
               <a:highlight>
@@ -4547,7 +6426,7 @@
 </p:sld>
 </file>
 
-<file path=ppt/slides/slide12.xml><?xml version="1.0" encoding="utf-8"?>
+<file path=ppt/slides/slide13.xml><?xml version="1.0" encoding="utf-8"?>
 <p:sld xmlns:a="http://schemas.openxmlformats.org/drawingml/2006/main" xmlns:r="http://schemas.openxmlformats.org/officeDocument/2006/relationships" xmlns:p="http://schemas.openxmlformats.org/presentationml/2006/main">
   <p:cSld>
     <p:spTree>
@@ -4588,7 +6467,7 @@
             <a:fld id="{58F0BA28-1212-45AE-B075-64C06113A6D3}" type="slidenum">
               <a:rPr lang="fr-FR" smtClean="0"/>
               <a:pPr/>
-              <a:t>12</a:t>
+              <a:t>13</a:t>
             </a:fld>
             <a:endParaRPr lang="fr-FR" dirty="0"/>
           </a:p>
@@ -4610,7 +6489,7 @@
         </p:nvSpPr>
         <p:spPr bwMode="auto">
           <a:xfrm>
-            <a:off x="361950" y="9765983"/>
+            <a:off x="359837" y="10144332"/>
             <a:ext cx="6483350" cy="430887"/>
           </a:xfrm>
           <a:prstGeom prst="rect">
@@ -4636,7 +6515,6 @@
                 <a:solidFill>
                   <a:srgbClr val="000000"/>
                 </a:solidFill>
-                <a:latin typeface="Proxima Nova Rg" panose="02000506030000020004" pitchFamily="2" charset="0"/>
               </a:rPr>
               <a:t>⁽¹⁾ </a:t>
             </a:r>
@@ -4645,12 +6523,11 @@
                 <a:solidFill>
                   <a:srgbClr val="000000"/>
                 </a:solidFill>
-                <a:latin typeface="Proxima Nova Rg" panose="02000506030000020004" pitchFamily="2" charset="0"/>
               </a:rPr>
               <a:t>Morgan Stanley &amp; Co International Plc : Moody’s Aa3 / S&amp;P A+. Notations en vigueur au moment de la rédaction de la présente brochure le </a:t>
             </a:r>
             <a:r>
-              <a:rPr lang="fr-FR" sz="650" dirty="0"/>
+              <a:rPr lang="fr-FR" sz="700" dirty="0"/>
               <a:t>&lt;DDR_MAJ</a:t>
             </a:r>
             <a:r>
@@ -4658,7 +6535,6 @@
                 <a:solidFill>
                   <a:srgbClr val="000000"/>
                 </a:solidFill>
-                <a:latin typeface="Proxima Nova Rg" panose="02000506030000020004" pitchFamily="2" charset="0"/>
               </a:rPr>
               <a:t>&gt;, qui ne sauraient ni être une garantie de solvabilité de l’Émetteur et du Garant de la formule, ni constituer un argument de souscription au produit. Les agences de notation peuvent les modifier à tout moment. </a:t>
             </a:r>
@@ -4670,7 +6546,6 @@
                 <a:solidFill>
                   <a:srgbClr val="000000"/>
                 </a:solidFill>
-                <a:latin typeface="Proxima Nova Rg" panose="02000506030000020004" pitchFamily="2" charset="0"/>
               </a:rPr>
               <a:t>⁽²⁾ </a:t>
             </a:r>
@@ -4679,22 +6554,272 @@
                 <a:solidFill>
                   <a:srgbClr val="000000"/>
                 </a:solidFill>
-                <a:latin typeface="Proxima Nova Rg" panose="02000506030000020004" pitchFamily="2" charset="0"/>
               </a:rPr>
               <a:t>Les conflits d’intérêts seront gérés suivant la réglementation en vigueur.</a:t>
             </a:r>
-            <a:endParaRPr lang="fr-FR" sz="650" i="1" dirty="0">
-              <a:latin typeface="Proxima Nova Rg" panose="02000506030000020004" pitchFamily="2" charset="0"/>
-            </a:endParaRPr>
+            <a:endParaRPr lang="fr-FR" sz="700" i="1" dirty="0"/>
+          </a:p>
+        </p:txBody>
+      </p:sp>
+      <p:sp>
+        <p:nvSpPr>
+          <p:cNvPr id="6" name="Espace réservé du texte 11">
+            <a:extLst>
+              <a:ext uri="{FF2B5EF4-FFF2-40B4-BE49-F238E27FC236}">
+                <a16:creationId xmlns:a16="http://schemas.microsoft.com/office/drawing/2014/main" id="{D1EA6C15-C1C4-4A82-BC93-5F15BEC19581}"/>
+              </a:ext>
+            </a:extLst>
+          </p:cNvPr>
+          <p:cNvSpPr txBox="1">
+            <a:spLocks/>
+          </p:cNvSpPr>
+          <p:nvPr/>
+        </p:nvSpPr>
+        <p:spPr>
+          <a:xfrm>
+            <a:off x="458462" y="670080"/>
+            <a:ext cx="6804000" cy="230950"/>
+          </a:xfrm>
+          <a:prstGeom prst="rect">
+            <a:avLst/>
+          </a:prstGeom>
+        </p:spPr>
+        <p:txBody>
+          <a:bodyPr lIns="0" tIns="0" rIns="0" bIns="0" anchor="ctr">
+            <a:noAutofit/>
+          </a:bodyPr>
+          <a:lstStyle>
+            <a:lvl1pPr marL="0" indent="0" algn="l" defTabSz="755934" rtl="0" eaLnBrk="1" latinLnBrk="0" hangingPunct="1">
+              <a:lnSpc>
+                <a:spcPct val="90000"/>
+              </a:lnSpc>
+              <a:spcBef>
+                <a:spcPts val="2400"/>
+              </a:spcBef>
+              <a:buFont typeface="Arial" panose="020B0604020202020204" pitchFamily="34" charset="0"/>
+              <a:buNone/>
+              <a:defRPr sz="1600" b="0" kern="1200" cap="all" baseline="0">
+                <a:solidFill>
+                  <a:schemeClr val="tx1"/>
+                </a:solidFill>
+                <a:latin typeface="Gotham Bold" pitchFamily="50" charset="0"/>
+                <a:ea typeface="+mn-ea"/>
+                <a:cs typeface="Gotham Bold" pitchFamily="50" charset="0"/>
+              </a:defRPr>
+            </a:lvl1pPr>
+            <a:lvl2pPr marL="179388" indent="0" algn="l" defTabSz="755934" rtl="0" eaLnBrk="1" latinLnBrk="0" hangingPunct="1">
+              <a:lnSpc>
+                <a:spcPct val="100000"/>
+              </a:lnSpc>
+              <a:spcBef>
+                <a:spcPts val="900"/>
+              </a:spcBef>
+              <a:buFont typeface="Arial" panose="020B0604020202020204" pitchFamily="34" charset="0"/>
+              <a:buNone/>
+              <a:defRPr sz="1200" kern="1200" cap="all" baseline="0">
+                <a:solidFill>
+                  <a:schemeClr val="tx1"/>
+                </a:solidFill>
+                <a:latin typeface="Gotham Medium" pitchFamily="50" charset="0"/>
+                <a:ea typeface="+mn-ea"/>
+                <a:cs typeface="Gotham Medium" pitchFamily="50" charset="0"/>
+              </a:defRPr>
+            </a:lvl2pPr>
+            <a:lvl3pPr marL="179388" indent="0" algn="l" defTabSz="755934" rtl="0" eaLnBrk="1" latinLnBrk="0" hangingPunct="1">
+              <a:lnSpc>
+                <a:spcPct val="100000"/>
+              </a:lnSpc>
+              <a:spcBef>
+                <a:spcPts val="600"/>
+              </a:spcBef>
+              <a:buFont typeface="Arial" panose="020B0604020202020204" pitchFamily="34" charset="0"/>
+              <a:buNone/>
+              <a:defRPr sz="900" kern="1200">
+                <a:solidFill>
+                  <a:schemeClr val="tx2"/>
+                </a:solidFill>
+                <a:latin typeface="+mn-lt"/>
+                <a:ea typeface="+mn-ea"/>
+                <a:cs typeface="+mn-cs"/>
+              </a:defRPr>
+            </a:lvl3pPr>
+            <a:lvl4pPr marL="0" indent="0" algn="ctr" defTabSz="755934" rtl="0" eaLnBrk="1" latinLnBrk="0" hangingPunct="1">
+              <a:lnSpc>
+                <a:spcPct val="100000"/>
+              </a:lnSpc>
+              <a:spcBef>
+                <a:spcPts val="1000"/>
+              </a:spcBef>
+              <a:spcAft>
+                <a:spcPts val="1000"/>
+              </a:spcAft>
+              <a:buFont typeface="Arial" panose="020B0604020202020204" pitchFamily="34" charset="0"/>
+              <a:buNone/>
+              <a:defRPr sz="900" u="none" kern="1200">
+                <a:solidFill>
+                  <a:schemeClr val="tx2"/>
+                </a:solidFill>
+                <a:latin typeface="Ciutadella Light" panose="02000000000000000000" pitchFamily="50" charset="0"/>
+                <a:ea typeface="+mn-ea"/>
+                <a:cs typeface="+mn-cs"/>
+              </a:defRPr>
+            </a:lvl4pPr>
+            <a:lvl5pPr marL="179388" indent="0" algn="l" defTabSz="755934" rtl="0" eaLnBrk="1" latinLnBrk="0" hangingPunct="1">
+              <a:lnSpc>
+                <a:spcPct val="100000"/>
+              </a:lnSpc>
+              <a:spcBef>
+                <a:spcPts val="600"/>
+              </a:spcBef>
+              <a:buFont typeface="Arial" panose="020B0604020202020204" pitchFamily="34" charset="0"/>
+              <a:buNone/>
+              <a:defRPr sz="900" kern="1200">
+                <a:solidFill>
+                  <a:schemeClr val="tx2"/>
+                </a:solidFill>
+                <a:latin typeface="Ciutadella Medium" panose="01000000000000000000" pitchFamily="50" charset="0"/>
+                <a:ea typeface="+mn-ea"/>
+                <a:cs typeface="+mn-cs"/>
+              </a:defRPr>
+            </a:lvl5pPr>
+            <a:lvl6pPr marL="2078820" indent="-188984" algn="l" defTabSz="755934" rtl="0" eaLnBrk="1" latinLnBrk="0" hangingPunct="1">
+              <a:lnSpc>
+                <a:spcPct val="90000"/>
+              </a:lnSpc>
+              <a:spcBef>
+                <a:spcPts val="413"/>
+              </a:spcBef>
+              <a:buFont typeface="Arial" panose="020B0604020202020204" pitchFamily="34" charset="0"/>
+              <a:buChar char="•"/>
+              <a:defRPr sz="1488" kern="1200">
+                <a:solidFill>
+                  <a:schemeClr val="tx1"/>
+                </a:solidFill>
+                <a:latin typeface="+mn-lt"/>
+                <a:ea typeface="+mn-ea"/>
+                <a:cs typeface="+mn-cs"/>
+              </a:defRPr>
+            </a:lvl6pPr>
+            <a:lvl7pPr marL="2456787" indent="-188984" algn="l" defTabSz="755934" rtl="0" eaLnBrk="1" latinLnBrk="0" hangingPunct="1">
+              <a:lnSpc>
+                <a:spcPct val="90000"/>
+              </a:lnSpc>
+              <a:spcBef>
+                <a:spcPts val="413"/>
+              </a:spcBef>
+              <a:buFont typeface="Arial" panose="020B0604020202020204" pitchFamily="34" charset="0"/>
+              <a:buChar char="•"/>
+              <a:defRPr sz="1488" kern="1200">
+                <a:solidFill>
+                  <a:schemeClr val="tx1"/>
+                </a:solidFill>
+                <a:latin typeface="+mn-lt"/>
+                <a:ea typeface="+mn-ea"/>
+                <a:cs typeface="+mn-cs"/>
+              </a:defRPr>
+            </a:lvl7pPr>
+            <a:lvl8pPr marL="2834754" indent="-188984" algn="l" defTabSz="755934" rtl="0" eaLnBrk="1" latinLnBrk="0" hangingPunct="1">
+              <a:lnSpc>
+                <a:spcPct val="90000"/>
+              </a:lnSpc>
+              <a:spcBef>
+                <a:spcPts val="413"/>
+              </a:spcBef>
+              <a:buFont typeface="Arial" panose="020B0604020202020204" pitchFamily="34" charset="0"/>
+              <a:buChar char="•"/>
+              <a:defRPr sz="1488" kern="1200">
+                <a:solidFill>
+                  <a:schemeClr val="tx1"/>
+                </a:solidFill>
+                <a:latin typeface="+mn-lt"/>
+                <a:ea typeface="+mn-ea"/>
+                <a:cs typeface="+mn-cs"/>
+              </a:defRPr>
+            </a:lvl8pPr>
+            <a:lvl9pPr marL="3212722" indent="-188984" algn="l" defTabSz="755934" rtl="0" eaLnBrk="1" latinLnBrk="0" hangingPunct="1">
+              <a:lnSpc>
+                <a:spcPct val="90000"/>
+              </a:lnSpc>
+              <a:spcBef>
+                <a:spcPts val="413"/>
+              </a:spcBef>
+              <a:buFont typeface="Arial" panose="020B0604020202020204" pitchFamily="34" charset="0"/>
+              <a:buChar char="•"/>
+              <a:defRPr sz="1488" kern="1200">
+                <a:solidFill>
+                  <a:schemeClr val="tx1"/>
+                </a:solidFill>
+                <a:latin typeface="+mn-lt"/>
+                <a:ea typeface="+mn-ea"/>
+                <a:cs typeface="+mn-cs"/>
+              </a:defRPr>
+            </a:lvl9pPr>
+          </a:lstStyle>
+          <a:p>
+            <a:r>
+              <a:rPr lang="fr-FR" sz="1200" dirty="0">
+                <a:latin typeface="Futura PT" panose="020B0902020204020203" pitchFamily="34" charset="0"/>
+              </a:rPr>
+              <a:t>Caractéristiques financières</a:t>
+            </a:r>
+          </a:p>
+        </p:txBody>
+      </p:sp>
+      <p:sp>
+        <p:nvSpPr>
+          <p:cNvPr id="7" name="Rectangle">
+            <a:extLst>
+              <a:ext uri="{FF2B5EF4-FFF2-40B4-BE49-F238E27FC236}">
+                <a16:creationId xmlns:a16="http://schemas.microsoft.com/office/drawing/2014/main" id="{88144A7C-A317-4A1A-AD52-95875AF24439}"/>
+              </a:ext>
+            </a:extLst>
+          </p:cNvPr>
+          <p:cNvSpPr/>
+          <p:nvPr/>
+        </p:nvSpPr>
+        <p:spPr>
+          <a:xfrm>
+            <a:off x="361950" y="703340"/>
+            <a:ext cx="45719" cy="138398"/>
+          </a:xfrm>
+          <a:prstGeom prst="rect">
+            <a:avLst/>
+          </a:prstGeom>
+          <a:solidFill>
+            <a:srgbClr val="B9A049"/>
+          </a:solidFill>
+          <a:ln w="3175">
+            <a:miter lim="400000"/>
+          </a:ln>
+        </p:spPr>
+        <p:txBody>
+          <a:bodyPr lIns="20981" tIns="20981" rIns="20981" bIns="20981"/>
+          <a:lstStyle/>
+          <a:p>
+            <a:pPr algn="ctr" defTabSz="825500">
+              <a:lnSpc>
+                <a:spcPct val="100000"/>
+              </a:lnSpc>
+              <a:defRPr sz="3200" b="0">
+                <a:solidFill>
+                  <a:srgbClr val="FFFFFF"/>
+                </a:solidFill>
+                <a:latin typeface="Helvetica Neue Medium"/>
+                <a:ea typeface="Helvetica Neue Medium"/>
+                <a:cs typeface="Helvetica Neue Medium"/>
+                <a:sym typeface="Helvetica Neue Medium"/>
+              </a:defRPr>
+            </a:pPr>
+            <a:endParaRPr/>
           </a:p>
         </p:txBody>
       </p:sp>
       <p:graphicFrame>
         <p:nvGraphicFramePr>
-          <p:cNvPr id="4" name="Tableau 3">
+          <p:cNvPr id="9" name="Tableau 8">
             <a:extLst>
               <a:ext uri="{FF2B5EF4-FFF2-40B4-BE49-F238E27FC236}">
-                <a16:creationId xmlns:a16="http://schemas.microsoft.com/office/drawing/2014/main" id="{D75964C9-9893-4B10-B127-424F0758DE3D}"/>
+                <a16:creationId xmlns:a16="http://schemas.microsoft.com/office/drawing/2014/main" id="{CDF24725-4E16-F687-E839-9CDE396BAF0D}"/>
               </a:ext>
             </a:extLst>
           </p:cNvPr>
@@ -4704,14 +6829,14 @@
           <p:nvPr>
             <p:extLst>
               <p:ext uri="{D42A27DB-BD31-4B8C-83A1-F6EECF244321}">
-                <p14:modId xmlns:p14="http://schemas.microsoft.com/office/powerpoint/2010/main" val="754839707"/>
+                <p14:modId xmlns:p14="http://schemas.microsoft.com/office/powerpoint/2010/main" val="2181228713"/>
               </p:ext>
             </p:extLst>
           </p:nvPr>
         </p:nvGraphicFramePr>
         <p:xfrm>
-          <a:off x="361950" y="979297"/>
-          <a:ext cx="6837886" cy="7327423"/>
+          <a:off x="360894" y="977900"/>
+          <a:ext cx="6837886" cy="8498631"/>
         </p:xfrm>
         <a:graphic>
           <a:graphicData uri="http://schemas.openxmlformats.org/drawingml/2006/table">
@@ -4735,7 +6860,7 @@
                   </a:extLst>
                 </a:gridCol>
               </a:tblGrid>
-              <a:tr h="268891">
+              <a:tr h="0">
                 <a:tc>
                   <a:txBody>
                     <a:bodyPr/>
@@ -4758,17 +6883,14 @@
                         <a:tabLst/>
                         <a:defRPr sz="700"/>
                       </a:pPr>
-                      <a:r>
-                        <a:rPr lang="fr-FR" sz="700" b="1" kern="1200" dirty="0">
-                          <a:solidFill>
-                            <a:srgbClr val="B9A049"/>
-                          </a:solidFill>
-                          <a:latin typeface="+mn-lt"/>
-                          <a:ea typeface="+mn-ea"/>
-                          <a:cs typeface="+mn-cs"/>
-                        </a:rPr>
-                        <a:t>Forme</a:t>
-                      </a:r>
+                      <a:endParaRPr lang="fr-FR" sz="700" b="1" kern="1200" dirty="0">
+                        <a:solidFill>
+                          <a:srgbClr val="B9A049"/>
+                        </a:solidFill>
+                        <a:latin typeface="+mn-lt"/>
+                        <a:ea typeface="+mn-ea"/>
+                        <a:cs typeface="+mn-cs"/>
+                      </a:endParaRPr>
                     </a:p>
                   </a:txBody>
                   <a:tcPr marL="72000" marR="72000" marT="46800" marB="46800" anchor="ctr">
@@ -4794,7 +6916,9 @@
                     </a:lnR>
                     <a:lnT w="12700" cap="flat" cmpd="sng" algn="ctr">
                       <a:solidFill>
-                        <a:schemeClr val="bg1"/>
+                        <a:schemeClr val="bg1">
+                          <a:lumMod val="85000"/>
+                        </a:schemeClr>
                       </a:solidFill>
                       <a:prstDash val="solid"/>
                       <a:round/>
@@ -4830,12 +6954,18 @@
                     <a:bodyPr/>
                     <a:lstStyle/>
                     <a:p>
-                      <a:pPr>
+                      <a:pPr algn="just">
+                        <a:lnSpc>
+                          <a:spcPct val="90000"/>
+                        </a:lnSpc>
                         <a:defRPr sz="700"/>
                       </a:pPr>
-                      <a:r>
-                        <a:t>EMTN (Euro Medium Term Note), titre de créance de droit anglais présentant un risque de perte en capital en cours de vie et à l’échéance</a:t>
-                      </a:r>
+                      <a:endParaRPr lang="fr-FR" sz="700" b="1" i="0" dirty="0">
+                        <a:solidFill>
+                          <a:schemeClr val="tx1"/>
+                        </a:solidFill>
+                        <a:latin typeface="+mn-lt"/>
+                      </a:endParaRPr>
                     </a:p>
                   </a:txBody>
                   <a:tcPr marL="36000" marR="36000" marT="46800" marB="46800" anchor="ctr">
@@ -4894,11 +7024,11 @@
                 </a:tc>
                 <a:extLst>
                   <a:ext uri="{0D108BD9-81ED-4DB2-BD59-A6C34878D82A}">
-                    <a16:rowId xmlns:a16="http://schemas.microsoft.com/office/drawing/2014/main" val="3737194071"/>
+                    <a16:rowId xmlns:a16="http://schemas.microsoft.com/office/drawing/2014/main" val="405921866"/>
                   </a:ext>
                 </a:extLst>
               </a:tr>
-              <a:tr h="0">
+              <a:tr h="472328">
                 <a:tc>
                   <a:txBody>
                     <a:bodyPr/>
@@ -4930,7 +7060,170 @@
                           <a:ea typeface="+mn-ea"/>
                           <a:cs typeface="+mn-cs"/>
                         </a:rPr>
-                        <a:t>Émetteur</a:t>
+                        <a:t>FORME</a:t>
+                      </a:r>
+                    </a:p>
+                  </a:txBody>
+                  <a:tcPr marL="72000" marR="72000" marT="46800" marB="46800" anchor="ctr">
+                    <a:lnL w="12700" cap="flat" cmpd="sng" algn="ctr">
+                      <a:solidFill>
+                        <a:schemeClr val="bg1">
+                          <a:lumMod val="85000"/>
+                        </a:schemeClr>
+                      </a:solidFill>
+                      <a:prstDash val="solid"/>
+                      <a:round/>
+                      <a:headEnd type="none" w="med" len="med"/>
+                      <a:tailEnd type="none" w="med" len="med"/>
+                    </a:lnL>
+                    <a:lnR w="12700" cap="flat" cmpd="sng" algn="ctr">
+                      <a:solidFill>
+                        <a:schemeClr val="bg1"/>
+                      </a:solidFill>
+                      <a:prstDash val="solid"/>
+                      <a:round/>
+                      <a:headEnd type="none" w="med" len="med"/>
+                      <a:tailEnd type="none" w="med" len="med"/>
+                    </a:lnR>
+                    <a:lnT w="12700" cap="flat" cmpd="sng" algn="ctr">
+                      <a:solidFill>
+                        <a:schemeClr val="bg1"/>
+                      </a:solidFill>
+                      <a:prstDash val="solid"/>
+                      <a:round/>
+                      <a:headEnd type="none" w="med" len="med"/>
+                      <a:tailEnd type="none" w="med" len="med"/>
+                    </a:lnT>
+                    <a:lnB w="12700" cap="flat" cmpd="sng" algn="ctr">
+                      <a:solidFill>
+                        <a:schemeClr val="bg1"/>
+                      </a:solidFill>
+                      <a:prstDash val="solid"/>
+                      <a:round/>
+                      <a:headEnd type="none" w="med" len="med"/>
+                      <a:tailEnd type="none" w="med" len="med"/>
+                    </a:lnB>
+                    <a:lnTlToBr w="12700" cmpd="sng">
+                      <a:noFill/>
+                      <a:prstDash val="solid"/>
+                    </a:lnTlToBr>
+                    <a:lnBlToTr w="12700" cmpd="sng">
+                      <a:noFill/>
+                      <a:prstDash val="solid"/>
+                    </a:lnBlToTr>
+                    <a:solidFill>
+                      <a:schemeClr val="bg1">
+                        <a:lumMod val="95000"/>
+                      </a:schemeClr>
+                    </a:solidFill>
+                  </a:tcPr>
+                </a:tc>
+                <a:tc>
+                  <a:txBody>
+                    <a:bodyPr/>
+                    <a:lstStyle/>
+                    <a:p>
+                      <a:pPr>
+                        <a:defRPr sz="700"/>
+                      </a:pPr>
+                      <a:r>
+                        <a:t>EMTN (Euro Medium Term Note), titre de créance de droit français présentant un risque de perte en capital en cours de vie et à l’échéance</a:t>
+                      </a:r>
+                    </a:p>
+                  </a:txBody>
+                  <a:tcPr marL="36000" marR="36000" marT="46800" marB="46800" anchor="ctr">
+                    <a:lnL w="12700" cap="flat" cmpd="sng" algn="ctr">
+                      <a:solidFill>
+                        <a:schemeClr val="bg1"/>
+                      </a:solidFill>
+                      <a:prstDash val="solid"/>
+                      <a:round/>
+                      <a:headEnd type="none" w="med" len="med"/>
+                      <a:tailEnd type="none" w="med" len="med"/>
+                    </a:lnL>
+                    <a:lnR w="6350" cap="flat" cmpd="sng" algn="ctr">
+                      <a:solidFill>
+                        <a:schemeClr val="bg1">
+                          <a:lumMod val="65000"/>
+                        </a:schemeClr>
+                      </a:solidFill>
+                      <a:prstDash val="solid"/>
+                      <a:round/>
+                      <a:headEnd type="none" w="med" len="med"/>
+                      <a:tailEnd type="none" w="med" len="med"/>
+                    </a:lnR>
+                    <a:lnT w="6350" cap="flat" cmpd="sng" algn="ctr">
+                      <a:solidFill>
+                        <a:schemeClr val="bg1">
+                          <a:lumMod val="65000"/>
+                        </a:schemeClr>
+                      </a:solidFill>
+                      <a:prstDash val="solid"/>
+                      <a:round/>
+                      <a:headEnd type="none" w="med" len="med"/>
+                      <a:tailEnd type="none" w="med" len="med"/>
+                    </a:lnT>
+                    <a:lnB w="6350" cap="flat" cmpd="sng" algn="ctr">
+                      <a:solidFill>
+                        <a:schemeClr val="bg1">
+                          <a:lumMod val="65000"/>
+                        </a:schemeClr>
+                      </a:solidFill>
+                      <a:prstDash val="solid"/>
+                      <a:round/>
+                      <a:headEnd type="none" w="med" len="med"/>
+                      <a:tailEnd type="none" w="med" len="med"/>
+                    </a:lnB>
+                    <a:lnTlToBr w="12700" cmpd="sng">
+                      <a:noFill/>
+                      <a:prstDash val="solid"/>
+                    </a:lnTlToBr>
+                    <a:lnBlToTr w="12700" cmpd="sng">
+                      <a:noFill/>
+                      <a:prstDash val="solid"/>
+                    </a:lnBlToTr>
+                    <a:noFill/>
+                  </a:tcPr>
+                </a:tc>
+                <a:extLst>
+                  <a:ext uri="{0D108BD9-81ED-4DB2-BD59-A6C34878D82A}">
+                    <a16:rowId xmlns:a16="http://schemas.microsoft.com/office/drawing/2014/main" val="3737194071"/>
+                  </a:ext>
+                </a:extLst>
+              </a:tr>
+              <a:tr h="198049">
+                <a:tc>
+                  <a:txBody>
+                    <a:bodyPr/>
+                    <a:lstStyle/>
+                    <a:p>
+                      <a:pPr marL="0" marR="0" lvl="0" indent="0" algn="l" defTabSz="755934" rtl="0" eaLnBrk="1" fontAlgn="auto" latinLnBrk="0" hangingPunct="1">
+                        <a:lnSpc>
+                          <a:spcPct val="90000"/>
+                        </a:lnSpc>
+                        <a:spcBef>
+                          <a:spcPts val="0"/>
+                        </a:spcBef>
+                        <a:spcAft>
+                          <a:spcPts val="0"/>
+                        </a:spcAft>
+                        <a:buClrTx/>
+                        <a:buSzTx/>
+                        <a:buFontTx/>
+                        <a:buNone/>
+                        <a:tabLst/>
+                        <a:defRPr sz="700"/>
+                      </a:pPr>
+                      <a:r>
+                        <a:rPr lang="fr-FR" sz="700" b="1" kern="1200">
+                          <a:solidFill>
+                            <a:srgbClr val="B9A049"/>
+                          </a:solidFill>
+                          <a:latin typeface="+mn-lt"/>
+                          <a:ea typeface="+mn-ea"/>
+                          <a:cs typeface="+mn-cs"/>
+                        </a:rPr>
+                        <a:t>ÉMETTEUR</a:t>
                       </a:r>
                     </a:p>
                   </a:txBody>
@@ -5061,7 +7354,7 @@
                   </a:ext>
                 </a:extLst>
               </a:tr>
-              <a:tr h="0">
+              <a:tr h="198049">
                 <a:tc>
                   <a:txBody>
                     <a:bodyPr/>
@@ -5085,7 +7378,7 @@
                         <a:defRPr sz="700"/>
                       </a:pPr>
                       <a:r>
-                        <a:rPr lang="fr-FR" sz="700" b="1" kern="1200" dirty="0">
+                        <a:rPr lang="fr-FR" sz="700" b="1" kern="1200">
                           <a:solidFill>
                             <a:srgbClr val="B9A049"/>
                           </a:solidFill>
@@ -5093,7 +7386,7 @@
                           <a:ea typeface="+mn-ea"/>
                           <a:cs typeface="+mn-cs"/>
                         </a:rPr>
-                        <a:t>Distributeur</a:t>
+                        <a:t>DISTRIBUTEUR</a:t>
                       </a:r>
                     </a:p>
                   </a:txBody>
@@ -5174,7 +7467,7 @@
                         <a:defRPr sz="700"/>
                       </a:pPr>
                       <a:r>
-                        <a:rPr lang="fr-FR" sz="700" b="0" i="0" kern="1200" noProof="0" dirty="0">
+                        <a:rPr lang="fr-FR" sz="700" b="0" i="0" kern="1200" noProof="0">
                           <a:solidFill>
                             <a:schemeClr val="tx1"/>
                           </a:solidFill>
@@ -5246,7 +7539,7 @@
                   </a:ext>
                 </a:extLst>
               </a:tr>
-              <a:tr h="0">
+              <a:tr h="309569">
                 <a:tc>
                   <a:txBody>
                     <a:bodyPr/>
@@ -5278,7 +7571,7 @@
                           <a:ea typeface="+mn-ea"/>
                           <a:cs typeface="+mn-cs"/>
                         </a:rPr>
-                        <a:t>Sous-jacent</a:t>
+                        <a:t>SOUS-JACENT</a:t>
                       </a:r>
                     </a:p>
                   </a:txBody>
@@ -5345,7 +7638,7 @@
                         <a:defRPr sz="700"/>
                       </a:pPr>
                       <a:r>
-                        <a:t>l'indice entre EURO STOXX 50 Price EUR (dividendes non réinvestis dans l'indice ; code Bloomberg : SX5E Index ; sponsor : sponsorSTOXX ; www.stoxx.com).</a:t>
+                        <a:t>l’action entre Bouygues SA (dividendes non réinvestis ; code Bloomberg : EN FP Equity ; place de cotation : sponsorEuronext Paris SA ; www.bouygues.com).</a:t>
                       </a:r>
                     </a:p>
                   </a:txBody>
@@ -5409,7 +7702,7 @@
                   </a:ext>
                 </a:extLst>
               </a:tr>
-              <a:tr h="0">
+              <a:tr h="198049">
                 <a:tc>
                   <a:txBody>
                     <a:bodyPr/>
@@ -5441,7 +7734,7 @@
                           <a:ea typeface="+mn-ea"/>
                           <a:cs typeface="+mn-cs"/>
                         </a:rPr>
-                        <a:t>Devise</a:t>
+                        <a:t>DEVISE</a:t>
                       </a:r>
                     </a:p>
                   </a:txBody>
@@ -5594,7 +7887,7 @@
                   </a:ext>
                 </a:extLst>
               </a:tr>
-              <a:tr h="198679">
+              <a:tr h="198049">
                 <a:tc>
                   <a:txBody>
                     <a:bodyPr/>
@@ -5626,7 +7919,170 @@
                           <a:ea typeface="+mn-ea"/>
                           <a:cs typeface="+mn-cs"/>
                         </a:rPr>
-                        <a:t>Montant de l’émission</a:t>
+                        <a:t>DROIT APPLICABLE</a:t>
+                      </a:r>
+                    </a:p>
+                  </a:txBody>
+                  <a:tcPr marL="72000" marR="72000" marT="46800" marB="46800" anchor="ctr" horzOverflow="overflow">
+                    <a:lnL w="12700" cap="flat" cmpd="sng" algn="ctr">
+                      <a:solidFill>
+                        <a:schemeClr val="bg1">
+                          <a:lumMod val="85000"/>
+                        </a:schemeClr>
+                      </a:solidFill>
+                      <a:prstDash val="solid"/>
+                      <a:round/>
+                      <a:headEnd type="none" w="med" len="med"/>
+                      <a:tailEnd type="none" w="med" len="med"/>
+                    </a:lnL>
+                    <a:lnR w="12700" cap="flat" cmpd="sng" algn="ctr">
+                      <a:solidFill>
+                        <a:schemeClr val="bg1"/>
+                      </a:solidFill>
+                      <a:prstDash val="solid"/>
+                      <a:round/>
+                      <a:headEnd type="none" w="med" len="med"/>
+                      <a:tailEnd type="none" w="med" len="med"/>
+                    </a:lnR>
+                    <a:lnT w="12700" cap="flat" cmpd="sng" algn="ctr">
+                      <a:solidFill>
+                        <a:schemeClr val="bg1"/>
+                      </a:solidFill>
+                      <a:prstDash val="solid"/>
+                      <a:round/>
+                      <a:headEnd type="none" w="med" len="med"/>
+                      <a:tailEnd type="none" w="med" len="med"/>
+                    </a:lnT>
+                    <a:lnB w="12700" cap="flat" cmpd="sng" algn="ctr">
+                      <a:solidFill>
+                        <a:schemeClr val="bg1"/>
+                      </a:solidFill>
+                      <a:prstDash val="solid"/>
+                      <a:round/>
+                      <a:headEnd type="none" w="med" len="med"/>
+                      <a:tailEnd type="none" w="med" len="med"/>
+                    </a:lnB>
+                    <a:lnTlToBr w="12700" cmpd="sng">
+                      <a:noFill/>
+                      <a:prstDash val="solid"/>
+                    </a:lnTlToBr>
+                    <a:lnBlToTr w="12700" cmpd="sng">
+                      <a:noFill/>
+                      <a:prstDash val="solid"/>
+                    </a:lnBlToTr>
+                    <a:solidFill>
+                      <a:schemeClr val="bg1">
+                        <a:lumMod val="95000"/>
+                      </a:schemeClr>
+                    </a:solidFill>
+                  </a:tcPr>
+                </a:tc>
+                <a:tc>
+                  <a:txBody>
+                    <a:bodyPr/>
+                    <a:lstStyle/>
+                    <a:p>
+                      <a:pPr>
+                        <a:defRPr sz="700"/>
+                      </a:pPr>
+                      <a:r>
+                        <a:t>Droit français</a:t>
+                      </a:r>
+                    </a:p>
+                  </a:txBody>
+                  <a:tcPr marL="72000" marR="72000" marT="46800" marB="46800" anchor="ctr" horzOverflow="overflow">
+                    <a:lnL w="12700" cap="flat" cmpd="sng" algn="ctr">
+                      <a:solidFill>
+                        <a:schemeClr val="bg1"/>
+                      </a:solidFill>
+                      <a:prstDash val="solid"/>
+                      <a:round/>
+                      <a:headEnd type="none" w="med" len="med"/>
+                      <a:tailEnd type="none" w="med" len="med"/>
+                    </a:lnL>
+                    <a:lnR w="6350" cap="flat" cmpd="sng" algn="ctr">
+                      <a:solidFill>
+                        <a:schemeClr val="bg1">
+                          <a:lumMod val="65000"/>
+                        </a:schemeClr>
+                      </a:solidFill>
+                      <a:prstDash val="solid"/>
+                      <a:round/>
+                      <a:headEnd type="none" w="med" len="med"/>
+                      <a:tailEnd type="none" w="med" len="med"/>
+                    </a:lnR>
+                    <a:lnT w="6350" cap="flat" cmpd="sng" algn="ctr">
+                      <a:solidFill>
+                        <a:schemeClr val="bg1">
+                          <a:lumMod val="65000"/>
+                        </a:schemeClr>
+                      </a:solidFill>
+                      <a:prstDash val="solid"/>
+                      <a:round/>
+                      <a:headEnd type="none" w="med" len="med"/>
+                      <a:tailEnd type="none" w="med" len="med"/>
+                    </a:lnT>
+                    <a:lnB w="6350" cap="flat" cmpd="sng" algn="ctr">
+                      <a:solidFill>
+                        <a:schemeClr val="bg1">
+                          <a:lumMod val="65000"/>
+                        </a:schemeClr>
+                      </a:solidFill>
+                      <a:prstDash val="solid"/>
+                      <a:round/>
+                      <a:headEnd type="none" w="med" len="med"/>
+                      <a:tailEnd type="none" w="med" len="med"/>
+                    </a:lnB>
+                    <a:lnTlToBr w="12700" cmpd="sng">
+                      <a:noFill/>
+                      <a:prstDash val="solid"/>
+                    </a:lnTlToBr>
+                    <a:lnBlToTr w="12700" cmpd="sng">
+                      <a:noFill/>
+                      <a:prstDash val="solid"/>
+                    </a:lnBlToTr>
+                    <a:noFill/>
+                  </a:tcPr>
+                </a:tc>
+                <a:extLst>
+                  <a:ext uri="{0D108BD9-81ED-4DB2-BD59-A6C34878D82A}">
+                    <a16:rowId xmlns:a16="http://schemas.microsoft.com/office/drawing/2014/main" val="1483687796"/>
+                  </a:ext>
+                </a:extLst>
+              </a:tr>
+              <a:tr h="198049">
+                <a:tc>
+                  <a:txBody>
+                    <a:bodyPr/>
+                    <a:lstStyle/>
+                    <a:p>
+                      <a:pPr marL="0" marR="0" lvl="0" indent="0" algn="l" defTabSz="755934" rtl="0" eaLnBrk="1" fontAlgn="auto" latinLnBrk="0" hangingPunct="1">
+                        <a:lnSpc>
+                          <a:spcPct val="90000"/>
+                        </a:lnSpc>
+                        <a:spcBef>
+                          <a:spcPts val="0"/>
+                        </a:spcBef>
+                        <a:spcAft>
+                          <a:spcPts val="0"/>
+                        </a:spcAft>
+                        <a:buClrTx/>
+                        <a:buSzTx/>
+                        <a:buFontTx/>
+                        <a:buNone/>
+                        <a:tabLst/>
+                        <a:defRPr sz="700"/>
+                      </a:pPr>
+                      <a:r>
+                        <a:rPr lang="fr-FR" sz="700" b="1" kern="1200">
+                          <a:solidFill>
+                            <a:srgbClr val="B9A049"/>
+                          </a:solidFill>
+                          <a:latin typeface="+mn-lt"/>
+                          <a:ea typeface="+mn-ea"/>
+                          <a:cs typeface="+mn-cs"/>
+                        </a:rPr>
+                        <a:t>MONTANT DE L’ÉMISSION</a:t>
                       </a:r>
                     </a:p>
                   </a:txBody>
@@ -5715,7 +8171,7 @@
                           <a:ea typeface="+mn-ea"/>
                           <a:cs typeface="+mn-cs"/>
                         </a:rPr>
-                        <a:t>30 000 000 EUR</a:t>
+                        <a:t>30 000 000 EUR (La taille de cette émission de Titres n’implique en aucune manière l’expression de l’émetteur quant au niveau probable de souscription (et aucune supposition ne doit en conséquence être faite pas des investisseurs potentiels à cet égard)</a:t>
                       </a:r>
                     </a:p>
                   </a:txBody>
@@ -5779,7 +8235,7 @@
                   </a:ext>
                 </a:extLst>
               </a:tr>
-              <a:tr h="198679">
+              <a:tr h="198049">
                 <a:tc>
                   <a:txBody>
                     <a:bodyPr/>
@@ -5803,7 +8259,7 @@
                         <a:defRPr sz="700"/>
                       </a:pPr>
                       <a:r>
-                        <a:rPr lang="fr-FR" sz="700" b="1" kern="1200" dirty="0">
+                        <a:rPr lang="fr-FR" sz="700" b="1" kern="1200">
                           <a:solidFill>
                             <a:srgbClr val="B9A049"/>
                           </a:solidFill>
@@ -5811,7 +8267,7 @@
                           <a:ea typeface="+mn-ea"/>
                           <a:cs typeface="+mn-cs"/>
                         </a:rPr>
-                        <a:t>Valeur nominale</a:t>
+                        <a:t>VALEUR NOMINALE</a:t>
                       </a:r>
                     </a:p>
                   </a:txBody>
@@ -5964,7 +8420,7 @@
                   </a:ext>
                 </a:extLst>
               </a:tr>
-              <a:tr h="198679">
+              <a:tr h="198049">
                 <a:tc>
                   <a:txBody>
                     <a:bodyPr/>
@@ -5996,7 +8452,7 @@
                           <a:ea typeface="+mn-ea"/>
                           <a:cs typeface="+mn-cs"/>
                         </a:rPr>
-                        <a:t>Montant minimum de souscription</a:t>
+                        <a:t>MONTANT MINIMUM DE SOUSCRIPTION</a:t>
                       </a:r>
                     </a:p>
                   </a:txBody>
@@ -6085,7 +8541,7 @@
                           <a:ea typeface="+mn-ea"/>
                           <a:cs typeface="+mn-cs"/>
                         </a:rPr>
-                        <a:t>1 Titre de créance</a:t>
+                        <a:t>1 Titre de créance en assurance-vie et contrat de capitalisation ou 100 000 EUR en compte-titres</a:t>
                       </a:r>
                     </a:p>
                   </a:txBody>
@@ -6149,7 +8605,7 @@
                   </a:ext>
                 </a:extLst>
               </a:tr>
-              <a:tr h="198679">
+              <a:tr h="198049">
                 <a:tc>
                   <a:txBody>
                     <a:bodyPr/>
@@ -6181,7 +8637,7 @@
                           <a:ea typeface="+mn-ea"/>
                           <a:cs typeface="+mn-cs"/>
                         </a:rPr>
-                        <a:t>Date d’émission </a:t>
+                        <a:t>PRIX D’ÉMISSION</a:t>
                       </a:r>
                     </a:p>
                   </a:txBody>
@@ -6244,11 +8700,33 @@
                     <a:bodyPr/>
                     <a:lstStyle/>
                     <a:p>
-                      <a:pPr>
+                      <a:pPr marL="0" marR="0" lvl="0" indent="0" algn="just" defTabSz="755934" rtl="0" eaLnBrk="1" fontAlgn="base" latinLnBrk="0" hangingPunct="1">
+                        <a:lnSpc>
+                          <a:spcPct val="100000"/>
+                        </a:lnSpc>
+                        <a:spcBef>
+                          <a:spcPct val="0"/>
+                        </a:spcBef>
+                        <a:spcAft>
+                          <a:spcPct val="0"/>
+                        </a:spcAft>
+                        <a:buClrTx/>
+                        <a:buSzTx/>
+                        <a:buFontTx/>
+                        <a:buNone/>
+                        <a:tabLst/>
                         <a:defRPr sz="700"/>
                       </a:pPr>
                       <a:r>
-                        <a:t>13/02/2022</a:t>
+                        <a:rPr lang="fr-FR" sz="700" b="0" i="0" kern="1200">
+                          <a:solidFill>
+                            <a:schemeClr val="tx1"/>
+                          </a:solidFill>
+                          <a:latin typeface="+mn-lt"/>
+                          <a:ea typeface="+mn-ea"/>
+                          <a:cs typeface="+mn-cs"/>
+                        </a:rPr>
+                        <a:t>100% de la Valeur Nominale</a:t>
                       </a:r>
                     </a:p>
                   </a:txBody>
@@ -6308,11 +8786,11 @@
                 </a:tc>
                 <a:extLst>
                   <a:ext uri="{0D108BD9-81ED-4DB2-BD59-A6C34878D82A}">
-                    <a16:rowId xmlns:a16="http://schemas.microsoft.com/office/drawing/2014/main" val="612042301"/>
+                    <a16:rowId xmlns:a16="http://schemas.microsoft.com/office/drawing/2014/main" val="111151207"/>
                   </a:ext>
                 </a:extLst>
               </a:tr>
-              <a:tr h="198679">
+              <a:tr h="198049">
                 <a:tc>
                   <a:txBody>
                     <a:bodyPr/>
@@ -6344,7 +8822,7 @@
                           <a:ea typeface="+mn-ea"/>
                           <a:cs typeface="+mn-cs"/>
                         </a:rPr>
-                        <a:t>Prix d’émission</a:t>
+                        <a:t>DATE D’ÉMISSION </a:t>
                       </a:r>
                     </a:p>
                   </a:txBody>
@@ -6407,33 +8885,11 @@
                     <a:bodyPr/>
                     <a:lstStyle/>
                     <a:p>
-                      <a:pPr marL="0" marR="0" lvl="0" indent="0" algn="just" defTabSz="755934" rtl="0" eaLnBrk="1" fontAlgn="base" latinLnBrk="0" hangingPunct="1">
-                        <a:lnSpc>
-                          <a:spcPct val="100000"/>
-                        </a:lnSpc>
-                        <a:spcBef>
-                          <a:spcPct val="0"/>
-                        </a:spcBef>
-                        <a:spcAft>
-                          <a:spcPct val="0"/>
-                        </a:spcAft>
-                        <a:buClrTx/>
-                        <a:buSzTx/>
-                        <a:buFontTx/>
-                        <a:buNone/>
-                        <a:tabLst/>
+                      <a:pPr>
                         <a:defRPr sz="700"/>
                       </a:pPr>
                       <a:r>
-                        <a:rPr lang="fr-FR" sz="700" b="0" i="0" kern="1200" dirty="0">
-                          <a:solidFill>
-                            <a:schemeClr val="tx1"/>
-                          </a:solidFill>
-                          <a:latin typeface="+mn-lt"/>
-                          <a:ea typeface="+mn-ea"/>
-                          <a:cs typeface="+mn-cs"/>
-                        </a:rPr>
-                        <a:t>100% de la Valeur Nominale</a:t>
+                        <a:t>13/02/2022</a:t>
                       </a:r>
                     </a:p>
                   </a:txBody>
@@ -6493,11 +8949,11 @@
                 </a:tc>
                 <a:extLst>
                   <a:ext uri="{0D108BD9-81ED-4DB2-BD59-A6C34878D82A}">
-                    <a16:rowId xmlns:a16="http://schemas.microsoft.com/office/drawing/2014/main" val="1951309382"/>
+                    <a16:rowId xmlns:a16="http://schemas.microsoft.com/office/drawing/2014/main" val="612042301"/>
                   </a:ext>
                 </a:extLst>
               </a:tr>
-              <a:tr h="0">
+              <a:tr h="409033">
                 <a:tc>
                   <a:txBody>
                     <a:bodyPr/>
@@ -6529,7 +8985,7 @@
                           <a:ea typeface="+mn-ea"/>
                           <a:cs typeface="+mn-cs"/>
                         </a:rPr>
-                        <a:t>Période de commercialisation</a:t>
+                        <a:t>PÉRIODE DE COMMERCIALISATION</a:t>
                       </a:r>
                     </a:p>
                   </a:txBody>
@@ -6660,7 +9116,7 @@
                   </a:ext>
                 </a:extLst>
               </a:tr>
-              <a:tr h="0">
+              <a:tr h="198049">
                 <a:tc>
                   <a:txBody>
                     <a:bodyPr/>
@@ -6692,7 +9148,7 @@
                           <a:ea typeface="+mn-ea"/>
                           <a:cs typeface="+mn-cs"/>
                         </a:rPr>
-                        <a:t>Garantie du capital</a:t>
+                        <a:t>GARANTIE DU CAPITAL</a:t>
                       </a:r>
                     </a:p>
                   </a:txBody>
@@ -6845,42 +9301,17 @@
                   </a:ext>
                 </a:extLst>
               </a:tr>
-              <a:tr h="0">
+              <a:tr h="198049">
                 <a:tc>
                   <a:txBody>
                     <a:bodyPr/>
                     <a:lstStyle/>
                     <a:p>
-                      <a:pPr marL="0" marR="0" lvl="0" indent="0" algn="l" defTabSz="755934" rtl="0" eaLnBrk="1" fontAlgn="auto" latinLnBrk="0" hangingPunct="1">
-                        <a:lnSpc>
-                          <a:spcPct val="90000"/>
-                        </a:lnSpc>
-                        <a:spcBef>
-                          <a:spcPts val="0"/>
-                        </a:spcBef>
-                        <a:spcAft>
-                          <a:spcPts val="0"/>
-                        </a:spcAft>
-                        <a:buClrTx/>
-                        <a:buSzTx/>
-                        <a:buFontTx/>
-                        <a:buNone/>
-                        <a:tabLst/>
+                      <a:pPr>
                         <a:defRPr sz="700"/>
                       </a:pPr>
                       <a:r>
-                        <a:rPr lang="fr-FR" sz="700" b="1" kern="1200" dirty="0">
-                          <a:solidFill>
-                            <a:srgbClr val="B9A049"/>
-                          </a:solidFill>
-                          <a:highlight>
-                            <a:srgbClr val="FFFF00"/>
-                          </a:highlight>
-                          <a:latin typeface="+mn-lt"/>
-                          <a:ea typeface="+mn-ea"/>
-                          <a:cs typeface="+mn-cs"/>
-                        </a:rPr>
-                        <a:t>Date de constatation initiale</a:t>
+                        <a:t>Cours Initial</a:t>
                       </a:r>
                     </a:p>
                   </a:txBody>
@@ -6947,7 +9378,7 @@
                         <a:defRPr sz="700"/>
                       </a:pPr>
                       <a:r>
-                        <a:t>Le Niveau de Référence correspond à la moyenne arithmétique des niveaux de clôture de l'indice  du 29/07/2022 au 29/07/2022</a:t>
+                        <a:t>Le Cours Initial correspond au cours de clôture de l’action le 29/07/2022</a:t>
                       </a:r>
                     </a:p>
                   </a:txBody>
@@ -7007,11 +9438,11 @@
                 </a:tc>
                 <a:extLst>
                   <a:ext uri="{0D108BD9-81ED-4DB2-BD59-A6C34878D82A}">
-                    <a16:rowId xmlns:a16="http://schemas.microsoft.com/office/drawing/2014/main" val="1295813141"/>
+                    <a16:rowId xmlns:a16="http://schemas.microsoft.com/office/drawing/2014/main" val="4087893721"/>
                   </a:ext>
                 </a:extLst>
               </a:tr>
-              <a:tr h="0">
+              <a:tr h="198049">
                 <a:tc>
                   <a:txBody>
                     <a:bodyPr/>
@@ -7043,7 +9474,7 @@
                           <a:ea typeface="+mn-ea"/>
                           <a:cs typeface="+mn-cs"/>
                         </a:rPr>
-                        <a:t>Date de constatation finale</a:t>
+                        <a:t>DATE DE CONSTATATION FINALE</a:t>
                       </a:r>
                     </a:p>
                   </a:txBody>
@@ -7174,963 +9605,7 @@
                   </a:ext>
                 </a:extLst>
               </a:tr>
-              <a:tr h="0">
-                <a:tc>
-                  <a:txBody>
-                    <a:bodyPr/>
-                    <a:lstStyle/>
-                    <a:p>
-                      <a:pPr marL="0" marR="0" lvl="0" indent="0" algn="l" defTabSz="755934" rtl="0" eaLnBrk="1" fontAlgn="auto" latinLnBrk="0" hangingPunct="1">
-                        <a:lnSpc>
-                          <a:spcPct val="90000"/>
-                        </a:lnSpc>
-                        <a:spcBef>
-                          <a:spcPts val="0"/>
-                        </a:spcBef>
-                        <a:spcAft>
-                          <a:spcPts val="0"/>
-                        </a:spcAft>
-                        <a:buClrTx/>
-                        <a:buSzTx/>
-                        <a:buFontTx/>
-                        <a:buNone/>
-                        <a:tabLst/>
-                        <a:defRPr sz="700"/>
-                      </a:pPr>
-                      <a:r>
-                        <a:rPr lang="fr-FR" sz="700" b="1" kern="1200" dirty="0">
-                          <a:solidFill>
-                            <a:srgbClr val="B9A049"/>
-                          </a:solidFill>
-                          <a:latin typeface="+mn-lt"/>
-                          <a:ea typeface="+mn-ea"/>
-                          <a:cs typeface="+mn-cs"/>
-                        </a:rPr>
-                        <a:t>Date d’échéance</a:t>
-                      </a:r>
-                    </a:p>
-                  </a:txBody>
-                  <a:tcPr marL="72000" marR="72000" marT="46800" marB="46800" anchor="ctr" horzOverflow="overflow">
-                    <a:lnL w="12700" cap="flat" cmpd="sng" algn="ctr">
-                      <a:solidFill>
-                        <a:schemeClr val="bg1">
-                          <a:lumMod val="85000"/>
-                        </a:schemeClr>
-                      </a:solidFill>
-                      <a:prstDash val="solid"/>
-                      <a:round/>
-                      <a:headEnd type="none" w="med" len="med"/>
-                      <a:tailEnd type="none" w="med" len="med"/>
-                    </a:lnL>
-                    <a:lnR w="12700" cap="flat" cmpd="sng" algn="ctr">
-                      <a:solidFill>
-                        <a:schemeClr val="bg1"/>
-                      </a:solidFill>
-                      <a:prstDash val="solid"/>
-                      <a:round/>
-                      <a:headEnd type="none" w="med" len="med"/>
-                      <a:tailEnd type="none" w="med" len="med"/>
-                    </a:lnR>
-                    <a:lnT w="12700" cap="flat" cmpd="sng" algn="ctr">
-                      <a:solidFill>
-                        <a:schemeClr val="bg1"/>
-                      </a:solidFill>
-                      <a:prstDash val="solid"/>
-                      <a:round/>
-                      <a:headEnd type="none" w="med" len="med"/>
-                      <a:tailEnd type="none" w="med" len="med"/>
-                    </a:lnT>
-                    <a:lnB w="12700" cap="flat" cmpd="sng" algn="ctr">
-                      <a:solidFill>
-                        <a:schemeClr val="bg1"/>
-                      </a:solidFill>
-                      <a:prstDash val="solid"/>
-                      <a:round/>
-                      <a:headEnd type="none" w="med" len="med"/>
-                      <a:tailEnd type="none" w="med" len="med"/>
-                    </a:lnB>
-                    <a:lnTlToBr w="12700" cmpd="sng">
-                      <a:noFill/>
-                      <a:prstDash val="solid"/>
-                    </a:lnTlToBr>
-                    <a:lnBlToTr w="12700" cmpd="sng">
-                      <a:noFill/>
-                      <a:prstDash val="solid"/>
-                    </a:lnBlToTr>
-                    <a:solidFill>
-                      <a:schemeClr val="bg1">
-                        <a:lumMod val="95000"/>
-                      </a:schemeClr>
-                    </a:solidFill>
-                  </a:tcPr>
-                </a:tc>
-                <a:tc>
-                  <a:txBody>
-                    <a:bodyPr/>
-                    <a:lstStyle/>
-                    <a:p>
-                      <a:pPr>
-                        <a:defRPr sz="700"/>
-                      </a:pPr>
-                      <a:r>
-                        <a:t>02/08/2032 (en l’absence de remboursement anticipé automatique)</a:t>
-                      </a:r>
-                    </a:p>
-                  </a:txBody>
-                  <a:tcPr marL="72000" marR="72000" marT="46800" marB="46800" anchor="ctr" horzOverflow="overflow">
-                    <a:lnL w="12700" cap="flat" cmpd="sng" algn="ctr">
-                      <a:solidFill>
-                        <a:schemeClr val="bg1"/>
-                      </a:solidFill>
-                      <a:prstDash val="solid"/>
-                      <a:round/>
-                      <a:headEnd type="none" w="med" len="med"/>
-                      <a:tailEnd type="none" w="med" len="med"/>
-                    </a:lnL>
-                    <a:lnR w="6350" cap="flat" cmpd="sng" algn="ctr">
-                      <a:solidFill>
-                        <a:schemeClr val="bg1">
-                          <a:lumMod val="65000"/>
-                        </a:schemeClr>
-                      </a:solidFill>
-                      <a:prstDash val="solid"/>
-                      <a:round/>
-                      <a:headEnd type="none" w="med" len="med"/>
-                      <a:tailEnd type="none" w="med" len="med"/>
-                    </a:lnR>
-                    <a:lnT w="6350" cap="flat" cmpd="sng" algn="ctr">
-                      <a:solidFill>
-                        <a:schemeClr val="bg1">
-                          <a:lumMod val="65000"/>
-                        </a:schemeClr>
-                      </a:solidFill>
-                      <a:prstDash val="solid"/>
-                      <a:round/>
-                      <a:headEnd type="none" w="med" len="med"/>
-                      <a:tailEnd type="none" w="med" len="med"/>
-                    </a:lnT>
-                    <a:lnB w="6350" cap="flat" cmpd="sng" algn="ctr">
-                      <a:solidFill>
-                        <a:schemeClr val="bg1">
-                          <a:lumMod val="65000"/>
-                        </a:schemeClr>
-                      </a:solidFill>
-                      <a:prstDash val="solid"/>
-                      <a:round/>
-                      <a:headEnd type="none" w="med" len="med"/>
-                      <a:tailEnd type="none" w="med" len="med"/>
-                    </a:lnB>
-                    <a:lnTlToBr w="12700" cmpd="sng">
-                      <a:noFill/>
-                      <a:prstDash val="solid"/>
-                    </a:lnTlToBr>
-                    <a:lnBlToTr w="12700" cmpd="sng">
-                      <a:noFill/>
-                      <a:prstDash val="solid"/>
-                    </a:lnBlToTr>
-                    <a:noFill/>
-                  </a:tcPr>
-                </a:tc>
-                <a:extLst>
-                  <a:ext uri="{0D108BD9-81ED-4DB2-BD59-A6C34878D82A}">
-                    <a16:rowId xmlns:a16="http://schemas.microsoft.com/office/drawing/2014/main" val="3457822103"/>
-                  </a:ext>
-                </a:extLst>
-              </a:tr>
-              <a:tr h="0">
-                <a:tc>
-                  <a:txBody>
-                    <a:bodyPr/>
-                    <a:lstStyle/>
-                    <a:p>
-                      <a:pPr>
-                        <a:defRPr sz="700"/>
-                      </a:pPr>
-                      <a:r>
-                        <a:t>Dates de constatation trimestrielle</a:t>
-                      </a:r>
-                    </a:p>
-                  </a:txBody>
-                  <a:tcPr marL="72000" marR="72000" marT="46800" marB="46800" anchor="ctr" horzOverflow="overflow">
-                    <a:lnL w="12700" cap="flat" cmpd="sng" algn="ctr">
-                      <a:solidFill>
-                        <a:schemeClr val="bg1">
-                          <a:lumMod val="85000"/>
-                        </a:schemeClr>
-                      </a:solidFill>
-                      <a:prstDash val="solid"/>
-                      <a:round/>
-                      <a:headEnd type="none" w="med" len="med"/>
-                      <a:tailEnd type="none" w="med" len="med"/>
-                    </a:lnL>
-                    <a:lnR w="12700" cap="flat" cmpd="sng" algn="ctr">
-                      <a:solidFill>
-                        <a:schemeClr val="bg1"/>
-                      </a:solidFill>
-                      <a:prstDash val="solid"/>
-                      <a:round/>
-                      <a:headEnd type="none" w="med" len="med"/>
-                      <a:tailEnd type="none" w="med" len="med"/>
-                    </a:lnR>
-                    <a:lnT w="12700" cap="flat" cmpd="sng" algn="ctr">
-                      <a:solidFill>
-                        <a:schemeClr val="bg1"/>
-                      </a:solidFill>
-                      <a:prstDash val="solid"/>
-                      <a:round/>
-                      <a:headEnd type="none" w="med" len="med"/>
-                      <a:tailEnd type="none" w="med" len="med"/>
-                    </a:lnT>
-                    <a:lnB w="12700" cap="flat" cmpd="sng" algn="ctr">
-                      <a:solidFill>
-                        <a:schemeClr val="bg1"/>
-                      </a:solidFill>
-                      <a:prstDash val="solid"/>
-                      <a:round/>
-                      <a:headEnd type="none" w="med" len="med"/>
-                      <a:tailEnd type="none" w="med" len="med"/>
-                    </a:lnB>
-                    <a:lnTlToBr w="12700" cmpd="sng">
-                      <a:noFill/>
-                      <a:prstDash val="solid"/>
-                    </a:lnTlToBr>
-                    <a:lnBlToTr w="12700" cmpd="sng">
-                      <a:noFill/>
-                      <a:prstDash val="solid"/>
-                    </a:lnBlToTr>
-                    <a:solidFill>
-                      <a:schemeClr val="bg1">
-                        <a:lumMod val="95000"/>
-                      </a:schemeClr>
-                    </a:solidFill>
-                  </a:tcPr>
-                </a:tc>
-                <a:tc>
-                  <a:txBody>
-                    <a:bodyPr/>
-                    <a:lstStyle/>
-                    <a:p>
-                      <a:pPr>
-                        <a:defRPr sz="700"/>
-                      </a:pPr>
-                      <a:r>
-                        <a:t>31/07/2023, 30/10/2023, 29/01/2024, 29/04/2024, 29/07/2024, 29/10/2024, 29/01/2025, 29/04/2025, 29/07/2025, 29/10/2025, 29/01/2026, 29/04/2026, 29/07/2026, 29/10/2026, 29/01/2027, 29/04/2027, 29/07/2027, 29/10/2027, 31/01/2028, 02/05/2028, 31/07/2028, 30/10/2028, 29/01/2029, 30/04/2029, 30/07/2029, 29/10/2029, 29/01/2030, 29/04/2030, 29/07/2030, 29/10/2030, 29/01/2031, 29/04/2031, 29/07/2031, 29/10/2031, 29/01/2032, 29/04/2032, 29/07/2032, 29/07/2032</a:t>
-                      </a:r>
-                    </a:p>
-                  </a:txBody>
-                  <a:tcPr marL="72000" marR="72000" marT="46800" marB="46800" anchor="ctr" horzOverflow="overflow">
-                    <a:lnL w="12700" cap="flat" cmpd="sng" algn="ctr">
-                      <a:solidFill>
-                        <a:schemeClr val="bg1"/>
-                      </a:solidFill>
-                      <a:prstDash val="solid"/>
-                      <a:round/>
-                      <a:headEnd type="none" w="med" len="med"/>
-                      <a:tailEnd type="none" w="med" len="med"/>
-                    </a:lnL>
-                    <a:lnR w="6350" cap="flat" cmpd="sng" algn="ctr">
-                      <a:solidFill>
-                        <a:schemeClr val="bg1">
-                          <a:lumMod val="65000"/>
-                        </a:schemeClr>
-                      </a:solidFill>
-                      <a:prstDash val="solid"/>
-                      <a:round/>
-                      <a:headEnd type="none" w="med" len="med"/>
-                      <a:tailEnd type="none" w="med" len="med"/>
-                    </a:lnR>
-                    <a:lnT w="6350" cap="flat" cmpd="sng" algn="ctr">
-                      <a:solidFill>
-                        <a:schemeClr val="bg1">
-                          <a:lumMod val="65000"/>
-                        </a:schemeClr>
-                      </a:solidFill>
-                      <a:prstDash val="solid"/>
-                      <a:round/>
-                      <a:headEnd type="none" w="med" len="med"/>
-                      <a:tailEnd type="none" w="med" len="med"/>
-                    </a:lnT>
-                    <a:lnB w="6350" cap="flat" cmpd="sng" algn="ctr">
-                      <a:solidFill>
-                        <a:schemeClr val="bg1">
-                          <a:lumMod val="65000"/>
-                        </a:schemeClr>
-                      </a:solidFill>
-                      <a:prstDash val="solid"/>
-                      <a:round/>
-                      <a:headEnd type="none" w="med" len="med"/>
-                      <a:tailEnd type="none" w="med" len="med"/>
-                    </a:lnB>
-                    <a:lnTlToBr w="12700" cmpd="sng">
-                      <a:noFill/>
-                      <a:prstDash val="solid"/>
-                    </a:lnTlToBr>
-                    <a:lnBlToTr w="12700" cmpd="sng">
-                      <a:noFill/>
-                      <a:prstDash val="solid"/>
-                    </a:lnBlToTr>
-                    <a:noFill/>
-                  </a:tcPr>
-                </a:tc>
-                <a:extLst>
-                  <a:ext uri="{0D108BD9-81ED-4DB2-BD59-A6C34878D82A}">
-                    <a16:rowId xmlns:a16="http://schemas.microsoft.com/office/drawing/2014/main" val="1139992192"/>
-                  </a:ext>
-                </a:extLst>
-              </a:tr>
-              <a:tr h="0">
-                <a:tc>
-                  <a:txBody>
-                    <a:bodyPr/>
-                    <a:lstStyle/>
-                    <a:p>
-                      <a:pPr marL="0" marR="0" lvl="0" indent="0" algn="l" defTabSz="755934" rtl="0" eaLnBrk="1" fontAlgn="auto" latinLnBrk="0" hangingPunct="1">
-                        <a:lnSpc>
-                          <a:spcPct val="90000"/>
-                        </a:lnSpc>
-                        <a:spcBef>
-                          <a:spcPts val="0"/>
-                        </a:spcBef>
-                        <a:spcAft>
-                          <a:spcPts val="0"/>
-                        </a:spcAft>
-                        <a:buClrTx/>
-                        <a:buSzTx/>
-                        <a:buFontTx/>
-                        <a:buNone/>
-                        <a:tabLst/>
-                        <a:defRPr sz="700"/>
-                      </a:pPr>
-                      <a:r>
-                        <a:rPr lang="fr-FR" sz="700" b="1" kern="1200" dirty="0">
-                          <a:solidFill>
-                            <a:srgbClr val="B9A049"/>
-                          </a:solidFill>
-                          <a:latin typeface="+mn-lt"/>
-                          <a:ea typeface="+mn-ea"/>
-                          <a:cs typeface="+mn-cs"/>
-                        </a:rPr>
-                        <a:t>Dates de remboursement anticipé automatique</a:t>
-                      </a:r>
-                    </a:p>
-                  </a:txBody>
-                  <a:tcPr marL="72000" marR="72000" marT="46800" marB="46800" anchor="ctr" horzOverflow="overflow">
-                    <a:lnL w="12700" cap="flat" cmpd="sng" algn="ctr">
-                      <a:solidFill>
-                        <a:schemeClr val="bg1">
-                          <a:lumMod val="85000"/>
-                        </a:schemeClr>
-                      </a:solidFill>
-                      <a:prstDash val="solid"/>
-                      <a:round/>
-                      <a:headEnd type="none" w="med" len="med"/>
-                      <a:tailEnd type="none" w="med" len="med"/>
-                    </a:lnL>
-                    <a:lnR w="12700" cap="flat" cmpd="sng" algn="ctr">
-                      <a:solidFill>
-                        <a:schemeClr val="bg1"/>
-                      </a:solidFill>
-                      <a:prstDash val="solid"/>
-                      <a:round/>
-                      <a:headEnd type="none" w="med" len="med"/>
-                      <a:tailEnd type="none" w="med" len="med"/>
-                    </a:lnR>
-                    <a:lnT w="12700" cap="flat" cmpd="sng" algn="ctr">
-                      <a:solidFill>
-                        <a:schemeClr val="bg1"/>
-                      </a:solidFill>
-                      <a:prstDash val="solid"/>
-                      <a:round/>
-                      <a:headEnd type="none" w="med" len="med"/>
-                      <a:tailEnd type="none" w="med" len="med"/>
-                    </a:lnT>
-                    <a:lnB w="12700" cap="flat" cmpd="sng" algn="ctr">
-                      <a:solidFill>
-                        <a:schemeClr val="bg1"/>
-                      </a:solidFill>
-                      <a:prstDash val="solid"/>
-                      <a:round/>
-                      <a:headEnd type="none" w="med" len="med"/>
-                      <a:tailEnd type="none" w="med" len="med"/>
-                    </a:lnB>
-                    <a:lnTlToBr w="12700" cmpd="sng">
-                      <a:noFill/>
-                      <a:prstDash val="solid"/>
-                    </a:lnTlToBr>
-                    <a:lnBlToTr w="12700" cmpd="sng">
-                      <a:noFill/>
-                      <a:prstDash val="solid"/>
-                    </a:lnBlToTr>
-                    <a:solidFill>
-                      <a:schemeClr val="bg1">
-                        <a:lumMod val="95000"/>
-                      </a:schemeClr>
-                    </a:solidFill>
-                  </a:tcPr>
-                </a:tc>
-                <a:tc>
-                  <a:txBody>
-                    <a:bodyPr/>
-                    <a:lstStyle/>
-                    <a:p>
-                      <a:pPr>
-                        <a:defRPr sz="700"/>
-                      </a:pPr>
-                      <a:r>
-                        <a:t>07/08/2023, 06/11/2023, 05/02/2024, 07/05/2024, 05/08/2024, 05/11/2024, 05/02/2025, 07/05/2025, 05/08/2025, 05/11/2025, 05/02/2026, 07/05/2026, 05/08/2026, 05/11/2026, 05/02/2027, 06/05/2027, 05/08/2027, 05/11/2027, 07/02/2028, 09/05/2028, 07/08/2028, 06/11/2028, 05/02/2029, 08/05/2029, 06/08/2029, 05/11/2029, 05/02/2030, 07/05/2030, 05/08/2030, 05/11/2030, 05/02/2031, 07/05/2031, 05/08/2031, 05/11/2031, 05/02/2032, 06/05/2032</a:t>
-                      </a:r>
-                    </a:p>
-                  </a:txBody>
-                  <a:tcPr marL="72000" marR="72000" marT="46800" marB="46800" anchor="ctr" horzOverflow="overflow">
-                    <a:lnL w="12700" cap="flat" cmpd="sng" algn="ctr">
-                      <a:solidFill>
-                        <a:schemeClr val="bg1"/>
-                      </a:solidFill>
-                      <a:prstDash val="solid"/>
-                      <a:round/>
-                      <a:headEnd type="none" w="med" len="med"/>
-                      <a:tailEnd type="none" w="med" len="med"/>
-                    </a:lnL>
-                    <a:lnR w="6350" cap="flat" cmpd="sng" algn="ctr">
-                      <a:solidFill>
-                        <a:schemeClr val="bg1">
-                          <a:lumMod val="65000"/>
-                        </a:schemeClr>
-                      </a:solidFill>
-                      <a:prstDash val="solid"/>
-                      <a:round/>
-                      <a:headEnd type="none" w="med" len="med"/>
-                      <a:tailEnd type="none" w="med" len="med"/>
-                    </a:lnR>
-                    <a:lnT w="6350" cap="flat" cmpd="sng" algn="ctr">
-                      <a:solidFill>
-                        <a:schemeClr val="bg1">
-                          <a:lumMod val="65000"/>
-                        </a:schemeClr>
-                      </a:solidFill>
-                      <a:prstDash val="solid"/>
-                      <a:round/>
-                      <a:headEnd type="none" w="med" len="med"/>
-                      <a:tailEnd type="none" w="med" len="med"/>
-                    </a:lnT>
-                    <a:lnB w="6350" cap="flat" cmpd="sng" algn="ctr">
-                      <a:solidFill>
-                        <a:schemeClr val="bg1">
-                          <a:lumMod val="65000"/>
-                        </a:schemeClr>
-                      </a:solidFill>
-                      <a:prstDash val="solid"/>
-                      <a:round/>
-                      <a:headEnd type="none" w="med" len="med"/>
-                      <a:tailEnd type="none" w="med" len="med"/>
-                    </a:lnB>
-                    <a:lnTlToBr w="12700" cmpd="sng">
-                      <a:noFill/>
-                      <a:prstDash val="solid"/>
-                    </a:lnTlToBr>
-                    <a:lnBlToTr w="12700" cmpd="sng">
-                      <a:noFill/>
-                      <a:prstDash val="solid"/>
-                    </a:lnBlToTr>
-                    <a:noFill/>
-                  </a:tcPr>
-                </a:tc>
-                <a:extLst>
-                  <a:ext uri="{0D108BD9-81ED-4DB2-BD59-A6C34878D82A}">
-                    <a16:rowId xmlns:a16="http://schemas.microsoft.com/office/drawing/2014/main" val="526433821"/>
-                  </a:ext>
-                </a:extLst>
-              </a:tr>
-              <a:tr h="0">
-                <a:tc>
-                  <a:txBody>
-                    <a:bodyPr/>
-                    <a:lstStyle/>
-                    <a:p>
-                      <a:pPr marL="0" marR="0" lvl="0" indent="0" algn="l" defTabSz="755934" rtl="0" eaLnBrk="1" fontAlgn="auto" latinLnBrk="0" hangingPunct="1">
-                        <a:lnSpc>
-                          <a:spcPct val="90000"/>
-                        </a:lnSpc>
-                        <a:spcBef>
-                          <a:spcPts val="0"/>
-                        </a:spcBef>
-                        <a:spcAft>
-                          <a:spcPts val="0"/>
-                        </a:spcAft>
-                        <a:buClrTx/>
-                        <a:buSzTx/>
-                        <a:buFontTx/>
-                        <a:buNone/>
-                        <a:tabLst/>
-                        <a:defRPr sz="700"/>
-                      </a:pPr>
-                      <a:r>
-                        <a:rPr lang="fr-FR" sz="700" b="1" kern="1200" dirty="0">
-                          <a:solidFill>
-                            <a:srgbClr val="B9A049"/>
-                          </a:solidFill>
-                          <a:latin typeface="+mn-lt"/>
-                          <a:ea typeface="+mn-ea"/>
-                          <a:cs typeface="+mn-cs"/>
-                        </a:rPr>
-                        <a:t>Barrière de remboursement anticipé automatique</a:t>
-                      </a:r>
-                    </a:p>
-                  </a:txBody>
-                  <a:tcPr marT="46800" marB="46800" anchor="ctr" horzOverflow="overflow">
-                    <a:lnL w="12700" cap="flat" cmpd="sng" algn="ctr">
-                      <a:solidFill>
-                        <a:schemeClr val="bg1">
-                          <a:lumMod val="85000"/>
-                        </a:schemeClr>
-                      </a:solidFill>
-                      <a:prstDash val="solid"/>
-                      <a:round/>
-                      <a:headEnd type="none" w="med" len="med"/>
-                      <a:tailEnd type="none" w="med" len="med"/>
-                    </a:lnL>
-                    <a:lnR w="12700" cap="flat" cmpd="sng" algn="ctr">
-                      <a:solidFill>
-                        <a:schemeClr val="bg1"/>
-                      </a:solidFill>
-                      <a:prstDash val="solid"/>
-                      <a:round/>
-                      <a:headEnd type="none" w="med" len="med"/>
-                      <a:tailEnd type="none" w="med" len="med"/>
-                    </a:lnR>
-                    <a:lnT w="12700" cap="flat" cmpd="sng" algn="ctr">
-                      <a:solidFill>
-                        <a:schemeClr val="bg1"/>
-                      </a:solidFill>
-                      <a:prstDash val="solid"/>
-                      <a:round/>
-                      <a:headEnd type="none" w="med" len="med"/>
-                      <a:tailEnd type="none" w="med" len="med"/>
-                    </a:lnT>
-                    <a:lnB w="12700" cap="flat" cmpd="sng" algn="ctr">
-                      <a:solidFill>
-                        <a:schemeClr val="bg1"/>
-                      </a:solidFill>
-                      <a:prstDash val="solid"/>
-                      <a:round/>
-                      <a:headEnd type="none" w="med" len="med"/>
-                      <a:tailEnd type="none" w="med" len="med"/>
-                    </a:lnB>
-                    <a:lnTlToBr w="12700" cmpd="sng">
-                      <a:noFill/>
-                      <a:prstDash val="solid"/>
-                    </a:lnTlToBr>
-                    <a:lnBlToTr w="12700" cmpd="sng">
-                      <a:noFill/>
-                      <a:prstDash val="solid"/>
-                    </a:lnBlToTr>
-                    <a:solidFill>
-                      <a:schemeClr val="bg1">
-                        <a:lumMod val="95000"/>
-                      </a:schemeClr>
-                    </a:solidFill>
-                  </a:tcPr>
-                </a:tc>
-                <a:tc>
-                  <a:txBody>
-                    <a:bodyPr/>
-                    <a:lstStyle/>
-                    <a:p>
-                      <a:pPr>
-                        <a:defRPr sz="700"/>
-                      </a:pPr>
-                      <a:r>
-                        <a:t>100% du Niveau de Référence de l'indice</a:t>
-                      </a:r>
-                    </a:p>
-                  </a:txBody>
-                  <a:tcPr marT="46800" marB="46800" anchor="ctr" horzOverflow="overflow">
-                    <a:lnL w="12700" cap="flat" cmpd="sng" algn="ctr">
-                      <a:solidFill>
-                        <a:schemeClr val="bg1"/>
-                      </a:solidFill>
-                      <a:prstDash val="solid"/>
-                      <a:round/>
-                      <a:headEnd type="none" w="med" len="med"/>
-                      <a:tailEnd type="none" w="med" len="med"/>
-                    </a:lnL>
-                    <a:lnR w="6350" cap="flat" cmpd="sng" algn="ctr">
-                      <a:solidFill>
-                        <a:schemeClr val="bg1">
-                          <a:lumMod val="65000"/>
-                        </a:schemeClr>
-                      </a:solidFill>
-                      <a:prstDash val="solid"/>
-                      <a:round/>
-                      <a:headEnd type="none" w="med" len="med"/>
-                      <a:tailEnd type="none" w="med" len="med"/>
-                    </a:lnR>
-                    <a:lnT w="6350" cap="flat" cmpd="sng" algn="ctr">
-                      <a:solidFill>
-                        <a:schemeClr val="bg1">
-                          <a:lumMod val="65000"/>
-                        </a:schemeClr>
-                      </a:solidFill>
-                      <a:prstDash val="solid"/>
-                      <a:round/>
-                      <a:headEnd type="none" w="med" len="med"/>
-                      <a:tailEnd type="none" w="med" len="med"/>
-                    </a:lnT>
-                    <a:lnB w="6350" cap="flat" cmpd="sng" algn="ctr">
-                      <a:solidFill>
-                        <a:schemeClr val="bg1">
-                          <a:lumMod val="65000"/>
-                        </a:schemeClr>
-                      </a:solidFill>
-                      <a:prstDash val="solid"/>
-                      <a:round/>
-                      <a:headEnd type="none" w="med" len="med"/>
-                      <a:tailEnd type="none" w="med" len="med"/>
-                    </a:lnB>
-                    <a:lnTlToBr w="12700" cmpd="sng">
-                      <a:noFill/>
-                      <a:prstDash val="solid"/>
-                    </a:lnTlToBr>
-                    <a:lnBlToTr w="12700" cmpd="sng">
-                      <a:noFill/>
-                      <a:prstDash val="solid"/>
-                    </a:lnBlToTr>
-                    <a:noFill/>
-                  </a:tcPr>
-                </a:tc>
-                <a:extLst>
-                  <a:ext uri="{0D108BD9-81ED-4DB2-BD59-A6C34878D82A}">
-                    <a16:rowId xmlns:a16="http://schemas.microsoft.com/office/drawing/2014/main" val="703025879"/>
-                  </a:ext>
-                </a:extLst>
-              </a:tr>
-              <a:tr h="0">
-                <a:tc>
-                  <a:txBody>
-                    <a:bodyPr/>
-                    <a:lstStyle/>
-                    <a:p>
-                      <a:pPr marL="0" marR="0" lvl="0" indent="0" algn="l" defTabSz="755934" rtl="0" eaLnBrk="1" fontAlgn="auto" latinLnBrk="0" hangingPunct="1">
-                        <a:lnSpc>
-                          <a:spcPct val="90000"/>
-                        </a:lnSpc>
-                        <a:spcBef>
-                          <a:spcPts val="0"/>
-                        </a:spcBef>
-                        <a:spcAft>
-                          <a:spcPts val="0"/>
-                        </a:spcAft>
-                        <a:buClrTx/>
-                        <a:buSzTx/>
-                        <a:buFontTx/>
-                        <a:buNone/>
-                        <a:tabLst/>
-                        <a:defRPr sz="700"/>
-                      </a:pPr>
-                      <a:r>
-                        <a:rPr lang="fr-FR" sz="700" b="1" kern="1200" dirty="0">
-                          <a:solidFill>
-                            <a:srgbClr val="B9A049"/>
-                          </a:solidFill>
-                          <a:latin typeface="+mn-lt"/>
-                          <a:ea typeface="+mn-ea"/>
-                          <a:cs typeface="+mn-cs"/>
-                        </a:rPr>
-                        <a:t>Seuil de versement à l’échéance</a:t>
-                      </a:r>
-                    </a:p>
-                  </a:txBody>
-                  <a:tcPr marT="46800" marB="46800" anchor="ctr" horzOverflow="overflow">
-                    <a:lnL w="12700" cap="flat" cmpd="sng" algn="ctr">
-                      <a:solidFill>
-                        <a:schemeClr val="bg1">
-                          <a:lumMod val="85000"/>
-                        </a:schemeClr>
-                      </a:solidFill>
-                      <a:prstDash val="solid"/>
-                      <a:round/>
-                      <a:headEnd type="none" w="med" len="med"/>
-                      <a:tailEnd type="none" w="med" len="med"/>
-                    </a:lnL>
-                    <a:lnR w="12700" cap="flat" cmpd="sng" algn="ctr">
-                      <a:solidFill>
-                        <a:schemeClr val="bg1"/>
-                      </a:solidFill>
-                      <a:prstDash val="solid"/>
-                      <a:round/>
-                      <a:headEnd type="none" w="med" len="med"/>
-                      <a:tailEnd type="none" w="med" len="med"/>
-                    </a:lnR>
-                    <a:lnT w="12700" cap="flat" cmpd="sng" algn="ctr">
-                      <a:solidFill>
-                        <a:schemeClr val="bg1"/>
-                      </a:solidFill>
-                      <a:prstDash val="solid"/>
-                      <a:round/>
-                      <a:headEnd type="none" w="med" len="med"/>
-                      <a:tailEnd type="none" w="med" len="med"/>
-                    </a:lnT>
-                    <a:lnB w="12700" cap="flat" cmpd="sng" algn="ctr">
-                      <a:solidFill>
-                        <a:schemeClr val="bg1"/>
-                      </a:solidFill>
-                      <a:prstDash val="solid"/>
-                      <a:round/>
-                      <a:headEnd type="none" w="med" len="med"/>
-                      <a:tailEnd type="none" w="med" len="med"/>
-                    </a:lnB>
-                    <a:lnTlToBr w="12700" cmpd="sng">
-                      <a:noFill/>
-                      <a:prstDash val="solid"/>
-                    </a:lnTlToBr>
-                    <a:lnBlToTr w="12700" cmpd="sng">
-                      <a:noFill/>
-                      <a:prstDash val="solid"/>
-                    </a:lnBlToTr>
-                    <a:solidFill>
-                      <a:schemeClr val="bg1">
-                        <a:lumMod val="95000"/>
-                      </a:schemeClr>
-                    </a:solidFill>
-                  </a:tcPr>
-                </a:tc>
-                <a:tc>
-                  <a:txBody>
-                    <a:bodyPr/>
-                    <a:lstStyle/>
-                    <a:p>
-                      <a:pPr>
-                        <a:defRPr sz="700"/>
-                      </a:pPr>
-                      <a:r>
-                        <a:t>100% du Niveau de Référence de l'indice</a:t>
-                      </a:r>
-                    </a:p>
-                  </a:txBody>
-                  <a:tcPr marT="46800" marB="46800" anchor="ctr" horzOverflow="overflow">
-                    <a:lnL w="12700" cap="flat" cmpd="sng" algn="ctr">
-                      <a:solidFill>
-                        <a:schemeClr val="bg1"/>
-                      </a:solidFill>
-                      <a:prstDash val="solid"/>
-                      <a:round/>
-                      <a:headEnd type="none" w="med" len="med"/>
-                      <a:tailEnd type="none" w="med" len="med"/>
-                    </a:lnL>
-                    <a:lnR w="6350" cap="flat" cmpd="sng" algn="ctr">
-                      <a:solidFill>
-                        <a:schemeClr val="bg1">
-                          <a:lumMod val="65000"/>
-                        </a:schemeClr>
-                      </a:solidFill>
-                      <a:prstDash val="solid"/>
-                      <a:round/>
-                      <a:headEnd type="none" w="med" len="med"/>
-                      <a:tailEnd type="none" w="med" len="med"/>
-                    </a:lnR>
-                    <a:lnT w="6350" cap="flat" cmpd="sng" algn="ctr">
-                      <a:solidFill>
-                        <a:schemeClr val="bg1">
-                          <a:lumMod val="65000"/>
-                        </a:schemeClr>
-                      </a:solidFill>
-                      <a:prstDash val="solid"/>
-                      <a:round/>
-                      <a:headEnd type="none" w="med" len="med"/>
-                      <a:tailEnd type="none" w="med" len="med"/>
-                    </a:lnT>
-                    <a:lnB w="6350" cap="flat" cmpd="sng" algn="ctr">
-                      <a:solidFill>
-                        <a:schemeClr val="bg1">
-                          <a:lumMod val="65000"/>
-                        </a:schemeClr>
-                      </a:solidFill>
-                      <a:prstDash val="solid"/>
-                      <a:round/>
-                      <a:headEnd type="none" w="med" len="med"/>
-                      <a:tailEnd type="none" w="med" len="med"/>
-                    </a:lnB>
-                    <a:lnTlToBr w="12700" cmpd="sng">
-                      <a:noFill/>
-                      <a:prstDash val="solid"/>
-                    </a:lnTlToBr>
-                    <a:lnBlToTr w="12700" cmpd="sng">
-                      <a:noFill/>
-                      <a:prstDash val="solid"/>
-                    </a:lnBlToTr>
-                    <a:noFill/>
-                  </a:tcPr>
-                </a:tc>
-                <a:extLst>
-                  <a:ext uri="{0D108BD9-81ED-4DB2-BD59-A6C34878D82A}">
-                    <a16:rowId xmlns:a16="http://schemas.microsoft.com/office/drawing/2014/main" val="2623953943"/>
-                  </a:ext>
-                </a:extLst>
-              </a:tr>
-              <a:tr h="0">
-                <a:tc>
-                  <a:txBody>
-                    <a:bodyPr/>
-                    <a:lstStyle/>
-                    <a:p>
-                      <a:pPr marL="0" marR="0" lvl="0" indent="0" algn="l" defTabSz="1042988" rtl="0" eaLnBrk="0" fontAlgn="base" latinLnBrk="0" hangingPunct="0">
-                        <a:lnSpc>
-                          <a:spcPct val="88000"/>
-                        </a:lnSpc>
-                        <a:spcBef>
-                          <a:spcPts val="0"/>
-                        </a:spcBef>
-                        <a:spcAft>
-                          <a:spcPct val="0"/>
-                        </a:spcAft>
-                        <a:buClrTx/>
-                        <a:buSzTx/>
-                        <a:buFontTx/>
-                        <a:buNone/>
-                        <a:tabLst/>
-                        <a:defRPr sz="700"/>
-                      </a:pPr>
-                      <a:r>
-                        <a:rPr lang="fr-FR" sz="700" b="1" kern="1200" dirty="0">
-                          <a:solidFill>
-                            <a:srgbClr val="B9A049"/>
-                          </a:solidFill>
-                          <a:latin typeface="+mn-lt"/>
-                          <a:ea typeface="+mn-ea"/>
-                          <a:cs typeface="+mn-cs"/>
-                        </a:rPr>
-                        <a:t>Barrière de perte en capital</a:t>
-                      </a:r>
-                    </a:p>
-                  </a:txBody>
-                  <a:tcPr marT="46800" marB="46800" anchor="ctr" horzOverflow="overflow">
-                    <a:lnL w="12700" cap="flat" cmpd="sng" algn="ctr">
-                      <a:solidFill>
-                        <a:schemeClr val="bg1">
-                          <a:lumMod val="85000"/>
-                        </a:schemeClr>
-                      </a:solidFill>
-                      <a:prstDash val="solid"/>
-                      <a:round/>
-                      <a:headEnd type="none" w="med" len="med"/>
-                      <a:tailEnd type="none" w="med" len="med"/>
-                    </a:lnL>
-                    <a:lnR w="12700" cap="flat" cmpd="sng" algn="ctr">
-                      <a:solidFill>
-                        <a:schemeClr val="bg1"/>
-                      </a:solidFill>
-                      <a:prstDash val="solid"/>
-                      <a:round/>
-                      <a:headEnd type="none" w="med" len="med"/>
-                      <a:tailEnd type="none" w="med" len="med"/>
-                    </a:lnR>
-                    <a:lnT w="12700" cap="flat" cmpd="sng" algn="ctr">
-                      <a:solidFill>
-                        <a:schemeClr val="bg1"/>
-                      </a:solidFill>
-                      <a:prstDash val="solid"/>
-                      <a:round/>
-                      <a:headEnd type="none" w="med" len="med"/>
-                      <a:tailEnd type="none" w="med" len="med"/>
-                    </a:lnT>
-                    <a:lnB w="12700" cap="flat" cmpd="sng" algn="ctr">
-                      <a:solidFill>
-                        <a:schemeClr val="bg1"/>
-                      </a:solidFill>
-                      <a:prstDash val="solid"/>
-                      <a:round/>
-                      <a:headEnd type="none" w="med" len="med"/>
-                      <a:tailEnd type="none" w="med" len="med"/>
-                    </a:lnB>
-                    <a:lnTlToBr w="12700" cmpd="sng">
-                      <a:noFill/>
-                      <a:prstDash val="solid"/>
-                    </a:lnTlToBr>
-                    <a:lnBlToTr w="12700" cmpd="sng">
-                      <a:noFill/>
-                      <a:prstDash val="solid"/>
-                    </a:lnBlToTr>
-                    <a:solidFill>
-                      <a:schemeClr val="bg1">
-                        <a:lumMod val="95000"/>
-                      </a:schemeClr>
-                    </a:solidFill>
-                  </a:tcPr>
-                </a:tc>
-                <a:tc>
-                  <a:txBody>
-                    <a:bodyPr/>
-                    <a:lstStyle/>
-                    <a:p>
-                      <a:pPr>
-                        <a:defRPr sz="700"/>
-                      </a:pPr>
-                      <a:r>
-                        <a:t>50% du Niveau de Référence de l'indice</a:t>
-                      </a:r>
-                    </a:p>
-                  </a:txBody>
-                  <a:tcPr marT="46800" marB="46800" anchor="ctr" horzOverflow="overflow">
-                    <a:lnL w="12700" cap="flat" cmpd="sng" algn="ctr">
-                      <a:solidFill>
-                        <a:schemeClr val="bg1"/>
-                      </a:solidFill>
-                      <a:prstDash val="solid"/>
-                      <a:round/>
-                      <a:headEnd type="none" w="med" len="med"/>
-                      <a:tailEnd type="none" w="med" len="med"/>
-                    </a:lnL>
-                    <a:lnR w="6350" cap="flat" cmpd="sng" algn="ctr">
-                      <a:solidFill>
-                        <a:schemeClr val="bg1">
-                          <a:lumMod val="65000"/>
-                        </a:schemeClr>
-                      </a:solidFill>
-                      <a:prstDash val="solid"/>
-                      <a:round/>
-                      <a:headEnd type="none" w="med" len="med"/>
-                      <a:tailEnd type="none" w="med" len="med"/>
-                    </a:lnR>
-                    <a:lnT w="6350" cap="flat" cmpd="sng" algn="ctr">
-                      <a:solidFill>
-                        <a:schemeClr val="bg1">
-                          <a:lumMod val="65000"/>
-                        </a:schemeClr>
-                      </a:solidFill>
-                      <a:prstDash val="solid"/>
-                      <a:round/>
-                      <a:headEnd type="none" w="med" len="med"/>
-                      <a:tailEnd type="none" w="med" len="med"/>
-                    </a:lnT>
-                    <a:lnB w="6350" cap="flat" cmpd="sng" algn="ctr">
-                      <a:solidFill>
-                        <a:schemeClr val="bg1">
-                          <a:lumMod val="65000"/>
-                        </a:schemeClr>
-                      </a:solidFill>
-                      <a:prstDash val="solid"/>
-                      <a:round/>
-                      <a:headEnd type="none" w="med" len="med"/>
-                      <a:tailEnd type="none" w="med" len="med"/>
-                    </a:lnB>
-                    <a:lnTlToBr w="12700" cmpd="sng">
-                      <a:noFill/>
-                      <a:prstDash val="solid"/>
-                    </a:lnTlToBr>
-                    <a:lnBlToTr w="12700" cmpd="sng">
-                      <a:noFill/>
-                      <a:prstDash val="solid"/>
-                    </a:lnBlToTr>
-                    <a:noFill/>
-                  </a:tcPr>
-                </a:tc>
-                <a:extLst>
-                  <a:ext uri="{0D108BD9-81ED-4DB2-BD59-A6C34878D82A}">
-                    <a16:rowId xmlns:a16="http://schemas.microsoft.com/office/drawing/2014/main" val="1921864351"/>
-                  </a:ext>
-                </a:extLst>
-              </a:tr>
-              <a:tr h="0">
+              <a:tr h="198049">
                 <a:tc>
                   <a:txBody>
                     <a:bodyPr/>
@@ -8162,7 +9637,1126 @@
                           <a:ea typeface="+mn-ea"/>
                           <a:cs typeface="+mn-cs"/>
                         </a:rPr>
-                        <a:t>Commission de souscription/rachat</a:t>
+                        <a:t>DATE D’ÉCHÉANCE</a:t>
+                      </a:r>
+                    </a:p>
+                  </a:txBody>
+                  <a:tcPr marL="72000" marR="72000" marT="46800" marB="46800" anchor="ctr" horzOverflow="overflow">
+                    <a:lnL w="12700" cap="flat" cmpd="sng" algn="ctr">
+                      <a:solidFill>
+                        <a:schemeClr val="bg1">
+                          <a:lumMod val="85000"/>
+                        </a:schemeClr>
+                      </a:solidFill>
+                      <a:prstDash val="solid"/>
+                      <a:round/>
+                      <a:headEnd type="none" w="med" len="med"/>
+                      <a:tailEnd type="none" w="med" len="med"/>
+                    </a:lnL>
+                    <a:lnR w="12700" cap="flat" cmpd="sng" algn="ctr">
+                      <a:solidFill>
+                        <a:schemeClr val="bg1"/>
+                      </a:solidFill>
+                      <a:prstDash val="solid"/>
+                      <a:round/>
+                      <a:headEnd type="none" w="med" len="med"/>
+                      <a:tailEnd type="none" w="med" len="med"/>
+                    </a:lnR>
+                    <a:lnT w="12700" cap="flat" cmpd="sng" algn="ctr">
+                      <a:solidFill>
+                        <a:schemeClr val="bg1"/>
+                      </a:solidFill>
+                      <a:prstDash val="solid"/>
+                      <a:round/>
+                      <a:headEnd type="none" w="med" len="med"/>
+                      <a:tailEnd type="none" w="med" len="med"/>
+                    </a:lnT>
+                    <a:lnB w="12700" cap="flat" cmpd="sng" algn="ctr">
+                      <a:solidFill>
+                        <a:schemeClr val="bg1"/>
+                      </a:solidFill>
+                      <a:prstDash val="solid"/>
+                      <a:round/>
+                      <a:headEnd type="none" w="med" len="med"/>
+                      <a:tailEnd type="none" w="med" len="med"/>
+                    </a:lnB>
+                    <a:lnTlToBr w="12700" cmpd="sng">
+                      <a:noFill/>
+                      <a:prstDash val="solid"/>
+                    </a:lnTlToBr>
+                    <a:lnBlToTr w="12700" cmpd="sng">
+                      <a:noFill/>
+                      <a:prstDash val="solid"/>
+                    </a:lnBlToTr>
+                    <a:solidFill>
+                      <a:schemeClr val="bg1">
+                        <a:lumMod val="95000"/>
+                      </a:schemeClr>
+                    </a:solidFill>
+                  </a:tcPr>
+                </a:tc>
+                <a:tc>
+                  <a:txBody>
+                    <a:bodyPr/>
+                    <a:lstStyle/>
+                    <a:p>
+                      <a:pPr>
+                        <a:defRPr sz="700"/>
+                      </a:pPr>
+                      <a:r>
+                        <a:t>02/08/2032 (en l’absence de remboursement anticipé automatique)</a:t>
+                      </a:r>
+                    </a:p>
+                  </a:txBody>
+                  <a:tcPr marL="72000" marR="72000" marT="46800" marB="46800" anchor="ctr" horzOverflow="overflow">
+                    <a:lnL w="12700" cap="flat" cmpd="sng" algn="ctr">
+                      <a:solidFill>
+                        <a:schemeClr val="bg1"/>
+                      </a:solidFill>
+                      <a:prstDash val="solid"/>
+                      <a:round/>
+                      <a:headEnd type="none" w="med" len="med"/>
+                      <a:tailEnd type="none" w="med" len="med"/>
+                    </a:lnL>
+                    <a:lnR w="6350" cap="flat" cmpd="sng" algn="ctr">
+                      <a:solidFill>
+                        <a:schemeClr val="bg1">
+                          <a:lumMod val="65000"/>
+                        </a:schemeClr>
+                      </a:solidFill>
+                      <a:prstDash val="solid"/>
+                      <a:round/>
+                      <a:headEnd type="none" w="med" len="med"/>
+                      <a:tailEnd type="none" w="med" len="med"/>
+                    </a:lnR>
+                    <a:lnT w="6350" cap="flat" cmpd="sng" algn="ctr">
+                      <a:solidFill>
+                        <a:schemeClr val="bg1">
+                          <a:lumMod val="65000"/>
+                        </a:schemeClr>
+                      </a:solidFill>
+                      <a:prstDash val="solid"/>
+                      <a:round/>
+                      <a:headEnd type="none" w="med" len="med"/>
+                      <a:tailEnd type="none" w="med" len="med"/>
+                    </a:lnT>
+                    <a:lnB w="6350" cap="flat" cmpd="sng" algn="ctr">
+                      <a:solidFill>
+                        <a:schemeClr val="bg1">
+                          <a:lumMod val="65000"/>
+                        </a:schemeClr>
+                      </a:solidFill>
+                      <a:prstDash val="solid"/>
+                      <a:round/>
+                      <a:headEnd type="none" w="med" len="med"/>
+                      <a:tailEnd type="none" w="med" len="med"/>
+                    </a:lnB>
+                    <a:lnTlToBr w="12700" cmpd="sng">
+                      <a:noFill/>
+                      <a:prstDash val="solid"/>
+                    </a:lnTlToBr>
+                    <a:lnBlToTr w="12700" cmpd="sng">
+                      <a:noFill/>
+                      <a:prstDash val="solid"/>
+                    </a:lnBlToTr>
+                    <a:noFill/>
+                  </a:tcPr>
+                </a:tc>
+                <a:extLst>
+                  <a:ext uri="{0D108BD9-81ED-4DB2-BD59-A6C34878D82A}">
+                    <a16:rowId xmlns:a16="http://schemas.microsoft.com/office/drawing/2014/main" val="3457822103"/>
+                  </a:ext>
+                </a:extLst>
+              </a:tr>
+              <a:tr h="198049">
+                <a:tc>
+                  <a:txBody>
+                    <a:bodyPr/>
+                    <a:lstStyle/>
+                    <a:p>
+                      <a:pPr>
+                        <a:defRPr sz="700"/>
+                      </a:pPr>
+                      <a:r>
+                        <a:t>DATES DE CONSTATATION trimestrielle</a:t>
+                      </a:r>
+                    </a:p>
+                  </a:txBody>
+                  <a:tcPr marL="72000" marR="72000" marT="46800" marB="46800" anchor="ctr" horzOverflow="overflow">
+                    <a:lnL w="12700" cap="flat" cmpd="sng" algn="ctr">
+                      <a:solidFill>
+                        <a:schemeClr val="bg1">
+                          <a:lumMod val="85000"/>
+                        </a:schemeClr>
+                      </a:solidFill>
+                      <a:prstDash val="solid"/>
+                      <a:round/>
+                      <a:headEnd type="none" w="med" len="med"/>
+                      <a:tailEnd type="none" w="med" len="med"/>
+                    </a:lnL>
+                    <a:lnR w="12700" cap="flat" cmpd="sng" algn="ctr">
+                      <a:solidFill>
+                        <a:schemeClr val="bg1"/>
+                      </a:solidFill>
+                      <a:prstDash val="solid"/>
+                      <a:round/>
+                      <a:headEnd type="none" w="med" len="med"/>
+                      <a:tailEnd type="none" w="med" len="med"/>
+                    </a:lnR>
+                    <a:lnT w="12700" cap="flat" cmpd="sng" algn="ctr">
+                      <a:solidFill>
+                        <a:schemeClr val="bg1"/>
+                      </a:solidFill>
+                      <a:prstDash val="solid"/>
+                      <a:round/>
+                      <a:headEnd type="none" w="med" len="med"/>
+                      <a:tailEnd type="none" w="med" len="med"/>
+                    </a:lnT>
+                    <a:lnB w="12700" cap="flat" cmpd="sng" algn="ctr">
+                      <a:solidFill>
+                        <a:schemeClr val="bg1"/>
+                      </a:solidFill>
+                      <a:prstDash val="solid"/>
+                      <a:round/>
+                      <a:headEnd type="none" w="med" len="med"/>
+                      <a:tailEnd type="none" w="med" len="med"/>
+                    </a:lnB>
+                    <a:lnTlToBr w="12700" cmpd="sng">
+                      <a:noFill/>
+                      <a:prstDash val="solid"/>
+                    </a:lnTlToBr>
+                    <a:lnBlToTr w="12700" cmpd="sng">
+                      <a:noFill/>
+                      <a:prstDash val="solid"/>
+                    </a:lnBlToTr>
+                    <a:solidFill>
+                      <a:schemeClr val="bg1">
+                        <a:lumMod val="95000"/>
+                      </a:schemeClr>
+                    </a:solidFill>
+                  </a:tcPr>
+                </a:tc>
+                <a:tc>
+                  <a:txBody>
+                    <a:bodyPr/>
+                    <a:lstStyle/>
+                    <a:p>
+                      <a:pPr>
+                        <a:defRPr sz="700"/>
+                      </a:pPr>
+                      <a:r>
+                        <a:t>31/10/2022, 30/01/2023, 02/05/2023, 31/07/2023, 30/10/2023, 29/01/2024, 29/04/2024, 29/07/2024, 29/10/2024, 29/01/2025, 29/04/2025, 29/07/2025, 29/10/2025, 29/01/2026, 29/04/2026, 29/07/2026, 29/10/2026, 29/01/2027, 29/04/2027, 29/07/2027, 29/10/2027, 31/01/2028, 02/05/2028, 31/07/2028, 30/10/2028, 29/01/2029, 30/04/2029, 30/07/2029, 29/10/2029, 29/01/2030, 29/04/2030, 29/07/2030, 29/10/2030, 29/01/2031, 29/04/2031, 29/07/2031, 29/10/2031, 29/01/2032, 29/04/2032, 29/07/2032</a:t>
+                      </a:r>
+                    </a:p>
+                  </a:txBody>
+                  <a:tcPr marL="72000" marR="72000" marT="46800" marB="46800" anchor="ctr" horzOverflow="overflow">
+                    <a:lnL w="12700" cap="flat" cmpd="sng" algn="ctr">
+                      <a:solidFill>
+                        <a:schemeClr val="bg1"/>
+                      </a:solidFill>
+                      <a:prstDash val="solid"/>
+                      <a:round/>
+                      <a:headEnd type="none" w="med" len="med"/>
+                      <a:tailEnd type="none" w="med" len="med"/>
+                    </a:lnL>
+                    <a:lnR w="6350" cap="flat" cmpd="sng" algn="ctr">
+                      <a:solidFill>
+                        <a:schemeClr val="bg1">
+                          <a:lumMod val="65000"/>
+                        </a:schemeClr>
+                      </a:solidFill>
+                      <a:prstDash val="solid"/>
+                      <a:round/>
+                      <a:headEnd type="none" w="med" len="med"/>
+                      <a:tailEnd type="none" w="med" len="med"/>
+                    </a:lnR>
+                    <a:lnT w="6350" cap="flat" cmpd="sng" algn="ctr">
+                      <a:solidFill>
+                        <a:schemeClr val="bg1">
+                          <a:lumMod val="65000"/>
+                        </a:schemeClr>
+                      </a:solidFill>
+                      <a:prstDash val="solid"/>
+                      <a:round/>
+                      <a:headEnd type="none" w="med" len="med"/>
+                      <a:tailEnd type="none" w="med" len="med"/>
+                    </a:lnT>
+                    <a:lnB w="6350" cap="flat" cmpd="sng" algn="ctr">
+                      <a:solidFill>
+                        <a:schemeClr val="bg1">
+                          <a:lumMod val="65000"/>
+                        </a:schemeClr>
+                      </a:solidFill>
+                      <a:prstDash val="solid"/>
+                      <a:round/>
+                      <a:headEnd type="none" w="med" len="med"/>
+                      <a:tailEnd type="none" w="med" len="med"/>
+                    </a:lnB>
+                    <a:lnTlToBr w="12700" cmpd="sng">
+                      <a:noFill/>
+                      <a:prstDash val="solid"/>
+                    </a:lnTlToBr>
+                    <a:lnBlToTr w="12700" cmpd="sng">
+                      <a:noFill/>
+                      <a:prstDash val="solid"/>
+                    </a:lnBlToTr>
+                    <a:noFill/>
+                  </a:tcPr>
+                </a:tc>
+                <a:extLst>
+                  <a:ext uri="{0D108BD9-81ED-4DB2-BD59-A6C34878D82A}">
+                    <a16:rowId xmlns:a16="http://schemas.microsoft.com/office/drawing/2014/main" val="1139992192"/>
+                  </a:ext>
+                </a:extLst>
+              </a:tr>
+              <a:tr h="198049">
+                <a:tc>
+                  <a:txBody>
+                    <a:bodyPr/>
+                    <a:lstStyle/>
+                    <a:p>
+                      <a:pPr marL="0" marR="0" lvl="0" indent="0" algn="l" defTabSz="755934" rtl="0" eaLnBrk="1" fontAlgn="auto" latinLnBrk="0" hangingPunct="1">
+                        <a:lnSpc>
+                          <a:spcPct val="90000"/>
+                        </a:lnSpc>
+                        <a:spcBef>
+                          <a:spcPts val="0"/>
+                        </a:spcBef>
+                        <a:spcAft>
+                          <a:spcPts val="0"/>
+                        </a:spcAft>
+                        <a:buClrTx/>
+                        <a:buSzTx/>
+                        <a:buFontTx/>
+                        <a:buNone/>
+                        <a:tabLst/>
+                        <a:defRPr sz="700"/>
+                      </a:pPr>
+                      <a:r>
+                        <a:rPr lang="fr-FR" sz="700" b="1" kern="1200">
+                          <a:solidFill>
+                            <a:srgbClr val="B9A049"/>
+                          </a:solidFill>
+                          <a:latin typeface="+mn-lt"/>
+                          <a:ea typeface="+mn-ea"/>
+                          <a:cs typeface="+mn-cs"/>
+                        </a:rPr>
+                        <a:t>DATES DE PAIEMENT ÉVENTUEL DES COUPONS</a:t>
+                      </a:r>
+                    </a:p>
+                  </a:txBody>
+                  <a:tcPr marL="72000" marR="72000" marT="46800" marB="46800" anchor="ctr" horzOverflow="overflow">
+                    <a:lnL w="12700" cap="flat" cmpd="sng" algn="ctr">
+                      <a:solidFill>
+                        <a:schemeClr val="bg1">
+                          <a:lumMod val="85000"/>
+                        </a:schemeClr>
+                      </a:solidFill>
+                      <a:prstDash val="solid"/>
+                      <a:round/>
+                      <a:headEnd type="none" w="med" len="med"/>
+                      <a:tailEnd type="none" w="med" len="med"/>
+                    </a:lnL>
+                    <a:lnR w="12700" cap="flat" cmpd="sng" algn="ctr">
+                      <a:solidFill>
+                        <a:schemeClr val="bg1"/>
+                      </a:solidFill>
+                      <a:prstDash val="solid"/>
+                      <a:round/>
+                      <a:headEnd type="none" w="med" len="med"/>
+                      <a:tailEnd type="none" w="med" len="med"/>
+                    </a:lnR>
+                    <a:lnT w="12700" cap="flat" cmpd="sng" algn="ctr">
+                      <a:solidFill>
+                        <a:schemeClr val="bg1"/>
+                      </a:solidFill>
+                      <a:prstDash val="solid"/>
+                      <a:round/>
+                      <a:headEnd type="none" w="med" len="med"/>
+                      <a:tailEnd type="none" w="med" len="med"/>
+                    </a:lnT>
+                    <a:lnB w="12700" cap="flat" cmpd="sng" algn="ctr">
+                      <a:solidFill>
+                        <a:schemeClr val="bg1"/>
+                      </a:solidFill>
+                      <a:prstDash val="solid"/>
+                      <a:round/>
+                      <a:headEnd type="none" w="med" len="med"/>
+                      <a:tailEnd type="none" w="med" len="med"/>
+                    </a:lnB>
+                    <a:lnTlToBr w="12700" cmpd="sng">
+                      <a:noFill/>
+                      <a:prstDash val="solid"/>
+                    </a:lnTlToBr>
+                    <a:lnBlToTr w="12700" cmpd="sng">
+                      <a:noFill/>
+                      <a:prstDash val="solid"/>
+                    </a:lnBlToTr>
+                    <a:solidFill>
+                      <a:schemeClr val="bg1">
+                        <a:lumMod val="95000"/>
+                      </a:schemeClr>
+                    </a:solidFill>
+                  </a:tcPr>
+                </a:tc>
+                <a:tc>
+                  <a:txBody>
+                    <a:bodyPr/>
+                    <a:lstStyle/>
+                    <a:p>
+                      <a:pPr>
+                        <a:defRPr sz="700"/>
+                      </a:pPr>
+                      <a:r>
+                        <a:t>07/11/2022, 07/11/2022, 06/02/2023, 09/05/2023, 07/08/2023, 06/11/2023, 05/02/2024, 07/05/2024, 05/08/2024, 05/11/2024, 05/02/2025, 07/05/2025, 05/08/2025, 05/11/2025, 05/02/2026, 07/05/2026, 05/08/2026, 05/11/2026, 05/02/2027, 06/05/2027, 05/08/2027, 05/11/2027, 07/02/2028, 09/05/2028, 07/08/2028, 06/11/2028, 05/02/2029, 08/05/2029, 06/08/2029, 05/11/2029, 05/02/2030, 07/05/2030, 05/08/2030, 05/11/2030, 05/02/2031, 07/05/2031, 05/08/2031, 05/11/2031, 05/02/2032, 06/05/2032, 05/08/2032</a:t>
+                      </a:r>
+                    </a:p>
+                  </a:txBody>
+                  <a:tcPr marL="72000" marR="72000" marT="46800" marB="46800" anchor="ctr" horzOverflow="overflow">
+                    <a:lnL w="12700" cap="flat" cmpd="sng" algn="ctr">
+                      <a:solidFill>
+                        <a:schemeClr val="bg1"/>
+                      </a:solidFill>
+                      <a:prstDash val="solid"/>
+                      <a:round/>
+                      <a:headEnd type="none" w="med" len="med"/>
+                      <a:tailEnd type="none" w="med" len="med"/>
+                    </a:lnL>
+                    <a:lnR w="6350" cap="flat" cmpd="sng" algn="ctr">
+                      <a:solidFill>
+                        <a:schemeClr val="bg1">
+                          <a:lumMod val="65000"/>
+                        </a:schemeClr>
+                      </a:solidFill>
+                      <a:prstDash val="solid"/>
+                      <a:round/>
+                      <a:headEnd type="none" w="med" len="med"/>
+                      <a:tailEnd type="none" w="med" len="med"/>
+                    </a:lnR>
+                    <a:lnT w="6350" cap="flat" cmpd="sng" algn="ctr">
+                      <a:solidFill>
+                        <a:schemeClr val="bg1">
+                          <a:lumMod val="65000"/>
+                        </a:schemeClr>
+                      </a:solidFill>
+                      <a:prstDash val="solid"/>
+                      <a:round/>
+                      <a:headEnd type="none" w="med" len="med"/>
+                      <a:tailEnd type="none" w="med" len="med"/>
+                    </a:lnT>
+                    <a:lnB w="6350" cap="flat" cmpd="sng" algn="ctr">
+                      <a:solidFill>
+                        <a:schemeClr val="bg1">
+                          <a:lumMod val="65000"/>
+                        </a:schemeClr>
+                      </a:solidFill>
+                      <a:prstDash val="solid"/>
+                      <a:round/>
+                      <a:headEnd type="none" w="med" len="med"/>
+                      <a:tailEnd type="none" w="med" len="med"/>
+                    </a:lnB>
+                    <a:lnTlToBr w="12700" cmpd="sng">
+                      <a:noFill/>
+                      <a:prstDash val="solid"/>
+                    </a:lnTlToBr>
+                    <a:lnBlToTr w="12700" cmpd="sng">
+                      <a:noFill/>
+                      <a:prstDash val="solid"/>
+                    </a:lnBlToTr>
+                    <a:noFill/>
+                  </a:tcPr>
+                </a:tc>
+                <a:extLst>
+                  <a:ext uri="{0D108BD9-81ED-4DB2-BD59-A6C34878D82A}">
+                    <a16:rowId xmlns:a16="http://schemas.microsoft.com/office/drawing/2014/main" val="2261100562"/>
+                  </a:ext>
+                </a:extLst>
+              </a:tr>
+              <a:tr h="198049">
+                <a:tc>
+                  <a:txBody>
+                    <a:bodyPr/>
+                    <a:lstStyle/>
+                    <a:p>
+                      <a:pPr marL="0" marR="0" lvl="0" indent="0" algn="l" defTabSz="755934" rtl="0" eaLnBrk="1" fontAlgn="auto" latinLnBrk="0" hangingPunct="1">
+                        <a:lnSpc>
+                          <a:spcPct val="90000"/>
+                        </a:lnSpc>
+                        <a:spcBef>
+                          <a:spcPts val="0"/>
+                        </a:spcBef>
+                        <a:spcAft>
+                          <a:spcPts val="0"/>
+                        </a:spcAft>
+                        <a:buClrTx/>
+                        <a:buSzTx/>
+                        <a:buFontTx/>
+                        <a:buNone/>
+                        <a:tabLst/>
+                        <a:defRPr sz="700"/>
+                      </a:pPr>
+                      <a:r>
+                        <a:rPr lang="fr-FR" sz="700" b="1" kern="1200">
+                          <a:solidFill>
+                            <a:srgbClr val="B9A049"/>
+                          </a:solidFill>
+                          <a:latin typeface="+mn-lt"/>
+                          <a:ea typeface="+mn-ea"/>
+                          <a:cs typeface="+mn-cs"/>
+                        </a:rPr>
+                        <a:t>DATES DE REMBOURSEMENT ANTICIPÉ AUTOMATIQUE ÉVENTUEL</a:t>
+                      </a:r>
+                    </a:p>
+                  </a:txBody>
+                  <a:tcPr marL="72000" marR="72000" marT="46800" marB="46800" anchor="ctr" horzOverflow="overflow">
+                    <a:lnL w="12700" cap="flat" cmpd="sng" algn="ctr">
+                      <a:solidFill>
+                        <a:schemeClr val="bg1">
+                          <a:lumMod val="85000"/>
+                        </a:schemeClr>
+                      </a:solidFill>
+                      <a:prstDash val="solid"/>
+                      <a:round/>
+                      <a:headEnd type="none" w="med" len="med"/>
+                      <a:tailEnd type="none" w="med" len="med"/>
+                    </a:lnL>
+                    <a:lnR w="12700" cap="flat" cmpd="sng" algn="ctr">
+                      <a:solidFill>
+                        <a:schemeClr val="bg1"/>
+                      </a:solidFill>
+                      <a:prstDash val="solid"/>
+                      <a:round/>
+                      <a:headEnd type="none" w="med" len="med"/>
+                      <a:tailEnd type="none" w="med" len="med"/>
+                    </a:lnR>
+                    <a:lnT w="12700" cap="flat" cmpd="sng" algn="ctr">
+                      <a:solidFill>
+                        <a:schemeClr val="bg1"/>
+                      </a:solidFill>
+                      <a:prstDash val="solid"/>
+                      <a:round/>
+                      <a:headEnd type="none" w="med" len="med"/>
+                      <a:tailEnd type="none" w="med" len="med"/>
+                    </a:lnT>
+                    <a:lnB w="12700" cap="flat" cmpd="sng" algn="ctr">
+                      <a:solidFill>
+                        <a:schemeClr val="bg1"/>
+                      </a:solidFill>
+                      <a:prstDash val="solid"/>
+                      <a:round/>
+                      <a:headEnd type="none" w="med" len="med"/>
+                      <a:tailEnd type="none" w="med" len="med"/>
+                    </a:lnB>
+                    <a:lnTlToBr w="12700" cmpd="sng">
+                      <a:noFill/>
+                      <a:prstDash val="solid"/>
+                    </a:lnTlToBr>
+                    <a:lnBlToTr w="12700" cmpd="sng">
+                      <a:noFill/>
+                      <a:prstDash val="solid"/>
+                    </a:lnBlToTr>
+                    <a:solidFill>
+                      <a:schemeClr val="bg1">
+                        <a:lumMod val="95000"/>
+                      </a:schemeClr>
+                    </a:solidFill>
+                  </a:tcPr>
+                </a:tc>
+                <a:tc>
+                  <a:txBody>
+                    <a:bodyPr/>
+                    <a:lstStyle/>
+                    <a:p>
+                      <a:pPr>
+                        <a:defRPr sz="700"/>
+                      </a:pPr>
+                      <a:r>
+                        <a:t>07/08/2023, 06/11/2023, 05/02/2024, 07/05/2024, 05/08/2024, 05/11/2024, 05/02/2025, 07/05/2025, 05/08/2025, 05/11/2025, 05/02/2026, 07/05/2026, 05/08/2026, 05/11/2026, 05/02/2027, 06/05/2027, 05/08/2027, 05/11/2027, 07/02/2028, 09/05/2028, 07/08/2028, 06/11/2028, 05/02/2029, 08/05/2029, 06/08/2029, 05/11/2029, 05/02/2030, 07/05/2030, 05/08/2030, 05/11/2030, 05/02/2031, 07/05/2031, 05/08/2031, 05/11/2031, 05/02/2032, 06/05/2032</a:t>
+                      </a:r>
+                    </a:p>
+                  </a:txBody>
+                  <a:tcPr marL="72000" marR="72000" marT="46800" marB="46800" anchor="ctr" horzOverflow="overflow">
+                    <a:lnL w="12700" cap="flat" cmpd="sng" algn="ctr">
+                      <a:solidFill>
+                        <a:schemeClr val="bg1"/>
+                      </a:solidFill>
+                      <a:prstDash val="solid"/>
+                      <a:round/>
+                      <a:headEnd type="none" w="med" len="med"/>
+                      <a:tailEnd type="none" w="med" len="med"/>
+                    </a:lnL>
+                    <a:lnR w="6350" cap="flat" cmpd="sng" algn="ctr">
+                      <a:solidFill>
+                        <a:schemeClr val="bg1">
+                          <a:lumMod val="65000"/>
+                        </a:schemeClr>
+                      </a:solidFill>
+                      <a:prstDash val="solid"/>
+                      <a:round/>
+                      <a:headEnd type="none" w="med" len="med"/>
+                      <a:tailEnd type="none" w="med" len="med"/>
+                    </a:lnR>
+                    <a:lnT w="6350" cap="flat" cmpd="sng" algn="ctr">
+                      <a:solidFill>
+                        <a:schemeClr val="bg1">
+                          <a:lumMod val="65000"/>
+                        </a:schemeClr>
+                      </a:solidFill>
+                      <a:prstDash val="solid"/>
+                      <a:round/>
+                      <a:headEnd type="none" w="med" len="med"/>
+                      <a:tailEnd type="none" w="med" len="med"/>
+                    </a:lnT>
+                    <a:lnB w="6350" cap="flat" cmpd="sng" algn="ctr">
+                      <a:solidFill>
+                        <a:schemeClr val="bg1">
+                          <a:lumMod val="65000"/>
+                        </a:schemeClr>
+                      </a:solidFill>
+                      <a:prstDash val="solid"/>
+                      <a:round/>
+                      <a:headEnd type="none" w="med" len="med"/>
+                      <a:tailEnd type="none" w="med" len="med"/>
+                    </a:lnB>
+                    <a:lnTlToBr w="12700" cmpd="sng">
+                      <a:noFill/>
+                      <a:prstDash val="solid"/>
+                    </a:lnTlToBr>
+                    <a:lnBlToTr w="12700" cmpd="sng">
+                      <a:noFill/>
+                      <a:prstDash val="solid"/>
+                    </a:lnBlToTr>
+                    <a:noFill/>
+                  </a:tcPr>
+                </a:tc>
+                <a:extLst>
+                  <a:ext uri="{0D108BD9-81ED-4DB2-BD59-A6C34878D82A}">
+                    <a16:rowId xmlns:a16="http://schemas.microsoft.com/office/drawing/2014/main" val="526433821"/>
+                  </a:ext>
+                </a:extLst>
+              </a:tr>
+              <a:tr h="187500">
+                <a:tc>
+                  <a:txBody>
+                    <a:bodyPr/>
+                    <a:lstStyle/>
+                    <a:p>
+                      <a:pPr marL="0" marR="0" lvl="0" indent="0" algn="l" defTabSz="755934" rtl="0" eaLnBrk="1" fontAlgn="auto" latinLnBrk="0" hangingPunct="1">
+                        <a:lnSpc>
+                          <a:spcPct val="90000"/>
+                        </a:lnSpc>
+                        <a:spcBef>
+                          <a:spcPts val="0"/>
+                        </a:spcBef>
+                        <a:spcAft>
+                          <a:spcPts val="0"/>
+                        </a:spcAft>
+                        <a:buClrTx/>
+                        <a:buSzTx/>
+                        <a:buFontTx/>
+                        <a:buNone/>
+                        <a:tabLst/>
+                        <a:defRPr sz="700"/>
+                      </a:pPr>
+                      <a:r>
+                        <a:rPr lang="fr-FR" sz="700" b="1" kern="1200">
+                          <a:solidFill>
+                            <a:srgbClr val="B9A049"/>
+                          </a:solidFill>
+                          <a:latin typeface="+mn-lt"/>
+                          <a:ea typeface="+mn-ea"/>
+                          <a:cs typeface="+mn-cs"/>
+                        </a:rPr>
+                        <a:t>BARRIÈRE DE REMBOURSEMENT ANTICIPÉ AUTOMATIQUE</a:t>
+                      </a:r>
+                    </a:p>
+                  </a:txBody>
+                  <a:tcPr marT="46800" marB="46800" anchor="ctr" horzOverflow="overflow">
+                    <a:lnL w="12700" cap="flat" cmpd="sng" algn="ctr">
+                      <a:solidFill>
+                        <a:schemeClr val="bg1">
+                          <a:lumMod val="85000"/>
+                        </a:schemeClr>
+                      </a:solidFill>
+                      <a:prstDash val="solid"/>
+                      <a:round/>
+                      <a:headEnd type="none" w="med" len="med"/>
+                      <a:tailEnd type="none" w="med" len="med"/>
+                    </a:lnL>
+                    <a:lnR w="12700" cap="flat" cmpd="sng" algn="ctr">
+                      <a:solidFill>
+                        <a:schemeClr val="bg1"/>
+                      </a:solidFill>
+                      <a:prstDash val="solid"/>
+                      <a:round/>
+                      <a:headEnd type="none" w="med" len="med"/>
+                      <a:tailEnd type="none" w="med" len="med"/>
+                    </a:lnR>
+                    <a:lnT w="12700" cap="flat" cmpd="sng" algn="ctr">
+                      <a:solidFill>
+                        <a:schemeClr val="bg1"/>
+                      </a:solidFill>
+                      <a:prstDash val="solid"/>
+                      <a:round/>
+                      <a:headEnd type="none" w="med" len="med"/>
+                      <a:tailEnd type="none" w="med" len="med"/>
+                    </a:lnT>
+                    <a:lnB w="12700" cap="flat" cmpd="sng" algn="ctr">
+                      <a:solidFill>
+                        <a:schemeClr val="bg1"/>
+                      </a:solidFill>
+                      <a:prstDash val="solid"/>
+                      <a:round/>
+                      <a:headEnd type="none" w="med" len="med"/>
+                      <a:tailEnd type="none" w="med" len="med"/>
+                    </a:lnB>
+                    <a:lnTlToBr w="12700" cmpd="sng">
+                      <a:noFill/>
+                      <a:prstDash val="solid"/>
+                    </a:lnTlToBr>
+                    <a:lnBlToTr w="12700" cmpd="sng">
+                      <a:noFill/>
+                      <a:prstDash val="solid"/>
+                    </a:lnBlToTr>
+                    <a:solidFill>
+                      <a:schemeClr val="bg1">
+                        <a:lumMod val="95000"/>
+                      </a:schemeClr>
+                    </a:solidFill>
+                  </a:tcPr>
+                </a:tc>
+                <a:tc>
+                  <a:txBody>
+                    <a:bodyPr/>
+                    <a:lstStyle/>
+                    <a:p>
+                      <a:pPr>
+                        <a:defRPr sz="700"/>
+                      </a:pPr>
+                      <a:r>
+                        <a:t>95% du Cours Initial de l'action</a:t>
+                      </a:r>
+                    </a:p>
+                  </a:txBody>
+                  <a:tcPr marT="46800" marB="46800" anchor="ctr" horzOverflow="overflow">
+                    <a:lnL w="12700" cap="flat" cmpd="sng" algn="ctr">
+                      <a:solidFill>
+                        <a:schemeClr val="bg1"/>
+                      </a:solidFill>
+                      <a:prstDash val="solid"/>
+                      <a:round/>
+                      <a:headEnd type="none" w="med" len="med"/>
+                      <a:tailEnd type="none" w="med" len="med"/>
+                    </a:lnL>
+                    <a:lnR w="6350" cap="flat" cmpd="sng" algn="ctr">
+                      <a:solidFill>
+                        <a:schemeClr val="bg1">
+                          <a:lumMod val="65000"/>
+                        </a:schemeClr>
+                      </a:solidFill>
+                      <a:prstDash val="solid"/>
+                      <a:round/>
+                      <a:headEnd type="none" w="med" len="med"/>
+                      <a:tailEnd type="none" w="med" len="med"/>
+                    </a:lnR>
+                    <a:lnT w="6350" cap="flat" cmpd="sng" algn="ctr">
+                      <a:solidFill>
+                        <a:schemeClr val="bg1">
+                          <a:lumMod val="65000"/>
+                        </a:schemeClr>
+                      </a:solidFill>
+                      <a:prstDash val="solid"/>
+                      <a:round/>
+                      <a:headEnd type="none" w="med" len="med"/>
+                      <a:tailEnd type="none" w="med" len="med"/>
+                    </a:lnT>
+                    <a:lnB w="6350" cap="flat" cmpd="sng" algn="ctr">
+                      <a:solidFill>
+                        <a:schemeClr val="bg1">
+                          <a:lumMod val="65000"/>
+                        </a:schemeClr>
+                      </a:solidFill>
+                      <a:prstDash val="solid"/>
+                      <a:round/>
+                      <a:headEnd type="none" w="med" len="med"/>
+                      <a:tailEnd type="none" w="med" len="med"/>
+                    </a:lnB>
+                    <a:lnTlToBr w="12700" cmpd="sng">
+                      <a:noFill/>
+                      <a:prstDash val="solid"/>
+                    </a:lnTlToBr>
+                    <a:lnBlToTr w="12700" cmpd="sng">
+                      <a:noFill/>
+                      <a:prstDash val="solid"/>
+                    </a:lnBlToTr>
+                    <a:noFill/>
+                  </a:tcPr>
+                </a:tc>
+                <a:extLst>
+                  <a:ext uri="{0D108BD9-81ED-4DB2-BD59-A6C34878D82A}">
+                    <a16:rowId xmlns:a16="http://schemas.microsoft.com/office/drawing/2014/main" val="703025879"/>
+                  </a:ext>
+                </a:extLst>
+              </a:tr>
+              <a:tr h="187500">
+                <a:tc>
+                  <a:txBody>
+                    <a:bodyPr/>
+                    <a:lstStyle/>
+                    <a:p>
+                      <a:pPr marL="0" marR="0" lvl="0" indent="0" algn="l" defTabSz="755934" rtl="0" eaLnBrk="1" fontAlgn="auto" latinLnBrk="0" hangingPunct="1">
+                        <a:lnSpc>
+                          <a:spcPct val="90000"/>
+                        </a:lnSpc>
+                        <a:spcBef>
+                          <a:spcPts val="0"/>
+                        </a:spcBef>
+                        <a:spcAft>
+                          <a:spcPts val="0"/>
+                        </a:spcAft>
+                        <a:buClrTx/>
+                        <a:buSzTx/>
+                        <a:buFontTx/>
+                        <a:buNone/>
+                        <a:tabLst/>
+                        <a:defRPr sz="700"/>
+                      </a:pPr>
+                      <a:r>
+                        <a:rPr lang="fr-FR" sz="700" b="1" kern="1200">
+                          <a:solidFill>
+                            <a:srgbClr val="B9A049"/>
+                          </a:solidFill>
+                          <a:latin typeface="+mn-lt"/>
+                          <a:ea typeface="+mn-ea"/>
+                          <a:cs typeface="+mn-cs"/>
+                        </a:rPr>
+                        <a:t>BARRIÈRE DE VERSEMENT DES COUPONS</a:t>
+                      </a:r>
+                    </a:p>
+                  </a:txBody>
+                  <a:tcPr marT="46800" marB="46800" anchor="ctr" horzOverflow="overflow">
+                    <a:lnL w="12700" cap="flat" cmpd="sng" algn="ctr">
+                      <a:solidFill>
+                        <a:schemeClr val="bg1">
+                          <a:lumMod val="85000"/>
+                        </a:schemeClr>
+                      </a:solidFill>
+                      <a:prstDash val="solid"/>
+                      <a:round/>
+                      <a:headEnd type="none" w="med" len="med"/>
+                      <a:tailEnd type="none" w="med" len="med"/>
+                    </a:lnL>
+                    <a:lnR w="12700" cap="flat" cmpd="sng" algn="ctr">
+                      <a:solidFill>
+                        <a:schemeClr val="bg1"/>
+                      </a:solidFill>
+                      <a:prstDash val="solid"/>
+                      <a:round/>
+                      <a:headEnd type="none" w="med" len="med"/>
+                      <a:tailEnd type="none" w="med" len="med"/>
+                    </a:lnR>
+                    <a:lnT w="12700" cap="flat" cmpd="sng" algn="ctr">
+                      <a:solidFill>
+                        <a:schemeClr val="bg1"/>
+                      </a:solidFill>
+                      <a:prstDash val="solid"/>
+                      <a:round/>
+                      <a:headEnd type="none" w="med" len="med"/>
+                      <a:tailEnd type="none" w="med" len="med"/>
+                    </a:lnT>
+                    <a:lnB w="12700" cap="flat" cmpd="sng" algn="ctr">
+                      <a:solidFill>
+                        <a:schemeClr val="bg1"/>
+                      </a:solidFill>
+                      <a:prstDash val="solid"/>
+                      <a:round/>
+                      <a:headEnd type="none" w="med" len="med"/>
+                      <a:tailEnd type="none" w="med" len="med"/>
+                    </a:lnB>
+                    <a:lnTlToBr w="12700" cmpd="sng">
+                      <a:noFill/>
+                      <a:prstDash val="solid"/>
+                    </a:lnTlToBr>
+                    <a:lnBlToTr w="12700" cmpd="sng">
+                      <a:noFill/>
+                      <a:prstDash val="solid"/>
+                    </a:lnBlToTr>
+                    <a:solidFill>
+                      <a:schemeClr val="bg1">
+                        <a:lumMod val="95000"/>
+                      </a:schemeClr>
+                    </a:solidFill>
+                  </a:tcPr>
+                </a:tc>
+                <a:tc>
+                  <a:txBody>
+                    <a:bodyPr/>
+                    <a:lstStyle/>
+                    <a:p>
+                      <a:pPr>
+                        <a:defRPr sz="700"/>
+                      </a:pPr>
+                      <a:r>
+                        <a:t>95% du Cours Initial de l'action</a:t>
+                      </a:r>
+                    </a:p>
+                  </a:txBody>
+                  <a:tcPr marT="46800" marB="46800" anchor="ctr" horzOverflow="overflow">
+                    <a:lnL w="12700" cap="flat" cmpd="sng" algn="ctr">
+                      <a:solidFill>
+                        <a:schemeClr val="bg1"/>
+                      </a:solidFill>
+                      <a:prstDash val="solid"/>
+                      <a:round/>
+                      <a:headEnd type="none" w="med" len="med"/>
+                      <a:tailEnd type="none" w="med" len="med"/>
+                    </a:lnL>
+                    <a:lnR w="6350" cap="flat" cmpd="sng" algn="ctr">
+                      <a:solidFill>
+                        <a:schemeClr val="bg1">
+                          <a:lumMod val="65000"/>
+                        </a:schemeClr>
+                      </a:solidFill>
+                      <a:prstDash val="solid"/>
+                      <a:round/>
+                      <a:headEnd type="none" w="med" len="med"/>
+                      <a:tailEnd type="none" w="med" len="med"/>
+                    </a:lnR>
+                    <a:lnT w="6350" cap="flat" cmpd="sng" algn="ctr">
+                      <a:solidFill>
+                        <a:schemeClr val="bg1">
+                          <a:lumMod val="65000"/>
+                        </a:schemeClr>
+                      </a:solidFill>
+                      <a:prstDash val="solid"/>
+                      <a:round/>
+                      <a:headEnd type="none" w="med" len="med"/>
+                      <a:tailEnd type="none" w="med" len="med"/>
+                    </a:lnT>
+                    <a:lnB w="6350" cap="flat" cmpd="sng" algn="ctr">
+                      <a:solidFill>
+                        <a:schemeClr val="bg1">
+                          <a:lumMod val="65000"/>
+                        </a:schemeClr>
+                      </a:solidFill>
+                      <a:prstDash val="solid"/>
+                      <a:round/>
+                      <a:headEnd type="none" w="med" len="med"/>
+                      <a:tailEnd type="none" w="med" len="med"/>
+                    </a:lnB>
+                    <a:lnTlToBr w="12700" cmpd="sng">
+                      <a:noFill/>
+                      <a:prstDash val="solid"/>
+                    </a:lnTlToBr>
+                    <a:lnBlToTr w="12700" cmpd="sng">
+                      <a:noFill/>
+                      <a:prstDash val="solid"/>
+                    </a:lnBlToTr>
+                    <a:noFill/>
+                  </a:tcPr>
+                </a:tc>
+                <a:extLst>
+                  <a:ext uri="{0D108BD9-81ED-4DB2-BD59-A6C34878D82A}">
+                    <a16:rowId xmlns:a16="http://schemas.microsoft.com/office/drawing/2014/main" val="1756391511"/>
+                  </a:ext>
+                </a:extLst>
+              </a:tr>
+              <a:tr h="185365">
+                <a:tc>
+                  <a:txBody>
+                    <a:bodyPr/>
+                    <a:lstStyle/>
+                    <a:p>
+                      <a:pPr marL="0" marR="0" lvl="0" indent="0" algn="l" defTabSz="1042988" rtl="0" eaLnBrk="0" fontAlgn="base" latinLnBrk="0" hangingPunct="0">
+                        <a:lnSpc>
+                          <a:spcPct val="88000"/>
+                        </a:lnSpc>
+                        <a:spcBef>
+                          <a:spcPts val="0"/>
+                        </a:spcBef>
+                        <a:spcAft>
+                          <a:spcPct val="0"/>
+                        </a:spcAft>
+                        <a:buClrTx/>
+                        <a:buSzTx/>
+                        <a:buFontTx/>
+                        <a:buNone/>
+                        <a:tabLst/>
+                        <a:defRPr sz="700"/>
+                      </a:pPr>
+                      <a:r>
+                        <a:rPr lang="fr-FR" sz="700" b="1" kern="1200">
+                          <a:solidFill>
+                            <a:srgbClr val="B9A049"/>
+                          </a:solidFill>
+                          <a:latin typeface="+mn-lt"/>
+                          <a:ea typeface="+mn-ea"/>
+                          <a:cs typeface="+mn-cs"/>
+                        </a:rPr>
+                        <a:t>BARRIÈRE DE PERTE EN CAPITAL À L’ÉCHÉANCE</a:t>
+                      </a:r>
+                    </a:p>
+                  </a:txBody>
+                  <a:tcPr marT="46800" marB="46800" anchor="ctr" horzOverflow="overflow">
+                    <a:lnL w="12700" cap="flat" cmpd="sng" algn="ctr">
+                      <a:solidFill>
+                        <a:schemeClr val="bg1">
+                          <a:lumMod val="85000"/>
+                        </a:schemeClr>
+                      </a:solidFill>
+                      <a:prstDash val="solid"/>
+                      <a:round/>
+                      <a:headEnd type="none" w="med" len="med"/>
+                      <a:tailEnd type="none" w="med" len="med"/>
+                    </a:lnL>
+                    <a:lnR w="12700" cap="flat" cmpd="sng" algn="ctr">
+                      <a:solidFill>
+                        <a:schemeClr val="bg1"/>
+                      </a:solidFill>
+                      <a:prstDash val="solid"/>
+                      <a:round/>
+                      <a:headEnd type="none" w="med" len="med"/>
+                      <a:tailEnd type="none" w="med" len="med"/>
+                    </a:lnR>
+                    <a:lnT w="12700" cap="flat" cmpd="sng" algn="ctr">
+                      <a:solidFill>
+                        <a:schemeClr val="bg1"/>
+                      </a:solidFill>
+                      <a:prstDash val="solid"/>
+                      <a:round/>
+                      <a:headEnd type="none" w="med" len="med"/>
+                      <a:tailEnd type="none" w="med" len="med"/>
+                    </a:lnT>
+                    <a:lnB w="12700" cap="flat" cmpd="sng" algn="ctr">
+                      <a:solidFill>
+                        <a:schemeClr val="bg1"/>
+                      </a:solidFill>
+                      <a:prstDash val="solid"/>
+                      <a:round/>
+                      <a:headEnd type="none" w="med" len="med"/>
+                      <a:tailEnd type="none" w="med" len="med"/>
+                    </a:lnB>
+                    <a:lnTlToBr w="12700" cmpd="sng">
+                      <a:noFill/>
+                      <a:prstDash val="solid"/>
+                    </a:lnTlToBr>
+                    <a:lnBlToTr w="12700" cmpd="sng">
+                      <a:noFill/>
+                      <a:prstDash val="solid"/>
+                    </a:lnBlToTr>
+                    <a:solidFill>
+                      <a:schemeClr val="bg1">
+                        <a:lumMod val="95000"/>
+                      </a:schemeClr>
+                    </a:solidFill>
+                  </a:tcPr>
+                </a:tc>
+                <a:tc>
+                  <a:txBody>
+                    <a:bodyPr/>
+                    <a:lstStyle/>
+                    <a:p>
+                      <a:pPr>
+                        <a:defRPr sz="700"/>
+                      </a:pPr>
+                      <a:r>
+                        <a:t>75% du Cours Initial de l'action</a:t>
+                      </a:r>
+                    </a:p>
+                  </a:txBody>
+                  <a:tcPr marT="46800" marB="46800" anchor="ctr" horzOverflow="overflow">
+                    <a:lnL w="12700" cap="flat" cmpd="sng" algn="ctr">
+                      <a:solidFill>
+                        <a:schemeClr val="bg1"/>
+                      </a:solidFill>
+                      <a:prstDash val="solid"/>
+                      <a:round/>
+                      <a:headEnd type="none" w="med" len="med"/>
+                      <a:tailEnd type="none" w="med" len="med"/>
+                    </a:lnL>
+                    <a:lnR w="6350" cap="flat" cmpd="sng" algn="ctr">
+                      <a:solidFill>
+                        <a:schemeClr val="bg1">
+                          <a:lumMod val="65000"/>
+                        </a:schemeClr>
+                      </a:solidFill>
+                      <a:prstDash val="solid"/>
+                      <a:round/>
+                      <a:headEnd type="none" w="med" len="med"/>
+                      <a:tailEnd type="none" w="med" len="med"/>
+                    </a:lnR>
+                    <a:lnT w="6350" cap="flat" cmpd="sng" algn="ctr">
+                      <a:solidFill>
+                        <a:schemeClr val="bg1">
+                          <a:lumMod val="65000"/>
+                        </a:schemeClr>
+                      </a:solidFill>
+                      <a:prstDash val="solid"/>
+                      <a:round/>
+                      <a:headEnd type="none" w="med" len="med"/>
+                      <a:tailEnd type="none" w="med" len="med"/>
+                    </a:lnT>
+                    <a:lnB w="6350" cap="flat" cmpd="sng" algn="ctr">
+                      <a:solidFill>
+                        <a:schemeClr val="bg1">
+                          <a:lumMod val="65000"/>
+                        </a:schemeClr>
+                      </a:solidFill>
+                      <a:prstDash val="solid"/>
+                      <a:round/>
+                      <a:headEnd type="none" w="med" len="med"/>
+                      <a:tailEnd type="none" w="med" len="med"/>
+                    </a:lnB>
+                    <a:lnTlToBr w="12700" cmpd="sng">
+                      <a:noFill/>
+                      <a:prstDash val="solid"/>
+                    </a:lnTlToBr>
+                    <a:lnBlToTr w="12700" cmpd="sng">
+                      <a:noFill/>
+                      <a:prstDash val="solid"/>
+                    </a:lnBlToTr>
+                    <a:noFill/>
+                  </a:tcPr>
+                </a:tc>
+                <a:extLst>
+                  <a:ext uri="{0D108BD9-81ED-4DB2-BD59-A6C34878D82A}">
+                    <a16:rowId xmlns:a16="http://schemas.microsoft.com/office/drawing/2014/main" val="1921864351"/>
+                  </a:ext>
+                </a:extLst>
+              </a:tr>
+              <a:tr h="198049">
+                <a:tc>
+                  <a:txBody>
+                    <a:bodyPr/>
+                    <a:lstStyle/>
+                    <a:p>
+                      <a:pPr marL="0" marR="0" lvl="0" indent="0" algn="l" defTabSz="755934" rtl="0" eaLnBrk="1" fontAlgn="auto" latinLnBrk="0" hangingPunct="1">
+                        <a:lnSpc>
+                          <a:spcPct val="90000"/>
+                        </a:lnSpc>
+                        <a:spcBef>
+                          <a:spcPts val="0"/>
+                        </a:spcBef>
+                        <a:spcAft>
+                          <a:spcPts val="0"/>
+                        </a:spcAft>
+                        <a:buClrTx/>
+                        <a:buSzTx/>
+                        <a:buFontTx/>
+                        <a:buNone/>
+                        <a:tabLst/>
+                        <a:defRPr sz="700"/>
+                      </a:pPr>
+                      <a:r>
+                        <a:rPr lang="fr-FR" sz="700" b="1" kern="1200">
+                          <a:solidFill>
+                            <a:srgbClr val="B9A049"/>
+                          </a:solidFill>
+                          <a:latin typeface="+mn-lt"/>
+                          <a:ea typeface="+mn-ea"/>
+                          <a:cs typeface="+mn-cs"/>
+                        </a:rPr>
+                        <a:t>COMMISSION DE SOUSCRIPTION/RACHAT</a:t>
                       </a:r>
                     </a:p>
                   </a:txBody>
@@ -8315,7 +10909,7 @@
                   </a:ext>
                 </a:extLst>
               </a:tr>
-              <a:tr h="0">
+              <a:tr h="198049">
                 <a:tc>
                   <a:txBody>
                     <a:bodyPr/>
@@ -8347,7 +10941,7 @@
                           <a:ea typeface="+mn-ea"/>
                           <a:cs typeface="+mn-cs"/>
                         </a:rPr>
-                        <a:t>Éligibilité</a:t>
+                        <a:t>ÉLIGIBILITÉ</a:t>
                       </a:r>
                     </a:p>
                   </a:txBody>
@@ -8500,7 +11094,192 @@
                   </a:ext>
                 </a:extLst>
               </a:tr>
-              <a:tr h="0">
+              <a:tr h="198049">
+                <a:tc>
+                  <a:txBody>
+                    <a:bodyPr/>
+                    <a:lstStyle/>
+                    <a:p>
+                      <a:pPr marL="0" marR="0" lvl="0" indent="0" algn="l" defTabSz="755934" rtl="0" eaLnBrk="1" fontAlgn="auto" latinLnBrk="0" hangingPunct="1">
+                        <a:lnSpc>
+                          <a:spcPct val="90000"/>
+                        </a:lnSpc>
+                        <a:spcBef>
+                          <a:spcPts val="0"/>
+                        </a:spcBef>
+                        <a:spcAft>
+                          <a:spcPts val="0"/>
+                        </a:spcAft>
+                        <a:buClrTx/>
+                        <a:buSzTx/>
+                        <a:buFontTx/>
+                        <a:buNone/>
+                        <a:tabLst/>
+                        <a:defRPr sz="700"/>
+                      </a:pPr>
+                      <a:r>
+                        <a:rPr lang="fr-FR" sz="700" b="1" kern="1200" dirty="0">
+                          <a:solidFill>
+                            <a:srgbClr val="B9A049"/>
+                          </a:solidFill>
+                          <a:latin typeface="+mn-lt"/>
+                          <a:ea typeface="+mn-ea"/>
+                          <a:cs typeface="+mn-cs"/>
+                        </a:rPr>
+                        <a:t>OFFRE AU PUBLIC DONNANT LIEU À LA PUBLICATION D’UN PROSPECTUS </a:t>
+                      </a:r>
+                    </a:p>
+                  </a:txBody>
+                  <a:tcPr marT="46800" marB="46800" anchor="ctr" horzOverflow="overflow">
+                    <a:lnL w="12700" cap="flat" cmpd="sng" algn="ctr">
+                      <a:solidFill>
+                        <a:schemeClr val="bg1">
+                          <a:lumMod val="85000"/>
+                        </a:schemeClr>
+                      </a:solidFill>
+                      <a:prstDash val="solid"/>
+                      <a:round/>
+                      <a:headEnd type="none" w="med" len="med"/>
+                      <a:tailEnd type="none" w="med" len="med"/>
+                    </a:lnL>
+                    <a:lnR w="12700" cap="flat" cmpd="sng" algn="ctr">
+                      <a:solidFill>
+                        <a:schemeClr val="bg1"/>
+                      </a:solidFill>
+                      <a:prstDash val="solid"/>
+                      <a:round/>
+                      <a:headEnd type="none" w="med" len="med"/>
+                      <a:tailEnd type="none" w="med" len="med"/>
+                    </a:lnR>
+                    <a:lnT w="12700" cap="flat" cmpd="sng" algn="ctr">
+                      <a:solidFill>
+                        <a:schemeClr val="bg1"/>
+                      </a:solidFill>
+                      <a:prstDash val="solid"/>
+                      <a:round/>
+                      <a:headEnd type="none" w="med" len="med"/>
+                      <a:tailEnd type="none" w="med" len="med"/>
+                    </a:lnT>
+                    <a:lnB w="12700" cap="flat" cmpd="sng" algn="ctr">
+                      <a:solidFill>
+                        <a:schemeClr val="bg1"/>
+                      </a:solidFill>
+                      <a:prstDash val="solid"/>
+                      <a:round/>
+                      <a:headEnd type="none" w="med" len="med"/>
+                      <a:tailEnd type="none" w="med" len="med"/>
+                    </a:lnB>
+                    <a:lnTlToBr w="12700" cmpd="sng">
+                      <a:noFill/>
+                      <a:prstDash val="solid"/>
+                    </a:lnTlToBr>
+                    <a:lnBlToTr w="12700" cmpd="sng">
+                      <a:noFill/>
+                      <a:prstDash val="solid"/>
+                    </a:lnBlToTr>
+                    <a:solidFill>
+                      <a:schemeClr val="bg1">
+                        <a:lumMod val="95000"/>
+                      </a:schemeClr>
+                    </a:solidFill>
+                  </a:tcPr>
+                </a:tc>
+                <a:tc>
+                  <a:txBody>
+                    <a:bodyPr/>
+                    <a:lstStyle/>
+                    <a:p>
+                      <a:pPr marL="0" marR="0" lvl="0" indent="0" algn="just" defTabSz="755934" rtl="0" eaLnBrk="1" fontAlgn="base" latinLnBrk="0" hangingPunct="1">
+                        <a:lnSpc>
+                          <a:spcPct val="100000"/>
+                        </a:lnSpc>
+                        <a:spcBef>
+                          <a:spcPct val="0"/>
+                        </a:spcBef>
+                        <a:spcAft>
+                          <a:spcPct val="0"/>
+                        </a:spcAft>
+                        <a:buClrTx/>
+                        <a:buSzTx/>
+                        <a:buFontTx/>
+                        <a:buNone/>
+                        <a:tabLst/>
+                        <a:defRPr sz="700"/>
+                      </a:pPr>
+                      <a:r>
+                        <a:rPr lang="fr-FR" sz="700" b="0" i="0" kern="1200" dirty="0">
+                          <a:solidFill>
+                            <a:schemeClr val="tx1"/>
+                          </a:solidFill>
+                          <a:latin typeface="+mn-lt"/>
+                          <a:ea typeface="+mn-ea"/>
+                          <a:cs typeface="+mn-cs"/>
+                        </a:rPr>
+                        <a:t>&lt;OUI SI APE/ NON SINON&gt;</a:t>
+                      </a:r>
+                    </a:p>
+                  </a:txBody>
+                  <a:tcPr marT="46800" marB="46800" anchor="ctr" horzOverflow="overflow">
+                    <a:lnL w="12700" cap="flat" cmpd="sng" algn="ctr">
+                      <a:solidFill>
+                        <a:schemeClr val="bg1"/>
+                      </a:solidFill>
+                      <a:prstDash val="solid"/>
+                      <a:round/>
+                      <a:headEnd type="none" w="med" len="med"/>
+                      <a:tailEnd type="none" w="med" len="med"/>
+                    </a:lnL>
+                    <a:lnR w="6350" cap="flat" cmpd="sng" algn="ctr">
+                      <a:solidFill>
+                        <a:schemeClr val="bg1">
+                          <a:lumMod val="65000"/>
+                        </a:schemeClr>
+                      </a:solidFill>
+                      <a:prstDash val="solid"/>
+                      <a:round/>
+                      <a:headEnd type="none" w="med" len="med"/>
+                      <a:tailEnd type="none" w="med" len="med"/>
+                    </a:lnR>
+                    <a:lnT w="6350" cap="flat" cmpd="sng" algn="ctr">
+                      <a:solidFill>
+                        <a:schemeClr val="bg1">
+                          <a:lumMod val="65000"/>
+                        </a:schemeClr>
+                      </a:solidFill>
+                      <a:prstDash val="solid"/>
+                      <a:round/>
+                      <a:headEnd type="none" w="med" len="med"/>
+                      <a:tailEnd type="none" w="med" len="med"/>
+                    </a:lnT>
+                    <a:lnB w="6350" cap="flat" cmpd="sng" algn="ctr">
+                      <a:solidFill>
+                        <a:schemeClr val="bg1">
+                          <a:lumMod val="65000"/>
+                        </a:schemeClr>
+                      </a:solidFill>
+                      <a:prstDash val="solid"/>
+                      <a:round/>
+                      <a:headEnd type="none" w="med" len="med"/>
+                      <a:tailEnd type="none" w="med" len="med"/>
+                    </a:lnB>
+                    <a:lnTlToBr w="12700" cmpd="sng">
+                      <a:noFill/>
+                      <a:prstDash val="solid"/>
+                    </a:lnTlToBr>
+                    <a:lnBlToTr w="12700" cmpd="sng">
+                      <a:noFill/>
+                      <a:prstDash val="solid"/>
+                    </a:lnBlToTr>
+                    <a:noFill/>
+                  </a:tcPr>
+                </a:tc>
+                <a:extLst>
+                  <a:ext uri="{0D108BD9-81ED-4DB2-BD59-A6C34878D82A}">
+                    <a16:rowId xmlns:a16="http://schemas.microsoft.com/office/drawing/2014/main" val="2751249737"/>
+                  </a:ext>
+                </a:extLst>
+              </a:tr>
+              <a:tr h="198049">
                 <a:tc>
                   <a:txBody>
                     <a:bodyPr/>
@@ -8532,7 +11311,7 @@
                           <a:ea typeface="+mn-ea"/>
                           <a:cs typeface="+mn-cs"/>
                         </a:rPr>
-                        <a:t>Frais d’investissement</a:t>
+                        <a:t>FRAIS D’INVESTISSEMENT</a:t>
                       </a:r>
                     </a:p>
                   </a:txBody>
@@ -8685,7 +11464,7 @@
                   </a:ext>
                 </a:extLst>
               </a:tr>
-              <a:tr h="198679">
+              <a:tr h="198049">
                 <a:tc>
                   <a:txBody>
                     <a:bodyPr/>
@@ -8717,7 +11496,7 @@
                           <a:ea typeface="+mn-ea"/>
                           <a:cs typeface="+mn-cs"/>
                         </a:rPr>
-                        <a:t>Cotation</a:t>
+                        <a:t>COTATION</a:t>
                       </a:r>
                     </a:p>
                   </a:txBody>
@@ -8870,7 +11649,170 @@
                   </a:ext>
                 </a:extLst>
               </a:tr>
-              <a:tr h="232814">
+              <a:tr h="377385">
+                <a:tc>
+                  <a:txBody>
+                    <a:bodyPr/>
+                    <a:lstStyle/>
+                    <a:p>
+                      <a:pPr marL="0" marR="0" lvl="0" indent="0" algn="l" defTabSz="755934" rtl="0" eaLnBrk="1" fontAlgn="auto" latinLnBrk="0" hangingPunct="1">
+                        <a:lnSpc>
+                          <a:spcPct val="90000"/>
+                        </a:lnSpc>
+                        <a:spcBef>
+                          <a:spcPts val="0"/>
+                        </a:spcBef>
+                        <a:spcAft>
+                          <a:spcPts val="0"/>
+                        </a:spcAft>
+                        <a:buClrTx/>
+                        <a:buSzTx/>
+                        <a:buFontTx/>
+                        <a:buNone/>
+                        <a:tabLst/>
+                        <a:defRPr sz="700"/>
+                      </a:pPr>
+                      <a:r>
+                        <a:rPr lang="fr-FR" sz="700" b="1" kern="1200">
+                          <a:solidFill>
+                            <a:srgbClr val="B9A049"/>
+                          </a:solidFill>
+                          <a:latin typeface="+mn-lt"/>
+                          <a:ea typeface="+mn-ea"/>
+                          <a:cs typeface="+mn-cs"/>
+                        </a:rPr>
+                        <a:t>COMMISSION DE DISTRIBUTION</a:t>
+                      </a:r>
+                    </a:p>
+                  </a:txBody>
+                  <a:tcPr marT="46800" marB="46800" anchor="ctr" horzOverflow="overflow">
+                    <a:lnL w="12700" cap="flat" cmpd="sng" algn="ctr">
+                      <a:solidFill>
+                        <a:schemeClr val="bg1">
+                          <a:lumMod val="85000"/>
+                        </a:schemeClr>
+                      </a:solidFill>
+                      <a:prstDash val="solid"/>
+                      <a:round/>
+                      <a:headEnd type="none" w="med" len="med"/>
+                      <a:tailEnd type="none" w="med" len="med"/>
+                    </a:lnL>
+                    <a:lnR w="12700" cap="flat" cmpd="sng" algn="ctr">
+                      <a:solidFill>
+                        <a:schemeClr val="bg1"/>
+                      </a:solidFill>
+                      <a:prstDash val="solid"/>
+                      <a:round/>
+                      <a:headEnd type="none" w="med" len="med"/>
+                      <a:tailEnd type="none" w="med" len="med"/>
+                    </a:lnR>
+                    <a:lnT w="12700" cap="flat" cmpd="sng" algn="ctr">
+                      <a:solidFill>
+                        <a:schemeClr val="bg1"/>
+                      </a:solidFill>
+                      <a:prstDash val="solid"/>
+                      <a:round/>
+                      <a:headEnd type="none" w="med" len="med"/>
+                      <a:tailEnd type="none" w="med" len="med"/>
+                    </a:lnT>
+                    <a:lnB w="12700" cap="flat" cmpd="sng" algn="ctr">
+                      <a:solidFill>
+                        <a:schemeClr val="bg1"/>
+                      </a:solidFill>
+                      <a:prstDash val="solid"/>
+                      <a:round/>
+                      <a:headEnd type="none" w="med" len="med"/>
+                      <a:tailEnd type="none" w="med" len="med"/>
+                    </a:lnB>
+                    <a:lnTlToBr w="12700" cmpd="sng">
+                      <a:noFill/>
+                      <a:prstDash val="solid"/>
+                    </a:lnTlToBr>
+                    <a:lnBlToTr w="12700" cmpd="sng">
+                      <a:noFill/>
+                      <a:prstDash val="solid"/>
+                    </a:lnBlToTr>
+                    <a:solidFill>
+                      <a:schemeClr val="bg1">
+                        <a:lumMod val="95000"/>
+                      </a:schemeClr>
+                    </a:solidFill>
+                  </a:tcPr>
+                </a:tc>
+                <a:tc>
+                  <a:txBody>
+                    <a:bodyPr/>
+                    <a:lstStyle/>
+                    <a:p>
+                      <a:pPr>
+                        <a:defRPr sz="700"/>
+                      </a:pPr>
+                      <a:r>
+                        <a:t>Morgan Stanley &amp; Co International Plc⁽¹⁾ paiera aux distributeurs une rémunération annuelle maximum inférieur à 1,50% TTC du montant de l’émission. Veuillez contacter le distributeur pour plus de précisions. Ces commissions sont incluses dans le prix d’achat.</a:t>
+                      </a:r>
+                    </a:p>
+                  </a:txBody>
+                  <a:tcPr marT="46800" marB="46800" anchor="ctr" horzOverflow="overflow">
+                    <a:lnL w="12700" cap="flat" cmpd="sng" algn="ctr">
+                      <a:solidFill>
+                        <a:schemeClr val="bg1"/>
+                      </a:solidFill>
+                      <a:prstDash val="solid"/>
+                      <a:round/>
+                      <a:headEnd type="none" w="med" len="med"/>
+                      <a:tailEnd type="none" w="med" len="med"/>
+                    </a:lnL>
+                    <a:lnR w="6350" cap="flat" cmpd="sng" algn="ctr">
+                      <a:solidFill>
+                        <a:schemeClr val="bg1">
+                          <a:lumMod val="65000"/>
+                        </a:schemeClr>
+                      </a:solidFill>
+                      <a:prstDash val="solid"/>
+                      <a:round/>
+                      <a:headEnd type="none" w="med" len="med"/>
+                      <a:tailEnd type="none" w="med" len="med"/>
+                    </a:lnR>
+                    <a:lnT w="6350" cap="flat" cmpd="sng" algn="ctr">
+                      <a:solidFill>
+                        <a:schemeClr val="bg1">
+                          <a:lumMod val="65000"/>
+                        </a:schemeClr>
+                      </a:solidFill>
+                      <a:prstDash val="solid"/>
+                      <a:round/>
+                      <a:headEnd type="none" w="med" len="med"/>
+                      <a:tailEnd type="none" w="med" len="med"/>
+                    </a:lnT>
+                    <a:lnB w="6350" cap="flat" cmpd="sng" algn="ctr">
+                      <a:solidFill>
+                        <a:schemeClr val="bg1">
+                          <a:lumMod val="65000"/>
+                        </a:schemeClr>
+                      </a:solidFill>
+                      <a:prstDash val="solid"/>
+                      <a:round/>
+                      <a:headEnd type="none" w="med" len="med"/>
+                      <a:tailEnd type="none" w="med" len="med"/>
+                    </a:lnB>
+                    <a:lnTlToBr w="12700" cmpd="sng">
+                      <a:noFill/>
+                      <a:prstDash val="solid"/>
+                    </a:lnTlToBr>
+                    <a:lnBlToTr w="12700" cmpd="sng">
+                      <a:noFill/>
+                      <a:prstDash val="solid"/>
+                    </a:lnBlToTr>
+                    <a:noFill/>
+                  </a:tcPr>
+                </a:tc>
+                <a:extLst>
+                  <a:ext uri="{0D108BD9-81ED-4DB2-BD59-A6C34878D82A}">
+                    <a16:rowId xmlns:a16="http://schemas.microsoft.com/office/drawing/2014/main" val="4287158974"/>
+                  </a:ext>
+                </a:extLst>
+              </a:tr>
+              <a:tr h="282443">
                 <a:tc>
                   <a:txBody>
                     <a:bodyPr/>
@@ -8902,355 +11844,7 @@
                           <a:ea typeface="+mn-ea"/>
                           <a:cs typeface="+mn-cs"/>
                         </a:rPr>
-                        <a:t>Offre au public donnant lieu à la publication d’un prospectus </a:t>
-                      </a:r>
-                    </a:p>
-                  </a:txBody>
-                  <a:tcPr marT="46800" marB="46800" anchor="ctr" horzOverflow="overflow">
-                    <a:lnL w="12700" cap="flat" cmpd="sng" algn="ctr">
-                      <a:solidFill>
-                        <a:schemeClr val="bg1">
-                          <a:lumMod val="85000"/>
-                        </a:schemeClr>
-                      </a:solidFill>
-                      <a:prstDash val="solid"/>
-                      <a:round/>
-                      <a:headEnd type="none" w="med" len="med"/>
-                      <a:tailEnd type="none" w="med" len="med"/>
-                    </a:lnL>
-                    <a:lnR w="12700" cap="flat" cmpd="sng" algn="ctr">
-                      <a:solidFill>
-                        <a:schemeClr val="bg1"/>
-                      </a:solidFill>
-                      <a:prstDash val="solid"/>
-                      <a:round/>
-                      <a:headEnd type="none" w="med" len="med"/>
-                      <a:tailEnd type="none" w="med" len="med"/>
-                    </a:lnR>
-                    <a:lnT w="12700" cap="flat" cmpd="sng" algn="ctr">
-                      <a:solidFill>
-                        <a:schemeClr val="bg1"/>
-                      </a:solidFill>
-                      <a:prstDash val="solid"/>
-                      <a:round/>
-                      <a:headEnd type="none" w="med" len="med"/>
-                      <a:tailEnd type="none" w="med" len="med"/>
-                    </a:lnT>
-                    <a:lnB w="12700" cap="flat" cmpd="sng" algn="ctr">
-                      <a:solidFill>
-                        <a:schemeClr val="bg1"/>
-                      </a:solidFill>
-                      <a:prstDash val="solid"/>
-                      <a:round/>
-                      <a:headEnd type="none" w="med" len="med"/>
-                      <a:tailEnd type="none" w="med" len="med"/>
-                    </a:lnB>
-                    <a:lnTlToBr w="12700" cmpd="sng">
-                      <a:noFill/>
-                      <a:prstDash val="solid"/>
-                    </a:lnTlToBr>
-                    <a:lnBlToTr w="12700" cmpd="sng">
-                      <a:noFill/>
-                      <a:prstDash val="solid"/>
-                    </a:lnBlToTr>
-                    <a:solidFill>
-                      <a:schemeClr val="bg1">
-                        <a:lumMod val="95000"/>
-                      </a:schemeClr>
-                    </a:solidFill>
-                  </a:tcPr>
-                </a:tc>
-                <a:tc>
-                  <a:txBody>
-                    <a:bodyPr/>
-                    <a:lstStyle/>
-                    <a:p>
-                      <a:pPr marL="0" marR="0" lvl="0" indent="0" algn="just" defTabSz="755934" rtl="0" eaLnBrk="1" fontAlgn="base" latinLnBrk="0" hangingPunct="1">
-                        <a:lnSpc>
-                          <a:spcPct val="100000"/>
-                        </a:lnSpc>
-                        <a:spcBef>
-                          <a:spcPct val="0"/>
-                        </a:spcBef>
-                        <a:spcAft>
-                          <a:spcPct val="0"/>
-                        </a:spcAft>
-                        <a:buClrTx/>
-                        <a:buSzTx/>
-                        <a:buFontTx/>
-                        <a:buNone/>
-                        <a:tabLst/>
-                        <a:defRPr sz="700"/>
-                      </a:pPr>
-                      <a:r>
-                        <a:rPr lang="fr-FR" sz="700" b="0" i="0" kern="1200" dirty="0">
-                          <a:solidFill>
-                            <a:schemeClr val="tx1"/>
-                          </a:solidFill>
-                          <a:latin typeface="+mn-lt"/>
-                          <a:ea typeface="+mn-ea"/>
-                          <a:cs typeface="+mn-cs"/>
-                        </a:rPr>
-                        <a:t>&lt;OUI SI APE/ NON SINON&gt;</a:t>
-                      </a:r>
-                    </a:p>
-                  </a:txBody>
-                  <a:tcPr marT="46800" marB="46800" anchor="ctr" horzOverflow="overflow">
-                    <a:lnL w="12700" cap="flat" cmpd="sng" algn="ctr">
-                      <a:solidFill>
-                        <a:schemeClr val="bg1"/>
-                      </a:solidFill>
-                      <a:prstDash val="solid"/>
-                      <a:round/>
-                      <a:headEnd type="none" w="med" len="med"/>
-                      <a:tailEnd type="none" w="med" len="med"/>
-                    </a:lnL>
-                    <a:lnR w="6350" cap="flat" cmpd="sng" algn="ctr">
-                      <a:solidFill>
-                        <a:schemeClr val="bg1">
-                          <a:lumMod val="65000"/>
-                        </a:schemeClr>
-                      </a:solidFill>
-                      <a:prstDash val="solid"/>
-                      <a:round/>
-                      <a:headEnd type="none" w="med" len="med"/>
-                      <a:tailEnd type="none" w="med" len="med"/>
-                    </a:lnR>
-                    <a:lnT w="6350" cap="flat" cmpd="sng" algn="ctr">
-                      <a:solidFill>
-                        <a:schemeClr val="bg1">
-                          <a:lumMod val="65000"/>
-                        </a:schemeClr>
-                      </a:solidFill>
-                      <a:prstDash val="solid"/>
-                      <a:round/>
-                      <a:headEnd type="none" w="med" len="med"/>
-                      <a:tailEnd type="none" w="med" len="med"/>
-                    </a:lnT>
-                    <a:lnB w="6350" cap="flat" cmpd="sng" algn="ctr">
-                      <a:solidFill>
-                        <a:schemeClr val="bg1">
-                          <a:lumMod val="65000"/>
-                        </a:schemeClr>
-                      </a:solidFill>
-                      <a:prstDash val="solid"/>
-                      <a:round/>
-                      <a:headEnd type="none" w="med" len="med"/>
-                      <a:tailEnd type="none" w="med" len="med"/>
-                    </a:lnB>
-                    <a:lnTlToBr w="12700" cmpd="sng">
-                      <a:noFill/>
-                      <a:prstDash val="solid"/>
-                    </a:lnTlToBr>
-                    <a:lnBlToTr w="12700" cmpd="sng">
-                      <a:noFill/>
-                      <a:prstDash val="solid"/>
-                    </a:lnBlToTr>
-                    <a:noFill/>
-                  </a:tcPr>
-                </a:tc>
-                <a:extLst>
-                  <a:ext uri="{0D108BD9-81ED-4DB2-BD59-A6C34878D82A}">
-                    <a16:rowId xmlns:a16="http://schemas.microsoft.com/office/drawing/2014/main" val="3544161330"/>
-                  </a:ext>
-                </a:extLst>
-              </a:tr>
-              <a:tr h="232814">
-                <a:tc>
-                  <a:txBody>
-                    <a:bodyPr/>
-                    <a:lstStyle/>
-                    <a:p>
-                      <a:pPr marL="0" marR="0" lvl="0" indent="0" algn="l" defTabSz="755934" rtl="0" eaLnBrk="1" fontAlgn="auto" latinLnBrk="0" hangingPunct="1">
-                        <a:lnSpc>
-                          <a:spcPct val="90000"/>
-                        </a:lnSpc>
-                        <a:spcBef>
-                          <a:spcPts val="0"/>
-                        </a:spcBef>
-                        <a:spcAft>
-                          <a:spcPts val="0"/>
-                        </a:spcAft>
-                        <a:buClrTx/>
-                        <a:buSzTx/>
-                        <a:buFontTx/>
-                        <a:buNone/>
-                        <a:tabLst/>
-                        <a:defRPr sz="700"/>
-                      </a:pPr>
-                      <a:r>
-                        <a:rPr lang="fr-FR" sz="700" b="1" kern="1200" dirty="0">
-                          <a:solidFill>
-                            <a:srgbClr val="B9A049"/>
-                          </a:solidFill>
-                          <a:latin typeface="+mn-lt"/>
-                          <a:ea typeface="+mn-ea"/>
-                          <a:cs typeface="+mn-cs"/>
-                        </a:rPr>
-                        <a:t>Commission de distribution</a:t>
-                      </a:r>
-                    </a:p>
-                  </a:txBody>
-                  <a:tcPr marT="46800" marB="46800" anchor="ctr" horzOverflow="overflow">
-                    <a:lnL w="12700" cap="flat" cmpd="sng" algn="ctr">
-                      <a:solidFill>
-                        <a:schemeClr val="bg1">
-                          <a:lumMod val="85000"/>
-                        </a:schemeClr>
-                      </a:solidFill>
-                      <a:prstDash val="solid"/>
-                      <a:round/>
-                      <a:headEnd type="none" w="med" len="med"/>
-                      <a:tailEnd type="none" w="med" len="med"/>
-                    </a:lnL>
-                    <a:lnR w="12700" cap="flat" cmpd="sng" algn="ctr">
-                      <a:solidFill>
-                        <a:schemeClr val="bg1"/>
-                      </a:solidFill>
-                      <a:prstDash val="solid"/>
-                      <a:round/>
-                      <a:headEnd type="none" w="med" len="med"/>
-                      <a:tailEnd type="none" w="med" len="med"/>
-                    </a:lnR>
-                    <a:lnT w="12700" cap="flat" cmpd="sng" algn="ctr">
-                      <a:solidFill>
-                        <a:schemeClr val="bg1"/>
-                      </a:solidFill>
-                      <a:prstDash val="solid"/>
-                      <a:round/>
-                      <a:headEnd type="none" w="med" len="med"/>
-                      <a:tailEnd type="none" w="med" len="med"/>
-                    </a:lnT>
-                    <a:lnB w="12700" cap="flat" cmpd="sng" algn="ctr">
-                      <a:solidFill>
-                        <a:schemeClr val="bg1"/>
-                      </a:solidFill>
-                      <a:prstDash val="solid"/>
-                      <a:round/>
-                      <a:headEnd type="none" w="med" len="med"/>
-                      <a:tailEnd type="none" w="med" len="med"/>
-                    </a:lnB>
-                    <a:lnTlToBr w="12700" cmpd="sng">
-                      <a:noFill/>
-                      <a:prstDash val="solid"/>
-                    </a:lnTlToBr>
-                    <a:lnBlToTr w="12700" cmpd="sng">
-                      <a:noFill/>
-                      <a:prstDash val="solid"/>
-                    </a:lnBlToTr>
-                    <a:solidFill>
-                      <a:schemeClr val="bg1">
-                        <a:lumMod val="95000"/>
-                      </a:schemeClr>
-                    </a:solidFill>
-                  </a:tcPr>
-                </a:tc>
-                <a:tc>
-                  <a:txBody>
-                    <a:bodyPr/>
-                    <a:lstStyle/>
-                    <a:p>
-                      <a:pPr>
-                        <a:defRPr sz="700"/>
-                      </a:pPr>
-                      <a:r>
-                        <a:t>Morgan Stanley &amp; Co International Plc⁽¹⁾ paiera aux distributeurs une rémunération annuelle maximum inférieur à 1,50% TTC du montant de l’émission. Veuillez contacter le distributeur pour plus de précisions. Ces commissions sont incluses dans le prix d’achat.</a:t>
-                      </a:r>
-                    </a:p>
-                  </a:txBody>
-                  <a:tcPr marT="46800" marB="46800" anchor="ctr" horzOverflow="overflow">
-                    <a:lnL w="12700" cap="flat" cmpd="sng" algn="ctr">
-                      <a:solidFill>
-                        <a:schemeClr val="bg1"/>
-                      </a:solidFill>
-                      <a:prstDash val="solid"/>
-                      <a:round/>
-                      <a:headEnd type="none" w="med" len="med"/>
-                      <a:tailEnd type="none" w="med" len="med"/>
-                    </a:lnL>
-                    <a:lnR w="6350" cap="flat" cmpd="sng" algn="ctr">
-                      <a:solidFill>
-                        <a:schemeClr val="bg1">
-                          <a:lumMod val="65000"/>
-                        </a:schemeClr>
-                      </a:solidFill>
-                      <a:prstDash val="solid"/>
-                      <a:round/>
-                      <a:headEnd type="none" w="med" len="med"/>
-                      <a:tailEnd type="none" w="med" len="med"/>
-                    </a:lnR>
-                    <a:lnT w="6350" cap="flat" cmpd="sng" algn="ctr">
-                      <a:solidFill>
-                        <a:schemeClr val="bg1">
-                          <a:lumMod val="65000"/>
-                        </a:schemeClr>
-                      </a:solidFill>
-                      <a:prstDash val="solid"/>
-                      <a:round/>
-                      <a:headEnd type="none" w="med" len="med"/>
-                      <a:tailEnd type="none" w="med" len="med"/>
-                    </a:lnT>
-                    <a:lnB w="6350" cap="flat" cmpd="sng" algn="ctr">
-                      <a:solidFill>
-                        <a:schemeClr val="bg1">
-                          <a:lumMod val="65000"/>
-                        </a:schemeClr>
-                      </a:solidFill>
-                      <a:prstDash val="solid"/>
-                      <a:round/>
-                      <a:headEnd type="none" w="med" len="med"/>
-                      <a:tailEnd type="none" w="med" len="med"/>
-                    </a:lnB>
-                    <a:lnTlToBr w="12700" cmpd="sng">
-                      <a:noFill/>
-                      <a:prstDash val="solid"/>
-                    </a:lnTlToBr>
-                    <a:lnBlToTr w="12700" cmpd="sng">
-                      <a:noFill/>
-                      <a:prstDash val="solid"/>
-                    </a:lnBlToTr>
-                    <a:noFill/>
-                  </a:tcPr>
-                </a:tc>
-                <a:extLst>
-                  <a:ext uri="{0D108BD9-81ED-4DB2-BD59-A6C34878D82A}">
-                    <a16:rowId xmlns:a16="http://schemas.microsoft.com/office/drawing/2014/main" val="4287158974"/>
-                  </a:ext>
-                </a:extLst>
-              </a:tr>
-              <a:tr h="0">
-                <a:tc>
-                  <a:txBody>
-                    <a:bodyPr/>
-                    <a:lstStyle/>
-                    <a:p>
-                      <a:pPr marL="0" marR="0" lvl="0" indent="0" algn="l" defTabSz="755934" rtl="0" eaLnBrk="1" fontAlgn="auto" latinLnBrk="0" hangingPunct="1">
-                        <a:lnSpc>
-                          <a:spcPct val="90000"/>
-                        </a:lnSpc>
-                        <a:spcBef>
-                          <a:spcPts val="0"/>
-                        </a:spcBef>
-                        <a:spcAft>
-                          <a:spcPts val="0"/>
-                        </a:spcAft>
-                        <a:buClrTx/>
-                        <a:buSzTx/>
-                        <a:buFontTx/>
-                        <a:buNone/>
-                        <a:tabLst/>
-                        <a:defRPr sz="700"/>
-                      </a:pPr>
-                      <a:r>
-                        <a:rPr lang="fr-FR" sz="700" b="1" kern="1200">
-                          <a:solidFill>
-                            <a:srgbClr val="B9A049"/>
-                          </a:solidFill>
-                          <a:latin typeface="+mn-lt"/>
-                          <a:ea typeface="+mn-ea"/>
-                          <a:cs typeface="+mn-cs"/>
-                        </a:rPr>
-                        <a:t>Publication de la valorisation</a:t>
+                        <a:t>PERIODICITE ET LA PUBLICATION DE LA VALORISATION</a:t>
                       </a:r>
                     </a:p>
                   </a:txBody>
@@ -9339,7 +11933,7 @@
                           <a:ea typeface="+mn-ea"/>
                           <a:cs typeface="+mn-cs"/>
                         </a:rPr>
-                        <a:t>Valorisation quotidienne publiée sur les pages Bloomberg, </a:t>
+                        <a:t>Publication quotidienne sur </a:t>
                       </a:r>
                       <a:r>
                         <a:rPr lang="fr-FR" sz="700" b="0" i="0" kern="1200" dirty="0" err="1">
@@ -9350,7 +11944,7 @@
                           <a:ea typeface="+mn-ea"/>
                           <a:cs typeface="+mn-cs"/>
                         </a:rPr>
-                        <a:t>Telekurs</a:t>
+                        <a:t>Sixtelekurs</a:t>
                       </a:r>
                       <a:r>
                         <a:rPr lang="fr-FR" sz="700" b="0" i="0" kern="1200" dirty="0">
@@ -9361,7 +11955,7 @@
                           <a:ea typeface="+mn-ea"/>
                           <a:cs typeface="+mn-cs"/>
                         </a:rPr>
-                        <a:t> et Reuters. Elle est par ailleurs tenue à disposition du public en permanence sur demande.</a:t>
+                        <a:t> et Bloomberg</a:t>
                       </a:r>
                     </a:p>
                   </a:txBody>
@@ -9425,7 +12019,7 @@
                   </a:ext>
                 </a:extLst>
               </a:tr>
-              <a:tr h="0">
+              <a:tr h="282443">
                 <a:tc>
                   <a:txBody>
                     <a:bodyPr/>
@@ -9457,7 +12051,7 @@
                           <a:ea typeface="+mn-ea"/>
                           <a:cs typeface="+mn-cs"/>
                         </a:rPr>
-                        <a:t>Double valorisation</a:t>
+                        <a:t>DOUBLE VALORISATION</a:t>
                       </a:r>
                     </a:p>
                   </a:txBody>
@@ -9676,7 +12270,7 @@
                   </a:ext>
                 </a:extLst>
               </a:tr>
-              <a:tr h="0">
+              <a:tr h="278173">
                 <a:tc>
                   <a:txBody>
                     <a:bodyPr/>
@@ -9708,7 +12302,7 @@
                           <a:ea typeface="+mn-ea"/>
                           <a:cs typeface="+mn-cs"/>
                         </a:rPr>
-                        <a:t>Marché secondaire</a:t>
+                        <a:t>MARCHÉ SECONDAIRE</a:t>
                       </a:r>
                     </a:p>
                   </a:txBody>
@@ -9927,7 +12521,7 @@
                   </a:ext>
                 </a:extLst>
               </a:tr>
-              <a:tr h="0">
+              <a:tr h="198049">
                 <a:tc>
                   <a:txBody>
                     <a:bodyPr/>
@@ -9948,7 +12542,7 @@
                           <a:ea typeface="+mn-ea"/>
                           <a:cs typeface="+mn-cs"/>
                         </a:rPr>
-                        <a:t>Agent de calcul</a:t>
+                        <a:t>AGENT DE CALCUL</a:t>
                       </a:r>
                     </a:p>
                   </a:txBody>
@@ -10015,7 +12609,7 @@
                         <a:defRPr sz="700"/>
                       </a:pPr>
                       <a:r>
-                        <a:t>Morgan Stanley &amp; Co International Plc⁽¹⁾, ce qui peut être source d’un conflit d’intérêt⁽²⁾.</a:t>
+                        <a:t>Credit Suisse International, ce qui peut être source d’un conflit d’intérêts⁽²⁾. </a:t>
                       </a:r>
                     </a:p>
                   </a:txBody>
@@ -10079,7 +12673,7 @@
                   </a:ext>
                 </a:extLst>
               </a:tr>
-              <a:tr h="198679">
+              <a:tr h="198049">
                 <a:tc>
                   <a:txBody>
                     <a:bodyPr/>
@@ -10111,7 +12705,7 @@
                           <a:ea typeface="+mn-ea"/>
                           <a:cs typeface="+mn-cs"/>
                         </a:rPr>
-                        <a:t>Code ISIN</a:t>
+                        <a:t>CODE ISIN</a:t>
                       </a:r>
                     </a:p>
                   </a:txBody>
@@ -10250,214 +12844,10 @@
       </p:graphicFrame>
       <p:sp>
         <p:nvSpPr>
-          <p:cNvPr id="6" name="Espace réservé du texte 11">
+          <p:cNvPr id="8" name="Rectangle">
             <a:extLst>
               <a:ext uri="{FF2B5EF4-FFF2-40B4-BE49-F238E27FC236}">
-                <a16:creationId xmlns:a16="http://schemas.microsoft.com/office/drawing/2014/main" id="{D1EA6C15-C1C4-4A82-BC93-5F15BEC19581}"/>
-              </a:ext>
-            </a:extLst>
-          </p:cNvPr>
-          <p:cNvSpPr txBox="1">
-            <a:spLocks/>
-          </p:cNvSpPr>
-          <p:nvPr/>
-        </p:nvSpPr>
-        <p:spPr>
-          <a:xfrm>
-            <a:off x="458462" y="670080"/>
-            <a:ext cx="6804000" cy="230950"/>
-          </a:xfrm>
-          <a:prstGeom prst="rect">
-            <a:avLst/>
-          </a:prstGeom>
-        </p:spPr>
-        <p:txBody>
-          <a:bodyPr lIns="0" tIns="0" rIns="0" bIns="0" anchor="ctr">
-            <a:noAutofit/>
-          </a:bodyPr>
-          <a:lstStyle>
-            <a:lvl1pPr marL="0" indent="0" algn="l" defTabSz="755934" rtl="0" eaLnBrk="1" latinLnBrk="0" hangingPunct="1">
-              <a:lnSpc>
-                <a:spcPct val="90000"/>
-              </a:lnSpc>
-              <a:spcBef>
-                <a:spcPts val="2400"/>
-              </a:spcBef>
-              <a:buFont typeface="Arial" panose="020B0604020202020204" pitchFamily="34" charset="0"/>
-              <a:buNone/>
-              <a:defRPr sz="1600" b="0" kern="1200" cap="all" baseline="0">
-                <a:solidFill>
-                  <a:schemeClr val="tx1"/>
-                </a:solidFill>
-                <a:latin typeface="Gotham Bold" pitchFamily="50" charset="0"/>
-                <a:ea typeface="+mn-ea"/>
-                <a:cs typeface="Gotham Bold" pitchFamily="50" charset="0"/>
-              </a:defRPr>
-            </a:lvl1pPr>
-            <a:lvl2pPr marL="179388" indent="0" algn="l" defTabSz="755934" rtl="0" eaLnBrk="1" latinLnBrk="0" hangingPunct="1">
-              <a:lnSpc>
-                <a:spcPct val="100000"/>
-              </a:lnSpc>
-              <a:spcBef>
-                <a:spcPts val="900"/>
-              </a:spcBef>
-              <a:buFont typeface="Arial" panose="020B0604020202020204" pitchFamily="34" charset="0"/>
-              <a:buNone/>
-              <a:defRPr sz="1200" kern="1200" cap="all" baseline="0">
-                <a:solidFill>
-                  <a:schemeClr val="tx1"/>
-                </a:solidFill>
-                <a:latin typeface="Gotham Medium" pitchFamily="50" charset="0"/>
-                <a:ea typeface="+mn-ea"/>
-                <a:cs typeface="Gotham Medium" pitchFamily="50" charset="0"/>
-              </a:defRPr>
-            </a:lvl2pPr>
-            <a:lvl3pPr marL="179388" indent="0" algn="l" defTabSz="755934" rtl="0" eaLnBrk="1" latinLnBrk="0" hangingPunct="1">
-              <a:lnSpc>
-                <a:spcPct val="100000"/>
-              </a:lnSpc>
-              <a:spcBef>
-                <a:spcPts val="600"/>
-              </a:spcBef>
-              <a:buFont typeface="Arial" panose="020B0604020202020204" pitchFamily="34" charset="0"/>
-              <a:buNone/>
-              <a:defRPr sz="900" kern="1200">
-                <a:solidFill>
-                  <a:schemeClr val="tx2"/>
-                </a:solidFill>
-                <a:latin typeface="+mn-lt"/>
-                <a:ea typeface="+mn-ea"/>
-                <a:cs typeface="+mn-cs"/>
-              </a:defRPr>
-            </a:lvl3pPr>
-            <a:lvl4pPr marL="0" indent="0" algn="ctr" defTabSz="755934" rtl="0" eaLnBrk="1" latinLnBrk="0" hangingPunct="1">
-              <a:lnSpc>
-                <a:spcPct val="100000"/>
-              </a:lnSpc>
-              <a:spcBef>
-                <a:spcPts val="1000"/>
-              </a:spcBef>
-              <a:spcAft>
-                <a:spcPts val="1000"/>
-              </a:spcAft>
-              <a:buFont typeface="Arial" panose="020B0604020202020204" pitchFamily="34" charset="0"/>
-              <a:buNone/>
-              <a:defRPr sz="900" u="none" kern="1200">
-                <a:solidFill>
-                  <a:schemeClr val="tx2"/>
-                </a:solidFill>
-                <a:latin typeface="Ciutadella Light" panose="02000000000000000000" pitchFamily="50" charset="0"/>
-                <a:ea typeface="+mn-ea"/>
-                <a:cs typeface="+mn-cs"/>
-              </a:defRPr>
-            </a:lvl4pPr>
-            <a:lvl5pPr marL="179388" indent="0" algn="l" defTabSz="755934" rtl="0" eaLnBrk="1" latinLnBrk="0" hangingPunct="1">
-              <a:lnSpc>
-                <a:spcPct val="100000"/>
-              </a:lnSpc>
-              <a:spcBef>
-                <a:spcPts val="600"/>
-              </a:spcBef>
-              <a:buFont typeface="Arial" panose="020B0604020202020204" pitchFamily="34" charset="0"/>
-              <a:buNone/>
-              <a:defRPr sz="900" kern="1200">
-                <a:solidFill>
-                  <a:schemeClr val="tx2"/>
-                </a:solidFill>
-                <a:latin typeface="Ciutadella Medium" panose="01000000000000000000" pitchFamily="50" charset="0"/>
-                <a:ea typeface="+mn-ea"/>
-                <a:cs typeface="+mn-cs"/>
-              </a:defRPr>
-            </a:lvl5pPr>
-            <a:lvl6pPr marL="2078820" indent="-188984" algn="l" defTabSz="755934" rtl="0" eaLnBrk="1" latinLnBrk="0" hangingPunct="1">
-              <a:lnSpc>
-                <a:spcPct val="90000"/>
-              </a:lnSpc>
-              <a:spcBef>
-                <a:spcPts val="413"/>
-              </a:spcBef>
-              <a:buFont typeface="Arial" panose="020B0604020202020204" pitchFamily="34" charset="0"/>
-              <a:buChar char="•"/>
-              <a:defRPr sz="1488" kern="1200">
-                <a:solidFill>
-                  <a:schemeClr val="tx1"/>
-                </a:solidFill>
-                <a:latin typeface="+mn-lt"/>
-                <a:ea typeface="+mn-ea"/>
-                <a:cs typeface="+mn-cs"/>
-              </a:defRPr>
-            </a:lvl6pPr>
-            <a:lvl7pPr marL="2456787" indent="-188984" algn="l" defTabSz="755934" rtl="0" eaLnBrk="1" latinLnBrk="0" hangingPunct="1">
-              <a:lnSpc>
-                <a:spcPct val="90000"/>
-              </a:lnSpc>
-              <a:spcBef>
-                <a:spcPts val="413"/>
-              </a:spcBef>
-              <a:buFont typeface="Arial" panose="020B0604020202020204" pitchFamily="34" charset="0"/>
-              <a:buChar char="•"/>
-              <a:defRPr sz="1488" kern="1200">
-                <a:solidFill>
-                  <a:schemeClr val="tx1"/>
-                </a:solidFill>
-                <a:latin typeface="+mn-lt"/>
-                <a:ea typeface="+mn-ea"/>
-                <a:cs typeface="+mn-cs"/>
-              </a:defRPr>
-            </a:lvl7pPr>
-            <a:lvl8pPr marL="2834754" indent="-188984" algn="l" defTabSz="755934" rtl="0" eaLnBrk="1" latinLnBrk="0" hangingPunct="1">
-              <a:lnSpc>
-                <a:spcPct val="90000"/>
-              </a:lnSpc>
-              <a:spcBef>
-                <a:spcPts val="413"/>
-              </a:spcBef>
-              <a:buFont typeface="Arial" panose="020B0604020202020204" pitchFamily="34" charset="0"/>
-              <a:buChar char="•"/>
-              <a:defRPr sz="1488" kern="1200">
-                <a:solidFill>
-                  <a:schemeClr val="tx1"/>
-                </a:solidFill>
-                <a:latin typeface="+mn-lt"/>
-                <a:ea typeface="+mn-ea"/>
-                <a:cs typeface="+mn-cs"/>
-              </a:defRPr>
-            </a:lvl8pPr>
-            <a:lvl9pPr marL="3212722" indent="-188984" algn="l" defTabSz="755934" rtl="0" eaLnBrk="1" latinLnBrk="0" hangingPunct="1">
-              <a:lnSpc>
-                <a:spcPct val="90000"/>
-              </a:lnSpc>
-              <a:spcBef>
-                <a:spcPts val="413"/>
-              </a:spcBef>
-              <a:buFont typeface="Arial" panose="020B0604020202020204" pitchFamily="34" charset="0"/>
-              <a:buChar char="•"/>
-              <a:defRPr sz="1488" kern="1200">
-                <a:solidFill>
-                  <a:schemeClr val="tx1"/>
-                </a:solidFill>
-                <a:latin typeface="+mn-lt"/>
-                <a:ea typeface="+mn-ea"/>
-                <a:cs typeface="+mn-cs"/>
-              </a:defRPr>
-            </a:lvl9pPr>
-          </a:lstStyle>
-          <a:p>
-            <a:r>
-              <a:rPr lang="fr-FR" sz="1200" dirty="0">
-                <a:latin typeface="Futura PT" panose="020B0902020204020203" pitchFamily="34" charset="0"/>
-              </a:rPr>
-              <a:t>Caractéristiques financières</a:t>
-            </a:r>
-          </a:p>
-        </p:txBody>
-      </p:sp>
-      <p:sp>
-        <p:nvSpPr>
-          <p:cNvPr id="7" name="Rectangle">
-            <a:extLst>
-              <a:ext uri="{FF2B5EF4-FFF2-40B4-BE49-F238E27FC236}">
-                <a16:creationId xmlns:a16="http://schemas.microsoft.com/office/drawing/2014/main" id="{88144A7C-A317-4A1A-AD52-95875AF24439}"/>
+                <a16:creationId xmlns:a16="http://schemas.microsoft.com/office/drawing/2014/main" id="{1A940C7D-0EEA-A326-72C1-98B4C2BA3302}"/>
               </a:ext>
             </a:extLst>
           </p:cNvPr>
@@ -10466,56 +12856,7 @@
         </p:nvSpPr>
         <p:spPr>
           <a:xfrm>
-            <a:off x="361950" y="703340"/>
-            <a:ext cx="45719" cy="138398"/>
-          </a:xfrm>
-          <a:prstGeom prst="rect">
-            <a:avLst/>
-          </a:prstGeom>
-          <a:solidFill>
-            <a:srgbClr val="B9A049"/>
-          </a:solidFill>
-          <a:ln w="3175">
-            <a:miter lim="400000"/>
-          </a:ln>
-        </p:spPr>
-        <p:txBody>
-          <a:bodyPr lIns="20981" tIns="20981" rIns="20981" bIns="20981"/>
-          <a:lstStyle/>
-          <a:p>
-            <a:pPr algn="ctr" defTabSz="825500">
-              <a:lnSpc>
-                <a:spcPct val="100000"/>
-              </a:lnSpc>
-              <a:defRPr sz="3200" b="0">
-                <a:solidFill>
-                  <a:srgbClr val="FFFFFF"/>
-                </a:solidFill>
-                <a:latin typeface="Helvetica Neue Medium"/>
-                <a:ea typeface="Helvetica Neue Medium"/>
-                <a:cs typeface="Helvetica Neue Medium"/>
-                <a:sym typeface="Helvetica Neue Medium"/>
-              </a:defRPr>
-            </a:pPr>
-            <a:endParaRPr/>
-          </a:p>
-        </p:txBody>
-      </p:sp>
-      <p:sp>
-        <p:nvSpPr>
-          <p:cNvPr id="8" name="Rectangle">
-            <a:extLst>
-              <a:ext uri="{FF2B5EF4-FFF2-40B4-BE49-F238E27FC236}">
-                <a16:creationId xmlns:a16="http://schemas.microsoft.com/office/drawing/2014/main" id="{6900565A-F48B-5B06-F008-39BAB3A261F0}"/>
-              </a:ext>
-            </a:extLst>
-          </p:cNvPr>
-          <p:cNvSpPr/>
-          <p:nvPr/>
-        </p:nvSpPr>
-        <p:spPr>
-          <a:xfrm>
-            <a:off x="357725" y="9705670"/>
+            <a:off x="358780" y="10043006"/>
             <a:ext cx="6840000" cy="6846"/>
           </a:xfrm>
           <a:prstGeom prst="rect">
@@ -10553,7 +12894,7 @@
     </p:spTree>
     <p:extLst>
       <p:ext uri="{BB962C8B-B14F-4D97-AF65-F5344CB8AC3E}">
-        <p14:creationId xmlns:p14="http://schemas.microsoft.com/office/powerpoint/2010/main" val="713649784"/>
+        <p14:creationId xmlns:p14="http://schemas.microsoft.com/office/powerpoint/2010/main" val="3358940979"/>
       </p:ext>
     </p:extLst>
   </p:cSld>
@@ -10894,7 +13235,7 @@
                 </a:solidFill>
                 <a:latin typeface="Proxima Nova Rg" panose="02000506030000020004" pitchFamily="2" charset="0"/>
               </a:rPr>
-              <a:t> selon les scénarios. Une sortie anticipée à l’initiative de l’investisseur se fera à un niveau dépendant de l’évolution des paramètres de marché au moment de la sortie (niveau de l'indice, des taux d’intérêt, de la volatilité et des primes de risque de crédit notamment) et pourra donc entraîner un risque de perte en capital.</a:t>
+              <a:t> selon les scénarios. Une sortie anticipée à l’initiative de l’investisseur se fera à un cours dépendant de l’évolution des paramètres de marché au moment de la sortie (cours de l'action, des taux d’intérêt, de la volatilité et des primes de risque de crédit notamment) et pourra donc entraîner un risque de perte en capital.</a:t>
             </a:r>
           </a:p>
           <a:p>
@@ -10927,7 +13268,7 @@
                 </a:solidFill>
                 <a:latin typeface="Proxima Nova Rg" panose="02000506030000020004" pitchFamily="2" charset="0"/>
               </a:rPr>
-              <a:t> Veuillez vous référer à la section dédiée en page 3 pour une présentation de la détermination du Niveau de Référence</a:t>
+              <a:t> Veuillez vous référer à la section dédiée en page 3 pour une présentation de la détermination du Cours Initial</a:t>
             </a:r>
           </a:p>
         </p:txBody>
@@ -11845,7 +14186,7 @@
                 <a:ea typeface="+mn-ea"/>
                 <a:cs typeface="+mn-cs"/>
               </a:rPr>
-              <a:t>Pour un investissement dans « kopkpopok », vous êtes exposé pour une durée de 4 à 40 trimestres à la performance positive ou négative de l'indice</a:t>
+              <a:t>Pour un investissement dans « kopkpopok », vous êtes exposé pour une durée de 4 à 40 trimestres à la performance positive ou négative de l'action</a:t>
             </a:r>
             <a:r>
               <a:rPr lang="fr-FR" sz="800" b="1" dirty="0">
@@ -11871,7 +14212,7 @@
                 <a:ea typeface="+mn-ea"/>
                 <a:cs typeface="+mn-cs"/>
               </a:rPr>
-              <a:t>EURO STOXX 50 Price EUR (dividendes non réinvestis dans l'indice ; code Bloomberg : SX5E Index ;  sponsor : STOXX ; www.stoxx.com).</a:t>
+              <a:t>Bouygues SA (dividendes non réinvestis ; code Bloomberg : EN FP Equity ;  place de cotation : Euronext Paris SA ; www.bouygues.com).</a:t>
             </a:r>
             <a:endParaRPr kumimoji="0" lang="fr-FR" sz="800" b="1" i="0" u="none" strike="noStrike" kern="1200" cap="none" spc="0" normalizeH="0" baseline="0" noProof="0" dirty="0">
               <a:ln>
@@ -11955,7 +14296,7 @@
                 <a:ea typeface="+mn-ea"/>
                 <a:cs typeface="+mn-cs"/>
               </a:rPr>
-              <a:t> à hauteur de l’intégralité de la baisse enregistrée par l'indice </a:t>
+              <a:t> à hauteur de l’intégralité de la baisse enregistrée par l’action </a:t>
             </a:r>
             <a:r>
               <a:rPr kumimoji="0" lang="fr-FR" sz="800" b="0" i="0" u="none" strike="noStrike" kern="1200" cap="none" spc="0" normalizeH="0" baseline="0" noProof="0" dirty="0">
@@ -11969,7 +14310,7 @@
                 <a:ea typeface="+mn-ea"/>
                 <a:cs typeface="+mn-cs"/>
               </a:rPr>
-              <a:t>si celui-ci clôture, à la date de constatation finale</a:t>
+              <a:t>si celle-ci clôture, à la date de constatation finale</a:t>
             </a:r>
             <a:r>
               <a:rPr kumimoji="0" lang="fr-FR" sz="800" b="0" i="0" u="none" strike="noStrike" kern="1200" cap="none" spc="0" normalizeH="0" baseline="30000" noProof="0" dirty="0">
@@ -11997,7 +14338,7 @@
                 <a:ea typeface="+mn-ea"/>
                 <a:cs typeface="+mn-cs"/>
               </a:rPr>
-              <a:t>, à un niveau strictement inférieur à 50% de son Niveau de Référence.</a:t>
+              <a:t>, à un cours strictement inférieur à 75% de son Cours Initial.</a:t>
             </a:r>
           </a:p>
           <a:p>
@@ -12103,7 +14444,7 @@
                 <a:ea typeface="+mn-ea"/>
                 <a:cs typeface="+mn-cs"/>
               </a:rPr>
-              <a:t>l'indice clôture à un niveau supérieur </a:t>
+              <a:t>l’action clôture à un cours supérieur </a:t>
             </a:r>
             <a:r>
               <a:rPr kumimoji="0" lang="fr-FR" sz="800" b="0" i="0" u="none" strike="noStrike" kern="1200" cap="none" spc="0" normalizeH="0" baseline="0" noProof="0" dirty="0">
@@ -12117,7 +14458,7 @@
                 <a:ea typeface="+mn-ea"/>
                 <a:cs typeface="+mn-cs"/>
               </a:rPr>
-              <a:t>ou égal à 100% de son Niveau de Référence.</a:t>
+              <a:t>ou égal à la barrière dégressive de remboursement anticipé automatique.</a:t>
             </a:r>
           </a:p>
           <a:p>
@@ -12243,7 +14584,7 @@
                 <a:ea typeface="+mn-ea"/>
                 <a:cs typeface="+mn-cs"/>
               </a:rPr>
-              <a:t>l'indice clôture à un niveau supérieur </a:t>
+              <a:t>l’action clôture à un cours supérieur </a:t>
             </a:r>
             <a:r>
               <a:rPr kumimoji="0" lang="fr-FR" sz="800" b="0" i="0" u="none" strike="noStrike" kern="1200" cap="none" spc="0" normalizeH="0" baseline="0" noProof="0" dirty="0">
@@ -12274,7 +14615,7 @@
                 <a:ea typeface="+mn-ea"/>
                 <a:cs typeface="+mn-cs"/>
               </a:rPr>
-              <a:t>100 </a:t>
+              <a:t>95 </a:t>
             </a:r>
             <a:r>
               <a:rPr kumimoji="0" lang="fr-FR" sz="800" b="0" i="0" u="none" strike="noStrike" kern="1200" cap="none" spc="0" normalizeH="0" baseline="0" noProof="0" dirty="0">
@@ -12288,7 +14629,7 @@
                 <a:ea typeface="+mn-ea"/>
                 <a:cs typeface="+mn-cs"/>
               </a:rPr>
-              <a:t/>
+              <a:t>, ou si à la date de constatation finale(¹), l’action clôture à un cours supérieur ou égal à 84% de son Cours Initial</a:t>
             </a:r>
             <a:r>
               <a:rPr kumimoji="0" lang="fr-FR" sz="800" b="0" i="0" u="none" strike="noStrike" kern="1200" cap="none" spc="0" normalizeH="0" baseline="0" noProof="0" dirty="0">
@@ -12349,7 +14690,7 @@
                 <a:ea typeface="+mn-ea"/>
                 <a:cs typeface="+mn-cs"/>
               </a:rPr>
-              <a:t>La perte en capital peut être totale si l'indice a une valeur nulle à la date de constatation finale</a:t>
+              <a:t>La perte en capital peut être totale si l’action a une valeur nulle à la date de constatation finale</a:t>
             </a:r>
             <a:r>
               <a:rPr kumimoji="0" lang="fr-FR" sz="800" b="1" i="0" u="none" strike="noStrike" kern="1200" cap="none" spc="0" normalizeH="0" baseline="30000" noProof="0" dirty="0">
@@ -12436,7 +14777,7 @@
                 <a:ea typeface="+mn-ea"/>
                 <a:cs typeface="+mn-cs"/>
               </a:rPr>
-              <a:t>: En acceptant de limiter leurs gains à 1,00% par trimestre écoulé (soit un Taux de Rendement Annuel net maximum de 2,92%%), les investisseurs recevront en contrepartie l’intégralité du capital initial si l'indice ne baisse pas de plus de </a:t>
+              <a:t>: En acceptant de limiter leurs gains à 1,00% par trimestre écoulé (soit un Taux de Rendement Annuel net maximum de 2,92%%), les investisseurs recevront en contrepartie l’intégralité du capital initial si l’action ne baisse pas de plus de </a:t>
             </a:r>
             <a:r>
               <a:rPr kumimoji="0" lang="fr-FR" sz="800" b="0" i="0" u="none" strike="noStrike" kern="1200" cap="none" spc="0" normalizeH="0" baseline="0" noProof="0" dirty="0">
@@ -12504,7 +14845,7 @@
                 <a:ea typeface="+mn-ea"/>
                 <a:cs typeface="+mn-cs"/>
               </a:rPr>
-              <a:t>par rapport à son Niveau de Référence </a:t>
+              <a:t>par rapport à son Cours Initial </a:t>
             </a:r>
           </a:p>
           <a:p>
@@ -12532,7 +14873,7 @@
                 </a:solidFill>
                 <a:latin typeface="Proxima Nova Rg"/>
               </a:rPr>
-              <a:t> « kopkpopok » ne peut constituer l’intégralité d’un portefeuille d’investissement. L’investisseur est exposé pour une durée de 4 à 40 trimestres à l'indice. Vous êtes sur le point d’acheter un produit qui n’est pas simple et qui peut être difficile à comprendre.</a:t>
+              <a:t> « kopkpopok » ne peut constituer l’intégralité d’un portefeuille d’investissement. L’investisseur est exposé pour une durée de 4 à 40 trimestres à l’action, et ne bénéficie pas de la diversification offerte par les indices de marchés actions. Vous êtes sur le point d’acheter un produit qui n’est pas simple et qui peut être difficile à comprendre.</a:t>
             </a:r>
           </a:p>
         </p:txBody>
@@ -12810,7 +15151,7 @@
                 </a:solidFill>
                 <a:latin typeface="Proxima Nova Rg" panose="02000506030000020004" pitchFamily="2" charset="0"/>
               </a:rPr>
-              <a:t> selon les scénarios. Une sortie anticipée à l’initiative de l’investisseur se fera à un niveau dépendant de l’évolution des paramètres de marché au moment de la sortie (niveau de l'indice, des taux d’intérêt, de la volatilité et des primes de risque de crédit notamment) et pourra donc entraîner un risque de perte en capital.</a:t>
+              <a:t> selon les scénarios. Une sortie anticipée à l’initiative de l’investisseur se fera à un cours dépendant de l’évolution des paramètres de marché au moment de la sortie (cours de l'action, des taux d’intérêt, de la volatilité et des primes de risque de crédit notamment) et pourra donc entraîner un risque de perte en capital.</a:t>
             </a:r>
           </a:p>
         </p:txBody>
@@ -13688,7 +16029,7 @@
                   <a:schemeClr val="tx2"/>
                 </a:solidFill>
               </a:rPr>
-              <a:t>à partir de la fin du trimestre 4 et jusqu’à la fin du trimestre 39, on observe le niveau de clôture de l'indice</a:t>
+              <a:t>à partir de la fin du trimestre 4 et jusqu’à la fin du trimestre 39, on observe le cours de clôture de l'action</a:t>
             </a:r>
             <a:r>
               <a:rPr lang="en-US" sz="800" dirty="0">
@@ -13739,7 +16080,7 @@
                   <a:schemeClr val="tx2"/>
                 </a:solidFill>
               </a:rPr>
-              <a:t>l'indice </a:t>
+              <a:t>l’action </a:t>
             </a:r>
             <a:r>
               <a:rPr lang="fr-FR" sz="800" b="1" dirty="0">
@@ -13747,7 +16088,7 @@
                   <a:schemeClr val="tx2"/>
                 </a:solidFill>
               </a:rPr>
-              <a:t>clôture à un niveau supérieur ou égal à 100% de son Niveau de Référence, le produit est automatiquement remboursé par anticipation et l’investisseur reçoit, à la date de remboursement anticipé automatique correspondante</a:t>
+              <a:t>clôture à un cours supérieur ou égal à la barrière dégressive de remboursement anticipé automatique, le produit est automatiquement remboursé par anticipation et l’investisseur reçoit, à la date de remboursement anticipé automatique correspondante</a:t>
             </a:r>
             <a:r>
               <a:rPr lang="fr-FR" sz="800" b="1" baseline="30000" dirty="0">
@@ -14007,7 +16348,7 @@
                   <a:schemeClr val="tx2"/>
                 </a:solidFill>
               </a:rPr>
-              <a:t>À la date de constatation finale, le 29/07/2032, en l’absence de remboursement anticipé automatique préalable, on compare le niveau de clôture de l'indice</a:t>
+              <a:t>À la date de constatation finale, le 29/07/2032, en l’absence de remboursement anticipé automatique préalable, on compare le cours de clôture de l'action</a:t>
             </a:r>
             <a:r>
               <a:rPr lang="en-US" sz="800" dirty="0">
@@ -14023,7 +16364,7 @@
                   <a:schemeClr val="tx2"/>
                 </a:solidFill>
               </a:rPr>
-              <a:t>à son Niveau de Référence :</a:t>
+              <a:t>à son Cours Initial :</a:t>
             </a:r>
           </a:p>
         </p:txBody>
@@ -14079,7 +16420,7 @@
                   <a:schemeClr val="tx2"/>
                 </a:solidFill>
               </a:rPr>
-              <a:t>l'indice </a:t>
+              <a:t>l’action </a:t>
             </a:r>
             <a:r>
               <a:rPr lang="fr-FR" sz="800" b="1" dirty="0">
@@ -14087,7 +16428,7 @@
                   <a:schemeClr val="tx2"/>
                 </a:solidFill>
               </a:rPr>
-              <a:t>clôture à un niveau supérieur ou égal à 100% de son Niveau de Référence, l’investisseur reçoit, le 02 août 2032</a:t>
+              <a:t>clôture à un cours supérieur ou égal à 84% de son Cours Initial, l’investisseur reçoit, le 02 août 2032</a:t>
             </a:r>
             <a:r>
               <a:rPr lang="fr-FR" sz="800" b="1" baseline="30000" dirty="0">
@@ -14159,7 +16500,7 @@
                   <a:schemeClr val="tx2"/>
                 </a:solidFill>
               </a:rPr>
-              <a:t>l'indice </a:t>
+              <a:t>l’action </a:t>
             </a:r>
             <a:r>
               <a:rPr lang="fr-FR" sz="800" b="1" dirty="0">
@@ -14167,7 +16508,7 @@
                   <a:schemeClr val="tx2"/>
                 </a:solidFill>
               </a:rPr>
-              <a:t>clôture à un niveau strictement inférieur à 50% de </a:t>
+              <a:t>clôture à un cours strictement inférieur à 75% de </a:t>
             </a:r>
             <a:r>
               <a:rPr lang="fr-FR" sz="800" b="1">
@@ -14175,7 +16516,7 @@
                   <a:schemeClr val="tx2"/>
                 </a:solidFill>
               </a:rPr>
-              <a:t>son Niveau de Référence, </a:t>
+              <a:t>son Cours Initial, </a:t>
             </a:r>
             <a:r>
               <a:rPr lang="fr-FR" sz="800" b="1" dirty="0">
@@ -14412,7 +16753,7 @@
             </a:pPr>
             <a:r>
               <a:rPr lang="fr-FR" sz="800" dirty="0"/>
-              <a:t>par l'indice entre le 29/07/2022 et le 29/07/2032</a:t>
+              <a:t>par l’action entre le 29/07/2022 et le 29/07/2032</a:t>
             </a:r>
           </a:p>
           <a:p>
@@ -14431,7 +16772,7 @@
             </a:r>
             <a:r>
               <a:rPr lang="fr-FR" sz="800"/>
-              <a:t>à -7,62%</a:t>
+              <a:t>à -3,80%</a:t>
             </a:r>
             <a:r>
               <a:rPr lang="fr-FR" sz="800" baseline="30000"/>
@@ -14685,7 +17026,7 @@
                 <a:ea typeface="+mn-ea"/>
                 <a:cs typeface="+mn-cs"/>
               </a:rPr>
-              <a:t>Le Niveau de Référence correspond à la moyenne arithmétique des niveaux de clôture de l'indice  du 29/07/2022 au 29/07/2022</a:t>
+              <a:t>Le Cours Initial correspond au cours de clôture de l’action le 29/07/2022</a:t>
             </a:r>
             <a:endParaRPr lang="fr-FR" sz="800" i="0" kern="1200" dirty="0">
               <a:solidFill>
@@ -14901,7 +17242,7 @@
                 </a:solidFill>
                 <a:latin typeface="+mn-lt"/>
               </a:rPr>
-              <a:t>Détermination du Niveau de Référence</a:t>
+              <a:t>Détermination du Cours Initial</a:t>
             </a:r>
           </a:p>
         </p:txBody>
@@ -15351,7 +17692,7 @@
                   <a:schemeClr val="tx2"/>
                 </a:solidFill>
               </a:rPr>
-              <a:t>l'indice </a:t>
+              <a:t>l’action </a:t>
             </a:r>
             <a:r>
               <a:rPr lang="fr-FR" sz="800" b="1" dirty="0">
@@ -15359,7 +17700,7 @@
                   <a:srgbClr val="000000"/>
                 </a:solidFill>
               </a:rPr>
-              <a:t>clôture à un niveau strictement inférieur à 100% mais supérieur ou égal à 50% de son Niveau de Référence, l’investisseur reçoit, le 02 août 2032 : </a:t>
+              <a:t>clôture à un cours strictement inférieur à 84% mais supérieur ou égal à 75% de son Cours Initial, l’investisseur reçoit, le 02 août 2032 : </a:t>
             </a:r>
           </a:p>
         </p:txBody>
@@ -15394,7 +17735,7 @@
           <a:p>
             <a:r>
               <a:rPr lang="fr-FR" sz="800" dirty="0"/>
-              <a:t> 100% DU Niveau de Référence de l'indice</a:t>
+              <a:t>La barrière de remboursement anticipé automatique est dégressive au fil du temps. Elle est fixée à 95% du Cours Initial  en fin de trimestre 4, puis décroît de 1,00% chaque trimestre, pour atteindre 85% du Cours Initial à la fin du trimestre 39. La barrière de remboursement anticipé automatique est dégressive au fil du temps. Elle est fixée à &lt;BAC&gt; du Cours Initial  en fin de &lt;F0&gt; 4, puis décroît de 1,00% chaque &lt;F0&gt;, pour atteindre &lt;ABDAC&gt;% du Cours Initial à la fin du &lt;F0&gt; 39.</a:t>
             </a:r>
             <a:endParaRPr lang="en-US" sz="800" dirty="0"/>
           </a:p>
@@ -15619,7 +17960,7 @@
                 </a:solidFill>
                 <a:latin typeface="+mn-lt"/>
               </a:rPr>
-              <a:t> selon les scénarios. Une sortie anticipée à l’initiative de l’investisseur se fera à un niveau dépendant de l’évolution des paramètres de marché au moment de la sortie (niveau de l'indice, des taux d’intérêt, de la volatilité et des primes de risque de crédit notamment) et pourra donc entraîner un risque de perte en capital.</a:t>
+              <a:t> selon les scénarios. Une sortie anticipée à l’initiative de l’investisseur se fera à un cours dépendant de l’évolution des paramètres de marché au moment de la sortie (cours de l'action, des taux d’intérêt, de la volatilité et des primes de risque de crédit notamment) et pourra donc entraîner un risque de perte en capital.</a:t>
             </a:r>
           </a:p>
         </p:txBody>
@@ -16022,7 +18363,7 @@
                   <a:srgbClr val="000000"/>
                 </a:solidFill>
               </a:rPr>
-              <a:t> trimestrielle l'indice clôture à un niveau supérieur ou égal à 100% de son Niveau de Référence, </a:t>
+              <a:t> trimestrielle l’action clôture à un cours supérieur ou égal à la barrière dégressive de remboursement anticipé automatique, </a:t>
             </a:r>
             <a:r>
               <a:rPr lang="fr-FR" sz="800" b="1" dirty="0">
@@ -16127,7 +18468,7 @@
                   <a:srgbClr val="000000"/>
                 </a:solidFill>
               </a:rPr>
-              <a:t>, si le mécanisme de remboursement anticipé n’a pas été activé au préalable, et si l'indice clôture à un niveau supérieur ou égal à 100% de son Niveau de Référence, l’investisseur récupère alors l’intégralité de son capital initial, majorée d’un gain de 1,00% par trimestre écoulé depuis le 29/07/2022  (soit un gain de 40,00% et un Taux de Rendement Annuel net de 2,38%</a:t>
+              <a:t>, si le mécanisme de remboursement anticipé n’a pas été activé au préalable, et si l’action clôture à un cours supérieur ou égal à 84% de son Cours Initial, l’investisseur récupère alors l’intégralité de son capital initial, majorée d’un gain de 1,00% par trimestre écoulé depuis le 29/07/2022  (soit un gain de 40,00% et un Taux de Rendement Annuel net de 2,38%</a:t>
             </a:r>
             <a:r>
               <a:rPr lang="fr-FR" sz="800" baseline="30000" dirty="0">
@@ -16163,7 +18504,7 @@
                   <a:srgbClr val="000000"/>
                 </a:solidFill>
               </a:rPr>
-              <a:t>Sinon, si le mécanisme automatique de remboursement anticipé n’a pas été activé au préalable et si, à la date de constatation finale⁽¹⁾, l'indice clôture à un niveau strictement inférieur à 100% de son Niveau de Référence mais supérieur ou égal à 50% de ce dernier, l’investisseur récupère l’intégralité de son capital initialement investi. Le capital n’est donc exposé à un risque de perte à l’échéance⁽¹⁾ que si l'indice clôture à un niveau strictement inférieur à 50% de son Niveau de Référence à la date de constatation finale⁽¹⁾.</a:t>
+              <a:t>Sinon, si le mécanisme automatique de remboursement anticipé n’a pas été activé au préalable et si, à la date de constatation finale⁽¹⁾, l’action clôture à un cours strictement inférieur à 84% de son Cours Initial mais supérieur ou égal à 75% de ce dernier, l’investisseur récupère l’intégralité de son capital initialement investi. Le capital n’est donc exposé à un risque de perte à l’échéance⁽¹⁾ que si l’action clôture à un cours strictement inférieur à 75% de son Cours Initial à la date de constatation finale⁽¹⁾.</a:t>
             </a:r>
           </a:p>
           <a:p>
@@ -16296,7 +18637,7 @@
                   <a:srgbClr val="000000"/>
                 </a:solidFill>
               </a:rPr>
-              <a:t>, l'indice enregistre une baisse supérieure à 50% de son Niveau de Référence). La valeur du remboursement peut être inférieure au montant du capital initialement investi. Dans le pire des scenarios, les investisseurs peuvent perdre jusqu’à la totalité de leur capital initialement investi. En cas de revente des titres de créance avant la date de remboursement final</a:t>
+              <a:t>, l’action enregistre une baisse supérieure à 25% de son Cours Initial). La valeur du remboursement peut être inférieure au montant du capital initialement investi. Dans le pire des scenarios, les investisseurs peuvent perdre jusqu’à la totalité de leur capital initialement investi. En cas de revente des titres de créance avant la date de remboursement final</a:t>
             </a:r>
             <a:r>
               <a:rPr lang="fr-FR" sz="800" baseline="30000" dirty="0">
@@ -16532,7 +18873,7 @@
                   <a:srgbClr val="000000"/>
                 </a:solidFill>
               </a:rPr>
-              <a:t>L’investisseur peut ne bénéficier que d’une hausse partielle de l'indice, du fait du </a:t>
+              <a:t>L’investisseur peut ne bénéficier que d’une hausse partielle de l'action, du fait du </a:t>
             </a:r>
             <a:r>
               <a:rPr lang="fr-FR" sz="800" b="1" dirty="0">
@@ -16619,7 +18960,7 @@
                   <a:srgbClr val="000000"/>
                 </a:solidFill>
               </a:rPr>
-              <a:t>Le rendement de « kopkpopok » est très sensible à une faible variation du niveau de clôture de l'indice autour du seuil de </a:t>
+              <a:t>Le rendement de « kopkpopok » est très sensible à une faible variation du cours de clôture de l'action autour du seuil de </a:t>
             </a:r>
             <a:r>
               <a:rPr lang="fr-FR" sz="800" b="1" dirty="0">
@@ -16629,14 +18970,14 @@
                 <a:effectLst/>
                 <a:ea typeface="Calibri" panose="020F0502020204030204" pitchFamily="34" charset="0"/>
               </a:rPr>
-              <a:t>100% de son Niveau de Référence   </a:t>
+              <a:t>la barrière dégressive de remboursement anticipé automatique   </a:t>
             </a:r>
             <a:r>
               <a:rPr lang="fr-FR" sz="800" b="1" dirty="0">
                 <a:effectLst/>
                 <a:ea typeface="Calibri" panose="020F0502020204030204" pitchFamily="34" charset="0"/>
               </a:rPr>
-              <a:t>en cours de vie, et des seuils de 100% et 50% de son Niveau de Référence à la date de constatation finale</a:t>
+              <a:t>en cours de vie, et des seuils de 84% et 75% de son Cours Initial à la date de constatation finale</a:t>
             </a:r>
             <a:r>
               <a:rPr lang="fr-FR" sz="800" b="1" baseline="30000" dirty="0">
@@ -16734,7 +19075,7 @@
 </p:sld>
 </file>
 
-<file path=ppt/slides/slide9.xml><?xml version="1.0" encoding="utf-8"?>
+<file path=ppt/slides/slide8.xml><?xml version="1.0" encoding="utf-8"?>
 <p:sld xmlns:a="http://schemas.openxmlformats.org/drawingml/2006/main" xmlns:r="http://schemas.openxmlformats.org/officeDocument/2006/relationships" xmlns:p="http://schemas.openxmlformats.org/presentationml/2006/main">
   <p:cSld>
     <p:spTree>
@@ -16756,7 +19097,7 @@
           <p:cNvPr id="2" name="Espace réservé du numéro de diapositive 1">
             <a:extLst>
               <a:ext uri="{FF2B5EF4-FFF2-40B4-BE49-F238E27FC236}">
-                <a16:creationId xmlns:a16="http://schemas.microsoft.com/office/drawing/2014/main" id="{9C068595-9FF8-42B8-8F45-83A54159E531}"/>
+                <a16:creationId xmlns:a16="http://schemas.microsoft.com/office/drawing/2014/main" id="{09C48668-F8EF-42A2-B573-8D9739FE46BF}"/>
               </a:ext>
             </a:extLst>
           </p:cNvPr>
@@ -16775,7 +19116,7 @@
             <a:fld id="{58F0BA28-1212-45AE-B075-64C06113A6D3}" type="slidenum">
               <a:rPr lang="fr-FR" smtClean="0"/>
               <a:pPr/>
-              <a:t>9</a:t>
+              <a:t>8</a:t>
             </a:fld>
             <a:endParaRPr lang="fr-FR" dirty="0"/>
           </a:p>
@@ -16786,7 +19127,7 @@
           <p:cNvPr id="5" name="Text Box 2">
             <a:extLst>
               <a:ext uri="{FF2B5EF4-FFF2-40B4-BE49-F238E27FC236}">
-                <a16:creationId xmlns:a16="http://schemas.microsoft.com/office/drawing/2014/main" id="{D0ED12C2-7003-44D9-A2FB-4B2BA1F366F5}"/>
+                <a16:creationId xmlns:a16="http://schemas.microsoft.com/office/drawing/2014/main" id="{580B156C-19D1-4B14-8A75-9B3AFB6DD19A}"/>
               </a:ext>
             </a:extLst>
           </p:cNvPr>
@@ -16797,8 +19138,8 @@
         </p:nvSpPr>
         <p:spPr bwMode="auto">
           <a:xfrm>
-            <a:off x="359409" y="9771581"/>
-            <a:ext cx="6483350" cy="700192"/>
+            <a:off x="359839" y="9765983"/>
+            <a:ext cx="6485461" cy="600164"/>
           </a:xfrm>
           <a:prstGeom prst="rect">
             <a:avLst/>
@@ -16891,44 +19232,8 @@
                 </a:solidFill>
                 <a:latin typeface="+mn-lt"/>
               </a:rPr>
-              <a:t> selon les scénarios. Une sortie anticipée à l’initiative de l’investisseur se fera à un niveau dépendant de l’évolution des paramètres de marché au moment de la sortie (niveau de l'indice, des taux d’intérêt, de la volatilité et des primes de risque de crédit notamment) et pourra donc entraîner un risque de perte en capital.</a:t>
-            </a:r>
-          </a:p>
-          <a:p>
-            <a:pPr marL="0" lvl="1" algn="just"/>
-            <a:r>
-              <a:rPr lang="fr-FR" sz="650" baseline="30000" dirty="0">
-                <a:solidFill>
-                  <a:schemeClr val="tx2"/>
-                </a:solidFill>
-                <a:latin typeface="+mn-lt"/>
-              </a:rPr>
-              <a:t>(3) </a:t>
-            </a:r>
-            <a:r>
-              <a:rPr lang="fr-FR" sz="650" dirty="0">
-                <a:solidFill>
-                  <a:schemeClr val="tx2"/>
-                </a:solidFill>
-                <a:latin typeface="+mn-lt"/>
-              </a:rPr>
-              <a:t>Hors prise en compte des dividendes éventuels détachés par </a:t>
-            </a:r>
-            <a:r>
-              <a:rPr lang="it-IT" sz="650" dirty="0">
-                <a:solidFill>
-                  <a:schemeClr val="tx2"/>
-                </a:solidFill>
-                <a:latin typeface="+mn-lt"/>
-              </a:rPr>
-              <a:t>l'indice</a:t>
-            </a:r>
-            <a:endParaRPr lang="fr-FR" sz="650" dirty="0">
-              <a:solidFill>
-                <a:schemeClr val="tx2"/>
-              </a:solidFill>
-              <a:latin typeface="+mn-lt"/>
-            </a:endParaRPr>
+              <a:t> selon les scénarios. Une sortie anticipée à l’initiative de l’investisseur se fera à un cours dépendant de l’évolution des paramètres de marché au moment de la sortie (cours de l'action, des taux d’intérêt, de la volatilité et des primes de risque de crédit notamment) et pourra donc entraîner un risque de perte en capital.</a:t>
+            </a:r>
           </a:p>
         </p:txBody>
       </p:sp>
@@ -16937,7 +19242,7 @@
           <p:cNvPr id="4" name="Espace réservé du texte 11">
             <a:extLst>
               <a:ext uri="{FF2B5EF4-FFF2-40B4-BE49-F238E27FC236}">
-                <a16:creationId xmlns:a16="http://schemas.microsoft.com/office/drawing/2014/main" id="{177D1BD7-6780-4E19-AB78-D31AC6937846}"/>
+                <a16:creationId xmlns:a16="http://schemas.microsoft.com/office/drawing/2014/main" id="{2C9B3373-431B-4577-86B4-BC4BDE56E809}"/>
               </a:ext>
             </a:extLst>
           </p:cNvPr>
@@ -17129,9 +19434,12 @@
           <a:p>
             <a:r>
               <a:rPr lang="fr-FR" sz="1200" dirty="0">
+                <a:solidFill>
+                  <a:srgbClr val="000000"/>
+                </a:solidFill>
                 <a:latin typeface="Futura PT" panose="020B0902020204020203" pitchFamily="34" charset="0"/>
               </a:rPr>
-              <a:t>ILLUSTRATION DU MÉCANISME DE REMBOURSEMENT</a:t>
+              <a:t>AVANTAGES INCONVÉNIENTS ET principaux FACTEURS DE RISQUES</a:t>
             </a:r>
           </a:p>
         </p:txBody>
@@ -17141,7 +19449,7 @@
           <p:cNvPr id="6" name="Rectangle">
             <a:extLst>
               <a:ext uri="{FF2B5EF4-FFF2-40B4-BE49-F238E27FC236}">
-                <a16:creationId xmlns:a16="http://schemas.microsoft.com/office/drawing/2014/main" id="{460FFCA7-A5EC-42E7-8F01-3BD3E4D99B2F}"/>
+                <a16:creationId xmlns:a16="http://schemas.microsoft.com/office/drawing/2014/main" id="{51B9B103-06ED-4425-97CC-DC76A8A54B2E}"/>
               </a:ext>
             </a:extLst>
           </p:cNvPr>
@@ -17187,56 +19495,10 @@
       </p:sp>
       <p:sp>
         <p:nvSpPr>
-          <p:cNvPr id="7" name="ZoneTexte 49">
+          <p:cNvPr id="11" name="ZoneTexte 10">
             <a:extLst>
               <a:ext uri="{FF2B5EF4-FFF2-40B4-BE49-F238E27FC236}">
-                <a16:creationId xmlns:a16="http://schemas.microsoft.com/office/drawing/2014/main" id="{D9B4A527-A86B-4756-8775-FA28C4786F3E}"/>
-              </a:ext>
-            </a:extLst>
-          </p:cNvPr>
-          <p:cNvSpPr txBox="1">
-            <a:spLocks noChangeArrowheads="1"/>
-          </p:cNvSpPr>
-          <p:nvPr/>
-        </p:nvSpPr>
-        <p:spPr bwMode="auto">
-          <a:xfrm>
-            <a:off x="458462" y="953313"/>
-            <a:ext cx="6741374" cy="246221"/>
-          </a:xfrm>
-          <a:prstGeom prst="rect">
-            <a:avLst/>
-          </a:prstGeom>
-          <a:noFill/>
-          <a:ln w="9525">
-            <a:noFill/>
-            <a:miter lim="800000"/>
-            <a:headEnd/>
-            <a:tailEnd/>
-          </a:ln>
-        </p:spPr>
-        <p:txBody>
-          <a:bodyPr wrap="square" lIns="0" tIns="0" rIns="0" bIns="0">
-            <a:spAutoFit/>
-          </a:bodyPr>
-          <a:lstStyle/>
-          <a:p>
-            <a:pPr algn="just"/>
-            <a:r>
-              <a:rPr lang="fr-FR" sz="800" b="1" dirty="0">
-                <a:latin typeface="Proxima Nova Rg" panose="02000506030000020004" pitchFamily="2" charset="0"/>
-              </a:rPr>
-              <a:t>Les données chiffrées utilisées dans ces exemples n’ont qu’une valeur indicative et informative, l’objectif étant de décrire le mécanisme du produit. Ces illustrations ont été réalisées de bonne foi à titre d'information uniquement. Elles ne préjugent en rien de l'évolution future de l'indice et du produit.</a:t>
-            </a:r>
-          </a:p>
-        </p:txBody>
-      </p:sp>
-      <p:sp>
-        <p:nvSpPr>
-          <p:cNvPr id="8" name="ZoneTexte 7">
-            <a:extLst>
-              <a:ext uri="{FF2B5EF4-FFF2-40B4-BE49-F238E27FC236}">
-                <a16:creationId xmlns:a16="http://schemas.microsoft.com/office/drawing/2014/main" id="{FFCF2BB5-A92A-4145-BAC5-803B42C466A2}"/>
+                <a16:creationId xmlns:a16="http://schemas.microsoft.com/office/drawing/2014/main" id="{FED2574D-6984-4E56-B512-D9093DAE028A}"/>
               </a:ext>
             </a:extLst>
           </p:cNvPr>
@@ -17245,973 +19507,8 @@
         </p:nvSpPr>
         <p:spPr>
           <a:xfrm>
-            <a:off x="458460" y="1492210"/>
-            <a:ext cx="6741375" cy="123111"/>
-          </a:xfrm>
-          <a:prstGeom prst="rect">
-            <a:avLst/>
-          </a:prstGeom>
-          <a:noFill/>
-        </p:spPr>
-        <p:txBody>
-          <a:bodyPr wrap="square" lIns="0" tIns="0" rIns="0" bIns="0" rtlCol="0">
-            <a:spAutoFit/>
-          </a:bodyPr>
-          <a:lstStyle/>
-          <a:p>
-            <a:pPr algn="just"/>
-            <a:r>
-              <a:rPr lang="fr-FR" sz="800" b="1" dirty="0">
-                <a:solidFill>
-                  <a:srgbClr val="B9A049"/>
-                </a:solidFill>
-              </a:rPr>
-              <a:t>SCÉNARIO DÉFAVORABLE </a:t>
-            </a:r>
-            <a:r>
-              <a:rPr lang="fr-FR" sz="800" dirty="0">
-                <a:solidFill>
-                  <a:srgbClr val="B9A049"/>
-                </a:solidFill>
-              </a:rPr>
-              <a:t>: À la date de constatation finale</a:t>
-            </a:r>
-            <a:r>
-              <a:rPr lang="fr-FR" sz="800" baseline="30000" dirty="0">
-                <a:solidFill>
-                  <a:srgbClr val="B9A049"/>
-                </a:solidFill>
-              </a:rPr>
-              <a:t>⁽¹⁾</a:t>
-            </a:r>
-            <a:r>
-              <a:rPr lang="fr-FR" sz="800" dirty="0">
-                <a:solidFill>
-                  <a:srgbClr val="B9A049"/>
-                </a:solidFill>
-              </a:rPr>
-              <a:t>, l'indice clôture à un niveau strictement inférieur à 50% de son Niveau de Référence</a:t>
-            </a:r>
-          </a:p>
-        </p:txBody>
-      </p:sp>
-      <p:sp>
-        <p:nvSpPr>
-          <p:cNvPr id="9" name="ZoneTexte 8">
-            <a:extLst>
-              <a:ext uri="{FF2B5EF4-FFF2-40B4-BE49-F238E27FC236}">
-                <a16:creationId xmlns:a16="http://schemas.microsoft.com/office/drawing/2014/main" id="{EC8EA57A-F6C8-4630-A4E0-A7B9CB234556}"/>
-              </a:ext>
-            </a:extLst>
-          </p:cNvPr>
-          <p:cNvSpPr txBox="1"/>
-          <p:nvPr/>
-        </p:nvSpPr>
-        <p:spPr>
-          <a:xfrm>
-            <a:off x="458459" y="4163001"/>
-            <a:ext cx="6741373" cy="110800"/>
-          </a:xfrm>
-          <a:prstGeom prst="rect">
-            <a:avLst/>
-          </a:prstGeom>
-          <a:noFill/>
-        </p:spPr>
-        <p:txBody>
-          <a:bodyPr wrap="square" lIns="0" tIns="0" rIns="0" bIns="0" rtlCol="0">
-            <a:spAutoFit/>
-          </a:bodyPr>
-          <a:lstStyle>
-            <a:defPPr>
-              <a:defRPr lang="en-US"/>
-            </a:defPPr>
-            <a:lvl1pPr algn="just">
-              <a:lnSpc>
-                <a:spcPct val="90000"/>
-              </a:lnSpc>
-              <a:defRPr sz="900" b="1">
-                <a:solidFill>
-                  <a:srgbClr val="B9A049"/>
-                </a:solidFill>
-                <a:latin typeface="Futura PT" panose="020B0902020204020203" pitchFamily="34" charset="0"/>
-              </a:defRPr>
-            </a:lvl1pPr>
-          </a:lstStyle>
-          <a:p>
-            <a:r>
-              <a:rPr lang="fr-FR" sz="800" dirty="0">
-                <a:latin typeface="+mn-lt"/>
-              </a:rPr>
-              <a:t>SCÉNARIO MÉDIAN : </a:t>
-            </a:r>
-            <a:r>
-              <a:rPr lang="fr-FR" sz="800" b="0" dirty="0">
-                <a:latin typeface="+mn-lt"/>
-              </a:rPr>
-              <a:t>À la date de constatation finale(¹), l'indice clôture à un niveau strictement inférieur à 100% mais supérieur ou égal à 50% de son Niveau de Référence</a:t>
-            </a:r>
-          </a:p>
-        </p:txBody>
-      </p:sp>
-      <p:sp>
-        <p:nvSpPr>
-          <p:cNvPr id="10" name="ZoneTexte 9">
-            <a:extLst>
-              <a:ext uri="{FF2B5EF4-FFF2-40B4-BE49-F238E27FC236}">
-                <a16:creationId xmlns:a16="http://schemas.microsoft.com/office/drawing/2014/main" id="{C8AE3A6A-C537-450E-A547-0EC6DD9F7A53}"/>
-              </a:ext>
-            </a:extLst>
-          </p:cNvPr>
-          <p:cNvSpPr txBox="1"/>
-          <p:nvPr/>
-        </p:nvSpPr>
-        <p:spPr>
-          <a:xfrm>
-            <a:off x="458459" y="6787332"/>
-            <a:ext cx="6741373" cy="221599"/>
-          </a:xfrm>
-          <a:prstGeom prst="rect">
-            <a:avLst/>
-          </a:prstGeom>
-          <a:noFill/>
-        </p:spPr>
-        <p:txBody>
-          <a:bodyPr wrap="square" lIns="0" tIns="0" rIns="0" bIns="0" rtlCol="0">
-            <a:spAutoFit/>
-          </a:bodyPr>
-          <a:lstStyle>
-            <a:defPPr>
-              <a:defRPr lang="en-US"/>
-            </a:defPPr>
-            <a:lvl1pPr algn="just">
-              <a:lnSpc>
-                <a:spcPct val="90000"/>
-              </a:lnSpc>
-              <a:defRPr sz="900" b="1">
-                <a:solidFill>
-                  <a:srgbClr val="B9A049"/>
-                </a:solidFill>
-                <a:latin typeface="Futura PT" panose="020B0902020204020203" pitchFamily="34" charset="0"/>
-              </a:defRPr>
-            </a:lvl1pPr>
-          </a:lstStyle>
-          <a:p>
-            <a:r>
-              <a:rPr lang="fr-FR" sz="800" dirty="0">
-                <a:latin typeface="+mn-lt"/>
-              </a:rPr>
-              <a:t>SCÉNARIO FAVORABLE AVEC MISE EN ÉVIDENCE DU PLAFONNEMENT DES GAINS : </a:t>
-            </a:r>
-            <a:r>
-              <a:rPr lang="fr-FR" sz="800" b="0" dirty="0">
-                <a:latin typeface="+mn-lt"/>
-              </a:rPr>
-              <a:t>Dès la première date de constatation du mécanisme de remboursement anticipé automatique, l'indice clôture à un niveau supérieur ou égal à 100% de son Niveau de Référence</a:t>
-            </a:r>
-          </a:p>
-        </p:txBody>
-      </p:sp>
-      <p:sp>
-        <p:nvSpPr>
-          <p:cNvPr id="11" name="Espace réservé du texte 11">
-            <a:extLst>
-              <a:ext uri="{FF2B5EF4-FFF2-40B4-BE49-F238E27FC236}">
-                <a16:creationId xmlns:a16="http://schemas.microsoft.com/office/drawing/2014/main" id="{62E64A7A-B241-457F-85AF-644F9663089B}"/>
-              </a:ext>
-            </a:extLst>
-          </p:cNvPr>
-          <p:cNvSpPr txBox="1">
-            <a:spLocks/>
-          </p:cNvSpPr>
-          <p:nvPr/>
-        </p:nvSpPr>
-        <p:spPr>
-          <a:xfrm>
-            <a:off x="458459" y="9282268"/>
-            <a:ext cx="6739266" cy="396000"/>
-          </a:xfrm>
-          <a:prstGeom prst="rect">
-            <a:avLst/>
-          </a:prstGeom>
-        </p:spPr>
-        <p:txBody>
-          <a:bodyPr lIns="0" tIns="0" rIns="0" bIns="0">
-            <a:noAutofit/>
-          </a:bodyPr>
-          <a:lstStyle>
-            <a:lvl1pPr marL="0" indent="0" algn="l" defTabSz="755934" rtl="0" eaLnBrk="1" latinLnBrk="0" hangingPunct="1">
-              <a:lnSpc>
-                <a:spcPct val="90000"/>
-              </a:lnSpc>
-              <a:spcBef>
-                <a:spcPts val="2400"/>
-              </a:spcBef>
-              <a:buFont typeface="Arial" panose="020B0604020202020204" pitchFamily="34" charset="0"/>
-              <a:buNone/>
-              <a:defRPr sz="1600" b="0" kern="1200" cap="all" baseline="0">
-                <a:solidFill>
-                  <a:schemeClr val="tx1"/>
-                </a:solidFill>
-                <a:latin typeface="Gotham Bold" pitchFamily="50" charset="0"/>
-                <a:ea typeface="+mn-ea"/>
-                <a:cs typeface="Gotham Bold" pitchFamily="50" charset="0"/>
-              </a:defRPr>
-            </a:lvl1pPr>
-            <a:lvl2pPr marL="108000" indent="0" algn="l" defTabSz="755934" rtl="0" eaLnBrk="1" latinLnBrk="0" hangingPunct="1">
-              <a:lnSpc>
-                <a:spcPct val="100000"/>
-              </a:lnSpc>
-              <a:spcBef>
-                <a:spcPts val="600"/>
-              </a:spcBef>
-              <a:buFont typeface="Arial" panose="020B0604020202020204" pitchFamily="34" charset="0"/>
-              <a:buNone/>
-              <a:defRPr sz="700" b="0" i="0" kern="1200" cap="none" baseline="0">
-                <a:solidFill>
-                  <a:schemeClr val="tx2"/>
-                </a:solidFill>
-                <a:latin typeface="Ciutadella Regular Italic" panose="01000000000000000000" pitchFamily="50" charset="0"/>
-                <a:ea typeface="+mn-ea"/>
-                <a:cs typeface="Gotham Medium" pitchFamily="50" charset="0"/>
-              </a:defRPr>
-            </a:lvl2pPr>
-            <a:lvl3pPr marL="108000" indent="0" algn="l" defTabSz="755934" rtl="0" eaLnBrk="1" latinLnBrk="0" hangingPunct="1">
-              <a:lnSpc>
-                <a:spcPct val="100000"/>
-              </a:lnSpc>
-              <a:spcBef>
-                <a:spcPts val="1000"/>
-              </a:spcBef>
-              <a:spcAft>
-                <a:spcPts val="1000"/>
-              </a:spcAft>
-              <a:buFont typeface="Arial" panose="020B0604020202020204" pitchFamily="34" charset="0"/>
-              <a:buNone/>
-              <a:defRPr sz="1000" b="0" i="0" kern="1200" cap="all" baseline="0">
-                <a:solidFill>
-                  <a:schemeClr val="tx1"/>
-                </a:solidFill>
-                <a:latin typeface="Gotham Medium" pitchFamily="50" charset="0"/>
-                <a:ea typeface="+mn-ea"/>
-                <a:cs typeface="Gotham Medium" pitchFamily="50" charset="0"/>
-              </a:defRPr>
-            </a:lvl3pPr>
-            <a:lvl4pPr marL="2340000" indent="0" algn="l" defTabSz="755934" rtl="0" eaLnBrk="1" latinLnBrk="0" hangingPunct="1">
-              <a:lnSpc>
-                <a:spcPct val="100000"/>
-              </a:lnSpc>
-              <a:spcBef>
-                <a:spcPts val="300"/>
-              </a:spcBef>
-              <a:spcAft>
-                <a:spcPts val="0"/>
-              </a:spcAft>
-              <a:buFont typeface="Arial" panose="020B0604020202020204" pitchFamily="34" charset="0"/>
-              <a:buNone/>
-              <a:defRPr sz="850" u="none" kern="1200">
-                <a:solidFill>
-                  <a:schemeClr val="tx2"/>
-                </a:solidFill>
-                <a:latin typeface="Ciutadella Light" panose="02000000000000000000" pitchFamily="50" charset="0"/>
-                <a:ea typeface="+mn-ea"/>
-                <a:cs typeface="+mn-cs"/>
-              </a:defRPr>
-            </a:lvl4pPr>
-            <a:lvl5pPr marL="2340000" indent="0" algn="l" defTabSz="755934" rtl="0" eaLnBrk="1" latinLnBrk="0" hangingPunct="1">
-              <a:lnSpc>
-                <a:spcPct val="100000"/>
-              </a:lnSpc>
-              <a:spcBef>
-                <a:spcPts val="300"/>
-              </a:spcBef>
-              <a:buFont typeface="Arial" panose="020B0604020202020204" pitchFamily="34" charset="0"/>
-              <a:buNone/>
-              <a:defRPr sz="850" kern="1200">
-                <a:solidFill>
-                  <a:schemeClr val="tx2"/>
-                </a:solidFill>
-                <a:latin typeface="Ciutadella Medium" panose="01000000000000000000" pitchFamily="50" charset="0"/>
-                <a:ea typeface="+mn-ea"/>
-                <a:cs typeface="+mn-cs"/>
-              </a:defRPr>
-            </a:lvl5pPr>
-            <a:lvl6pPr marL="2078820" indent="-188984" algn="l" defTabSz="755934" rtl="0" eaLnBrk="1" latinLnBrk="0" hangingPunct="1">
-              <a:lnSpc>
-                <a:spcPct val="90000"/>
-              </a:lnSpc>
-              <a:spcBef>
-                <a:spcPts val="413"/>
-              </a:spcBef>
-              <a:buFont typeface="Arial" panose="020B0604020202020204" pitchFamily="34" charset="0"/>
-              <a:buChar char="•"/>
-              <a:defRPr sz="1488" kern="1200">
-                <a:solidFill>
-                  <a:schemeClr val="tx1"/>
-                </a:solidFill>
-                <a:latin typeface="+mn-lt"/>
-                <a:ea typeface="+mn-ea"/>
-                <a:cs typeface="+mn-cs"/>
-              </a:defRPr>
-            </a:lvl6pPr>
-            <a:lvl7pPr marL="2456787" indent="-188984" algn="l" defTabSz="755934" rtl="0" eaLnBrk="1" latinLnBrk="0" hangingPunct="1">
-              <a:lnSpc>
-                <a:spcPct val="90000"/>
-              </a:lnSpc>
-              <a:spcBef>
-                <a:spcPts val="413"/>
-              </a:spcBef>
-              <a:buFont typeface="Arial" panose="020B0604020202020204" pitchFamily="34" charset="0"/>
-              <a:buChar char="•"/>
-              <a:defRPr sz="1488" kern="1200">
-                <a:solidFill>
-                  <a:schemeClr val="tx1"/>
-                </a:solidFill>
-                <a:latin typeface="+mn-lt"/>
-                <a:ea typeface="+mn-ea"/>
-                <a:cs typeface="+mn-cs"/>
-              </a:defRPr>
-            </a:lvl7pPr>
-            <a:lvl8pPr marL="2834754" indent="-188984" algn="l" defTabSz="755934" rtl="0" eaLnBrk="1" latinLnBrk="0" hangingPunct="1">
-              <a:lnSpc>
-                <a:spcPct val="90000"/>
-              </a:lnSpc>
-              <a:spcBef>
-                <a:spcPts val="413"/>
-              </a:spcBef>
-              <a:buFont typeface="Arial" panose="020B0604020202020204" pitchFamily="34" charset="0"/>
-              <a:buChar char="•"/>
-              <a:defRPr sz="1488" kern="1200">
-                <a:solidFill>
-                  <a:schemeClr val="tx1"/>
-                </a:solidFill>
-                <a:latin typeface="+mn-lt"/>
-                <a:ea typeface="+mn-ea"/>
-                <a:cs typeface="+mn-cs"/>
-              </a:defRPr>
-            </a:lvl8pPr>
-            <a:lvl9pPr marL="3212722" indent="-188984" algn="l" defTabSz="755934" rtl="0" eaLnBrk="1" latinLnBrk="0" hangingPunct="1">
-              <a:lnSpc>
-                <a:spcPct val="90000"/>
-              </a:lnSpc>
-              <a:spcBef>
-                <a:spcPts val="413"/>
-              </a:spcBef>
-              <a:buFont typeface="Arial" panose="020B0604020202020204" pitchFamily="34" charset="0"/>
-              <a:buChar char="•"/>
-              <a:defRPr sz="1488" kern="1200">
-                <a:solidFill>
-                  <a:schemeClr val="tx1"/>
-                </a:solidFill>
-                <a:latin typeface="+mn-lt"/>
-                <a:ea typeface="+mn-ea"/>
-                <a:cs typeface="+mn-cs"/>
-              </a:defRPr>
-            </a:lvl9pPr>
-          </a:lstStyle>
-          <a:p>
-            <a:pPr marL="0" lvl="2" algn="just">
-              <a:spcBef>
-                <a:spcPts val="0"/>
-              </a:spcBef>
-              <a:spcAft>
-                <a:spcPts val="0"/>
-              </a:spcAft>
-            </a:pPr>
-            <a:r>
-              <a:rPr lang="fr-FR" sz="800" dirty="0">
-                <a:solidFill>
-                  <a:srgbClr val="B9A049"/>
-                </a:solidFill>
-                <a:latin typeface="+mn-lt"/>
-              </a:rPr>
-              <a:t>LE RENDEMENT DU PRODUIT « kopkpopok » EST TRÈS SENSIBLE À UNE FAIBLE VARIATION DU niveau DE CLÔTURE de l'indice AUTOUR DES SEUILS DE 100% ET DE 50% </a:t>
-            </a:r>
-            <a:r>
-              <a:rPr lang="fr-FR" sz="800" cap="all" dirty="0">
-                <a:solidFill>
-                  <a:srgbClr val="B9A049"/>
-                </a:solidFill>
-                <a:latin typeface="+mn-lt"/>
-              </a:rPr>
-              <a:t>DE SON Niveau de Référence</a:t>
-            </a:r>
-            <a:r>
-              <a:rPr lang="fr-FR" sz="800" dirty="0">
-                <a:solidFill>
-                  <a:srgbClr val="B9A049"/>
-                </a:solidFill>
-                <a:latin typeface="+mn-lt"/>
-              </a:rPr>
-              <a:t> à la date de constatation finale</a:t>
-            </a:r>
-            <a:r>
-              <a:rPr lang="fr-FR" sz="800" baseline="30000" dirty="0">
-                <a:solidFill>
-                  <a:srgbClr val="B9A049"/>
-                </a:solidFill>
-                <a:latin typeface="+mn-lt"/>
-              </a:rPr>
-              <a:t>⁽¹⁾</a:t>
-            </a:r>
-            <a:r>
-              <a:rPr lang="fr-FR" sz="800" dirty="0">
-                <a:solidFill>
-                  <a:srgbClr val="B9A049"/>
-                </a:solidFill>
-                <a:latin typeface="+mn-lt"/>
-              </a:rPr>
-              <a:t>.</a:t>
-            </a:r>
-          </a:p>
-        </p:txBody>
-      </p:sp>
-      <p:sp>
-        <p:nvSpPr>
-          <p:cNvPr id="67" name="ZoneTexte 66">
-            <a:extLst>
-              <a:ext uri="{FF2B5EF4-FFF2-40B4-BE49-F238E27FC236}">
-                <a16:creationId xmlns:a16="http://schemas.microsoft.com/office/drawing/2014/main" id="{54856FA3-20DE-4C1E-8670-977050ABC5CF}"/>
-              </a:ext>
-            </a:extLst>
-          </p:cNvPr>
-          <p:cNvSpPr txBox="1"/>
-          <p:nvPr/>
-        </p:nvSpPr>
-        <p:spPr>
-          <a:xfrm>
-            <a:off x="4008562" y="1759107"/>
-            <a:ext cx="3189159" cy="1877437"/>
-          </a:xfrm>
-          <a:prstGeom prst="rect">
-            <a:avLst/>
-          </a:prstGeom>
-          <a:solidFill>
-            <a:schemeClr val="bg1"/>
-          </a:solidFill>
-          <a:ln>
-            <a:noFill/>
-          </a:ln>
-          <a:effectLst/>
-        </p:spPr>
-        <p:txBody>
-          <a:bodyPr wrap="square" lIns="0" tIns="0" rIns="0" bIns="0" rtlCol="0">
-            <a:spAutoFit/>
-          </a:bodyPr>
-          <a:lstStyle/>
-          <a:p>
-            <a:pPr lvl="0" algn="just" defTabSz="1042988" fontAlgn="base">
-              <a:spcBef>
-                <a:spcPct val="0"/>
-              </a:spcBef>
-              <a:spcAft>
-                <a:spcPct val="0"/>
-              </a:spcAft>
-            </a:pPr>
-            <a:r>
-              <a:rPr lang="fr-FR" sz="800" dirty="0"/>
-              <a:t>À chaque date de constatation trimestrielle</a:t>
-            </a:r>
-            <a:r>
-              <a:rPr lang="fr-FR" sz="800" baseline="30000" dirty="0"/>
-              <a:t>⁽¹⁾ </a:t>
-            </a:r>
-            <a:r>
-              <a:rPr lang="fr-FR" sz="800" dirty="0">
-                <a:latin typeface="+mn-lt"/>
-              </a:rPr>
-              <a:t>du trimestres 4 à 39</a:t>
-            </a:r>
-            <a:r>
-              <a:rPr lang="fr-FR" sz="800" dirty="0"/>
-              <a:t>, l'indice clôture à un niveau strictement inférieur à 100% de son Niveau de Référence. Le mécanisme de remboursement anticipé automatique n’est donc pas activé et le produit continue.</a:t>
-            </a:r>
-          </a:p>
-          <a:p>
-            <a:pPr lvl="0" algn="just" defTabSz="1042988" fontAlgn="base">
-              <a:spcBef>
-                <a:spcPct val="0"/>
-              </a:spcBef>
-              <a:spcAft>
-                <a:spcPct val="0"/>
-              </a:spcAft>
-            </a:pPr>
-            <a:endParaRPr lang="fr-FR" sz="800" dirty="0">
-              <a:highlight>
-                <a:srgbClr val="FFFF00"/>
-              </a:highlight>
-            </a:endParaRPr>
-          </a:p>
-          <a:p>
-            <a:pPr lvl="0" algn="just" defTabSz="1042988" fontAlgn="base">
-              <a:spcBef>
-                <a:spcPct val="0"/>
-              </a:spcBef>
-              <a:spcAft>
-                <a:spcPts val="600"/>
-              </a:spcAft>
-            </a:pPr>
-            <a:r>
-              <a:rPr lang="fr-FR" sz="800" dirty="0"/>
-              <a:t>À la date de constatation finale</a:t>
-            </a:r>
-            <a:r>
-              <a:rPr lang="fr-FR" sz="800" baseline="30000" dirty="0"/>
-              <a:t>⁽¹⁾</a:t>
-            </a:r>
-            <a:r>
-              <a:rPr lang="fr-FR" sz="800" dirty="0"/>
-              <a:t>, l'indice clôture à un niveau strictement inférieur à 50% de son Niveau de Référence (30% dans cet exemple). L’investisseur récupère alors le capital initialement investi diminué de l’intégralité de la baisse enregistrée par l'indice, soit 30% de son capital initial dans cet exemple.</a:t>
-            </a:r>
-          </a:p>
-          <a:p>
-            <a:pPr lvl="0" algn="just" defTabSz="1042988" fontAlgn="base">
-              <a:spcBef>
-                <a:spcPct val="0"/>
-              </a:spcBef>
-              <a:spcAft>
-                <a:spcPts val="600"/>
-              </a:spcAft>
-            </a:pPr>
-            <a:r>
-              <a:rPr lang="fr-FR" sz="800" dirty="0"/>
-              <a:t>Le Taux de Rendement Annuel net est alors similaire à celui d’un investissement direct dans l'indice</a:t>
-            </a:r>
-            <a:r>
-              <a:rPr lang="fr-FR" sz="800" baseline="30000" dirty="0"/>
-              <a:t>(3)</a:t>
-            </a:r>
-            <a:r>
-              <a:rPr lang="fr-FR" sz="800" dirty="0"/>
-              <a:t>, soit -12,21%</a:t>
-            </a:r>
-            <a:r>
-              <a:rPr lang="fr-FR" sz="800" baseline="30000" dirty="0"/>
-              <a:t>⁽²⁾</a:t>
-            </a:r>
-            <a:r>
-              <a:rPr lang="fr-FR" sz="800" dirty="0"/>
-              <a:t>. </a:t>
-            </a:r>
-          </a:p>
-          <a:p>
-            <a:pPr lvl="0" algn="just" defTabSz="1042988" fontAlgn="base">
-              <a:spcBef>
-                <a:spcPct val="0"/>
-              </a:spcBef>
-              <a:spcAft>
-                <a:spcPts val="600"/>
-              </a:spcAft>
-            </a:pPr>
-            <a:r>
-              <a:rPr lang="fr-FR" sz="800" b="1" dirty="0"/>
-              <a:t>Dans ce scénario, l’investisseur subit une perte en capital, qui peut être totale dans le cas le plus défavorable.</a:t>
-            </a:r>
-          </a:p>
-        </p:txBody>
-      </p:sp>
-      <p:sp>
-        <p:nvSpPr>
-          <p:cNvPr id="39" name="ZoneTexte 38">
-            <a:extLst>
-              <a:ext uri="{FF2B5EF4-FFF2-40B4-BE49-F238E27FC236}">
-                <a16:creationId xmlns:a16="http://schemas.microsoft.com/office/drawing/2014/main" id="{24D170D4-46F4-43FE-B0B4-2763010FA847}"/>
-              </a:ext>
-            </a:extLst>
-          </p:cNvPr>
-          <p:cNvSpPr txBox="1"/>
-          <p:nvPr/>
-        </p:nvSpPr>
-        <p:spPr>
-          <a:xfrm>
-            <a:off x="4008562" y="4526931"/>
-            <a:ext cx="3189159" cy="1308050"/>
-          </a:xfrm>
-          <a:prstGeom prst="rect">
-            <a:avLst/>
-          </a:prstGeom>
-          <a:solidFill>
-            <a:schemeClr val="bg1"/>
-          </a:solidFill>
-          <a:ln>
-            <a:noFill/>
-          </a:ln>
-          <a:effectLst/>
-        </p:spPr>
-        <p:txBody>
-          <a:bodyPr wrap="square" lIns="0" tIns="0" rIns="0" bIns="0" rtlCol="0">
-            <a:spAutoFit/>
-          </a:bodyPr>
-          <a:lstStyle>
-            <a:defPPr>
-              <a:defRPr lang="en-US"/>
-            </a:defPPr>
-            <a:lvl1pPr algn="just">
-              <a:defRPr sz="700">
-                <a:solidFill>
-                  <a:schemeClr val="tx2"/>
-                </a:solidFill>
-                <a:latin typeface="Century Gothic" panose="020B0502020202020204" pitchFamily="34" charset="0"/>
-              </a:defRPr>
-            </a:lvl1pPr>
-          </a:lstStyle>
-          <a:p>
-            <a:pPr defTabSz="1042988" fontAlgn="base">
-              <a:spcBef>
-                <a:spcPct val="0"/>
-              </a:spcBef>
-              <a:spcAft>
-                <a:spcPct val="0"/>
-              </a:spcAft>
-            </a:pPr>
-            <a:r>
-              <a:rPr lang="fr-FR" sz="800" dirty="0">
-                <a:latin typeface="+mn-lt"/>
-              </a:rPr>
-              <a:t>À chaque date de constatation trimestrielle</a:t>
-            </a:r>
-            <a:r>
-              <a:rPr lang="fr-FR" sz="800" baseline="30000" dirty="0">
-                <a:solidFill>
-                  <a:srgbClr val="04202E"/>
-                </a:solidFill>
-                <a:latin typeface="+mn-lt"/>
-              </a:rPr>
-              <a:t>⁽¹⁾</a:t>
-            </a:r>
-            <a:r>
-              <a:rPr lang="fr-FR" sz="800" dirty="0">
-                <a:latin typeface="+mn-lt"/>
-              </a:rPr>
-              <a:t> des trimestres 4 à 39, l'indice clôture à </a:t>
-            </a:r>
-            <a:r>
-              <a:rPr lang="fr-FR" sz="800" dirty="0">
-                <a:solidFill>
-                  <a:schemeClr val="tx2"/>
-                </a:solidFill>
-                <a:latin typeface="+mn-lt"/>
-              </a:rPr>
-              <a:t>un niveau strictement inférieur à 100% de son Niveau de Référence</a:t>
-            </a:r>
-            <a:r>
-              <a:rPr lang="fr-FR" sz="800" dirty="0">
-                <a:latin typeface="+mn-lt"/>
-              </a:rPr>
-              <a:t>. Le mécanisme de remboursement anticipé automatique n’est donc pas activé et le produit continue.</a:t>
-            </a:r>
-          </a:p>
-          <a:p>
-            <a:pPr lvl="0" defTabSz="1042988" fontAlgn="base">
-              <a:spcBef>
-                <a:spcPct val="0"/>
-              </a:spcBef>
-              <a:spcAft>
-                <a:spcPct val="0"/>
-              </a:spcAft>
-            </a:pPr>
-            <a:endParaRPr lang="fr-FR" sz="800" dirty="0">
-              <a:latin typeface="+mn-lt"/>
-            </a:endParaRPr>
-          </a:p>
-          <a:p>
-            <a:pPr lvl="0" defTabSz="1042988" fontAlgn="base">
-              <a:spcBef>
-                <a:spcPct val="0"/>
-              </a:spcBef>
-              <a:spcAft>
-                <a:spcPts val="600"/>
-              </a:spcAft>
-            </a:pPr>
-            <a:r>
-              <a:rPr lang="fr-FR" sz="800" dirty="0">
-                <a:latin typeface="+mn-lt"/>
-              </a:rPr>
-              <a:t>À la date de constatation finale(¹), l'indice clôture à un niveau strictement inférieur à 100% de son Niveau de Référence (70% dans cet exemple). L’investisseur récupère alors l’intégralité de son capital initialement investi.
-        </a:t>
-            </a:r>
-          </a:p>
-          <a:p>
-            <a:pPr lvl="0" defTabSz="1042988" fontAlgn="base">
-              <a:spcBef>
-                <a:spcPct val="0"/>
-              </a:spcBef>
-              <a:spcAft>
-                <a:spcPts val="600"/>
-              </a:spcAft>
-            </a:pPr>
-            <a:r>
-              <a:rPr lang="fr-FR" sz="800" dirty="0">
-                <a:solidFill>
-                  <a:schemeClr val="tx1"/>
-                </a:solidFill>
-                <a:latin typeface="+mn-lt"/>
-              </a:rPr>
-              <a:t>Ce qui correspond à un Taux de Rendement Annuel net de                    -1.00</a:t>
-            </a:r>
-            <a:r>
-              <a:rPr lang="fr-FR" sz="800" baseline="30000" dirty="0">
-                <a:solidFill>
-                  <a:schemeClr val="tx1"/>
-                </a:solidFill>
-                <a:latin typeface="+mn-lt"/>
-              </a:rPr>
-              <a:t>⁽²⁾</a:t>
-            </a:r>
-            <a:r>
-              <a:rPr lang="fr-FR" sz="800" dirty="0">
-                <a:solidFill>
-                  <a:schemeClr val="tx1"/>
-                </a:solidFill>
-                <a:latin typeface="+mn-lt"/>
-              </a:rPr>
-              <a:t>, contre un Taux de Rendement Annuel net de -4,46%</a:t>
-            </a:r>
-            <a:r>
-              <a:rPr lang="fr-FR" sz="800" baseline="30000" dirty="0">
-                <a:solidFill>
-                  <a:schemeClr val="tx1"/>
-                </a:solidFill>
-                <a:latin typeface="+mn-lt"/>
-              </a:rPr>
-              <a:t>⁽²⁾</a:t>
-            </a:r>
-            <a:r>
-              <a:rPr lang="fr-FR" sz="800" dirty="0">
-                <a:solidFill>
-                  <a:schemeClr val="tx1"/>
-                </a:solidFill>
-                <a:latin typeface="+mn-lt"/>
-              </a:rPr>
-              <a:t>, pour un investissement direct dans l'indice</a:t>
-            </a:r>
-            <a:r>
-              <a:rPr lang="fr-FR" sz="800" baseline="30000" dirty="0">
-                <a:solidFill>
-                  <a:schemeClr val="tx1"/>
-                </a:solidFill>
-                <a:latin typeface="+mn-lt"/>
-              </a:rPr>
-              <a:t>(3)</a:t>
-            </a:r>
-            <a:r>
-              <a:rPr lang="fr-FR" sz="800" dirty="0">
-                <a:solidFill>
-                  <a:schemeClr val="tx1"/>
-                </a:solidFill>
-                <a:latin typeface="+mn-lt"/>
-              </a:rPr>
-              <a:t>,</a:t>
-            </a:r>
-            <a:r>
-              <a:rPr lang="fr-FR" sz="800" baseline="30000" dirty="0">
-                <a:solidFill>
-                  <a:schemeClr val="tx1"/>
-                </a:solidFill>
-                <a:latin typeface="+mn-lt"/>
-              </a:rPr>
-              <a:t> </a:t>
-            </a:r>
-            <a:r>
-              <a:rPr lang="fr-FR" sz="800" dirty="0">
-                <a:solidFill>
-                  <a:schemeClr val="tx1"/>
-                </a:solidFill>
-                <a:latin typeface="+mn-lt"/>
-              </a:rPr>
-              <a:t>du fait du </a:t>
-            </a:r>
-            <a:r>
-              <a:rPr lang="fr-FR" sz="800" b="1" dirty="0">
-                <a:solidFill>
-                  <a:schemeClr val="tx1"/>
-                </a:solidFill>
-                <a:latin typeface="+mn-lt"/>
-              </a:rPr>
-              <a:t>mécanisme de remboursement à l’échéance</a:t>
-            </a:r>
-            <a:r>
-              <a:rPr lang="fr-FR" sz="800" b="1" baseline="30000" dirty="0">
-                <a:solidFill>
-                  <a:schemeClr val="tx1"/>
-                </a:solidFill>
-                <a:latin typeface="+mn-lt"/>
-              </a:rPr>
-              <a:t>⁽¹⁾</a:t>
-            </a:r>
-            <a:r>
-              <a:rPr lang="fr-FR" sz="800" b="1" dirty="0">
-                <a:solidFill>
-                  <a:schemeClr val="tx1"/>
-                </a:solidFill>
-                <a:latin typeface="+mn-lt"/>
-              </a:rPr>
-              <a:t> de « kopkpopok ».</a:t>
-            </a:r>
-          </a:p>
-        </p:txBody>
-      </p:sp>
-      <p:sp>
-        <p:nvSpPr>
-          <p:cNvPr id="41" name="ZoneTexte 40">
-            <a:extLst>
-              <a:ext uri="{FF2B5EF4-FFF2-40B4-BE49-F238E27FC236}">
-                <a16:creationId xmlns:a16="http://schemas.microsoft.com/office/drawing/2014/main" id="{D9808083-2602-4381-B2C0-93B66238FCB8}"/>
-              </a:ext>
-            </a:extLst>
-          </p:cNvPr>
-          <p:cNvSpPr txBox="1"/>
-          <p:nvPr/>
-        </p:nvSpPr>
-        <p:spPr>
-          <a:xfrm>
-            <a:off x="4008562" y="7334571"/>
-            <a:ext cx="3239378" cy="1308050"/>
-          </a:xfrm>
-          <a:prstGeom prst="rect">
-            <a:avLst/>
-          </a:prstGeom>
-          <a:solidFill>
-            <a:schemeClr val="bg1"/>
-          </a:solidFill>
-          <a:ln>
-            <a:noFill/>
-          </a:ln>
-          <a:effectLst/>
-        </p:spPr>
-        <p:txBody>
-          <a:bodyPr wrap="square" lIns="0" tIns="0" rIns="0" bIns="0" rtlCol="0">
-            <a:spAutoFit/>
-          </a:bodyPr>
-          <a:lstStyle/>
-          <a:p>
-            <a:pPr algn="just">
-              <a:spcAft>
-                <a:spcPts val="600"/>
-              </a:spcAft>
-            </a:pPr>
-            <a:r>
-              <a:rPr lang="fr-FR" sz="800" dirty="0">
-                <a:solidFill>
-                  <a:schemeClr val="tx2"/>
-                </a:solidFill>
-              </a:rPr>
-              <a:t>Dès la première date de constatation trimestrielle</a:t>
-            </a:r>
-            <a:r>
-              <a:rPr lang="fr-FR" sz="800" baseline="30000" dirty="0">
-                <a:solidFill>
-                  <a:srgbClr val="04202E"/>
-                </a:solidFill>
-              </a:rPr>
-              <a:t>⁽¹⁾</a:t>
-            </a:r>
-            <a:r>
-              <a:rPr lang="fr-FR" sz="800" dirty="0">
-                <a:solidFill>
-                  <a:schemeClr val="tx2"/>
-                </a:solidFill>
-              </a:rPr>
-              <a:t> du mécanisme de remboursement anticipé automatique, </a:t>
-            </a:r>
-            <a:r>
-              <a:rPr lang="it-IT" sz="800" dirty="0">
-                <a:solidFill>
-                  <a:schemeClr val="tx2"/>
-                </a:solidFill>
-              </a:rPr>
-              <a:t>l'indice </a:t>
-            </a:r>
-            <a:r>
-              <a:rPr lang="fr-FR" sz="800" dirty="0">
-                <a:solidFill>
-                  <a:schemeClr val="tx2"/>
-                </a:solidFill>
-              </a:rPr>
-              <a:t>clôture à </a:t>
-            </a:r>
-            <a:r>
-              <a:rPr lang="fr-FR" sz="800" dirty="0">
-                <a:solidFill>
-                  <a:schemeClr val="tx2"/>
-                </a:solidFill>
-                <a:latin typeface="Proxima Nova Rg" panose="02000506030000020004" pitchFamily="2" charset="0"/>
-              </a:rPr>
-              <a:t>un niveau supérieur à 100% de son Niveau de Référence 100% de son Niveau de Référence </a:t>
-            </a:r>
-            <a:r>
-              <a:rPr lang="fr-FR" sz="800" dirty="0">
-                <a:solidFill>
-                  <a:schemeClr val="tx2"/>
-                </a:solidFill>
-              </a:rPr>
-              <a:t>(115% dans cet exemple). Le produit est automatiquement remboursé par anticipation. Il verse alors l’intégralité du capital initial majorée d’un gain de 1,00% par trimestre écoulé depuis le 29/07/2022, soit un gain de 4,00% dans notre exemple.</a:t>
-            </a:r>
-          </a:p>
-          <a:p>
-            <a:pPr algn="just">
-              <a:spcAft>
-                <a:spcPts val="600"/>
-              </a:spcAft>
-            </a:pPr>
-            <a:r>
-              <a:rPr lang="fr-FR" sz="800" dirty="0"/>
-              <a:t>Ce qui correspond à un Taux de Rendement Annuel net de 2,92%</a:t>
-            </a:r>
-            <a:r>
-              <a:rPr lang="fr-FR" sz="800" baseline="30000" dirty="0"/>
-              <a:t>⁽²⁾</a:t>
-            </a:r>
-            <a:r>
-              <a:rPr lang="fr-FR" sz="800" dirty="0"/>
-              <a:t>, contre un Taux de Rendement Annuel net de 13,68%</a:t>
-            </a:r>
-            <a:r>
-              <a:rPr lang="fr-FR" sz="800" baseline="30000" dirty="0"/>
-              <a:t>⁽²⁾</a:t>
-            </a:r>
-            <a:r>
-              <a:rPr lang="fr-FR" sz="800" dirty="0"/>
-              <a:t> pour un investissement direct dans </a:t>
-            </a:r>
-            <a:r>
-              <a:rPr lang="it-IT" sz="800" dirty="0"/>
-              <a:t>l'indice</a:t>
-            </a:r>
-            <a:r>
-              <a:rPr lang="fr-FR" sz="800" baseline="30000" dirty="0"/>
-              <a:t>(3)</a:t>
-            </a:r>
-            <a:r>
-              <a:rPr lang="fr-FR" sz="800" dirty="0"/>
-              <a:t>, du fait du </a:t>
-            </a:r>
-            <a:r>
-              <a:rPr lang="fr-FR" sz="800" b="1" dirty="0">
-                <a:solidFill>
-                  <a:schemeClr val="tx2"/>
-                </a:solidFill>
-              </a:rPr>
-              <a:t>mécanisme de plafonnement des gains à 1,00% par trimestre écoulé depuis le 29/07/2022.</a:t>
-            </a:r>
-          </a:p>
-        </p:txBody>
-      </p:sp>
-      <p:sp>
-        <p:nvSpPr>
-          <p:cNvPr id="16" name="ZoneTexte 15">
-            <a:extLst>
-              <a:ext uri="{FF2B5EF4-FFF2-40B4-BE49-F238E27FC236}">
-                <a16:creationId xmlns:a16="http://schemas.microsoft.com/office/drawing/2014/main" id="{B9B1E93F-04D6-443C-BA62-C62656DE571B}"/>
-              </a:ext>
-            </a:extLst>
-          </p:cNvPr>
-          <p:cNvSpPr txBox="1"/>
-          <p:nvPr/>
-        </p:nvSpPr>
-        <p:spPr>
-          <a:xfrm>
-            <a:off x="771525" y="2415143"/>
-            <a:ext cx="4057650" cy="369332"/>
+            <a:off x="359839" y="960898"/>
+            <a:ext cx="6839998" cy="6003438"/>
           </a:xfrm>
           <a:prstGeom prst="rect">
             <a:avLst/>
@@ -18223,75 +19520,872 @@
             <a:spAutoFit/>
           </a:bodyPr>
           <a:lstStyle/>
-          <a:p/>
+          <a:p>
+            <a:pPr algn="just">
+              <a:lnSpc>
+                <a:spcPct val="95000"/>
+              </a:lnSpc>
+              <a:spcBef>
+                <a:spcPts val="600"/>
+              </a:spcBef>
+            </a:pPr>
+            <a:r>
+              <a:rPr lang="fr-FR" sz="1000" b="1" dirty="0">
+                <a:solidFill>
+                  <a:srgbClr val="B9A049"/>
+                </a:solidFill>
+              </a:rPr>
+              <a:t>AVANTAGES</a:t>
+            </a:r>
+          </a:p>
+          <a:p>
+            <a:pPr algn="just">
+              <a:lnSpc>
+                <a:spcPct val="95000"/>
+              </a:lnSpc>
+              <a:spcBef>
+                <a:spcPts val="600"/>
+              </a:spcBef>
+            </a:pPr>
+            <a:endParaRPr lang="fr-FR" sz="1000" b="1" dirty="0">
+              <a:solidFill>
+                <a:srgbClr val="B9A049"/>
+              </a:solidFill>
+            </a:endParaRPr>
+          </a:p>
+          <a:p>
+            <a:pPr marL="171450" indent="-171450" algn="just">
+              <a:lnSpc>
+                <a:spcPct val="95000"/>
+              </a:lnSpc>
+              <a:spcAft>
+                <a:spcPts val="200"/>
+              </a:spcAft>
+              <a:buFont typeface="Arial" panose="020B0604020202020204" pitchFamily="34" charset="0"/>
+              <a:buChar char="•"/>
+            </a:pPr>
+            <a:r>
+              <a:rPr lang="fr-FR" sz="800" dirty="0">
+                <a:solidFill>
+                  <a:srgbClr val="000000"/>
+                </a:solidFill>
+              </a:rPr>
+              <a:t>A chaque date de constatation trimestrielle</a:t>
+            </a:r>
+            <a:r>
+              <a:rPr lang="fr-FR" sz="800" baseline="30000" dirty="0">
+                <a:solidFill>
+                  <a:srgbClr val="000000"/>
+                </a:solidFill>
+              </a:rPr>
+              <a:t>⁽¹⁾</a:t>
+            </a:r>
+            <a:r>
+              <a:rPr lang="fr-FR" sz="800" dirty="0">
+                <a:solidFill>
+                  <a:srgbClr val="000000"/>
+                </a:solidFill>
+              </a:rPr>
+              <a:t>, </a:t>
+            </a:r>
+            <a:r>
+              <a:rPr lang="fr-FR" sz="800" dirty="0">
+                <a:latin typeface="Proxima Nova Rg" panose="02000506030000020004" pitchFamily="2" charset="0"/>
+              </a:rPr>
+              <a:t>l’investisseur peut recevoir un coupon de 1,00% dès lors que l’action clôture à un cours supérieur ou égal à 95% de son Cours Initial</a:t>
+            </a:r>
+            <a:r>
+              <a:rPr lang="fr-FR" sz="800" dirty="0">
+                <a:solidFill>
+                  <a:srgbClr val="000000"/>
+                </a:solidFill>
+                <a:ea typeface="SimSun" pitchFamily="2" charset="-122"/>
+                <a:cs typeface="Times New Roman" pitchFamily="18" charset="0"/>
+              </a:rPr>
+              <a:t>. Les coupons non versés précédemment sont récupérés et versés au prochain paiement éventuel du coupon.</a:t>
+            </a:r>
+          </a:p>
+          <a:p>
+            <a:pPr marL="171450" indent="-171450" algn="just">
+              <a:lnSpc>
+                <a:spcPct val="95000"/>
+              </a:lnSpc>
+              <a:spcAft>
+                <a:spcPts val="200"/>
+              </a:spcAft>
+              <a:buFont typeface="Arial" panose="020B0604020202020204" pitchFamily="34" charset="0"/>
+              <a:buChar char="•"/>
+            </a:pPr>
+            <a:endParaRPr lang="fr-FR" sz="800" dirty="0">
+              <a:solidFill>
+                <a:srgbClr val="000000"/>
+              </a:solidFill>
+              <a:ea typeface="SimSun" pitchFamily="2" charset="-122"/>
+              <a:cs typeface="Times New Roman" pitchFamily="18" charset="0"/>
+            </a:endParaRPr>
+          </a:p>
+          <a:p>
+            <a:pPr marL="171450" indent="-171450" algn="just">
+              <a:lnSpc>
+                <a:spcPct val="95000"/>
+              </a:lnSpc>
+              <a:spcAft>
+                <a:spcPts val="200"/>
+              </a:spcAft>
+              <a:buFont typeface="Arial" panose="020B0604020202020204" pitchFamily="34" charset="0"/>
+              <a:buChar char="•"/>
+            </a:pPr>
+            <a:r>
+              <a:rPr lang="fr-FR" sz="800" dirty="0">
+                <a:solidFill>
+                  <a:srgbClr val="000000"/>
+                </a:solidFill>
+              </a:rPr>
+              <a:t>A l’issue du trimestre 4 à 39, si à l’une des dates de constatation trimestrielle correspondantes</a:t>
+            </a:r>
+            <a:r>
+              <a:rPr lang="fr-FR" sz="800" baseline="30000" dirty="0">
+                <a:solidFill>
+                  <a:srgbClr val="000000"/>
+                </a:solidFill>
+              </a:rPr>
+              <a:t>⁽¹⁾</a:t>
+            </a:r>
+            <a:r>
+              <a:rPr lang="fr-FR" sz="800" dirty="0">
+                <a:solidFill>
+                  <a:srgbClr val="000000"/>
+                </a:solidFill>
+              </a:rPr>
+              <a:t> ,l’action clôture à un cours supérieur ou égal à la barrière dégressive de remboursement anticipé automatique, </a:t>
+            </a:r>
+            <a:r>
+              <a:rPr lang="fr-FR" sz="800" b="1" dirty="0">
+                <a:solidFill>
+                  <a:srgbClr val="000000"/>
+                </a:solidFill>
+              </a:rPr>
+              <a:t>un mécanisme de remboursement anticipé est automatiquement activé </a:t>
+            </a:r>
+            <a:r>
+              <a:rPr lang="fr-FR" sz="800" dirty="0">
+                <a:solidFill>
+                  <a:srgbClr val="000000"/>
+                </a:solidFill>
+              </a:rPr>
+              <a:t>et l’investisseur récupère alors l’intégralité de son capital initial majorée du coupon de 1,00%  ainsi que les coupons mémorisés au préalable (soit un Taux de Rendement Annuel net maximum de</a:t>
+            </a:r>
+            <a:r>
+              <a:rPr lang="fr-FR" sz="800" dirty="0">
+                <a:solidFill>
+                  <a:srgbClr val="000000"/>
+                </a:solidFill>
+                <a:highlight>
+                  <a:srgbClr val="00FFFF"/>
+                </a:highlight>
+              </a:rPr>
+              <a:t>3,01%</a:t>
+            </a:r>
+            <a:r>
+              <a:rPr lang="fr-FR" sz="800" baseline="30000" dirty="0">
+                <a:solidFill>
+                  <a:srgbClr val="000000"/>
+                </a:solidFill>
+                <a:highlight>
+                  <a:srgbClr val="00FFFF"/>
+                </a:highlight>
+                <a:ea typeface="SimSun" pitchFamily="2" charset="-122"/>
+                <a:cs typeface="Times New Roman" pitchFamily="18" charset="0"/>
+              </a:rPr>
+              <a:t>(</a:t>
+            </a:r>
+            <a:r>
+              <a:rPr lang="fr-FR" sz="800" baseline="30000" dirty="0">
+                <a:solidFill>
+                  <a:srgbClr val="000000"/>
+                </a:solidFill>
+                <a:ea typeface="SimSun" pitchFamily="2" charset="-122"/>
+                <a:cs typeface="Times New Roman" pitchFamily="18" charset="0"/>
+              </a:rPr>
+              <a:t>2)</a:t>
+            </a:r>
+            <a:r>
+              <a:rPr lang="fr-FR" sz="800" dirty="0">
+                <a:solidFill>
+                  <a:srgbClr val="000000"/>
+                </a:solidFill>
+                <a:ea typeface="SimSun" pitchFamily="2" charset="-122"/>
+                <a:cs typeface="Times New Roman" pitchFamily="18" charset="0"/>
+              </a:rPr>
+              <a:t>).</a:t>
+            </a:r>
+          </a:p>
+          <a:p>
+            <a:pPr marL="171450" indent="-171450" algn="just">
+              <a:lnSpc>
+                <a:spcPct val="95000"/>
+              </a:lnSpc>
+              <a:spcAft>
+                <a:spcPts val="200"/>
+              </a:spcAft>
+              <a:buFont typeface="Arial" panose="020B0604020202020204" pitchFamily="34" charset="0"/>
+              <a:buChar char="•"/>
+            </a:pPr>
+            <a:endParaRPr lang="fr-FR" sz="800" dirty="0">
+              <a:solidFill>
+                <a:srgbClr val="000000"/>
+              </a:solidFill>
+              <a:ea typeface="SimSun" pitchFamily="2" charset="-122"/>
+              <a:cs typeface="Times New Roman" pitchFamily="18" charset="0"/>
+            </a:endParaRPr>
+          </a:p>
+          <a:p>
+            <a:pPr marL="171450" indent="-171450" algn="just">
+              <a:lnSpc>
+                <a:spcPct val="95000"/>
+              </a:lnSpc>
+              <a:spcAft>
+                <a:spcPts val="200"/>
+              </a:spcAft>
+              <a:buFont typeface="Arial" panose="020B0604020202020204" pitchFamily="34" charset="0"/>
+              <a:buChar char="•"/>
+            </a:pPr>
+            <a:r>
+              <a:rPr lang="fr-FR" sz="800" dirty="0">
+                <a:solidFill>
+                  <a:srgbClr val="000000"/>
+                </a:solidFill>
+              </a:rPr>
+              <a:t>Sinon, si le mécanisme de remboursement anticipé n’a pas été activé au préalable, et si à la date de constatation finale l’action clôture à un cours supérieur ou égal à 75% de son Cours Initial, l’investisseur récupère alors l’intégralité de son capital initialement investi (soit un Taux de Rendement Annuel net maximum de </a:t>
+            </a:r>
+            <a:r>
+              <a:rPr lang="fr-FR" sz="800" dirty="0">
+                <a:solidFill>
+                  <a:srgbClr val="000000"/>
+                </a:solidFill>
+                <a:highlight>
+                  <a:srgbClr val="00FFFF"/>
+                </a:highlight>
+              </a:rPr>
+              <a:t>3,01%</a:t>
+            </a:r>
+            <a:r>
+              <a:rPr lang="fr-FR" sz="800" baseline="30000" dirty="0">
+                <a:solidFill>
+                  <a:srgbClr val="000000"/>
+                </a:solidFill>
+              </a:rPr>
+              <a:t>⁽²⁾</a:t>
+            </a:r>
+            <a:r>
+              <a:rPr lang="fr-FR" sz="800" dirty="0">
+                <a:solidFill>
+                  <a:srgbClr val="000000"/>
+                </a:solidFill>
+              </a:rPr>
+              <a:t>). </a:t>
+            </a:r>
+          </a:p>
+          <a:p>
+            <a:pPr marL="0" lvl="1" algn="just">
+              <a:lnSpc>
+                <a:spcPct val="95000"/>
+              </a:lnSpc>
+              <a:spcBef>
+                <a:spcPts val="600"/>
+              </a:spcBef>
+            </a:pPr>
+            <a:r>
+              <a:rPr lang="fr-FR" sz="1000" b="1" dirty="0">
+                <a:solidFill>
+                  <a:srgbClr val="B9A049"/>
+                </a:solidFill>
+              </a:rPr>
+              <a:t>INCONVÉNIENTS</a:t>
+            </a:r>
+          </a:p>
+          <a:p>
+            <a:pPr marL="0" lvl="1" algn="just">
+              <a:lnSpc>
+                <a:spcPct val="95000"/>
+              </a:lnSpc>
+              <a:spcBef>
+                <a:spcPts val="600"/>
+              </a:spcBef>
+            </a:pPr>
+            <a:endParaRPr lang="fr-FR" sz="1000" b="1" dirty="0">
+              <a:solidFill>
+                <a:srgbClr val="B9A049"/>
+              </a:solidFill>
+            </a:endParaRPr>
+          </a:p>
+          <a:p>
+            <a:pPr marL="171450" indent="-171450" algn="just">
+              <a:lnSpc>
+                <a:spcPct val="95000"/>
+              </a:lnSpc>
+              <a:spcAft>
+                <a:spcPts val="200"/>
+              </a:spcAft>
+              <a:buFont typeface="Arial" panose="020B0604020202020204" pitchFamily="34" charset="0"/>
+              <a:buChar char="•"/>
+            </a:pPr>
+            <a:r>
+              <a:rPr lang="fr-FR" sz="800" dirty="0">
+                <a:solidFill>
+                  <a:srgbClr val="000000"/>
+                </a:solidFill>
+              </a:rPr>
+              <a:t>« kopkpopok » </a:t>
+            </a:r>
+            <a:r>
+              <a:rPr lang="fr-FR" sz="800" b="1" dirty="0">
+                <a:solidFill>
+                  <a:srgbClr val="000000"/>
+                </a:solidFill>
+              </a:rPr>
+              <a:t>présente</a:t>
+            </a:r>
+            <a:r>
+              <a:rPr lang="fr-FR" sz="800" dirty="0">
+                <a:solidFill>
+                  <a:srgbClr val="000000"/>
+                </a:solidFill>
+              </a:rPr>
+              <a:t> </a:t>
+            </a:r>
+            <a:r>
+              <a:rPr lang="fr-FR" sz="800" b="1" dirty="0">
+                <a:solidFill>
+                  <a:srgbClr val="000000"/>
+                </a:solidFill>
+              </a:rPr>
+              <a:t>un risque de perte partielle ou totale du capital en cours de vie </a:t>
+            </a:r>
+            <a:r>
+              <a:rPr lang="fr-FR" sz="800" dirty="0">
+                <a:solidFill>
+                  <a:srgbClr val="000000"/>
+                </a:solidFill>
+              </a:rPr>
+              <a:t>(en cas de revente du produit à l’initiative de l’investisseur alors que les conditions de remboursement automatique ne sont pas remplies, le prix dépendant alors des paramètres de marché le jour de la revente)</a:t>
+            </a:r>
+            <a:r>
+              <a:rPr lang="fr-FR" sz="800" b="1" dirty="0">
+                <a:solidFill>
+                  <a:srgbClr val="000000"/>
+                </a:solidFill>
+              </a:rPr>
+              <a:t> et à l’échéance</a:t>
+            </a:r>
+            <a:r>
+              <a:rPr lang="fr-FR" sz="800" b="1" baseline="30000" dirty="0">
+                <a:solidFill>
+                  <a:srgbClr val="000000"/>
+                </a:solidFill>
+              </a:rPr>
+              <a:t>⁽¹⁾</a:t>
+            </a:r>
+            <a:r>
+              <a:rPr lang="fr-FR" sz="800" b="1" dirty="0">
+                <a:solidFill>
+                  <a:srgbClr val="000000"/>
+                </a:solidFill>
+              </a:rPr>
+              <a:t> </a:t>
+            </a:r>
+            <a:r>
+              <a:rPr lang="fr-FR" sz="800" dirty="0">
+                <a:solidFill>
+                  <a:srgbClr val="000000"/>
+                </a:solidFill>
+              </a:rPr>
+              <a:t>(si, à la date de constatation finale</a:t>
+            </a:r>
+            <a:r>
+              <a:rPr lang="fr-FR" sz="800" baseline="30000" dirty="0">
+                <a:solidFill>
+                  <a:srgbClr val="000000"/>
+                </a:solidFill>
+              </a:rPr>
+              <a:t>⁽¹⁾</a:t>
+            </a:r>
+            <a:r>
+              <a:rPr lang="fr-FR" sz="800" dirty="0">
+                <a:solidFill>
+                  <a:srgbClr val="000000"/>
+                </a:solidFill>
+              </a:rPr>
+              <a:t>, l’action enregistre une baisse supérieure à 25% de son Cours Initial). La valeur du remboursement peut être inférieure au montant du capital initialement investi. Dans le pire des scenarios, les investisseurs peuvent perdre jusqu’à la totalité de leur capital initialement investi. En cas de revente des titres de créance avant la date de remboursement final</a:t>
+            </a:r>
+            <a:r>
+              <a:rPr lang="fr-FR" sz="800" baseline="30000" dirty="0">
+                <a:solidFill>
+                  <a:srgbClr val="000000"/>
+                </a:solidFill>
+              </a:rPr>
+              <a:t>⁽¹⁾</a:t>
+            </a:r>
+            <a:r>
+              <a:rPr lang="fr-FR" sz="800" dirty="0">
+                <a:solidFill>
+                  <a:srgbClr val="000000"/>
+                </a:solidFill>
+              </a:rPr>
+              <a:t>, il est impossible de mesurer a priori le gain ou la perte possible, le prix pratiqué dépendant alors des paramètres de marché du jour. La perte en capital peut être partielle ou totale. Si le cadre d’investissement du produit est un contrat d’assurance vie ou de capitalisation, le dénouement ou le rachat partiel de celui-ci peut entraîner le désinvestissement des unités de compte adossées aux titres de créance avant leur date de remboursement final</a:t>
+            </a:r>
+            <a:r>
+              <a:rPr lang="fr-FR" sz="800" baseline="30000" dirty="0">
+                <a:solidFill>
+                  <a:srgbClr val="000000"/>
+                </a:solidFill>
+              </a:rPr>
+              <a:t>⁽¹⁾</a:t>
+            </a:r>
+            <a:r>
+              <a:rPr lang="fr-FR" sz="800" dirty="0">
+                <a:solidFill>
+                  <a:srgbClr val="000000"/>
+                </a:solidFill>
+              </a:rPr>
+              <a:t>.</a:t>
+            </a:r>
+          </a:p>
+          <a:p>
+            <a:pPr marL="171450" indent="-171450" algn="just">
+              <a:lnSpc>
+                <a:spcPct val="95000"/>
+              </a:lnSpc>
+              <a:spcAft>
+                <a:spcPts val="200"/>
+              </a:spcAft>
+              <a:buFont typeface="Arial" panose="020B0604020202020204" pitchFamily="34" charset="0"/>
+              <a:buChar char="•"/>
+            </a:pPr>
+            <a:endParaRPr lang="fr-FR" sz="800" dirty="0">
+              <a:solidFill>
+                <a:srgbClr val="000000"/>
+              </a:solidFill>
+            </a:endParaRPr>
+          </a:p>
+          <a:p>
+            <a:pPr marL="171450" indent="-171450" algn="just">
+              <a:lnSpc>
+                <a:spcPct val="92000"/>
+              </a:lnSpc>
+              <a:spcBef>
+                <a:spcPts val="200"/>
+              </a:spcBef>
+              <a:spcAft>
+                <a:spcPts val="200"/>
+              </a:spcAft>
+              <a:buFont typeface="Arial" panose="020B0604020202020204" pitchFamily="34" charset="0"/>
+              <a:buChar char="•"/>
+            </a:pPr>
+            <a:r>
+              <a:rPr lang="fr-FR" sz="800" b="1" dirty="0">
+                <a:solidFill>
+                  <a:srgbClr val="000000"/>
+                </a:solidFill>
+              </a:rPr>
+              <a:t>L’investisseur est exposé à un éventuel défaut de paiement et de faillite </a:t>
+            </a:r>
+            <a:r>
+              <a:rPr lang="fr-FR" sz="800" dirty="0">
+                <a:solidFill>
+                  <a:srgbClr val="000000"/>
+                </a:solidFill>
+              </a:rPr>
+              <a:t>(qui induit un risque de non remboursement) ou à une </a:t>
+            </a:r>
+            <a:r>
+              <a:rPr lang="fr-FR" sz="800" b="1" dirty="0">
+                <a:solidFill>
+                  <a:srgbClr val="000000"/>
+                </a:solidFill>
+              </a:rPr>
+              <a:t>dégradation de la qualité de crédit</a:t>
+            </a:r>
+            <a:r>
+              <a:rPr lang="fr-FR" sz="800" dirty="0">
+                <a:solidFill>
+                  <a:srgbClr val="000000"/>
+                </a:solidFill>
+              </a:rPr>
+              <a:t> (qui induit un risque sur la valeur de marché du produit) de l’Émetteur ainsi qu’au </a:t>
+            </a:r>
+            <a:r>
+              <a:rPr lang="fr-FR" sz="800" b="1" dirty="0">
+                <a:solidFill>
+                  <a:srgbClr val="000000"/>
+                </a:solidFill>
+              </a:rPr>
+              <a:t>risque de défaut de paiement, de faillite et de mise en résolution </a:t>
+            </a:r>
+            <a:r>
+              <a:rPr lang="fr-FR" sz="800" dirty="0">
+                <a:solidFill>
+                  <a:srgbClr val="000000"/>
+                </a:solidFill>
+              </a:rPr>
+              <a:t>du Garant de la formule et du paiement des sommes dues au titre du produit.</a:t>
+            </a:r>
+          </a:p>
+          <a:p>
+            <a:pPr marL="171450" indent="-171450" algn="just">
+              <a:lnSpc>
+                <a:spcPct val="92000"/>
+              </a:lnSpc>
+              <a:spcBef>
+                <a:spcPts val="200"/>
+              </a:spcBef>
+              <a:spcAft>
+                <a:spcPts val="200"/>
+              </a:spcAft>
+              <a:buFont typeface="Arial" panose="020B0604020202020204" pitchFamily="34" charset="0"/>
+              <a:buChar char="•"/>
+            </a:pPr>
+            <a:endParaRPr lang="fr-FR" sz="800" dirty="0">
+              <a:solidFill>
+                <a:srgbClr val="000000"/>
+              </a:solidFill>
+            </a:endParaRPr>
+          </a:p>
+          <a:p>
+            <a:pPr marL="171450" indent="-171450" algn="just">
+              <a:lnSpc>
+                <a:spcPct val="92000"/>
+              </a:lnSpc>
+              <a:spcBef>
+                <a:spcPts val="200"/>
+              </a:spcBef>
+              <a:spcAft>
+                <a:spcPts val="200"/>
+              </a:spcAft>
+              <a:buFont typeface="Arial" panose="020B0604020202020204" pitchFamily="34" charset="0"/>
+              <a:buChar char="•"/>
+            </a:pPr>
+            <a:r>
+              <a:rPr lang="fr-FR" sz="800" dirty="0">
+                <a:solidFill>
+                  <a:srgbClr val="000000"/>
+                </a:solidFill>
+              </a:rPr>
+              <a:t>En cas de revente des titres de créance avant la date de remboursement final⁽¹⁾, il est impossible de mesurer a priori le gain ou la perte possible, le prix pratiqué dépendant alors des paramètres de marché du jour. La perte en capital peut être partielle ou totale. Si le cadre d’investissement du produit est un contrat d’assurance vie ou de capitalisation, le dénouement ou le rachat partiel de celui-ci peut entraîner le désinvestissement des unités de compte adossées aux titres de créance avant leur date de remboursement final.</a:t>
+            </a:r>
+          </a:p>
+          <a:p>
+            <a:pPr marL="171450" indent="-171450" algn="just">
+              <a:lnSpc>
+                <a:spcPct val="92000"/>
+              </a:lnSpc>
+              <a:spcBef>
+                <a:spcPts val="200"/>
+              </a:spcBef>
+              <a:spcAft>
+                <a:spcPts val="200"/>
+              </a:spcAft>
+              <a:buFont typeface="Arial" panose="020B0604020202020204" pitchFamily="34" charset="0"/>
+              <a:buChar char="•"/>
+            </a:pPr>
+            <a:endParaRPr lang="fr-FR" sz="800" dirty="0">
+              <a:solidFill>
+                <a:srgbClr val="000000"/>
+              </a:solidFill>
+            </a:endParaRPr>
+          </a:p>
+          <a:p>
+            <a:pPr marL="171450" indent="-171450" algn="just">
+              <a:lnSpc>
+                <a:spcPct val="92000"/>
+              </a:lnSpc>
+              <a:spcBef>
+                <a:spcPts val="200"/>
+              </a:spcBef>
+              <a:spcAft>
+                <a:spcPts val="200"/>
+              </a:spcAft>
+              <a:buFont typeface="Arial" panose="020B0604020202020204" pitchFamily="34" charset="0"/>
+              <a:buChar char="•"/>
+            </a:pPr>
+            <a:r>
+              <a:rPr lang="fr-FR" sz="800" dirty="0">
+                <a:solidFill>
+                  <a:srgbClr val="000000"/>
+                </a:solidFill>
+              </a:rPr>
+              <a:t>L’investisseur ne connaît pas à l’avance la durée exacte de son investissement qui peut varier de </a:t>
+            </a:r>
+            <a:r>
+              <a:rPr lang="fr-FR" sz="800" b="1" dirty="0">
+                <a:solidFill>
+                  <a:srgbClr val="000000"/>
+                </a:solidFill>
+              </a:rPr>
+              <a:t>4 à 40 trimestres.</a:t>
+            </a:r>
+          </a:p>
+          <a:p>
+            <a:pPr marL="171450" indent="-171450" algn="just">
+              <a:lnSpc>
+                <a:spcPct val="92000"/>
+              </a:lnSpc>
+              <a:spcBef>
+                <a:spcPts val="200"/>
+              </a:spcBef>
+              <a:spcAft>
+                <a:spcPts val="200"/>
+              </a:spcAft>
+              <a:buFont typeface="Arial" panose="020B0604020202020204" pitchFamily="34" charset="0"/>
+              <a:buChar char="•"/>
+            </a:pPr>
+            <a:endParaRPr lang="fr-FR" sz="800" b="1" dirty="0">
+              <a:solidFill>
+                <a:srgbClr val="000000"/>
+              </a:solidFill>
+            </a:endParaRPr>
+          </a:p>
+          <a:p>
+            <a:pPr marL="171450" indent="-171450" algn="just">
+              <a:lnSpc>
+                <a:spcPct val="92000"/>
+              </a:lnSpc>
+              <a:spcBef>
+                <a:spcPts val="200"/>
+              </a:spcBef>
+              <a:spcAft>
+                <a:spcPts val="200"/>
+              </a:spcAft>
+              <a:buFont typeface="Arial" panose="020B0604020202020204" pitchFamily="34" charset="0"/>
+              <a:buChar char="•"/>
+            </a:pPr>
+            <a:r>
+              <a:rPr lang="fr-FR" sz="800" dirty="0">
+                <a:solidFill>
+                  <a:srgbClr val="000000"/>
+                </a:solidFill>
+              </a:rPr>
+              <a:t>L’investisseur peut ne bénéficier que d’une hausse partielle de l'action, du fait du </a:t>
+            </a:r>
+            <a:r>
+              <a:rPr lang="fr-FR" sz="800" b="1" dirty="0">
+                <a:solidFill>
+                  <a:srgbClr val="000000"/>
+                </a:solidFill>
+              </a:rPr>
+              <a:t>mécanisme de plafonnement des gains à 1,00% par trimestre </a:t>
+            </a:r>
+            <a:r>
+              <a:rPr lang="fr-FR" sz="800" dirty="0">
+                <a:solidFill>
+                  <a:srgbClr val="000000"/>
+                </a:solidFill>
+              </a:rPr>
+              <a:t>(soit un Taux de Rendement Annuel net maximum de de de </a:t>
+            </a:r>
+            <a:r>
+              <a:rPr lang="fr-FR" sz="800" dirty="0">
+                <a:solidFill>
+                  <a:srgbClr val="000000"/>
+                </a:solidFill>
+                <a:highlight>
+                  <a:srgbClr val="00FFFF"/>
+                </a:highlight>
+              </a:rPr>
+              <a:t>3,01%</a:t>
+            </a:r>
+            <a:r>
+              <a:rPr lang="fr-FR" sz="800" baseline="30000" dirty="0">
+                <a:solidFill>
+                  <a:srgbClr val="000000"/>
+                </a:solidFill>
+              </a:rPr>
+              <a:t>( </a:t>
+            </a:r>
+            <a:r>
+              <a:rPr lang="fr-FR" sz="800" baseline="30000" dirty="0">
+                <a:solidFill>
+                  <a:srgbClr val="000000"/>
+                </a:solidFill>
+                <a:ea typeface="SimSun" pitchFamily="2" charset="-122"/>
+                <a:cs typeface="Times New Roman" pitchFamily="18" charset="0"/>
+              </a:rPr>
+              <a:t>2)</a:t>
+            </a:r>
+            <a:r>
+              <a:rPr lang="fr-FR" sz="800" dirty="0">
+                <a:solidFill>
+                  <a:srgbClr val="000000"/>
+                </a:solidFill>
+                <a:ea typeface="SimSun" pitchFamily="2" charset="-122"/>
+                <a:cs typeface="Times New Roman" pitchFamily="18" charset="0"/>
+              </a:rPr>
+              <a:t>)</a:t>
+            </a:r>
+            <a:r>
+              <a:rPr lang="fr-FR" sz="800" dirty="0">
+                <a:solidFill>
+                  <a:srgbClr val="000000"/>
+                </a:solidFill>
+              </a:rPr>
+              <a:t>.</a:t>
+            </a:r>
+          </a:p>
+          <a:p>
+            <a:pPr marL="171450" indent="-171450" algn="just">
+              <a:lnSpc>
+                <a:spcPct val="92000"/>
+              </a:lnSpc>
+              <a:spcBef>
+                <a:spcPts val="200"/>
+              </a:spcBef>
+              <a:spcAft>
+                <a:spcPts val="200"/>
+              </a:spcAft>
+              <a:buFont typeface="Arial" panose="020B0604020202020204" pitchFamily="34" charset="0"/>
+              <a:buChar char="•"/>
+            </a:pPr>
+            <a:endParaRPr lang="fr-FR" sz="800" dirty="0">
+              <a:solidFill>
+                <a:srgbClr val="000000"/>
+              </a:solidFill>
+            </a:endParaRPr>
+          </a:p>
+          <a:p>
+            <a:pPr marL="171450" indent="-171450" algn="just">
+              <a:lnSpc>
+                <a:spcPct val="92000"/>
+              </a:lnSpc>
+              <a:spcBef>
+                <a:spcPts val="200"/>
+              </a:spcBef>
+              <a:spcAft>
+                <a:spcPts val="200"/>
+              </a:spcAft>
+              <a:buFont typeface="Arial" panose="020B0604020202020204" pitchFamily="34" charset="0"/>
+              <a:buChar char="•"/>
+            </a:pPr>
+            <a:r>
+              <a:rPr lang="fr-FR" sz="800" dirty="0">
+                <a:solidFill>
+                  <a:srgbClr val="000000"/>
+                </a:solidFill>
+              </a:rPr>
+              <a:t>Le rendement de « kopkpopok » est très sensible à une faible variation du cours de clôture de l'action autour du seuil de </a:t>
+            </a:r>
+            <a:r>
+              <a:rPr lang="fr-FR" sz="800" dirty="0">
+                <a:solidFill>
+                  <a:srgbClr val="000000"/>
+                </a:solidFill>
+                <a:effectLst/>
+                <a:ea typeface="Calibri" panose="020F0502020204030204" pitchFamily="34" charset="0"/>
+              </a:rPr>
+              <a:t>95% de son Cours Initial   </a:t>
+            </a:r>
+            <a:r>
+              <a:rPr lang="fr-FR" sz="800" dirty="0">
+                <a:effectLst/>
+                <a:ea typeface="Calibri" panose="020F0502020204030204" pitchFamily="34" charset="0"/>
+              </a:rPr>
+              <a:t>en cours de vie, et des seuils de 95% et 75% de son Cours Initial à la date de constatation finale</a:t>
+            </a:r>
+            <a:r>
+              <a:rPr lang="fr-FR" sz="800" baseline="30000" dirty="0">
+                <a:effectLst/>
+                <a:ea typeface="Calibri" panose="020F0502020204030204" pitchFamily="34" charset="0"/>
+              </a:rPr>
+              <a:t>(1</a:t>
+            </a:r>
+            <a:r>
+              <a:rPr lang="fr-FR" sz="800" b="1" baseline="30000" dirty="0">
+                <a:effectLst/>
+                <a:ea typeface="Calibri" panose="020F0502020204030204" pitchFamily="34" charset="0"/>
+              </a:rPr>
+              <a:t>)</a:t>
+            </a:r>
+            <a:r>
+              <a:rPr lang="fr-FR" sz="800" b="1" dirty="0">
+                <a:effectLst/>
+                <a:ea typeface="Calibri" panose="020F0502020204030204" pitchFamily="34" charset="0"/>
+              </a:rPr>
+              <a:t>.</a:t>
+            </a:r>
+          </a:p>
+          <a:p>
+            <a:pPr marL="171450" indent="-171450" algn="just">
+              <a:lnSpc>
+                <a:spcPct val="92000"/>
+              </a:lnSpc>
+              <a:spcBef>
+                <a:spcPts val="200"/>
+              </a:spcBef>
+              <a:spcAft>
+                <a:spcPts val="200"/>
+              </a:spcAft>
+              <a:buFont typeface="Arial" panose="020B0604020202020204" pitchFamily="34" charset="0"/>
+              <a:buChar char="•"/>
+            </a:pPr>
+            <a:endParaRPr lang="fr-FR" sz="800" b="1" dirty="0">
+              <a:effectLst/>
+              <a:ea typeface="Calibri" panose="020F0502020204030204" pitchFamily="34" charset="0"/>
+            </a:endParaRPr>
+          </a:p>
+          <a:p>
+            <a:pPr marL="171450" indent="-171450" algn="just">
+              <a:lnSpc>
+                <a:spcPct val="92000"/>
+              </a:lnSpc>
+              <a:spcBef>
+                <a:spcPts val="200"/>
+              </a:spcBef>
+              <a:spcAft>
+                <a:spcPts val="200"/>
+              </a:spcAft>
+              <a:buFont typeface="Arial" panose="020B0604020202020204" pitchFamily="34" charset="0"/>
+              <a:buChar char="•"/>
+            </a:pPr>
+            <a:r>
+              <a:rPr lang="fr-FR" sz="800" dirty="0">
+                <a:solidFill>
+                  <a:srgbClr val="000000"/>
+                </a:solidFill>
+              </a:rPr>
+              <a:t>&lt;</a:t>
+            </a:r>
+            <a:r>
+              <a:rPr lang="fr-FR" sz="800" dirty="0" err="1">
+                <a:solidFill>
+                  <a:srgbClr val="000000"/>
+                </a:solidFill>
+              </a:rPr>
+              <a:t>inconv</a:t>
+            </a:r>
+            <a:r>
+              <a:rPr lang="fr-FR" sz="800" dirty="0">
+                <a:solidFill>
+                  <a:srgbClr val="000000"/>
+                </a:solidFill>
+              </a:rPr>
+              <a:t>&gt;.</a:t>
+            </a:r>
+            <a:endParaRPr lang="fr-FR" sz="800" dirty="0">
+              <a:solidFill>
+                <a:srgbClr val="000000"/>
+              </a:solidFill>
+              <a:highlight>
+                <a:srgbClr val="FFFF00"/>
+              </a:highlight>
+            </a:endParaRPr>
+          </a:p>
         </p:txBody>
       </p:sp>
       <p:sp>
         <p:nvSpPr>
-          <p:cNvPr id="18" name="ZoneTexte 17">
+          <p:cNvPr id="7" name="Rectangle">
             <a:extLst>
               <a:ext uri="{FF2B5EF4-FFF2-40B4-BE49-F238E27FC236}">
-                <a16:creationId xmlns:a16="http://schemas.microsoft.com/office/drawing/2014/main" id="{75CD20E2-FE5E-AE40-ECBF-DA2B94C44579}"/>
-              </a:ext>
-            </a:extLst>
-          </p:cNvPr>
-          <p:cNvSpPr txBox="1"/>
-          <p:nvPr/>
-        </p:nvSpPr>
-        <p:spPr>
-          <a:xfrm>
-            <a:off x="620268" y="4951468"/>
-            <a:ext cx="4056888" cy="369332"/>
-          </a:xfrm>
-          <a:prstGeom prst="rect">
-            <a:avLst/>
-          </a:prstGeom>
-          <a:noFill/>
-        </p:spPr>
-        <p:txBody>
-          <a:bodyPr wrap="square">
-            <a:spAutoFit/>
-          </a:bodyPr>
-          <a:lstStyle/>
-          <a:p/>
-        </p:txBody>
-      </p:sp>
-      <p:sp>
-        <p:nvSpPr>
-          <p:cNvPr id="20" name="ZoneTexte 19">
-            <a:extLst>
-              <a:ext uri="{FF2B5EF4-FFF2-40B4-BE49-F238E27FC236}">
-                <a16:creationId xmlns:a16="http://schemas.microsoft.com/office/drawing/2014/main" id="{0611D14E-8A45-136B-739B-5A6ADE60B4F4}"/>
-              </a:ext>
-            </a:extLst>
-          </p:cNvPr>
-          <p:cNvSpPr txBox="1"/>
-          <p:nvPr/>
-        </p:nvSpPr>
-        <p:spPr>
-          <a:xfrm>
-            <a:off x="598932" y="7923652"/>
-            <a:ext cx="4056888" cy="369332"/>
-          </a:xfrm>
-          <a:prstGeom prst="rect">
-            <a:avLst/>
-          </a:prstGeom>
-          <a:noFill/>
-        </p:spPr>
-        <p:txBody>
-          <a:bodyPr wrap="square">
-            <a:spAutoFit/>
-          </a:bodyPr>
-          <a:lstStyle/>
-          <a:p/>
-        </p:txBody>
-      </p:sp>
-      <p:sp>
-        <p:nvSpPr>
-          <p:cNvPr id="17" name="Rectangle">
-            <a:extLst>
-              <a:ext uri="{FF2B5EF4-FFF2-40B4-BE49-F238E27FC236}">
-                <a16:creationId xmlns:a16="http://schemas.microsoft.com/office/drawing/2014/main" id="{BEDC322A-047C-AD25-3052-3FBCB8664A82}"/>
+                <a16:creationId xmlns:a16="http://schemas.microsoft.com/office/drawing/2014/main" id="{F0795451-C16B-D644-7B08-7FB47F4A915C}"/>
               </a:ext>
             </a:extLst>
           </p:cNvPr>
@@ -18300,7 +20394,7 @@
         </p:nvSpPr>
         <p:spPr>
           <a:xfrm>
-            <a:off x="357721" y="9671422"/>
+            <a:off x="359837" y="9661423"/>
             <a:ext cx="6840000" cy="6846"/>
           </a:xfrm>
           <a:prstGeom prst="rect">
@@ -18335,82 +20429,10 @@
           </a:p>
         </p:txBody>
       </p:sp>
-      <p:pic>
-        <p:nvPicPr>
-          <p:cNvPr id="68" name="Picture 67" descr="graph_scenario_def.png"/>
-          <p:cNvPicPr>
-            <a:picLocks noChangeAspect="1"/>
-          </p:cNvPicPr>
-          <p:nvPr/>
-        </p:nvPicPr>
-        <p:blipFill>
-          <a:blip r:embed="rId2"/>
-          <a:stretch>
-            <a:fillRect/>
-          </a:stretch>
-        </p:blipFill>
-        <p:spPr>
-          <a:xfrm>
-            <a:off x="411480" y="1645920"/>
-            <a:ext cx="3383280" cy="2416629"/>
-          </a:xfrm>
-          <a:prstGeom prst="rect">
-            <a:avLst/>
-          </a:prstGeom>
-        </p:spPr>
-      </p:pic>
-      <p:pic>
-        <p:nvPicPr>
-          <p:cNvPr id="69" name="Picture 68" descr="graph_scenario_median.png"/>
-          <p:cNvPicPr>
-            <a:picLocks noChangeAspect="1"/>
-          </p:cNvPicPr>
-          <p:nvPr/>
-        </p:nvPicPr>
-        <p:blipFill>
-          <a:blip r:embed="rId3"/>
-          <a:stretch>
-            <a:fillRect/>
-          </a:stretch>
-        </p:blipFill>
-        <p:spPr>
-          <a:xfrm>
-            <a:off x="411480" y="4370832"/>
-            <a:ext cx="3291840" cy="2351314"/>
-          </a:xfrm>
-          <a:prstGeom prst="rect">
-            <a:avLst/>
-          </a:prstGeom>
-        </p:spPr>
-      </p:pic>
-      <p:pic>
-        <p:nvPicPr>
-          <p:cNvPr id="70" name="Picture 69" descr="graph_scenario_fav.png"/>
-          <p:cNvPicPr>
-            <a:picLocks noChangeAspect="1"/>
-          </p:cNvPicPr>
-          <p:nvPr/>
-        </p:nvPicPr>
-        <p:blipFill>
-          <a:blip r:embed="rId4"/>
-          <a:stretch>
-            <a:fillRect/>
-          </a:stretch>
-        </p:blipFill>
-        <p:spPr>
-          <a:xfrm>
-            <a:off x="411480" y="7022592"/>
-            <a:ext cx="3154680" cy="2253343"/>
-          </a:xfrm>
-          <a:prstGeom prst="rect">
-            <a:avLst/>
-          </a:prstGeom>
-        </p:spPr>
-      </p:pic>
     </p:spTree>
     <p:extLst>
       <p:ext uri="{BB962C8B-B14F-4D97-AF65-F5344CB8AC3E}">
-        <p14:creationId xmlns:p14="http://schemas.microsoft.com/office/powerpoint/2010/main" val="131778213"/>
+        <p14:creationId xmlns:p14="http://schemas.microsoft.com/office/powerpoint/2010/main" val="2416999927"/>
       </p:ext>
     </p:extLst>
   </p:cSld>

--- a/result/kopkpopok- FR0014009DK8result.pptx
+++ b/result/kopkpopok- FR0014009DK8result.pptx
@@ -145,7 +145,7 @@
 <file path=ppt/revisionInfo.xml><?xml version="1.0" encoding="utf-8"?>
 <p1510:revInfo xmlns:a="http://schemas.openxmlformats.org/drawingml/2006/main" xmlns:r="http://schemas.openxmlformats.org/officeDocument/2006/relationships" xmlns:p1510="http://schemas.microsoft.com/office/powerpoint/2015/10/main">
   <p1510:revLst>
-    <p1510:client id="{C526B36C-E2AE-49D6-BE37-37985FC1B968}" v="18" dt="2022-05-04T13:49:43.393"/>
+    <p1510:client id="{1AF5CBAA-8B19-4E30-AE3F-FD654036B3A2}" v="14" dt="2022-06-13T14:39:49.257"/>
   </p1510:revLst>
 </p1510:revInfo>
 </file>
@@ -232,7 +232,7 @@
           <a:p>
             <a:fld id="{515CCE07-1711-4DC7-A7D8-7ED312C82FB8}" type="datetimeFigureOut">
               <a:rPr lang="fr-FR" smtClean="0"/>
-              <a:t>20/06/2022</a:t>
+              <a:t>21/06/2022</a:t>
             </a:fld>
             <a:endParaRPr lang="fr-FR"/>
           </a:p>
@@ -339,164 +339,6 @@
       </p:grpSpPr>
       <p:sp>
         <p:nvSpPr>
-          <p:cNvPr id="2" name="Espace réservé de l'en-tête 1"/>
-          <p:cNvSpPr>
-            <a:spLocks noGrp="1"/>
-          </p:cNvSpPr>
-          <p:nvPr>
-            <p:ph type="hdr" sz="quarter"/>
-          </p:nvPr>
-        </p:nvSpPr>
-        <p:spPr>
-          <a:xfrm>
-            <a:off x="0" y="0"/>
-            <a:ext cx="2945659" cy="498136"/>
-          </a:xfrm>
-          <a:prstGeom prst="rect">
-            <a:avLst/>
-          </a:prstGeom>
-        </p:spPr>
-        <p:txBody>
-          <a:bodyPr vert="horz" lIns="90999" tIns="45499" rIns="90999" bIns="45499" rtlCol="0"/>
-          <a:lstStyle>
-            <a:lvl1pPr algn="l">
-              <a:defRPr sz="1200"/>
-            </a:lvl1pPr>
-          </a:lstStyle>
-          <a:p>
-            <a:endParaRPr lang="fr-FR"/>
-          </a:p>
-        </p:txBody>
-      </p:sp>
-      <p:sp>
-        <p:nvSpPr>
-          <p:cNvPr id="3" name="Espace réservé de la date 2"/>
-          <p:cNvSpPr>
-            <a:spLocks noGrp="1"/>
-          </p:cNvSpPr>
-          <p:nvPr>
-            <p:ph type="dt" idx="1"/>
-          </p:nvPr>
-        </p:nvSpPr>
-        <p:spPr>
-          <a:xfrm>
-            <a:off x="3850444" y="0"/>
-            <a:ext cx="2945659" cy="498136"/>
-          </a:xfrm>
-          <a:prstGeom prst="rect">
-            <a:avLst/>
-          </a:prstGeom>
-        </p:spPr>
-        <p:txBody>
-          <a:bodyPr vert="horz" lIns="90999" tIns="45499" rIns="90999" bIns="45499" rtlCol="0"/>
-          <a:lstStyle>
-            <a:lvl1pPr algn="r">
-              <a:defRPr sz="1200"/>
-            </a:lvl1pPr>
-          </a:lstStyle>
-          <a:p>
-            <a:fld id="{014ABEAC-8B63-4BD1-9569-A14EB8752A94}" type="datetimeFigureOut">
-              <a:rPr lang="fr-FR" smtClean="0"/>
-              <a:t>20/06/2022</a:t>
-            </a:fld>
-            <a:endParaRPr lang="fr-FR"/>
-          </a:p>
-        </p:txBody>
-      </p:sp>
-      <p:sp>
-        <p:nvSpPr>
-          <p:cNvPr id="4" name="Espace réservé de l'image des diapositives 3"/>
-          <p:cNvSpPr>
-            <a:spLocks noGrp="1" noRot="1" noChangeAspect="1"/>
-          </p:cNvSpPr>
-          <p:nvPr>
-            <p:ph type="sldImg" idx="2"/>
-          </p:nvPr>
-        </p:nvSpPr>
-        <p:spPr>
-          <a:xfrm>
-            <a:off x="2214563" y="1241425"/>
-            <a:ext cx="2368550" cy="3351213"/>
-          </a:xfrm>
-          <a:prstGeom prst="rect">
-            <a:avLst/>
-          </a:prstGeom>
-          <a:noFill/>
-          <a:ln w="12700">
-            <a:solidFill>
-              <a:prstClr val="black"/>
-            </a:solidFill>
-          </a:ln>
-        </p:spPr>
-        <p:txBody>
-          <a:bodyPr vert="horz" lIns="90999" tIns="45499" rIns="90999" bIns="45499" rtlCol="0" anchor="ctr"/>
-          <a:lstStyle/>
-          <a:p>
-            <a:endParaRPr lang="fr-FR"/>
-          </a:p>
-        </p:txBody>
-      </p:sp>
-      <p:sp>
-        <p:nvSpPr>
-          <p:cNvPr id="5" name="Espace réservé des notes 4"/>
-          <p:cNvSpPr>
-            <a:spLocks noGrp="1"/>
-          </p:cNvSpPr>
-          <p:nvPr>
-            <p:ph type="body" sz="quarter" idx="3"/>
-          </p:nvPr>
-        </p:nvSpPr>
-        <p:spPr>
-          <a:xfrm>
-            <a:off x="679768" y="4777959"/>
-            <a:ext cx="5438140" cy="3909239"/>
-          </a:xfrm>
-          <a:prstGeom prst="rect">
-            <a:avLst/>
-          </a:prstGeom>
-        </p:spPr>
-        <p:txBody>
-          <a:bodyPr vert="horz" lIns="90999" tIns="45499" rIns="90999" bIns="45499" rtlCol="0"/>
-          <a:lstStyle/>
-          <a:p>
-            <a:pPr lvl="0"/>
-            <a:r>
-              <a:rPr lang="fr-FR"/>
-              <a:t>Modifier les styles du texte du masque</a:t>
-            </a:r>
-          </a:p>
-          <a:p>
-            <a:pPr lvl="1"/>
-            <a:r>
-              <a:rPr lang="fr-FR"/>
-              <a:t>Deuxième niveau</a:t>
-            </a:r>
-          </a:p>
-          <a:p>
-            <a:pPr lvl="2"/>
-            <a:r>
-              <a:rPr lang="fr-FR"/>
-              <a:t>Troisième niveau</a:t>
-            </a:r>
-          </a:p>
-          <a:p>
-            <a:pPr lvl="3"/>
-            <a:r>
-              <a:rPr lang="fr-FR"/>
-              <a:t>Quatrième niveau</a:t>
-            </a:r>
-          </a:p>
-          <a:p>
-            <a:pPr lvl="4"/>
-            <a:r>
-              <a:rPr lang="fr-FR"/>
-              <a:t>Cinquième niveau</a:t>
-            </a:r>
-          </a:p>
-        </p:txBody>
-      </p:sp>
-      <p:sp>
-        <p:nvSpPr>
           <p:cNvPr id="6" name="Espace réservé du pied de page 5"/>
           <p:cNvSpPr>
             <a:spLocks noGrp="1"/>
@@ -507,8 +349,8 @@
         </p:nvSpPr>
         <p:spPr>
           <a:xfrm>
-            <a:off x="0" y="9430093"/>
-            <a:ext cx="2945659" cy="498135"/>
+            <a:off x="0" y="8079289"/>
+            <a:ext cx="2945659" cy="1848940"/>
           </a:xfrm>
           <a:prstGeom prst="rect">
             <a:avLst/>
@@ -522,7 +364,7 @@
             </a:lvl1pPr>
           </a:lstStyle>
           <a:p>
-            <a:endParaRPr lang="fr-FR"/>
+            <a:endParaRPr lang="fr-FR" dirty="0"/>
           </a:p>
         </p:txBody>
       </p:sp>
@@ -728,7 +570,7 @@
         </p:nvSpPr>
         <p:spPr>
           <a:xfrm>
-            <a:off x="359837" y="589166"/>
+            <a:off x="359837" y="684422"/>
             <a:ext cx="6840000" cy="6846"/>
           </a:xfrm>
           <a:prstGeom prst="rect">
@@ -784,7 +626,7 @@
         </p:blipFill>
         <p:spPr>
           <a:xfrm>
-            <a:off x="469449" y="22704"/>
+            <a:off x="469449" y="-82081"/>
             <a:ext cx="1765100" cy="567402"/>
           </a:xfrm>
           <a:prstGeom prst="rect">
@@ -881,55 +723,6 @@
               <a:t>‹N°›</a:t>
             </a:fld>
             <a:endParaRPr lang="fr-FR" dirty="0"/>
-          </a:p>
-        </p:txBody>
-      </p:sp>
-      <p:sp>
-        <p:nvSpPr>
-          <p:cNvPr id="22" name="Rectangle">
-            <a:extLst>
-              <a:ext uri="{FF2B5EF4-FFF2-40B4-BE49-F238E27FC236}">
-                <a16:creationId xmlns:a16="http://schemas.microsoft.com/office/drawing/2014/main" id="{0C591005-A978-4017-82AC-F4C5CD330576}"/>
-              </a:ext>
-            </a:extLst>
-          </p:cNvPr>
-          <p:cNvSpPr/>
-          <p:nvPr userDrawn="1"/>
-        </p:nvSpPr>
-        <p:spPr>
-          <a:xfrm>
-            <a:off x="359837" y="9707143"/>
-            <a:ext cx="6840000" cy="6846"/>
-          </a:xfrm>
-          <a:prstGeom prst="rect">
-            <a:avLst/>
-          </a:prstGeom>
-          <a:solidFill>
-            <a:srgbClr val="C5AF5C"/>
-          </a:solidFill>
-          <a:ln w="3175">
-            <a:miter lim="400000"/>
-          </a:ln>
-        </p:spPr>
-        <p:txBody>
-          <a:bodyPr lIns="20981" tIns="20981" rIns="20981" bIns="20981" anchor="ctr"/>
-          <a:lstStyle/>
-          <a:p>
-            <a:pPr algn="ctr" defTabSz="825500">
-              <a:lnSpc>
-                <a:spcPct val="100000"/>
-              </a:lnSpc>
-              <a:defRPr sz="3200" b="0">
-                <a:solidFill>
-                  <a:srgbClr val="FFFFFF"/>
-                </a:solidFill>
-                <a:latin typeface="Helvetica Neue Medium"/>
-                <a:ea typeface="Helvetica Neue Medium"/>
-                <a:cs typeface="Helvetica Neue Medium"/>
-                <a:sym typeface="Helvetica Neue Medium"/>
-              </a:defRPr>
-            </a:pPr>
-            <a:endParaRPr/>
           </a:p>
         </p:txBody>
       </p:sp>
@@ -1072,7 +865,7 @@
         </p:nvSpPr>
         <p:spPr>
           <a:xfrm>
-            <a:off x="359837" y="589166"/>
+            <a:off x="359837" y="693949"/>
             <a:ext cx="6840000" cy="6846"/>
           </a:xfrm>
           <a:prstGeom prst="rect">
@@ -1128,7 +921,7 @@
         </p:blipFill>
         <p:spPr>
           <a:xfrm>
-            <a:off x="469449" y="22704"/>
+            <a:off x="464686" y="-53501"/>
             <a:ext cx="1765100" cy="567402"/>
           </a:xfrm>
           <a:prstGeom prst="rect">
@@ -1709,7 +1502,7 @@
         <p:spPr>
           <a:xfrm>
             <a:off x="531649" y="6069790"/>
-            <a:ext cx="3024000" cy="3229089"/>
+            <a:ext cx="3024000" cy="2316019"/>
           </a:xfrm>
           <a:prstGeom prst="rect">
             <a:avLst/>
@@ -1889,15 +1682,8 @@
           </a:lstStyle>
           <a:p>
             <a:pPr marL="171450" indent="-171450" algn="just">
-              <a:spcBef>
-                <a:spcPts val="400"/>
-              </a:spcBef>
-              <a:buClr>
-                <a:srgbClr val="000000"/>
-              </a:buClr>
-              <a:buSzPct val="120000"/>
-              <a:buFont typeface="Wingdings" panose="05000000000000000000" pitchFamily="2" charset="2"/>
-              <a:buChar char="§"/>
+              <a:buFont typeface="Arial" panose="020B0604020202020204" pitchFamily="34" charset="0"/>
+              <a:buChar char="•"/>
             </a:pPr>
             <a:r>
               <a:rPr lang="fr-FR" sz="800" b="1" dirty="0">
@@ -1910,43 +1696,35 @@
             </a:r>
             <a:r>
               <a:rPr lang="fr-FR" sz="800" b="1" cap="none" dirty="0"/>
-              <a:t>de droit français présentant un risque de perte en capital partielle ou totale en cours de vie et à l’échéance</a:t>
-            </a:r>
-            <a:r>
-              <a:rPr lang="fr-FR" sz="800" b="1" cap="none" baseline="30000" dirty="0"/>
+              <a:t>de droit français </a:t>
+            </a:r>
+            <a:r>
+              <a:rPr lang="fr-FR" sz="800" b="1" cap="none" dirty="0">
+                <a:solidFill>
+                  <a:srgbClr val="000000"/>
+                </a:solidFill>
+                <a:latin typeface="Proxima Nova Rg" panose="02000506030000020004" pitchFamily="2" charset="0"/>
+              </a:rPr>
+              <a:t>pouvant être difficile à comprendre et présentant un risque de perte en capital partielle ou totale en cours de vie et à l’ échéance</a:t>
+            </a:r>
+            <a:r>
+              <a:rPr lang="fr-FR" sz="800" b="1" cap="none" baseline="30000" dirty="0">
+                <a:solidFill>
+                  <a:srgbClr val="000000"/>
+                </a:solidFill>
+                <a:latin typeface="Proxima Nova Rg" panose="02000506030000020004" pitchFamily="2" charset="0"/>
+              </a:rPr>
               <a:t>⁽¹⁾</a:t>
             </a:r>
             <a:r>
-              <a:rPr lang="fr-FR" sz="800" b="1" cap="none" dirty="0"/>
-              <a:t>, ci-après le « titre de créance ».</a:t>
-            </a:r>
-          </a:p>
-          <a:p>
-            <a:pPr marL="171450" indent="-171450" algn="just">
-              <a:spcBef>
-                <a:spcPts val="400"/>
-              </a:spcBef>
-              <a:buClr>
-                <a:srgbClr val="000000"/>
-              </a:buClr>
-              <a:buSzPct val="120000"/>
-              <a:buFont typeface="Wingdings" panose="05000000000000000000" pitchFamily="2" charset="2"/>
-              <a:buChar char="§"/>
-            </a:pPr>
-            <a:r>
-              <a:rPr lang="fr-FR" sz="800" b="1" dirty="0">
-                <a:solidFill>
-                  <a:srgbClr val="B9A049"/>
-                </a:solidFill>
-                <a:latin typeface="Futura PT" panose="020B0902020204020203" pitchFamily="34" charset="0"/>
-              </a:rPr>
-              <a:t>Titre de créance risqué </a:t>
-            </a:r>
-            <a:r>
-              <a:rPr lang="fr-FR" sz="800" b="1" cap="none" dirty="0"/>
-              <a:t>alternatif à un investissement dynamique risqué de type indice.</a:t>
-            </a:r>
-            <a:endParaRPr lang="fr-FR" sz="800" b="1" cap="none" baseline="30000" dirty="0"/>
+              <a:rPr lang="fr-FR" sz="800" b="1" cap="none" dirty="0">
+                <a:solidFill>
+                  <a:srgbClr val="000000"/>
+                </a:solidFill>
+                <a:latin typeface="Proxima Nova Rg" panose="02000506030000020004" pitchFamily="2" charset="0"/>
+              </a:rPr>
+              <a:t>.</a:t>
+            </a:r>
           </a:p>
           <a:p>
             <a:pPr marL="171450" indent="-171450" algn="just">
@@ -1997,12 +1775,8 @@
               <a:t>Durée d’investissement conseillée : </a:t>
             </a:r>
             <a:r>
-              <a:rPr lang="fr-FR" sz="800" b="1" dirty="0">
-                <a:solidFill>
-                  <a:srgbClr val="000000"/>
-                </a:solidFill>
-              </a:rPr>
-              <a:t>10 ans </a:t>
+              <a:rPr lang="fr-FR" sz="800" b="1" cap="none" dirty="0"/>
+              <a:t>10 ans (</a:t>
             </a:r>
             <a:r>
               <a:rPr lang="fr-FR" sz="800" cap="none" dirty="0">
@@ -2010,7 +1784,7 @@
                   <a:schemeClr val="tx2"/>
                 </a:solidFill>
               </a:rPr>
-              <a:t>(hors remboursement anticipé automatique). </a:t>
+              <a:t>hors remboursement anticipé automatique). </a:t>
             </a:r>
           </a:p>
           <a:p>
@@ -2064,25 +1838,13 @@
                 </a:solidFill>
                 <a:latin typeface="Futura PT" panose="020B0902020204020203" pitchFamily="34" charset="0"/>
               </a:rPr>
-              <a:t>Cadre d’investissement : </a:t>
-            </a:r>
-            <a:r>
-              <a:rPr lang="fr-FR" sz="800" cap="none" dirty="0">
-                <a:solidFill>
-                  <a:schemeClr val="tx2"/>
-                </a:solidFill>
-              </a:rPr>
-              <a:t>unités de compte d’un contrat d’assurance vie ou de capitalisation. Dans le cadre d’un contrat d’assurance vie ou de capitalisation, l’assureur s’engage exclusivement sur le nombre d’unités de compte mais non sur leur valeur, qu’il ne garantit pas. Il est précisé que l’Assureur d’une part et l’Émetteur d’autre part, sont des entités juridiques distinctes. </a:t>
-            </a:r>
-            <a:r>
-              <a:rPr lang="fr-FR" sz="800" b="1" cap="none" dirty="0">
-                <a:solidFill>
-                  <a:schemeClr val="tx2"/>
-                </a:solidFill>
-              </a:rPr>
-              <a:t>Ce document n’a pas été rédigé par l’Assureur.</a:t>
-            </a:r>
-            <a:endParaRPr lang="fr-FR" sz="800" b="1" cap="none" dirty="0"/>
+              <a:t>Produit de placement risqué </a:t>
+            </a:r>
+            <a:r>
+              <a:rPr lang="fr-FR" sz="800" b="1" cap="none" dirty="0"/>
+              <a:t>alternatif à un investissement dynamique risqué de type indice.</a:t>
+            </a:r>
+            <a:endParaRPr lang="fr-FR" sz="800" cap="none" dirty="0"/>
           </a:p>
         </p:txBody>
       </p:sp>
@@ -2101,7 +1863,7 @@
         <p:spPr>
           <a:xfrm>
             <a:off x="4175836" y="6069790"/>
-            <a:ext cx="3024000" cy="2585323"/>
+            <a:ext cx="3024000" cy="1815882"/>
           </a:xfrm>
           <a:prstGeom prst="rect">
             <a:avLst/>
@@ -2133,14 +1895,41 @@
                 </a:solidFill>
                 <a:latin typeface="Futura PT" panose="020B0902020204020203" pitchFamily="34" charset="0"/>
               </a:rPr>
-              <a:t>ISIN : </a:t>
+              <a:t>Cadre d’investissement : </a:t>
             </a:r>
             <a:r>
               <a:rPr lang="fr-FR" sz="800" cap="none" dirty="0">
+                <a:solidFill>
+                  <a:schemeClr val="tx2"/>
+                </a:solidFill>
                 <a:latin typeface="Proxima Nova Rg" panose="02000506030000020004" pitchFamily="2" charset="0"/>
               </a:rPr>
-              <a:t>FR0014009DK8</a:t>
-            </a:r>
+              <a:t>Comptes-titres, contrats d’assurance vie et de capitalisation</a:t>
+            </a:r>
+            <a:r>
+              <a:rPr lang="fr-FR" sz="800" cap="none" baseline="30000" dirty="0">
+                <a:solidFill>
+                  <a:schemeClr val="tx2"/>
+                </a:solidFill>
+                <a:latin typeface="Proxima Nova Rg" panose="02000506030000020004" pitchFamily="2" charset="0"/>
+              </a:rPr>
+              <a:t>⁽²⁾</a:t>
+            </a:r>
+            <a:r>
+              <a:rPr lang="fr-FR" sz="800" cap="none" dirty="0">
+                <a:solidFill>
+                  <a:schemeClr val="tx2"/>
+                </a:solidFill>
+                <a:latin typeface="Proxima Nova Rg" panose="02000506030000020004" pitchFamily="2" charset="0"/>
+              </a:rPr>
+              <a:t>.</a:t>
+            </a:r>
+            <a:endParaRPr lang="fr-FR" sz="800" b="1" cap="all" dirty="0">
+              <a:solidFill>
+                <a:srgbClr val="B9A049"/>
+              </a:solidFill>
+              <a:latin typeface="Futura PT" panose="020B0902020204020203" pitchFamily="34" charset="0"/>
+            </a:endParaRPr>
           </a:p>
           <a:p>
             <a:pPr marL="171450" indent="-171450" algn="just">
@@ -2160,13 +1949,13 @@
                 </a:solidFill>
                 <a:latin typeface="Futura PT" panose="020B0902020204020203" pitchFamily="34" charset="0"/>
               </a:rPr>
-              <a:t>COTATION : </a:t>
+              <a:t>ISIN : </a:t>
             </a:r>
             <a:r>
               <a:rPr lang="fr-FR" sz="800" cap="none" dirty="0">
                 <a:latin typeface="Proxima Nova Rg" panose="02000506030000020004" pitchFamily="2" charset="0"/>
               </a:rPr>
-              <a:t>Marché officiel de la Bourse de Luxembourg (marché réglementé)</a:t>
+              <a:t>FR0014009DK8</a:t>
             </a:r>
           </a:p>
           <a:p>
@@ -2187,83 +1976,16 @@
                 </a:solidFill>
                 <a:latin typeface="Futura PT" panose="020B0902020204020203" pitchFamily="34" charset="0"/>
               </a:rPr>
-              <a:t>Produit émis par BNP Paribas </a:t>
-            </a:r>
-            <a:r>
-              <a:rPr lang="fr-FR" sz="800" b="1" cap="all" dirty="0" err="1">
-                <a:solidFill>
-                  <a:srgbClr val="B9A049"/>
-                </a:solidFill>
-                <a:latin typeface="Futura PT" panose="020B0902020204020203" pitchFamily="34" charset="0"/>
-              </a:rPr>
-              <a:t>Issuance</a:t>
-            </a:r>
-            <a:r>
-              <a:rPr lang="fr-FR" sz="800" b="1" cap="all" dirty="0">
-                <a:solidFill>
-                  <a:srgbClr val="B9A049"/>
-                </a:solidFill>
-                <a:latin typeface="Futura PT" panose="020B0902020204020203" pitchFamily="34" charset="0"/>
-              </a:rPr>
-              <a:t> B.V.</a:t>
-            </a:r>
-            <a:r>
-              <a:rPr lang="fr-FR" sz="800" b="1" cap="all" baseline="30000" dirty="0">
-                <a:solidFill>
-                  <a:srgbClr val="B9A049"/>
-                </a:solidFill>
-                <a:latin typeface="Futura PT" panose="020B0902020204020203" pitchFamily="34" charset="0"/>
-              </a:rPr>
-              <a:t>⁽²⁾</a:t>
-            </a:r>
-            <a:r>
-              <a:rPr lang="fr-FR" sz="800" b="1" cap="all" dirty="0">
-                <a:solidFill>
-                  <a:srgbClr val="B9A049"/>
-                </a:solidFill>
-                <a:latin typeface="Futura PT" panose="020B0902020204020203" pitchFamily="34" charset="0"/>
-              </a:rPr>
-              <a:t>, </a:t>
+              <a:t>Cotation : </a:t>
             </a:r>
             <a:r>
               <a:rPr lang="fr-FR" sz="800" cap="none" dirty="0">
                 <a:solidFill>
                   <a:schemeClr val="tx2"/>
                 </a:solidFill>
-              </a:rPr>
-              <a:t>véhicule d’émission dédié de droit néerlandais, bénéficiant d’une garantie donnée par BNP Paribas S.A.</a:t>
-            </a:r>
-            <a:r>
-              <a:rPr lang="fr-FR" sz="800" cap="none" baseline="30000" dirty="0">
-                <a:solidFill>
-                  <a:schemeClr val="tx2"/>
-                </a:solidFill>
-              </a:rPr>
-              <a:t>⁽²⁾ </a:t>
-            </a:r>
-            <a:r>
-              <a:rPr lang="fr-FR" sz="800" cap="none" dirty="0">
-                <a:solidFill>
-                  <a:schemeClr val="tx2"/>
-                </a:solidFill>
-              </a:rPr>
-              <a:t>de la formule de remboursement et du paiement des sommes dues par l’Émetteur au titre du produit. L’investisseur est par conséquent soumis au risque de défaut de paiement et de faillite de l’Émetteur BNP Paribas </a:t>
-            </a:r>
-            <a:r>
-              <a:rPr lang="fr-FR" sz="800" cap="none" dirty="0" err="1">
-                <a:solidFill>
-                  <a:schemeClr val="tx2"/>
-                </a:solidFill>
-              </a:rPr>
-              <a:t>Issuance</a:t>
-            </a:r>
-            <a:r>
-              <a:rPr lang="fr-FR" sz="800" cap="none" dirty="0">
-                <a:solidFill>
-                  <a:schemeClr val="tx2"/>
-                </a:solidFill>
-              </a:rPr>
-              <a:t> B.V. et de défaut de paiement, faillite ainsi que mise en résolution du Garant de la formule, BNP Paribas SA.</a:t>
+                <a:latin typeface="Proxima Nova Rg" panose="02000506030000020004" pitchFamily="2" charset="0"/>
+              </a:rPr>
+              <a:t>Marché officiel de la bourse de Luxembourg (marché réglementé)</a:t>
             </a:r>
           </a:p>
           <a:p>
@@ -2277,34 +1999,128 @@
               <a:buFont typeface="Wingdings" panose="05000000000000000000" pitchFamily="2" charset="2"/>
               <a:buChar char="§"/>
             </a:pPr>
-            <a:r>
-              <a:rPr lang="fr-FR" sz="800" dirty="0">
-                <a:solidFill>
-                  <a:srgbClr val="000000"/>
-                </a:solidFill>
-              </a:rPr>
-              <a:t>Ce document à caractère promotionnel s’adresse à des investisseurs situés en France</a:t>
-            </a:r>
+            <a:endParaRPr lang="fr-FR" sz="800" b="1" dirty="0">
+              <a:solidFill>
+                <a:srgbClr val="B9A049"/>
+              </a:solidFill>
+              <a:latin typeface="Futura PT" panose="020B0902020204020203" pitchFamily="34" charset="0"/>
+            </a:endParaRPr>
           </a:p>
           <a:p>
             <a:pPr marL="171450" indent="-171450" algn="just">
-              <a:spcBef>
-                <a:spcPts val="1200"/>
-              </a:spcBef>
               <a:buClr>
-                <a:srgbClr val="1C1C1C"/>
+                <a:srgbClr val="000000"/>
               </a:buClr>
+              <a:buSzPct val="100000"/>
               <a:buFont typeface="Wingdings" panose="05000000000000000000" pitchFamily="2" charset="2"/>
               <a:buChar char="§"/>
             </a:pPr>
             <a:r>
-              <a:rPr lang="fr-FR" sz="800" b="1" dirty="0">
-                <a:solidFill>
-                  <a:srgbClr val="000000"/>
-                </a:solidFill>
-              </a:rPr>
-              <a:t>« kopkpopok » ne peut constituer l’intégralité d’un portefeuille d’investissement.</a:t>
-            </a:r>
+              <a:rPr lang="fr-FR" sz="800" b="1" cap="all" dirty="0">
+                <a:solidFill>
+                  <a:srgbClr val="B9A049"/>
+                </a:solidFill>
+                <a:latin typeface="Futura PT" panose="020B0902020204020203" pitchFamily="34" charset="0"/>
+              </a:rPr>
+              <a:t>Produit émis par </a:t>
+            </a:r>
+            <a:r>
+              <a:rPr lang="fr-FR" sz="800" b="1" cap="all" dirty="0" err="1">
+                <a:solidFill>
+                  <a:srgbClr val="B9A049"/>
+                </a:solidFill>
+                <a:latin typeface="Futura PT" panose="020B0902020204020203" pitchFamily="34" charset="0"/>
+              </a:rPr>
+              <a:t>morgan</a:t>
+            </a:r>
+            <a:r>
+              <a:rPr lang="fr-FR" sz="800" b="1" cap="all" dirty="0">
+                <a:solidFill>
+                  <a:srgbClr val="B9A049"/>
+                </a:solidFill>
+                <a:latin typeface="Futura PT" panose="020B0902020204020203" pitchFamily="34" charset="0"/>
+              </a:rPr>
+              <a:t> </a:t>
+            </a:r>
+            <a:r>
+              <a:rPr lang="fr-FR" sz="800" b="1" cap="all" dirty="0" err="1">
+                <a:solidFill>
+                  <a:srgbClr val="B9A049"/>
+                </a:solidFill>
+                <a:latin typeface="Futura PT" panose="020B0902020204020203" pitchFamily="34" charset="0"/>
+              </a:rPr>
+              <a:t>stanley</a:t>
+            </a:r>
+            <a:r>
+              <a:rPr lang="fr-FR" sz="800" b="1" cap="all" dirty="0">
+                <a:solidFill>
+                  <a:srgbClr val="B9A049"/>
+                </a:solidFill>
+                <a:latin typeface="Futura PT" panose="020B0902020204020203" pitchFamily="34" charset="0"/>
+              </a:rPr>
+              <a:t> &amp; </a:t>
+            </a:r>
+            <a:r>
+              <a:rPr lang="fr-FR" sz="800" b="1" cap="all" dirty="0" err="1">
+                <a:solidFill>
+                  <a:srgbClr val="B9A049"/>
+                </a:solidFill>
+                <a:latin typeface="Futura PT" panose="020B0902020204020203" pitchFamily="34" charset="0"/>
+              </a:rPr>
+              <a:t>co</a:t>
+            </a:r>
+            <a:r>
+              <a:rPr lang="fr-FR" sz="800" b="1" cap="all" dirty="0">
+                <a:solidFill>
+                  <a:srgbClr val="B9A049"/>
+                </a:solidFill>
+                <a:latin typeface="Futura PT" panose="020B0902020204020203" pitchFamily="34" charset="0"/>
+              </a:rPr>
+              <a:t> international PLC</a:t>
+            </a:r>
+            <a:r>
+              <a:rPr lang="fr-FR" sz="800" b="1" baseline="30000" dirty="0">
+                <a:solidFill>
+                  <a:srgbClr val="B9A049"/>
+                </a:solidFill>
+                <a:latin typeface="Proxima Nova Rg" panose="02000506030000020004" pitchFamily="2" charset="0"/>
+              </a:rPr>
+              <a:t>(3)</a:t>
+            </a:r>
+            <a:r>
+              <a:rPr lang="fr-FR" sz="800" b="1" cap="all" dirty="0">
+                <a:solidFill>
+                  <a:srgbClr val="B9A049"/>
+                </a:solidFill>
+                <a:latin typeface="Futura PT" panose="020B0902020204020203" pitchFamily="34" charset="0"/>
+              </a:rPr>
+              <a:t>, </a:t>
+            </a:r>
+            <a:r>
+              <a:rPr lang="fr-FR" sz="800" cap="none" dirty="0">
+                <a:solidFill>
+                  <a:schemeClr val="tx2"/>
+                </a:solidFill>
+                <a:latin typeface="Proxima Nova Rg" panose="02000506030000020004" pitchFamily="2" charset="0"/>
+              </a:rPr>
+              <a:t>l’investisseur est par conséquent soumis au risque de défaut de paiement, de faillite ainsi que de mise en résolution de Morgan Stanley &amp; Co International Plc.</a:t>
+            </a:r>
+          </a:p>
+          <a:p>
+            <a:pPr marL="171450" indent="-171450" algn="just">
+              <a:buClr>
+                <a:srgbClr val="000000"/>
+              </a:buClr>
+              <a:buSzPct val="100000"/>
+              <a:buFont typeface="Wingdings" panose="05000000000000000000" pitchFamily="2" charset="2"/>
+              <a:buChar char="§"/>
+            </a:pPr>
+            <a:endParaRPr lang="fr-FR" sz="800" cap="none" dirty="0">
+              <a:solidFill>
+                <a:schemeClr val="tx2"/>
+              </a:solidFill>
+              <a:latin typeface="Proxima Nova Rg" panose="02000506030000020004" pitchFamily="2" charset="0"/>
+            </a:endParaRPr>
           </a:p>
         </p:txBody>
       </p:sp>
@@ -2462,8 +2278,8 @@
         </p:nvSpPr>
         <p:spPr bwMode="auto">
           <a:xfrm>
-            <a:off x="361950" y="9765983"/>
-            <a:ext cx="6483350" cy="600164"/>
+            <a:off x="359839" y="9765983"/>
+            <a:ext cx="6485461" cy="569387"/>
           </a:xfrm>
           <a:prstGeom prst="rect">
             <a:avLst/>
@@ -2484,56 +2300,138 @@
           <a:p>
             <a:pPr algn="just" defTabSz="914400"/>
             <a:r>
-              <a:rPr lang="fr-FR" sz="650" baseline="30000" dirty="0">
+              <a:rPr lang="fr-FR" sz="600" i="1" baseline="30000" dirty="0">
                 <a:solidFill>
                   <a:schemeClr val="tx2"/>
                 </a:solidFill>
+                <a:latin typeface="Proxima Nova Rg" panose="02000506030000020004" pitchFamily="2" charset="0"/>
               </a:rPr>
               <a:t>⁽¹⁾ </a:t>
             </a:r>
             <a:r>
-              <a:rPr lang="fr-FR" sz="650" dirty="0">
+              <a:rPr lang="fr-FR" sz="600" i="1" dirty="0">
                 <a:solidFill>
                   <a:schemeClr val="tx2"/>
                 </a:solidFill>
-              </a:rPr>
-              <a:t>L’investisseur prend un risque de perte en capital non mesurable a priori si les titres de créance sont revendus avant la date d’échéance ou de remboursement anticipé automatique. L’investisseur supporte le risque de défaut de paiement ou de faillite de l’Émetteur et/ou du Garant de la formule et de mise en résolution du Garant de la formule. Pour les autres risques de perte en capital, voir pages suivantes. </a:t>
+                <a:latin typeface="Proxima Nova Rg" panose="02000506030000020004" pitchFamily="2" charset="0"/>
+              </a:rPr>
+              <a:t>L’investisseur prend un risque de perte en capital non mesurable a priori si les titres de créance sont revendus avant la date d’échéance ou de remboursement automatique anticipé. L'investisseur supporte le risque de défaut de paiement et/ou faillite de l’Émetteur. Pour les autres risques de perte en capital, voir pages suivantes.</a:t>
             </a:r>
           </a:p>
           <a:p>
             <a:pPr algn="just" defTabSz="914400"/>
             <a:r>
-              <a:rPr lang="fr-FR" sz="650" baseline="30000" dirty="0">
+              <a:rPr lang="fr-FR" sz="600" i="1" baseline="30000" dirty="0">
                 <a:solidFill>
                   <a:schemeClr val="tx2"/>
                 </a:solidFill>
+                <a:latin typeface="Proxima Nova Rg" panose="02000506030000020004" pitchFamily="2" charset="0"/>
               </a:rPr>
               <a:t>⁽²⁾ </a:t>
             </a:r>
             <a:r>
+              <a:rPr lang="fr-FR" sz="600" i="1" dirty="0">
+                <a:solidFill>
+                  <a:schemeClr val="tx2"/>
+                </a:solidFill>
+                <a:latin typeface="Proxima Nova Rg" panose="02000506030000020004" pitchFamily="2" charset="0"/>
+              </a:rPr>
+              <a:t>L’Assureur s’engage exclusivement sur le nombre d’unités de compte mais non sur leur valeur, qu’il ne garantit pas. Il est précisé que l’Assureur d’une part et l’Émetteur d’autre part, sont des entités juridiques indépendantes. Ce document n’a pas été rédigé par l’Assureur.</a:t>
+            </a:r>
+          </a:p>
+          <a:p>
+            <a:pPr algn="just" defTabSz="914400"/>
+            <a:r>
+              <a:rPr lang="fr-FR" sz="600" i="1" baseline="30000" dirty="0">
+                <a:solidFill>
+                  <a:schemeClr val="tx2"/>
+                </a:solidFill>
+                <a:latin typeface="Proxima Nova Rg" panose="02000506030000020004" pitchFamily="2" charset="0"/>
+              </a:rPr>
+              <a:t>(3) </a:t>
+            </a:r>
+            <a:r>
+              <a:rPr lang="fr-FR" sz="600" i="1" dirty="0">
+                <a:solidFill>
+                  <a:schemeClr val="tx2"/>
+                </a:solidFill>
+                <a:latin typeface="Proxima Nova Rg" panose="02000506030000020004" pitchFamily="2" charset="0"/>
+              </a:rPr>
+              <a:t>Morgan Stanley &amp; Co International Plc : Moody’s Aa3 / S&amp;P A+. Notations en vigueur au moment de la rédaction de la présente brochure le </a:t>
+            </a:r>
+            <a:r>
               <a:rPr lang="fr-FR" sz="650" dirty="0">
                 <a:solidFill>
                   <a:schemeClr val="tx2"/>
                 </a:solidFill>
-              </a:rPr>
-              <a:t>BNP Paribas </a:t>
-            </a:r>
-            <a:r>
-              <a:rPr lang="fr-FR" sz="650" dirty="0" err="1">
+                <a:latin typeface="Proxima Nova Rg" panose="02000506030000020004" pitchFamily="2" charset="0"/>
+              </a:rPr>
+              <a:t>23 juin 2022. </a:t>
+            </a:r>
+            <a:r>
+              <a:rPr lang="fr-FR" sz="600" i="1" dirty="0">
                 <a:solidFill>
                   <a:schemeClr val="tx2"/>
                 </a:solidFill>
-              </a:rPr>
-              <a:t>Issuance</a:t>
-            </a:r>
-            <a:r>
-              <a:rPr lang="fr-FR" sz="650" dirty="0">
-                <a:solidFill>
-                  <a:schemeClr val="tx2"/>
-                </a:solidFill>
-              </a:rPr>
-              <a:t> B.V. : Standard &amp; Poor’s : A+. BNP Paribas S.A. : Standard &amp; Poor’s : A+ / Moody’s : Aa3 / Fitch : AA-. Notations en vigueur au moment de la rédaction de la présente brochure, le 20 juin 2022. Ces notations peuvent être révisées à tout moment et ne sont pas une garantie de solvabilité de l’Émetteur ni du Garant de la formule. Elles ne sauraient constituer un argument de souscription au produit.</a:t>
-            </a:r>
+                <a:latin typeface="Proxima Nova Rg" panose="02000506030000020004" pitchFamily="2" charset="0"/>
+              </a:rPr>
+              <a:t>Ces notations peuvent être révisées à tout moment et ne sont pas une garantie de solvabilité de l’Émetteur. Elles ne sauraient constituer un argument de souscription au produit.</a:t>
+            </a:r>
+            <a:endParaRPr lang="fr-FR" sz="650" dirty="0">
+              <a:solidFill>
+                <a:schemeClr val="tx2"/>
+              </a:solidFill>
+              <a:latin typeface="Proxima Nova Rg" panose="02000506030000020004" pitchFamily="2" charset="0"/>
+            </a:endParaRPr>
+          </a:p>
+        </p:txBody>
+      </p:sp>
+      <p:sp>
+        <p:nvSpPr>
+          <p:cNvPr id="10" name="Rectangle">
+            <a:extLst>
+              <a:ext uri="{FF2B5EF4-FFF2-40B4-BE49-F238E27FC236}">
+                <a16:creationId xmlns:a16="http://schemas.microsoft.com/office/drawing/2014/main" id="{6AB66FB1-4D6F-30FB-00E3-544C3BFCAA95}"/>
+              </a:ext>
+            </a:extLst>
+          </p:cNvPr>
+          <p:cNvSpPr/>
+          <p:nvPr/>
+        </p:nvSpPr>
+        <p:spPr>
+          <a:xfrm>
+            <a:off x="359837" y="9684283"/>
+            <a:ext cx="6840000" cy="6846"/>
+          </a:xfrm>
+          <a:prstGeom prst="rect">
+            <a:avLst/>
+          </a:prstGeom>
+          <a:solidFill>
+            <a:srgbClr val="C5AF5C"/>
+          </a:solidFill>
+          <a:ln w="3175">
+            <a:miter lim="400000"/>
+          </a:ln>
+        </p:spPr>
+        <p:txBody>
+          <a:bodyPr lIns="20981" tIns="20981" rIns="20981" bIns="20981" anchor="ctr"/>
+          <a:lstStyle/>
+          <a:p>
+            <a:pPr algn="ctr" defTabSz="825500">
+              <a:lnSpc>
+                <a:spcPct val="100000"/>
+              </a:lnSpc>
+              <a:defRPr sz="3200" b="0">
+                <a:solidFill>
+                  <a:srgbClr val="FFFFFF"/>
+                </a:solidFill>
+                <a:latin typeface="Helvetica Neue Medium"/>
+                <a:ea typeface="Helvetica Neue Medium"/>
+                <a:cs typeface="Helvetica Neue Medium"/>
+                <a:sym typeface="Helvetica Neue Medium"/>
+              </a:defRPr>
+            </a:pPr>
+            <a:endParaRPr/>
           </a:p>
         </p:txBody>
       </p:sp>
@@ -2613,7 +2511,7 @@
         </p:nvSpPr>
         <p:spPr>
           <a:xfrm>
-            <a:off x="458462" y="670080"/>
+            <a:off x="458462" y="751048"/>
             <a:ext cx="6804000" cy="230950"/>
           </a:xfrm>
           <a:prstGeom prst="rect">
@@ -2815,7 +2713,7 @@
         </p:nvSpPr>
         <p:spPr>
           <a:xfrm>
-            <a:off x="361950" y="703340"/>
+            <a:off x="361950" y="774785"/>
             <a:ext cx="45719" cy="138398"/>
           </a:xfrm>
           <a:prstGeom prst="rect">
@@ -3115,7 +3013,7 @@
           <p:nvPr>
             <p:extLst>
               <p:ext uri="{D42A27DB-BD31-4B8C-83A1-F6EECF244321}">
-                <p14:modId xmlns:p14="http://schemas.microsoft.com/office/powerpoint/2010/main" val="1659642961"/>
+                <p14:modId xmlns:p14="http://schemas.microsoft.com/office/powerpoint/2010/main" val="1794499229"/>
               </p:ext>
             </p:extLst>
           </p:nvPr>
@@ -3182,7 +3080,7 @@
                         <a:defRPr sz="700"/>
                       </a:pPr>
                       <a:r>
-                        <a:t>Performances au 19/06/2022</a:t>
+                        <a:t>Performances au 22/06/2022</a:t>
                       </a:r>
                     </a:p>
                   </a:txBody>
@@ -3534,7 +3432,7 @@
                         <a:defRPr sz="700"/>
                       </a:pPr>
                       <a:r>
-                        <a:t>N/A</a:t>
+                        <a:t>0,62%</a:t>
                       </a:r>
                     </a:p>
                   </a:txBody>
@@ -3574,7 +3472,7 @@
                         <a:defRPr sz="700"/>
                       </a:pPr>
                       <a:r>
-                        <a:t>N/A</a:t>
+                        <a:t>0,76%</a:t>
                       </a:r>
                     </a:p>
                   </a:txBody>
@@ -3614,7 +3512,7 @@
                         <a:defRPr sz="700"/>
                       </a:pPr>
                       <a:r>
-                        <a:t>N/A</a:t>
+                        <a:t>0,71%</a:t>
                       </a:r>
                     </a:p>
                   </a:txBody>
@@ -3654,7 +3552,7 @@
                         <a:defRPr sz="700"/>
                       </a:pPr>
                       <a:r>
-                        <a:t>N/A</a:t>
+                        <a:t>1,18%</a:t>
                       </a:r>
                     </a:p>
                   </a:txBody>
@@ -3690,18 +3588,12 @@
                     <a:bodyPr/>
                     <a:lstStyle/>
                     <a:p>
-                      <a:pPr marL="0" algn="ctr" defTabSz="755934" rtl="0" eaLnBrk="1" fontAlgn="ctr" latinLnBrk="0" hangingPunct="1">
+                      <a:pPr>
                         <a:defRPr sz="700"/>
                       </a:pPr>
-                      <a:endParaRPr lang="fr-FR" sz="800" b="1" i="0" u="none" strike="noStrike" kern="1200" dirty="0">
-                        <a:solidFill>
-                          <a:srgbClr val="004F74"/>
-                        </a:solidFill>
-                        <a:effectLst/>
-                        <a:latin typeface="Proxima Nova Rg" panose="02000506030000020004" pitchFamily="2" charset="0"/>
-                        <a:ea typeface="+mn-ea"/>
-                        <a:cs typeface="+mn-cs"/>
-                      </a:endParaRPr>
+                      <a:r>
+                        <a:t>1,00%</a:t>
+                      </a:r>
                     </a:p>
                   </a:txBody>
                   <a:tcPr marL="9525" marR="9525" marT="9525" marB="0" anchor="ctr">
@@ -3799,7 +3691,7 @@
         <p:spPr>
           <a:xfrm>
             <a:off x="359839" y="9771664"/>
-            <a:ext cx="6482920" cy="500137"/>
+            <a:ext cx="6482920" cy="300082"/>
           </a:xfrm>
           <a:prstGeom prst="rect">
             <a:avLst/>
@@ -3973,18 +3865,6 @@
               </a:defRPr>
             </a:lvl9pPr>
           </a:lstStyle>
-          <a:p>
-            <a:pPr algn="just"/>
-            <a:r>
-              <a:rPr lang="fr-FR" sz="650" dirty="0">
-                <a:solidFill>
-                  <a:schemeClr val="tx2"/>
-                </a:solidFill>
-                <a:latin typeface="+mn-lt"/>
-              </a:rPr>
-              <a:t>LES DONNÉES RELATIVES AUX PERFORMANCES PASSÉES ONT TRAIT OU SE RÉFÈRENT À DES PÉRIODES PASSÉES ET NE SONT PAS UN INDICATEUR FIABLE DES RÉSULTATS FUTURS. CECI EST VALABLE ÉGALEMENT POUR CE QUI EST DES DONNÉES HISTORIQUES DE MARCHÉ. </a:t>
-            </a:r>
-          </a:p>
           <a:p>
             <a:pPr lvl="1" algn="just"/>
             <a:r>
@@ -4056,7 +3936,7 @@
                 <a:effectLst/>
                 <a:latin typeface="+mj-lt"/>
               </a:rPr>
-              <a:t>19 JUIN 2010</a:t>
+              <a:t>22 JUIN 2010</a:t>
             </a:r>
             <a:r>
               <a:rPr lang="en-US" sz="1200" dirty="0">
@@ -4068,7 +3948,7 @@
               <a:rPr lang="fr-FR" sz="1200" cap="none" dirty="0">
                 <a:latin typeface="Futura PT" panose="020B0902020204020203" pitchFamily="34" charset="0"/>
               </a:rPr>
-              <a:t>ET LE 19 JUIN 2022</a:t>
+              <a:t>ET LE 22 JUIN 2022</a:t>
             </a:r>
           </a:p>
         </p:txBody>
@@ -4310,9 +4190,297 @@
           <a:p/>
         </p:txBody>
       </p:sp>
+      <p:sp>
+        <p:nvSpPr>
+          <p:cNvPr id="18" name="ZoneTexte 17">
+            <a:extLst>
+              <a:ext uri="{FF2B5EF4-FFF2-40B4-BE49-F238E27FC236}">
+                <a16:creationId xmlns:a16="http://schemas.microsoft.com/office/drawing/2014/main" id="{9B028CA2-B057-FAEF-EFF1-D1F87BC5D8F3}"/>
+              </a:ext>
+            </a:extLst>
+          </p:cNvPr>
+          <p:cNvSpPr txBox="1"/>
+          <p:nvPr/>
+        </p:nvSpPr>
+        <p:spPr>
+          <a:xfrm>
+            <a:off x="5417820" y="9174546"/>
+            <a:ext cx="1913222" cy="338554"/>
+          </a:xfrm>
+          <a:prstGeom prst="rect">
+            <a:avLst/>
+          </a:prstGeom>
+          <a:noFill/>
+        </p:spPr>
+        <p:txBody>
+          <a:bodyPr wrap="square" rtlCol="0">
+            <a:spAutoFit/>
+          </a:bodyPr>
+          <a:lstStyle/>
+          <a:p>
+            <a:r>
+              <a:rPr lang="fr-FR" sz="800" u="sng" dirty="0">
+                <a:highlight>
+                  <a:srgbClr val="FF00FF"/>
+                </a:highlight>
+              </a:rPr>
+              <a:t>Source :</a:t>
+            </a:r>
+            <a:r>
+              <a:rPr lang="fr-FR" sz="800" dirty="0">
+                <a:highlight>
+                  <a:srgbClr val="FF00FF"/>
+                </a:highlight>
+              </a:rPr>
+              <a:t> Bloomberg, le </a:t>
+            </a:r>
+            <a:r>
+              <a:rPr lang="fr-FR" sz="800" dirty="0">
+                <a:solidFill>
+                  <a:schemeClr val="tx2"/>
+                </a:solidFill>
+                <a:highlight>
+                  <a:srgbClr val="FF00FF"/>
+                </a:highlight>
+              </a:rPr>
+              <a:t>22 juin 2022 </a:t>
+            </a:r>
+            <a:endParaRPr lang="fr-FR" sz="800" dirty="0">
+              <a:highlight>
+                <a:srgbClr val="FF00FF"/>
+              </a:highlight>
+            </a:endParaRPr>
+          </a:p>
+        </p:txBody>
+      </p:sp>
+      <p:sp>
+        <p:nvSpPr>
+          <p:cNvPr id="20" name="ZoneTexte 19">
+            <a:extLst>
+              <a:ext uri="{FF2B5EF4-FFF2-40B4-BE49-F238E27FC236}">
+                <a16:creationId xmlns:a16="http://schemas.microsoft.com/office/drawing/2014/main" id="{2F598E05-39CA-7388-F3B7-8C0904D50D74}"/>
+              </a:ext>
+            </a:extLst>
+          </p:cNvPr>
+          <p:cNvSpPr txBox="1"/>
+          <p:nvPr/>
+        </p:nvSpPr>
+        <p:spPr>
+          <a:xfrm>
+            <a:off x="600924" y="385199"/>
+            <a:ext cx="6000749" cy="276999"/>
+          </a:xfrm>
+          <a:prstGeom prst="rect">
+            <a:avLst/>
+          </a:prstGeom>
+          <a:noFill/>
+        </p:spPr>
+        <p:txBody>
+          <a:bodyPr wrap="square">
+            <a:spAutoFit/>
+          </a:bodyPr>
+          <a:lstStyle/>
+          <a:p>
+            <a:pPr algn="just"/>
+            <a:r>
+              <a:rPr lang="fr-FR" sz="600" dirty="0">
+                <a:solidFill>
+                  <a:schemeClr val="tx2"/>
+                </a:solidFill>
+                <a:latin typeface="+mn-lt"/>
+              </a:rPr>
+              <a:t>LES DONNÉES RELATIVES AUX PERFORMANCES PASSÉES ONT TRAIT OU SE RÉFÈRENT À DES PÉRIODES PASSÉES ET NE SONT PAS UN INDICATEUR FIABLE DES RÉSULTATS FUTURS. CECI EST VALABLE ÉGALEMENT POUR CE QUI EST DES DONNÉES HISTORIQUES DE MARCHÉ. </a:t>
+            </a:r>
+          </a:p>
+        </p:txBody>
+      </p:sp>
+      <p:sp>
+        <p:nvSpPr>
+          <p:cNvPr id="21" name="Rectangle">
+            <a:extLst>
+              <a:ext uri="{FF2B5EF4-FFF2-40B4-BE49-F238E27FC236}">
+                <a16:creationId xmlns:a16="http://schemas.microsoft.com/office/drawing/2014/main" id="{73FE95BF-5478-6A01-9726-C38CE9FEAAF1}"/>
+              </a:ext>
+            </a:extLst>
+          </p:cNvPr>
+          <p:cNvSpPr/>
+          <p:nvPr/>
+        </p:nvSpPr>
+        <p:spPr>
+          <a:xfrm>
+            <a:off x="359839" y="9728525"/>
+            <a:ext cx="6840000" cy="6846"/>
+          </a:xfrm>
+          <a:prstGeom prst="rect">
+            <a:avLst/>
+          </a:prstGeom>
+          <a:solidFill>
+            <a:srgbClr val="C5AF5C"/>
+          </a:solidFill>
+          <a:ln w="3175">
+            <a:miter lim="400000"/>
+          </a:ln>
+        </p:spPr>
+        <p:txBody>
+          <a:bodyPr lIns="20981" tIns="20981" rIns="20981" bIns="20981" anchor="ctr"/>
+          <a:lstStyle/>
+          <a:p>
+            <a:pPr algn="ctr" defTabSz="825500">
+              <a:lnSpc>
+                <a:spcPct val="100000"/>
+              </a:lnSpc>
+              <a:defRPr sz="3200" b="0">
+                <a:solidFill>
+                  <a:srgbClr val="FFFFFF"/>
+                </a:solidFill>
+                <a:latin typeface="Helvetica Neue Medium"/>
+                <a:ea typeface="Helvetica Neue Medium"/>
+                <a:cs typeface="Helvetica Neue Medium"/>
+                <a:sym typeface="Helvetica Neue Medium"/>
+              </a:defRPr>
+            </a:pPr>
+            <a:endParaRPr/>
+          </a:p>
+        </p:txBody>
+      </p:sp>
+      <p:sp>
+        <p:nvSpPr>
+          <p:cNvPr id="23" name="ZoneTexte 22">
+            <a:extLst>
+              <a:ext uri="{FF2B5EF4-FFF2-40B4-BE49-F238E27FC236}">
+                <a16:creationId xmlns:a16="http://schemas.microsoft.com/office/drawing/2014/main" id="{5306FCE3-4601-C553-63AA-5E2C1283550B}"/>
+              </a:ext>
+            </a:extLst>
+          </p:cNvPr>
+          <p:cNvSpPr txBox="1"/>
+          <p:nvPr/>
+        </p:nvSpPr>
+        <p:spPr>
+          <a:xfrm>
+            <a:off x="458462" y="3626416"/>
+            <a:ext cx="4056888" cy="276999"/>
+          </a:xfrm>
+          <a:prstGeom prst="rect">
+            <a:avLst/>
+          </a:prstGeom>
+          <a:noFill/>
+        </p:spPr>
+        <p:txBody>
+          <a:bodyPr wrap="square">
+            <a:spAutoFit/>
+          </a:bodyPr>
+          <a:lstStyle/>
+          <a:p>
+            <a:endParaRPr lang="en-US" sz="1200" dirty="0">
+              <a:latin typeface="Futura PT" panose="020B0902020204020203" pitchFamily="34" charset="0"/>
+            </a:endParaRPr>
+          </a:p>
+        </p:txBody>
+      </p:sp>
+      <p:sp>
+        <p:nvSpPr>
+          <p:cNvPr id="25" name="ZoneTexte 24">
+            <a:extLst>
+              <a:ext uri="{FF2B5EF4-FFF2-40B4-BE49-F238E27FC236}">
+                <a16:creationId xmlns:a16="http://schemas.microsoft.com/office/drawing/2014/main" id="{DD098B59-7A37-078A-BC1C-61CE3BED2F4E}"/>
+              </a:ext>
+            </a:extLst>
+          </p:cNvPr>
+          <p:cNvSpPr txBox="1"/>
+          <p:nvPr/>
+        </p:nvSpPr>
+        <p:spPr>
+          <a:xfrm>
+            <a:off x="458462" y="8984476"/>
+            <a:ext cx="4056888" cy="215444"/>
+          </a:xfrm>
+          <a:prstGeom prst="rect">
+            <a:avLst/>
+          </a:prstGeom>
+          <a:noFill/>
+        </p:spPr>
+        <p:txBody>
+          <a:bodyPr wrap="square">
+            <a:spAutoFit/>
+          </a:bodyPr>
+          <a:lstStyle/>
+          <a:p>
+            <a:r>
+              <a:rPr lang="en-US" sz="800" dirty="0">
+                <a:latin typeface="Futura PT" panose="020B0902020204020203" pitchFamily="34" charset="0"/>
+              </a:rPr>
+              <a:t>
+EURO STOXX 50 Price EUR</a:t>
+            </a:r>
+          </a:p>
+        </p:txBody>
+      </p:sp>
+      <p:sp>
+        <p:nvSpPr>
+          <p:cNvPr id="26" name="ZoneTexte 25">
+            <a:extLst>
+              <a:ext uri="{FF2B5EF4-FFF2-40B4-BE49-F238E27FC236}">
+                <a16:creationId xmlns:a16="http://schemas.microsoft.com/office/drawing/2014/main" id="{33414381-F560-BBC5-5064-46FA4625A4C3}"/>
+              </a:ext>
+            </a:extLst>
+          </p:cNvPr>
+          <p:cNvSpPr txBox="1"/>
+          <p:nvPr/>
+        </p:nvSpPr>
+        <p:spPr>
+          <a:xfrm>
+            <a:off x="5309473" y="7911729"/>
+            <a:ext cx="1913222" cy="338554"/>
+          </a:xfrm>
+          <a:prstGeom prst="rect">
+            <a:avLst/>
+          </a:prstGeom>
+          <a:noFill/>
+        </p:spPr>
+        <p:txBody>
+          <a:bodyPr wrap="square" rtlCol="0">
+            <a:spAutoFit/>
+          </a:bodyPr>
+          <a:lstStyle/>
+          <a:p>
+            <a:r>
+              <a:rPr lang="fr-FR" sz="800" u="sng" dirty="0">
+                <a:highlight>
+                  <a:srgbClr val="FF00FF"/>
+                </a:highlight>
+              </a:rPr>
+              <a:t>Source :</a:t>
+            </a:r>
+            <a:r>
+              <a:rPr lang="fr-FR" sz="800" dirty="0">
+                <a:highlight>
+                  <a:srgbClr val="FF00FF"/>
+                </a:highlight>
+              </a:rPr>
+              <a:t> Bloomberg, le </a:t>
+            </a:r>
+            <a:r>
+              <a:rPr lang="fr-FR" sz="800" dirty="0">
+                <a:solidFill>
+                  <a:schemeClr val="tx2"/>
+                </a:solidFill>
+                <a:highlight>
+                  <a:srgbClr val="FF00FF"/>
+                </a:highlight>
+              </a:rPr>
+              <a:t>22 juin 2022 </a:t>
+            </a:r>
+            <a:endParaRPr lang="fr-FR" sz="800" dirty="0">
+              <a:highlight>
+                <a:srgbClr val="FF00FF"/>
+              </a:highlight>
+            </a:endParaRPr>
+          </a:p>
+        </p:txBody>
+      </p:sp>
       <p:pic>
         <p:nvPicPr>
-          <p:cNvPr id="18" name="Picture 17" descr="graph5.png"/>
+          <p:cNvPr id="27" name="Picture 26" descr="graph5.png"/>
           <p:cNvPicPr>
             <a:picLocks noChangeAspect="1"/>
           </p:cNvPicPr>
@@ -4411,7 +4579,7 @@
         <p:spPr bwMode="auto">
           <a:xfrm>
             <a:off x="361950" y="9765983"/>
-            <a:ext cx="6483350" cy="300082"/>
+            <a:ext cx="6483350" cy="430887"/>
           </a:xfrm>
           <a:prstGeom prst="rect">
             <a:avLst/>
@@ -4432,28 +4600,56 @@
           <a:p>
             <a:pPr lvl="0" algn="just" defTabSz="914400"/>
             <a:r>
-              <a:rPr lang="fr-FR" sz="650" baseline="30000" dirty="0"/>
-              <a:t>⁽¹⁾</a:t>
+              <a:rPr lang="fr-FR" sz="700" baseline="30000" dirty="0">
+                <a:solidFill>
+                  <a:srgbClr val="000000"/>
+                </a:solidFill>
+                <a:latin typeface="Proxima Nova Rg" panose="02000506030000020004" pitchFamily="2" charset="0"/>
+              </a:rPr>
+              <a:t>⁽¹⁾ </a:t>
+            </a:r>
+            <a:r>
+              <a:rPr lang="fr-FR" sz="700" dirty="0">
+                <a:solidFill>
+                  <a:srgbClr val="000000"/>
+                </a:solidFill>
+                <a:latin typeface="Proxima Nova Rg" panose="02000506030000020004" pitchFamily="2" charset="0"/>
+              </a:rPr>
+              <a:t>Morgan Stanley &amp; Co International Plc : Moody’s Aa3 / S&amp;P A+. Notations en vigueur au moment de la rédaction de la présente brochure le </a:t>
             </a:r>
             <a:r>
               <a:rPr lang="fr-FR" sz="650" dirty="0"/>
-              <a:t> BNP Paribas </a:t>
-            </a:r>
-            <a:r>
-              <a:rPr lang="fr-FR" sz="650" dirty="0" err="1"/>
-              <a:t>Issuance</a:t>
-            </a:r>
-            <a:r>
-              <a:rPr lang="fr-FR" sz="650" dirty="0"/>
-              <a:t> B.V. : Standard &amp; Poor’s A+. BNP Paribas : Standard &amp; Poor’s A+ / Moody’s Aa3 / Fitch AA-. Notations en vigueur au moment de la rédaction de la présente brochure, le </a:t>
-            </a:r>
-            <a:r>
-              <a:rPr lang="fr-FR" sz="650"/>
-              <a:t>20 juin 2022, </a:t>
-            </a:r>
-            <a:r>
-              <a:rPr lang="fr-FR" sz="650" dirty="0"/>
-              <a:t>qui ne sauraient ni être une garantie de solvabilité de l’Émetteur et du Garant de la formule, ni constituer un argument de souscription au produit. Les agences de notation peuvent les modifier à tout moment. </a:t>
+              <a:t>&lt;DDR_MAJ</a:t>
+            </a:r>
+            <a:r>
+              <a:rPr lang="fr-FR" sz="700" dirty="0">
+                <a:solidFill>
+                  <a:srgbClr val="000000"/>
+                </a:solidFill>
+                <a:latin typeface="Proxima Nova Rg" panose="02000506030000020004" pitchFamily="2" charset="0"/>
+              </a:rPr>
+              <a:t>&gt;, qui ne sauraient ni être une garantie de solvabilité de l’Émetteur et du Garant de la formule, ni constituer un argument de souscription au produit. Les agences de notation peuvent les modifier à tout moment. </a:t>
+            </a:r>
+          </a:p>
+          <a:p>
+            <a:pPr lvl="0" algn="just" defTabSz="914400"/>
+            <a:r>
+              <a:rPr lang="fr-FR" sz="700" baseline="30000" dirty="0">
+                <a:solidFill>
+                  <a:srgbClr val="000000"/>
+                </a:solidFill>
+                <a:latin typeface="Proxima Nova Rg" panose="02000506030000020004" pitchFamily="2" charset="0"/>
+              </a:rPr>
+              <a:t>⁽²⁾ </a:t>
+            </a:r>
+            <a:r>
+              <a:rPr lang="fr-FR" sz="700" dirty="0">
+                <a:solidFill>
+                  <a:srgbClr val="000000"/>
+                </a:solidFill>
+                <a:latin typeface="Proxima Nova Rg" panose="02000506030000020004" pitchFamily="2" charset="0"/>
+              </a:rPr>
+              <a:t>Les conflits d’intérêts seront gérés suivant la réglementation en vigueur.</a:t>
             </a:r>
             <a:endParaRPr lang="fr-FR" sz="650" i="1" dirty="0">
               <a:latin typeface="Proxima Nova Rg" panose="02000506030000020004" pitchFamily="2" charset="0"/>
@@ -4476,14 +4672,14 @@
           <p:nvPr>
             <p:extLst>
               <p:ext uri="{D42A27DB-BD31-4B8C-83A1-F6EECF244321}">
-                <p14:modId xmlns:p14="http://schemas.microsoft.com/office/powerpoint/2010/main" val="3800238041"/>
+                <p14:modId xmlns:p14="http://schemas.microsoft.com/office/powerpoint/2010/main" val="1831764276"/>
               </p:ext>
             </p:extLst>
           </p:nvPr>
         </p:nvGraphicFramePr>
         <p:xfrm>
           <a:off x="361950" y="979297"/>
-          <a:ext cx="6837886" cy="7686327"/>
+          <a:ext cx="6837886" cy="7327423"/>
         </p:xfrm>
         <a:graphic>
           <a:graphicData uri="http://schemas.openxmlformats.org/drawingml/2006/table">
@@ -4507,174 +4703,6 @@
                   </a:extLst>
                 </a:gridCol>
               </a:tblGrid>
-              <a:tr h="0">
-                <a:tc>
-                  <a:txBody>
-                    <a:bodyPr/>
-                    <a:lstStyle/>
-                    <a:p>
-                      <a:pPr marL="0" marR="0" lvl="0" indent="0" algn="l" defTabSz="755934" rtl="0" eaLnBrk="1" fontAlgn="auto" latinLnBrk="0" hangingPunct="1">
-                        <a:lnSpc>
-                          <a:spcPct val="90000"/>
-                        </a:lnSpc>
-                        <a:spcBef>
-                          <a:spcPts val="0"/>
-                        </a:spcBef>
-                        <a:spcAft>
-                          <a:spcPts val="0"/>
-                        </a:spcAft>
-                        <a:buClrTx/>
-                        <a:buSzTx/>
-                        <a:buFontTx/>
-                        <a:buNone/>
-                        <a:tabLst/>
-                        <a:defRPr sz="700"/>
-                      </a:pPr>
-                      <a:endParaRPr lang="fr-FR" sz="700" b="1" kern="1200" dirty="0">
-                        <a:solidFill>
-                          <a:srgbClr val="B9A049"/>
-                        </a:solidFill>
-                        <a:latin typeface="+mn-lt"/>
-                        <a:ea typeface="+mn-ea"/>
-                        <a:cs typeface="+mn-cs"/>
-                      </a:endParaRPr>
-                    </a:p>
-                  </a:txBody>
-                  <a:tcPr marL="72000" marR="72000" marT="46800" marB="46800" anchor="ctr">
-                    <a:lnL w="12700" cap="flat" cmpd="sng" algn="ctr">
-                      <a:solidFill>
-                        <a:schemeClr val="bg1">
-                          <a:lumMod val="85000"/>
-                        </a:schemeClr>
-                      </a:solidFill>
-                      <a:prstDash val="solid"/>
-                      <a:round/>
-                      <a:headEnd type="none" w="med" len="med"/>
-                      <a:tailEnd type="none" w="med" len="med"/>
-                    </a:lnL>
-                    <a:lnR w="12700" cap="flat" cmpd="sng" algn="ctr">
-                      <a:solidFill>
-                        <a:schemeClr val="bg1"/>
-                      </a:solidFill>
-                      <a:prstDash val="solid"/>
-                      <a:round/>
-                      <a:headEnd type="none" w="med" len="med"/>
-                      <a:tailEnd type="none" w="med" len="med"/>
-                    </a:lnR>
-                    <a:lnT w="12700" cap="flat" cmpd="sng" algn="ctr">
-                      <a:solidFill>
-                        <a:schemeClr val="bg1">
-                          <a:lumMod val="85000"/>
-                        </a:schemeClr>
-                      </a:solidFill>
-                      <a:prstDash val="solid"/>
-                      <a:round/>
-                      <a:headEnd type="none" w="med" len="med"/>
-                      <a:tailEnd type="none" w="med" len="med"/>
-                    </a:lnT>
-                    <a:lnB w="12700" cap="flat" cmpd="sng" algn="ctr">
-                      <a:solidFill>
-                        <a:schemeClr val="bg1"/>
-                      </a:solidFill>
-                      <a:prstDash val="solid"/>
-                      <a:round/>
-                      <a:headEnd type="none" w="med" len="med"/>
-                      <a:tailEnd type="none" w="med" len="med"/>
-                    </a:lnB>
-                    <a:lnTlToBr w="12700" cmpd="sng">
-                      <a:noFill/>
-                      <a:prstDash val="solid"/>
-                    </a:lnTlToBr>
-                    <a:lnBlToTr w="12700" cmpd="sng">
-                      <a:noFill/>
-                      <a:prstDash val="solid"/>
-                    </a:lnBlToTr>
-                    <a:solidFill>
-                      <a:schemeClr val="bg1">
-                        <a:lumMod val="95000"/>
-                      </a:schemeClr>
-                    </a:solidFill>
-                  </a:tcPr>
-                </a:tc>
-                <a:tc>
-                  <a:txBody>
-                    <a:bodyPr/>
-                    <a:lstStyle/>
-                    <a:p>
-                      <a:pPr algn="just">
-                        <a:lnSpc>
-                          <a:spcPct val="90000"/>
-                        </a:lnSpc>
-                        <a:defRPr sz="700"/>
-                      </a:pPr>
-                      <a:endParaRPr lang="fr-FR" sz="700" b="1" i="0" dirty="0">
-                        <a:solidFill>
-                          <a:schemeClr val="tx1"/>
-                        </a:solidFill>
-                        <a:latin typeface="+mn-lt"/>
-                      </a:endParaRPr>
-                    </a:p>
-                  </a:txBody>
-                  <a:tcPr marL="36000" marR="36000" marT="46800" marB="46800" anchor="ctr">
-                    <a:lnL w="12700" cap="flat" cmpd="sng" algn="ctr">
-                      <a:solidFill>
-                        <a:schemeClr val="bg1"/>
-                      </a:solidFill>
-                      <a:prstDash val="solid"/>
-                      <a:round/>
-                      <a:headEnd type="none" w="med" len="med"/>
-                      <a:tailEnd type="none" w="med" len="med"/>
-                    </a:lnL>
-                    <a:lnR w="6350" cap="flat" cmpd="sng" algn="ctr">
-                      <a:solidFill>
-                        <a:schemeClr val="bg1">
-                          <a:lumMod val="65000"/>
-                        </a:schemeClr>
-                      </a:solidFill>
-                      <a:prstDash val="solid"/>
-                      <a:round/>
-                      <a:headEnd type="none" w="med" len="med"/>
-                      <a:tailEnd type="none" w="med" len="med"/>
-                    </a:lnR>
-                    <a:lnT w="6350" cap="flat" cmpd="sng" algn="ctr">
-                      <a:solidFill>
-                        <a:schemeClr val="bg1">
-                          <a:lumMod val="65000"/>
-                        </a:schemeClr>
-                      </a:solidFill>
-                      <a:prstDash val="solid"/>
-                      <a:round/>
-                      <a:headEnd type="none" w="med" len="med"/>
-                      <a:tailEnd type="none" w="med" len="med"/>
-                    </a:lnT>
-                    <a:lnB w="6350" cap="flat" cmpd="sng" algn="ctr">
-                      <a:solidFill>
-                        <a:schemeClr val="bg1">
-                          <a:lumMod val="65000"/>
-                        </a:schemeClr>
-                      </a:solidFill>
-                      <a:prstDash val="solid"/>
-                      <a:round/>
-                      <a:headEnd type="none" w="med" len="med"/>
-                      <a:tailEnd type="none" w="med" len="med"/>
-                    </a:lnB>
-                    <a:lnTlToBr w="12700" cmpd="sng">
-                      <a:noFill/>
-                      <a:prstDash val="solid"/>
-                    </a:lnTlToBr>
-                    <a:lnBlToTr w="12700" cmpd="sng">
-                      <a:noFill/>
-                      <a:prstDash val="solid"/>
-                    </a:lnBlToTr>
-                    <a:noFill/>
-                  </a:tcPr>
-                </a:tc>
-                <a:extLst>
-                  <a:ext uri="{0D108BD9-81ED-4DB2-BD59-A6C34878D82A}">
-                    <a16:rowId xmlns:a16="http://schemas.microsoft.com/office/drawing/2014/main" val="1365312463"/>
-                  </a:ext>
-                </a:extLst>
-              </a:tr>
               <a:tr h="268891">
                 <a:tc>
                   <a:txBody>
@@ -4774,7 +4802,7 @@
                         <a:defRPr sz="700"/>
                       </a:pPr>
                       <a:r>
-                        <a:t>EMTN (Euro Medium Term Note), Titre de créance de droit français présentant un risque de perte en capital en cours de vie et à l’échéance. Bien que la formule de remboursement et le paiement des sommes dues par l’Émetteur au titre du produit soient garanties par BNP Paribas SA⁽¹⁾, le produit présente un risque de perte en capital à hauteur de l’intégralité de la baisse enregistrée par l'indice.</a:t>
+                        <a:t>EMTN (Euro Medium Term Note), titre de créance de droit français présentant un risque de perte en capital en cours de vie et à l’échéance</a:t>
                       </a:r>
                     </a:p>
                   </a:txBody>
@@ -4937,7 +4965,7 @@
                         <a:defRPr sz="700"/>
                       </a:pPr>
                       <a:r>
-                        <a:t>BNP Paribas Issuance B.V.⁽¹⁾(véhicule d’émission dédié de droit néerlandais)</a:t>
+                        <a:t>Morgan Stanley &amp; Co. International PLC⁽¹⁾.</a:t>
                       </a:r>
                     </a:p>
                   </a:txBody>
@@ -5025,170 +5053,7 @@
                         <a:defRPr sz="700"/>
                       </a:pPr>
                       <a:r>
-                        <a:rPr lang="fr-FR" sz="700" b="1" kern="1200">
-                          <a:solidFill>
-                            <a:srgbClr val="B9A049"/>
-                          </a:solidFill>
-                          <a:latin typeface="+mn-lt"/>
-                          <a:ea typeface="+mn-ea"/>
-                          <a:cs typeface="+mn-cs"/>
-                        </a:rPr>
-                        <a:t>Garant de la formule</a:t>
-                      </a:r>
-                    </a:p>
-                  </a:txBody>
-                  <a:tcPr marL="72000" marR="72000" marT="46800" marB="46800" anchor="ctr" horzOverflow="overflow">
-                    <a:lnL w="12700" cap="flat" cmpd="sng" algn="ctr">
-                      <a:solidFill>
-                        <a:schemeClr val="bg1">
-                          <a:lumMod val="85000"/>
-                        </a:schemeClr>
-                      </a:solidFill>
-                      <a:prstDash val="solid"/>
-                      <a:round/>
-                      <a:headEnd type="none" w="med" len="med"/>
-                      <a:tailEnd type="none" w="med" len="med"/>
-                    </a:lnL>
-                    <a:lnR w="12700" cap="flat" cmpd="sng" algn="ctr">
-                      <a:solidFill>
-                        <a:schemeClr val="bg1"/>
-                      </a:solidFill>
-                      <a:prstDash val="solid"/>
-                      <a:round/>
-                      <a:headEnd type="none" w="med" len="med"/>
-                      <a:tailEnd type="none" w="med" len="med"/>
-                    </a:lnR>
-                    <a:lnT w="12700" cap="flat" cmpd="sng" algn="ctr">
-                      <a:solidFill>
-                        <a:schemeClr val="bg1"/>
-                      </a:solidFill>
-                      <a:prstDash val="solid"/>
-                      <a:round/>
-                      <a:headEnd type="none" w="med" len="med"/>
-                      <a:tailEnd type="none" w="med" len="med"/>
-                    </a:lnT>
-                    <a:lnB w="12700" cap="flat" cmpd="sng" algn="ctr">
-                      <a:solidFill>
-                        <a:schemeClr val="bg1"/>
-                      </a:solidFill>
-                      <a:prstDash val="solid"/>
-                      <a:round/>
-                      <a:headEnd type="none" w="med" len="med"/>
-                      <a:tailEnd type="none" w="med" len="med"/>
-                    </a:lnB>
-                    <a:lnTlToBr w="12700" cmpd="sng">
-                      <a:noFill/>
-                      <a:prstDash val="solid"/>
-                    </a:lnTlToBr>
-                    <a:lnBlToTr w="12700" cmpd="sng">
-                      <a:noFill/>
-                      <a:prstDash val="solid"/>
-                    </a:lnBlToTr>
-                    <a:solidFill>
-                      <a:schemeClr val="bg1">
-                        <a:lumMod val="95000"/>
-                      </a:schemeClr>
-                    </a:solidFill>
-                  </a:tcPr>
-                </a:tc>
-                <a:tc>
-                  <a:txBody>
-                    <a:bodyPr/>
-                    <a:lstStyle/>
-                    <a:p>
-                      <a:pPr>
-                        <a:defRPr sz="700"/>
-                      </a:pPr>
-                      <a:r>
-                        <a:t>BNP Paribas SA⁽¹⁾</a:t>
-                      </a:r>
-                    </a:p>
-                  </a:txBody>
-                  <a:tcPr marL="72000" marR="72000" marT="46800" marB="46800" anchor="ctr" horzOverflow="overflow">
-                    <a:lnL w="12700" cap="flat" cmpd="sng" algn="ctr">
-                      <a:solidFill>
-                        <a:schemeClr val="bg1"/>
-                      </a:solidFill>
-                      <a:prstDash val="solid"/>
-                      <a:round/>
-                      <a:headEnd type="none" w="med" len="med"/>
-                      <a:tailEnd type="none" w="med" len="med"/>
-                    </a:lnL>
-                    <a:lnR w="6350" cap="flat" cmpd="sng" algn="ctr">
-                      <a:solidFill>
-                        <a:schemeClr val="bg1">
-                          <a:lumMod val="65000"/>
-                        </a:schemeClr>
-                      </a:solidFill>
-                      <a:prstDash val="solid"/>
-                      <a:round/>
-                      <a:headEnd type="none" w="med" len="med"/>
-                      <a:tailEnd type="none" w="med" len="med"/>
-                    </a:lnR>
-                    <a:lnT w="6350" cap="flat" cmpd="sng" algn="ctr">
-                      <a:solidFill>
-                        <a:schemeClr val="bg1">
-                          <a:lumMod val="65000"/>
-                        </a:schemeClr>
-                      </a:solidFill>
-                      <a:prstDash val="solid"/>
-                      <a:round/>
-                      <a:headEnd type="none" w="med" len="med"/>
-                      <a:tailEnd type="none" w="med" len="med"/>
-                    </a:lnT>
-                    <a:lnB w="6350" cap="flat" cmpd="sng" algn="ctr">
-                      <a:solidFill>
-                        <a:schemeClr val="bg1">
-                          <a:lumMod val="65000"/>
-                        </a:schemeClr>
-                      </a:solidFill>
-                      <a:prstDash val="solid"/>
-                      <a:round/>
-                      <a:headEnd type="none" w="med" len="med"/>
-                      <a:tailEnd type="none" w="med" len="med"/>
-                    </a:lnB>
-                    <a:lnTlToBr w="12700" cmpd="sng">
-                      <a:noFill/>
-                      <a:prstDash val="solid"/>
-                    </a:lnTlToBr>
-                    <a:lnBlToTr w="12700" cmpd="sng">
-                      <a:noFill/>
-                      <a:prstDash val="solid"/>
-                    </a:lnBlToTr>
-                    <a:noFill/>
-                  </a:tcPr>
-                </a:tc>
-                <a:extLst>
-                  <a:ext uri="{0D108BD9-81ED-4DB2-BD59-A6C34878D82A}">
-                    <a16:rowId xmlns:a16="http://schemas.microsoft.com/office/drawing/2014/main" val="2602005501"/>
-                  </a:ext>
-                </a:extLst>
-              </a:tr>
-              <a:tr h="0">
-                <a:tc>
-                  <a:txBody>
-                    <a:bodyPr/>
-                    <a:lstStyle/>
-                    <a:p>
-                      <a:pPr marL="0" marR="0" lvl="0" indent="0" algn="l" defTabSz="755934" rtl="0" eaLnBrk="1" fontAlgn="auto" latinLnBrk="0" hangingPunct="1">
-                        <a:lnSpc>
-                          <a:spcPct val="90000"/>
-                        </a:lnSpc>
-                        <a:spcBef>
-                          <a:spcPts val="0"/>
-                        </a:spcBef>
-                        <a:spcAft>
-                          <a:spcPts val="0"/>
-                        </a:spcAft>
-                        <a:buClrTx/>
-                        <a:buSzTx/>
-                        <a:buFontTx/>
-                        <a:buNone/>
-                        <a:tabLst/>
-                        <a:defRPr sz="700"/>
-                      </a:pPr>
-                      <a:r>
-                        <a:rPr lang="fr-FR" sz="700" b="1" kern="1200">
+                        <a:rPr lang="fr-FR" sz="700" b="1" kern="1200" dirty="0">
                           <a:solidFill>
                             <a:srgbClr val="B9A049"/>
                           </a:solidFill>
@@ -5277,7 +5142,7 @@
                         <a:defRPr sz="700"/>
                       </a:pPr>
                       <a:r>
-                        <a:rPr lang="fr-FR" sz="700" b="0" i="0" kern="1200" noProof="0">
+                        <a:rPr lang="fr-FR" sz="700" b="0" i="0" kern="1200" noProof="0" dirty="0">
                           <a:solidFill>
                             <a:schemeClr val="tx1"/>
                           </a:solidFill>
@@ -7050,7 +6915,7 @@
                         <a:defRPr sz="700"/>
                       </a:pPr>
                       <a:r>
-                        <a:t>Le Niveau Initial correspond au niveau de clôture de l'indice le 29/07/2022</a:t>
+                        <a:t>Le Niveau Initial correspond au niveau de clôture de l'indiceEURO STOXX 50 Price EUR le 29/07/2022</a:t>
                       </a:r>
                     </a:p>
                   </a:txBody>
@@ -7517,7 +7382,7 @@
                         <a:defRPr sz="700"/>
                       </a:pPr>
                       <a:r>
-                        <a:t>31/07/2023, 30/10/2023, 29/01/2024, 29/04/2024, 29/07/2024, 29/10/2024, 29/01/2025, 29/04/2025, 29/07/2025, 29/10/2025, 29/01/2026, 29/04/2026, 29/07/2026, 29/10/2026, 29/01/2027, 29/04/2027, 29/07/2027, 29/10/2027, 31/01/2028, 02/05/2028, 31/07/2028, 30/10/2028, 29/01/2029, 30/04/2029, 30/07/2029, 29/10/2029, 29/01/2030, 29/04/2030, 29/07/2030, 29/10/2030, 29/01/2031, 29/04/2031, 29/07/2031, 29/10/2031, 29/01/2032, 29/04/2032, 29/07/2032</a:t>
+                        <a:t>31/07/2023, 30/10/2023, 29/01/2024, 29/04/2024, 29/07/2024, 29/10/2024, 29/01/2025, 29/04/2025, 29/07/2025, 29/10/2025, 29/01/2026, 29/04/2026, 29/07/2026, 29/10/2026, 29/01/2027, 29/04/2027, 29/07/2027, 29/10/2027, 31/01/2028, 02/05/2028, 31/07/2028, 30/10/2028, 29/01/2029, 30/04/2029, 30/07/2029, 29/10/2029, 29/01/2030, 29/04/2030, 29/07/2030, 29/10/2030, 29/01/2031, 29/04/2031, 29/07/2031, 29/10/2031, 29/01/2032, 29/04/2032, 29/07/2032, 29/07/2032(finale).</a:t>
                       </a:r>
                     </a:p>
                   </a:txBody>
@@ -7680,7 +7545,7 @@
                         <a:defRPr sz="700"/>
                       </a:pPr>
                       <a:r>
-                        <a:t>07/08/2023, 06/11/2023, 05/02/2024, 07/05/2024, 05/08/2024, 05/11/2024, 05/02/2025, 07/05/2025, 05/08/2025, 05/11/2025, 05/02/2026, 07/05/2026, 05/08/2026, 05/11/2026, 05/02/2027, 06/05/2027, 05/08/2027, 05/11/2027, 07/02/2028, 09/05/2028, 07/08/2028, 06/11/2028, 05/02/2029, 08/05/2029, 06/08/2029, 05/11/2029, 05/02/2030, 07/05/2030, 05/08/2030, 05/11/2030, 05/02/2031, 07/05/2031, 05/08/2031, 05/11/2031, 05/02/2032, 06/05/2032, 05/08/2032</a:t>
+                        <a:t>07/08/2023, 06/11/2023, 05/02/2024, 07/05/2024, 05/08/2024, 05/11/2024, 05/02/2025, 07/05/2025, 05/08/2025, 05/11/2025, 05/02/2026, 07/05/2026, 05/08/2026, 05/11/2026, 05/02/2027, 06/05/2027, 05/08/2027, 05/11/2027, 07/02/2028, 09/05/2028, 07/08/2028, 06/11/2028, 05/02/2029, 08/05/2029, 06/08/2029, 05/11/2029, 05/02/2030, 07/05/2030, 05/08/2030, 05/11/2030, 05/02/2031, 07/05/2031, 05/08/2031, 05/11/2031, 05/02/2032, 06/05/2032</a:t>
                       </a:r>
                     </a:p>
                   </a:txBody>
@@ -7843,7 +7708,7 @@
                         <a:defRPr sz="700"/>
                       </a:pPr>
                       <a:r>
-                        <a:t>95% du Niveau Initial de l'indice</a:t>
+                        <a:t>100% du Niveau Initial de l'indice</a:t>
                       </a:r>
                     </a:p>
                   </a:txBody>
@@ -8006,7 +7871,7 @@
                         <a:defRPr sz="700"/>
                       </a:pPr>
                       <a:r>
-                        <a:t>95% du Niveau Initial de l'indice</a:t>
+                        <a:t>100% du Niveau Initial de l'indice</a:t>
                       </a:r>
                     </a:p>
                   </a:txBody>
@@ -8997,7 +8862,7 @@
                         <a:defRPr sz="700"/>
                       </a:pPr>
                       <a:r>
-                        <a:rPr lang="fr-FR" sz="700" b="1" kern="1200">
+                        <a:rPr lang="fr-FR" sz="700" b="1" kern="1200" dirty="0">
                           <a:solidFill>
                             <a:srgbClr val="B9A049"/>
                           </a:solidFill>
@@ -9005,7 +8870,7 @@
                           <a:ea typeface="+mn-ea"/>
                           <a:cs typeface="+mn-cs"/>
                         </a:rPr>
-                        <a:t>Offre au public</a:t>
+                        <a:t>Offre au public donnant lieu à la publication d’un prospectus </a:t>
                       </a:r>
                     </a:p>
                   </a:txBody>
@@ -9068,15 +8933,15 @@
                     <a:bodyPr/>
                     <a:lstStyle/>
                     <a:p>
-                      <a:pPr marL="0" marR="0" lvl="0" indent="0" algn="just" defTabSz="755934" rtl="0" eaLnBrk="1" fontAlgn="auto" latinLnBrk="0" hangingPunct="1">
+                      <a:pPr marL="0" marR="0" lvl="0" indent="0" algn="just" defTabSz="755934" rtl="0" eaLnBrk="1" fontAlgn="base" latinLnBrk="0" hangingPunct="1">
                         <a:lnSpc>
-                          <a:spcPct val="90000"/>
+                          <a:spcPct val="100000"/>
                         </a:lnSpc>
                         <a:spcBef>
-                          <a:spcPts val="0"/>
+                          <a:spcPct val="0"/>
                         </a:spcBef>
                         <a:spcAft>
-                          <a:spcPts val="0"/>
+                          <a:spcPct val="0"/>
                         </a:spcAft>
                         <a:buClrTx/>
                         <a:buSzTx/>
@@ -9086,7 +8951,7 @@
                         <a:defRPr sz="700"/>
                       </a:pPr>
                       <a:r>
-                        <a:rPr lang="fr-FR" sz="700" b="0" i="0" kern="1200" noProof="0" dirty="0">
+                        <a:rPr lang="fr-FR" sz="700" b="0" i="0" kern="1200" dirty="0">
                           <a:solidFill>
                             <a:schemeClr val="tx1"/>
                           </a:solidFill>
@@ -9094,7 +8959,7 @@
                           <a:ea typeface="+mn-ea"/>
                           <a:cs typeface="+mn-cs"/>
                         </a:rPr>
-                        <a:t>Oui, exemption retenue : investisseur qualifié (assurance uniquement) ; offre au public exemptée de la publication d’un prospectus </a:t>
+                        <a:t>&lt;OUI SI APE/ NON SINON&gt;</a:t>
                       </a:r>
                     </a:p>
                   </a:txBody>
@@ -9182,7 +9047,7 @@
                         <a:defRPr sz="700"/>
                       </a:pPr>
                       <a:r>
-                        <a:rPr lang="fr-FR" sz="700" b="1" kern="1200">
+                        <a:rPr lang="fr-FR" sz="700" b="1" kern="1200" dirty="0">
                           <a:solidFill>
                             <a:srgbClr val="B9A049"/>
                           </a:solidFill>
@@ -9253,33 +9118,11 @@
                     <a:bodyPr/>
                     <a:lstStyle/>
                     <a:p>
-                      <a:pPr marL="0" marR="0" lvl="0" indent="0" algn="just" defTabSz="755934" rtl="0" eaLnBrk="1" fontAlgn="auto" latinLnBrk="0" hangingPunct="1">
-                        <a:lnSpc>
-                          <a:spcPct val="90000"/>
-                        </a:lnSpc>
-                        <a:spcBef>
-                          <a:spcPts val="0"/>
-                        </a:spcBef>
-                        <a:spcAft>
-                          <a:spcPts val="0"/>
-                        </a:spcAft>
-                        <a:buClrTx/>
-                        <a:buSzTx/>
-                        <a:buFontTx/>
-                        <a:buNone/>
-                        <a:tabLst/>
+                      <a:pPr>
                         <a:defRPr sz="700"/>
                       </a:pPr>
                       <a:r>
-                        <a:rPr lang="fr-FR" sz="700" b="0" i="0" kern="1200" noProof="0" dirty="0">
-                          <a:solidFill>
-                            <a:schemeClr val="tx1"/>
-                          </a:solidFill>
-                          <a:latin typeface="+mn-lt"/>
-                          <a:ea typeface="+mn-ea"/>
-                          <a:cs typeface="+mn-cs"/>
-                        </a:rPr>
-                        <a:t>BNP Paribas Arbitrage S.N.C. paiera au distributeur une rémunération annuelle maximum équivalente à 1% (sur la base de la durée maximale des titres) TTC du montant placé. Veuillez contacter le distributeur pour plus de précisions. Ces commissions sont incluses dans le prix d’achat.</a:t>
+                        <a:t>Morgan Stanley &amp; Co International Plc⁽¹⁾ paiera aux distributeurs une rémunération annuelle maximum inférieur à 1,50% TTC du montant de l’émission. Veuillez contacter le distributeur pour plus de précisions. Ces commissions sont incluses dans le prix d’achat.</a:t>
                       </a:r>
                     </a:p>
                   </a:txBody>
@@ -9458,20 +9301,20 @@
                       <a:r>
                         <a:rPr lang="fr-FR" sz="700" b="0" i="0" kern="1200" dirty="0">
                           <a:solidFill>
-                            <a:schemeClr val="tx1"/>
+                            <a:srgbClr val="000000"/>
                           </a:solidFill>
-                          <a:latin typeface="+mn-lt"/>
+                          <a:latin typeface="Proxima Nova Rg" panose="02000506030000020004" pitchFamily="2" charset="0"/>
                           <a:ea typeface="+mn-ea"/>
                           <a:cs typeface="+mn-cs"/>
                         </a:rPr>
-                        <a:t>Publication quotidienne sur Reuters, Bloomberg et </a:t>
+                        <a:t>Valorisation quotidienne publiée sur les pages Bloomberg, </a:t>
                       </a:r>
                       <a:r>
                         <a:rPr lang="fr-FR" sz="700" b="0" i="0" kern="1200" dirty="0" err="1">
                           <a:solidFill>
-                            <a:schemeClr val="tx1"/>
+                            <a:srgbClr val="000000"/>
                           </a:solidFill>
-                          <a:latin typeface="+mn-lt"/>
+                          <a:latin typeface="Proxima Nova Rg" panose="02000506030000020004" pitchFamily="2" charset="0"/>
                           <a:ea typeface="+mn-ea"/>
                           <a:cs typeface="+mn-cs"/>
                         </a:rPr>
@@ -9480,13 +9323,13 @@
                       <a:r>
                         <a:rPr lang="fr-FR" sz="700" b="0" i="0" kern="1200" dirty="0">
                           <a:solidFill>
-                            <a:schemeClr val="tx1"/>
+                            <a:srgbClr val="000000"/>
                           </a:solidFill>
-                          <a:latin typeface="+mn-lt"/>
+                          <a:latin typeface="Proxima Nova Rg" panose="02000506030000020004" pitchFamily="2" charset="0"/>
                           <a:ea typeface="+mn-ea"/>
                           <a:cs typeface="+mn-cs"/>
                         </a:rPr>
-                        <a:t>, tenu à la disposition du public en permanence sur demande.</a:t>
+                        <a:t> et Reuters. Elle est par ailleurs tenue à disposition du public en permanence sur demande.</a:t>
                       </a:r>
                     </a:p>
                   </a:txBody>
@@ -9665,13 +9508,79 @@
                       <a:r>
                         <a:rPr lang="fr-FR" sz="700" b="0" i="0" kern="1200" dirty="0">
                           <a:solidFill>
-                            <a:schemeClr val="tx1"/>
+                            <a:srgbClr val="000000"/>
                           </a:solidFill>
-                          <a:latin typeface="+mn-lt"/>
+                          <a:latin typeface="Proxima Nova Rg" panose="02000506030000020004" pitchFamily="2" charset="0"/>
                           <a:ea typeface="+mn-ea"/>
                           <a:cs typeface="+mn-cs"/>
                         </a:rPr>
-                        <a:t>Une double valorisation sera établie tous les quinze (15) jours par la société REFINITIV, sociétés indépendantes du Groupe BNP Paribas</a:t>
+                        <a:t>Une double valorisation est établie par </a:t>
+                      </a:r>
+                      <a:r>
+                        <a:rPr lang="fr-FR" sz="700" b="0" i="0" kern="1200" dirty="0" err="1">
+                          <a:solidFill>
+                            <a:srgbClr val="000000"/>
+                          </a:solidFill>
+                          <a:latin typeface="Proxima Nova Rg" panose="02000506030000020004" pitchFamily="2" charset="0"/>
+                          <a:ea typeface="+mn-ea"/>
+                          <a:cs typeface="+mn-cs"/>
+                        </a:rPr>
+                        <a:t>Finalyse</a:t>
+                      </a:r>
+                      <a:r>
+                        <a:rPr lang="fr-FR" sz="700" b="0" i="0" kern="1200" dirty="0">
+                          <a:solidFill>
+                            <a:srgbClr val="000000"/>
+                          </a:solidFill>
+                          <a:latin typeface="Proxima Nova Rg" panose="02000506030000020004" pitchFamily="2" charset="0"/>
+                          <a:ea typeface="+mn-ea"/>
+                          <a:cs typeface="+mn-cs"/>
+                        </a:rPr>
+                        <a:t> (tous les 15 jours). Cette société est un organisme indépendant distinct et non lié financièrement à l’entité </a:t>
+                      </a:r>
+                      <a:r>
+                        <a:rPr lang="fr-FR" sz="700" b="0" i="0" kern="1200" dirty="0" err="1">
+                          <a:solidFill>
+                            <a:srgbClr val="000000"/>
+                          </a:solidFill>
+                          <a:latin typeface="Proxima Nova Rg" panose="02000506030000020004" pitchFamily="2" charset="0"/>
+                          <a:ea typeface="+mn-ea"/>
+                          <a:cs typeface="+mn-cs"/>
+                        </a:rPr>
+                        <a:t>Credit</a:t>
+                      </a:r>
+                      <a:r>
+                        <a:rPr lang="fr-FR" sz="700" b="0" i="0" kern="1200" dirty="0">
+                          <a:solidFill>
+                            <a:srgbClr val="000000"/>
+                          </a:solidFill>
+                          <a:latin typeface="Proxima Nova Rg" panose="02000506030000020004" pitchFamily="2" charset="0"/>
+                          <a:ea typeface="+mn-ea"/>
+                          <a:cs typeface="+mn-cs"/>
+                        </a:rPr>
+                        <a:t> Suisse International ou à une autre entité du groupe </a:t>
+                      </a:r>
+                      <a:r>
+                        <a:rPr lang="fr-FR" sz="700" b="0" i="0" kern="1200" dirty="0" err="1">
+                          <a:solidFill>
+                            <a:srgbClr val="000000"/>
+                          </a:solidFill>
+                          <a:latin typeface="Proxima Nova Rg" panose="02000506030000020004" pitchFamily="2" charset="0"/>
+                          <a:ea typeface="+mn-ea"/>
+                          <a:cs typeface="+mn-cs"/>
+                        </a:rPr>
+                        <a:t>Credit</a:t>
+                      </a:r>
+                      <a:r>
+                        <a:rPr lang="fr-FR" sz="700" b="0" i="0" kern="1200" dirty="0">
+                          <a:solidFill>
+                            <a:srgbClr val="000000"/>
+                          </a:solidFill>
+                          <a:latin typeface="Proxima Nova Rg" panose="02000506030000020004" pitchFamily="2" charset="0"/>
+                          <a:ea typeface="+mn-ea"/>
+                          <a:cs typeface="+mn-cs"/>
+                        </a:rPr>
+                        <a:t> Suisse.</a:t>
                       </a:r>
                     </a:p>
                   </a:txBody>
@@ -9830,15 +9739,15 @@
                     <a:bodyPr/>
                     <a:lstStyle/>
                     <a:p>
-                      <a:pPr marL="0" marR="0" lvl="0" indent="0" algn="just" defTabSz="755934" rtl="0" eaLnBrk="1" fontAlgn="auto" latinLnBrk="0" hangingPunct="1">
+                      <a:pPr marL="0" marR="0" lvl="0" indent="0" algn="just" defTabSz="755934" rtl="0" eaLnBrk="1" fontAlgn="base" latinLnBrk="0" hangingPunct="1">
                         <a:lnSpc>
-                          <a:spcPct val="88000"/>
+                          <a:spcPct val="90000"/>
                         </a:lnSpc>
                         <a:spcBef>
-                          <a:spcPts val="0"/>
+                          <a:spcPct val="0"/>
                         </a:spcBef>
                         <a:spcAft>
-                          <a:spcPts val="0"/>
+                          <a:spcPct val="0"/>
                         </a:spcAft>
                         <a:buClrTx/>
                         <a:buSzTx/>
@@ -9848,15 +9757,81 @@
                         <a:defRPr sz="700"/>
                       </a:pPr>
                       <a:r>
-                        <a:rPr lang="fr-FR" sz="700" b="0" i="0" kern="1200" noProof="0" dirty="0">
+                        <a:rPr lang="fr-FR" sz="700" b="0" i="0" kern="1200" dirty="0">
                           <a:solidFill>
-                            <a:schemeClr val="tx1"/>
+                            <a:srgbClr val="000000"/>
                           </a:solidFill>
-                          <a:latin typeface="+mn-lt"/>
+                          <a:latin typeface="Proxima Nova Rg" panose="02000506030000020004" pitchFamily="2" charset="0"/>
                           <a:ea typeface="+mn-ea"/>
                           <a:cs typeface="+mn-cs"/>
                         </a:rPr>
-                        <a:t>BNP Paribas Arbitrage S.N.C. s’engage, dans des conditions normales de marché, à donner de manière quotidienne des prix indicatifs pendant toute la durée de vie du produit avec une fourchette achat/vente de 1,00%.</a:t>
+                        <a:t>Dans des conditions normales de marché et sous réserve (i) des lois et réglementations applicables, (ii) des règles internes de Morgan Stanley, Morgan Stanley &amp; Co. International </a:t>
+                      </a:r>
+                      <a:r>
+                        <a:rPr lang="fr-FR" sz="700" b="0" i="0" kern="1200" dirty="0" err="1">
+                          <a:solidFill>
+                            <a:srgbClr val="000000"/>
+                          </a:solidFill>
+                          <a:latin typeface="Proxima Nova Rg" panose="02000506030000020004" pitchFamily="2" charset="0"/>
+                          <a:ea typeface="+mn-ea"/>
+                          <a:cs typeface="+mn-cs"/>
+                        </a:rPr>
+                        <a:t>plc</a:t>
+                      </a:r>
+                      <a:r>
+                        <a:rPr lang="fr-FR" sz="700" b="0" i="0" kern="1200" dirty="0">
+                          <a:solidFill>
+                            <a:srgbClr val="000000"/>
+                          </a:solidFill>
+                          <a:latin typeface="Proxima Nova Rg" panose="02000506030000020004" pitchFamily="2" charset="0"/>
+                          <a:ea typeface="+mn-ea"/>
+                          <a:cs typeface="+mn-cs"/>
+                        </a:rPr>
+                        <a:t> usera de ses efforts raisonnables pour fournir une liquidité journalière avec un écart </a:t>
+                      </a:r>
+                      <a:r>
+                        <a:rPr lang="fr-FR" sz="700" b="0" i="0" kern="1200" dirty="0" err="1">
+                          <a:solidFill>
+                            <a:srgbClr val="000000"/>
+                          </a:solidFill>
+                          <a:latin typeface="Proxima Nova Rg" panose="02000506030000020004" pitchFamily="2" charset="0"/>
+                          <a:ea typeface="+mn-ea"/>
+                          <a:cs typeface="+mn-cs"/>
+                        </a:rPr>
+                        <a:t>bid</a:t>
+                      </a:r>
+                      <a:r>
+                        <a:rPr lang="fr-FR" sz="700" b="0" i="0" kern="1200" dirty="0">
+                          <a:solidFill>
+                            <a:srgbClr val="000000"/>
+                          </a:solidFill>
+                          <a:latin typeface="Proxima Nova Rg" panose="02000506030000020004" pitchFamily="2" charset="0"/>
+                          <a:ea typeface="+mn-ea"/>
+                          <a:cs typeface="+mn-cs"/>
+                        </a:rPr>
+                        <a:t>/</a:t>
+                      </a:r>
+                      <a:r>
+                        <a:rPr lang="fr-FR" sz="700" b="0" i="0" kern="1200" dirty="0" err="1">
+                          <a:solidFill>
+                            <a:srgbClr val="000000"/>
+                          </a:solidFill>
+                          <a:latin typeface="Proxima Nova Rg" panose="02000506030000020004" pitchFamily="2" charset="0"/>
+                          <a:ea typeface="+mn-ea"/>
+                          <a:cs typeface="+mn-cs"/>
+                        </a:rPr>
+                        <a:t>ask</a:t>
+                      </a:r>
+                      <a:r>
+                        <a:rPr lang="fr-FR" sz="700" b="0" i="0" kern="1200" dirty="0">
+                          <a:solidFill>
+                            <a:srgbClr val="000000"/>
+                          </a:solidFill>
+                          <a:latin typeface="Proxima Nova Rg" panose="02000506030000020004" pitchFamily="2" charset="0"/>
+                          <a:ea typeface="+mn-ea"/>
+                          <a:cs typeface="+mn-cs"/>
+                        </a:rPr>
+                        <a:t> de 1%. Toutefois, Morgan Stanley &amp; Co International Plc n’a pas d’obligation légale de le faire.</a:t>
                       </a:r>
                     </a:p>
                   </a:txBody>
@@ -10004,33 +9979,11 @@
                     <a:bodyPr/>
                     <a:lstStyle/>
                     <a:p>
-                      <a:pPr marL="0" marR="0" lvl="0" indent="0" algn="just" defTabSz="755934" rtl="0" eaLnBrk="1" fontAlgn="base" latinLnBrk="0" hangingPunct="1">
-                        <a:lnSpc>
-                          <a:spcPct val="88000"/>
-                        </a:lnSpc>
-                        <a:spcBef>
-                          <a:spcPct val="0"/>
-                        </a:spcBef>
-                        <a:spcAft>
-                          <a:spcPct val="0"/>
-                        </a:spcAft>
-                        <a:buClrTx/>
-                        <a:buSzTx/>
-                        <a:buFontTx/>
-                        <a:buNone/>
-                        <a:tabLst/>
+                      <a:pPr>
                         <a:defRPr sz="700"/>
                       </a:pPr>
                       <a:r>
-                        <a:rPr lang="fr-FR" sz="700" b="0" i="0" kern="1200" noProof="0" dirty="0">
-                          <a:solidFill>
-                            <a:schemeClr val="tx1"/>
-                          </a:solidFill>
-                          <a:latin typeface="+mn-lt"/>
-                          <a:ea typeface="+mn-ea"/>
-                          <a:cs typeface="+mn-cs"/>
-                        </a:rPr>
-                        <a:t>BNP Paribas Arbitrage S.N.C, entité du Groupe BNP Paribas, potentiellement source de conflits d'intérêts.</a:t>
+                        <a:t>Morgan Stanley &amp; Co International Plc⁽¹⁾, ce qui peut être source d’un conflit d’intérêt⁽²⁾.</a:t>
                       </a:r>
                     </a:p>
                   </a:txBody>
@@ -10496,6 +10449,55 @@
         </p:spPr>
         <p:txBody>
           <a:bodyPr lIns="20981" tIns="20981" rIns="20981" bIns="20981"/>
+          <a:lstStyle/>
+          <a:p>
+            <a:pPr algn="ctr" defTabSz="825500">
+              <a:lnSpc>
+                <a:spcPct val="100000"/>
+              </a:lnSpc>
+              <a:defRPr sz="3200" b="0">
+                <a:solidFill>
+                  <a:srgbClr val="FFFFFF"/>
+                </a:solidFill>
+                <a:latin typeface="Helvetica Neue Medium"/>
+                <a:ea typeface="Helvetica Neue Medium"/>
+                <a:cs typeface="Helvetica Neue Medium"/>
+                <a:sym typeface="Helvetica Neue Medium"/>
+              </a:defRPr>
+            </a:pPr>
+            <a:endParaRPr/>
+          </a:p>
+        </p:txBody>
+      </p:sp>
+      <p:sp>
+        <p:nvSpPr>
+          <p:cNvPr id="8" name="Rectangle">
+            <a:extLst>
+              <a:ext uri="{FF2B5EF4-FFF2-40B4-BE49-F238E27FC236}">
+                <a16:creationId xmlns:a16="http://schemas.microsoft.com/office/drawing/2014/main" id="{6900565A-F48B-5B06-F008-39BAB3A261F0}"/>
+              </a:ext>
+            </a:extLst>
+          </p:cNvPr>
+          <p:cNvSpPr/>
+          <p:nvPr/>
+        </p:nvSpPr>
+        <p:spPr>
+          <a:xfrm>
+            <a:off x="357725" y="9705670"/>
+            <a:ext cx="6840000" cy="6846"/>
+          </a:xfrm>
+          <a:prstGeom prst="rect">
+            <a:avLst/>
+          </a:prstGeom>
+          <a:solidFill>
+            <a:srgbClr val="C5AF5C"/>
+          </a:solidFill>
+          <a:ln w="3175">
+            <a:miter lim="400000"/>
+          </a:ln>
+        </p:spPr>
+        <p:txBody>
+          <a:bodyPr lIns="20981" tIns="20981" rIns="20981" bIns="20981" anchor="ctr"/>
           <a:lstStyle/>
           <a:p>
             <a:pPr algn="ctr" defTabSz="825500">
@@ -10641,6 +10643,55 @@
           </a:p>
         </p:txBody>
       </p:sp>
+      <p:sp>
+        <p:nvSpPr>
+          <p:cNvPr id="4" name="Rectangle">
+            <a:extLst>
+              <a:ext uri="{FF2B5EF4-FFF2-40B4-BE49-F238E27FC236}">
+                <a16:creationId xmlns:a16="http://schemas.microsoft.com/office/drawing/2014/main" id="{520466E7-91C4-9A40-89AB-1AD05A0F35F6}"/>
+              </a:ext>
+            </a:extLst>
+          </p:cNvPr>
+          <p:cNvSpPr/>
+          <p:nvPr/>
+        </p:nvSpPr>
+        <p:spPr>
+          <a:xfrm>
+            <a:off x="359837" y="9654374"/>
+            <a:ext cx="6840000" cy="6846"/>
+          </a:xfrm>
+          <a:prstGeom prst="rect">
+            <a:avLst/>
+          </a:prstGeom>
+          <a:solidFill>
+            <a:srgbClr val="C5AF5C"/>
+          </a:solidFill>
+          <a:ln w="3175">
+            <a:miter lim="400000"/>
+          </a:ln>
+        </p:spPr>
+        <p:txBody>
+          <a:bodyPr lIns="20981" tIns="20981" rIns="20981" bIns="20981" anchor="ctr"/>
+          <a:lstStyle/>
+          <a:p>
+            <a:pPr algn="ctr" defTabSz="825500">
+              <a:lnSpc>
+                <a:spcPct val="100000"/>
+              </a:lnSpc>
+              <a:defRPr sz="3200" b="0">
+                <a:solidFill>
+                  <a:srgbClr val="FFFFFF"/>
+                </a:solidFill>
+                <a:latin typeface="Helvetica Neue Medium"/>
+                <a:ea typeface="Helvetica Neue Medium"/>
+                <a:cs typeface="Helvetica Neue Medium"/>
+                <a:sym typeface="Helvetica Neue Medium"/>
+              </a:defRPr>
+            </a:pPr>
+            <a:endParaRPr/>
+          </a:p>
+        </p:txBody>
+      </p:sp>
     </p:spTree>
     <p:extLst>
       <p:ext uri="{BB962C8B-B14F-4D97-AF65-F5344CB8AC3E}">
@@ -10718,7 +10769,7 @@
         <p:spPr bwMode="auto">
           <a:xfrm>
             <a:off x="361950" y="9765983"/>
-            <a:ext cx="6483350" cy="600164"/>
+            <a:ext cx="6483350" cy="700192"/>
           </a:xfrm>
           <a:prstGeom prst="rect">
             <a:avLst/>
@@ -10812,6 +10863,39 @@
                 <a:latin typeface="Proxima Nova Rg" panose="02000506030000020004" pitchFamily="2" charset="0"/>
               </a:rPr>
               <a:t> selon les scénarios. Une sortie anticipée à l’initiative de l’investisseur se fera à un niveau dépendant de l’évolution des paramètres de marché au moment de la sortie (niveau de l'indice, des taux d’intérêt, de la volatilité et des primes de risque de crédit notamment) et pourra donc entraîner un risque de perte en capital.</a:t>
+            </a:r>
+          </a:p>
+          <a:p>
+            <a:pPr algn="just"/>
+            <a:r>
+              <a:rPr lang="fr-FR" sz="650" baseline="30000">
+                <a:solidFill>
+                  <a:srgbClr val="000000"/>
+                </a:solidFill>
+                <a:highlight>
+                  <a:srgbClr val="FF00FF"/>
+                </a:highlight>
+                <a:latin typeface="Proxima Nova Rg" panose="02000506030000020004" pitchFamily="2" charset="0"/>
+              </a:rPr>
+              <a:t>(</a:t>
+            </a:r>
+            <a:r>
+              <a:rPr lang="fr-FR" sz="650" baseline="30000">
+                <a:solidFill>
+                  <a:srgbClr val="000000"/>
+                </a:solidFill>
+                <a:latin typeface="Proxima Nova Rg" panose="02000506030000020004" pitchFamily="2" charset="0"/>
+              </a:rPr>
+              <a:t>3) </a:t>
+            </a:r>
+            <a:r>
+              <a:rPr lang="fr-FR" sz="650">
+                <a:solidFill>
+                  <a:srgbClr val="000000"/>
+                </a:solidFill>
+                <a:latin typeface="Proxima Nova Rg" panose="02000506030000020004" pitchFamily="2" charset="0"/>
+              </a:rPr>
+              <a:t> Veuillez vous référer à la section dédiée en page 3 pour une présentation de la détermination du Niveau Initial</a:t>
             </a:r>
           </a:p>
         </p:txBody>
@@ -11345,7 +11429,7 @@
         <p:spPr>
           <a:xfrm>
             <a:off x="458462" y="974579"/>
-            <a:ext cx="6741374" cy="3761030"/>
+            <a:ext cx="6741374" cy="3300391"/>
           </a:xfrm>
           <a:prstGeom prst="rect">
             <a:avLst/>
@@ -11520,21 +11604,10 @@
             </a:lvl9pPr>
           </a:lstStyle>
           <a:p>
-            <a:pPr marL="0" marR="0" lvl="1" indent="0" algn="just" defTabSz="755934" rtl="0" eaLnBrk="1" fontAlgn="auto" latinLnBrk="0" hangingPunct="1">
+            <a:pPr lvl="1" algn="just">
               <a:lnSpc>
                 <a:spcPct val="90000"/>
               </a:lnSpc>
-              <a:spcBef>
-                <a:spcPts val="800"/>
-              </a:spcBef>
-              <a:spcAft>
-                <a:spcPts val="200"/>
-              </a:spcAft>
-              <a:buClrTx/>
-              <a:buSzTx/>
-              <a:buFont typeface="Arial" panose="020B0604020202020204" pitchFamily="34" charset="0"/>
-              <a:buNone/>
-              <a:tabLst/>
               <a:defRPr/>
             </a:pPr>
             <a:r>
@@ -11552,10 +11625,10 @@
                 <a:ea typeface="+mn-ea"/>
                 <a:cs typeface="+mn-cs"/>
               </a:rPr>
-              <a:t>Les termes « capital » et « capital initial » utilisés dans cette brochure désignent la Valeur Nominale des titres de créance « kopkpopok » soit 1 000 EUR. Le montant remboursé est brut, hors frais et fiscalité applicable au cadre d’investissement. Le Taux de Rendement Annuel est net de frais de gestion pour les contrats d’assurance vie/capitalisation (en prenant comme hypothèse un taux de frais de gestion de </a:t>
-            </a:r>
-            <a:r>
-              <a:rPr kumimoji="0" lang="fr-FR" sz="800" b="0" i="0" u="none" strike="noStrike" kern="1200" cap="none" spc="-40" normalizeH="0" baseline="0" noProof="0" dirty="0">
+              <a:t>Les termes « capital » et « capital initial » utilisés dans cette brochure désignent la Valeur Nominale des titres de créance « kopkpopok » soit 1 000 EUR multiplié par le nombre de titres. Le montant remboursé est brut, hors frais et fiscalité applicable au cadre d’investissement. Les taux de Rendement Annuel (« TRA ») sont nets de frais de gestion pour les contrats d’assurance vie/capitalisation ou net de droits de garde en compte-titres (en prenant comme hypothèse un taux de frais de gestion ou de droits de garde de 1,00% annuel), mais sans prise en compte des autres frais, de la fiscalité et des prélèvements sociaux applicables au cadre d’investissement. Ils sont calculés pour un investissement entre la &lt;</a:t>
+            </a:r>
+            <a:r>
+              <a:rPr kumimoji="0" lang="fr-FR" sz="800" b="0" i="0" u="none" strike="noStrike" kern="1200" cap="none" spc="0" normalizeH="0" baseline="0" noProof="0" dirty="0" err="1">
                 <a:ln>
                   <a:noFill/>
                 </a:ln>
@@ -11565,11 +11638,11 @@
                 <a:effectLst/>
                 <a:uLnTx/>
                 <a:uFillTx/>
-                <a:latin typeface="Proxima Nova Rg" panose="02000506030000020004" pitchFamily="2" charset="0"/>
+                <a:latin typeface="Proxima Nova Rg"/>
                 <a:ea typeface="+mn-ea"/>
                 <a:cs typeface="+mn-cs"/>
               </a:rPr>
-              <a:t>1,00% </a:t>
+              <a:t>DDCI_M_B_Strike</a:t>
             </a:r>
             <a:r>
               <a:rPr kumimoji="0" lang="fr-FR" sz="800" b="0" i="0" u="none" strike="noStrike" kern="1200" cap="none" spc="0" normalizeH="0" baseline="0" noProof="0" dirty="0">
@@ -11586,10 +11659,18 @@
                 <a:ea typeface="+mn-ea"/>
                 <a:cs typeface="+mn-cs"/>
               </a:rPr>
-              <a:t>annuel), sans prise en compte des autres frais et de la fiscalité. Il est calculé entre le 29/07/2022 et la date de remboursement anticipé automatique concernée</a:t>
-            </a:r>
-            <a:r>
-              <a:rPr kumimoji="0" lang="fr-FR" sz="800" b="0" i="0" u="none" strike="noStrike" kern="1200" cap="none" spc="0" normalizeH="0" baseline="30000" noProof="0" dirty="0">
+              <a:t>&gt; date de constatation initiale</a:t>
+            </a:r>
+            <a:r>
+              <a:rPr lang="fr-FR" sz="800" baseline="30000" dirty="0">
+                <a:solidFill>
+                  <a:schemeClr val="tx2"/>
+                </a:solidFill>
+              </a:rPr>
+              <a:t> ⁽¹⁾</a:t>
+            </a:r>
+            <a:r>
+              <a:rPr kumimoji="0" lang="fr-FR" sz="800" b="0" i="0" u="none" strike="noStrike" kern="1200" cap="none" spc="0" normalizeH="0" baseline="0" noProof="0" dirty="0">
                 <a:ln>
                   <a:noFill/>
                 </a:ln>
@@ -11603,7 +11684,27 @@
                 <a:ea typeface="+mn-ea"/>
                 <a:cs typeface="+mn-cs"/>
               </a:rPr>
-              <a:t>⁽¹⁾</a:t>
+              <a:t> (soit le 29/07/2022) et la date d’échéance</a:t>
+            </a:r>
+            <a:r>
+              <a:rPr lang="fr-FR" sz="800" b="1" baseline="30000" dirty="0">
+                <a:solidFill>
+                  <a:schemeClr val="tx2"/>
+                </a:solidFill>
+              </a:rPr>
+              <a:t> </a:t>
+            </a:r>
+            <a:r>
+              <a:rPr lang="fr-FR" sz="800" baseline="30000" dirty="0">
+                <a:solidFill>
+                  <a:schemeClr val="tx2"/>
+                </a:solidFill>
+              </a:rPr>
+              <a:t>⁽¹⁾ </a:t>
+            </a:r>
+            <a:r>
+              <a:rPr lang="fr-FR" sz="800" b="1" baseline="30000" dirty="0"/>
+              <a:t> </a:t>
             </a:r>
             <a:r>
               <a:rPr kumimoji="0" lang="fr-FR" sz="800" b="0" i="0" u="none" strike="noStrike" kern="1200" cap="none" spc="0" normalizeH="0" baseline="0" noProof="0" dirty="0">
@@ -11620,10 +11721,18 @@
                 <a:ea typeface="+mn-ea"/>
                 <a:cs typeface="+mn-cs"/>
               </a:rPr>
-              <a:t>, ou d’échéance</a:t>
-            </a:r>
-            <a:r>
-              <a:rPr kumimoji="0" lang="fr-FR" sz="800" b="0" i="0" u="none" strike="noStrike" kern="1200" cap="none" spc="0" normalizeH="0" baseline="30000" noProof="0" dirty="0">
+              <a:t>ou la date de remboursement automatique anticipé effective</a:t>
+            </a:r>
+            <a:r>
+              <a:rPr lang="fr-FR" sz="800" baseline="30000" dirty="0">
+                <a:solidFill>
+                  <a:schemeClr val="tx2"/>
+                </a:solidFill>
+              </a:rPr>
+              <a:t> ⁽¹⁾ </a:t>
+            </a:r>
+            <a:r>
+              <a:rPr kumimoji="0" lang="fr-FR" sz="800" b="0" i="0" u="none" strike="noStrike" kern="1200" cap="none" spc="0" normalizeH="0" baseline="0" noProof="0" dirty="0">
                 <a:ln>
                   <a:noFill/>
                 </a:ln>
@@ -11637,10 +11746,10 @@
                 <a:ea typeface="+mn-ea"/>
                 <a:cs typeface="+mn-cs"/>
               </a:rPr>
-              <a:t>⁽¹⁾</a:t>
-            </a:r>
-            <a:r>
-              <a:rPr kumimoji="0" lang="fr-FR" sz="800" b="0" i="0" u="none" strike="noStrike" kern="1200" cap="none" spc="0" normalizeH="0" baseline="0" noProof="0" dirty="0">
+              <a:t>ou en cas d’arbitrage ou de rachat pour les contrats d’assurance vie ou de capitalisation, ou de dénouement par décès pour les contrats d’assurance vie), les Taux de Rendement Annuel effectifs peuvent être supérieurs ou inférieurs aux Taux de Rendement Annuel indiqués dans la présente brochure. </a:t>
+            </a:r>
+            <a:r>
+              <a:rPr kumimoji="0" lang="fr-FR" sz="800" b="1" i="0" u="none" strike="noStrike" kern="1200" cap="none" spc="0" normalizeH="0" baseline="0" noProof="0" dirty="0">
                 <a:ln>
                   <a:noFill/>
                 </a:ln>
@@ -11654,76 +11763,22 @@
                 <a:ea typeface="+mn-ea"/>
                 <a:cs typeface="+mn-cs"/>
               </a:rPr>
-              <a:t> selon les cas. En cas de vente du titre de créance avant la date d’échéance</a:t>
-            </a:r>
-            <a:r>
-              <a:rPr kumimoji="0" lang="fr-FR" sz="800" b="0" i="0" u="none" strike="noStrike" kern="1200" cap="none" spc="0" normalizeH="0" baseline="30000" noProof="0" dirty="0">
-                <a:ln>
-                  <a:noFill/>
-                </a:ln>
-                <a:solidFill>
-                  <a:schemeClr val="tx1"/>
-                </a:solidFill>
-                <a:effectLst/>
-                <a:uLnTx/>
-                <a:uFillTx/>
-                <a:latin typeface="Proxima Nova Rg"/>
-                <a:ea typeface="+mn-ea"/>
-                <a:cs typeface="+mn-cs"/>
-              </a:rPr>
-              <a:t>⁽¹⁾</a:t>
-            </a:r>
-            <a:r>
-              <a:rPr kumimoji="0" lang="fr-FR" sz="800" b="0" i="0" u="none" strike="noStrike" kern="1200" cap="none" spc="0" normalizeH="0" baseline="0" noProof="0" dirty="0">
-                <a:ln>
-                  <a:noFill/>
-                </a:ln>
-                <a:solidFill>
-                  <a:schemeClr val="tx1"/>
-                </a:solidFill>
-                <a:effectLst/>
-                <a:uLnTx/>
-                <a:uFillTx/>
-                <a:latin typeface="Proxima Nova Rg"/>
-                <a:ea typeface="+mn-ea"/>
-                <a:cs typeface="+mn-cs"/>
-              </a:rPr>
-              <a:t> ou la date de remboursement anticipé automatique</a:t>
-            </a:r>
-            <a:r>
-              <a:rPr kumimoji="0" lang="fr-FR" sz="800" b="0" i="0" u="none" strike="noStrike" kern="1200" cap="none" spc="0" normalizeH="0" baseline="30000" noProof="0" dirty="0">
-                <a:ln>
-                  <a:noFill/>
-                </a:ln>
-                <a:solidFill>
-                  <a:schemeClr val="tx1"/>
-                </a:solidFill>
-                <a:effectLst/>
-                <a:uLnTx/>
-                <a:uFillTx/>
-                <a:latin typeface="Proxima Nova Rg"/>
-                <a:ea typeface="+mn-ea"/>
-                <a:cs typeface="+mn-cs"/>
-              </a:rPr>
-              <a:t>⁽¹⁾</a:t>
-            </a:r>
-            <a:r>
-              <a:rPr kumimoji="0" lang="fr-FR" sz="800" b="0" i="0" u="none" strike="noStrike" kern="1200" cap="none" spc="0" normalizeH="0" baseline="0" noProof="0" dirty="0">
-                <a:ln>
-                  <a:noFill/>
-                </a:ln>
-                <a:solidFill>
-                  <a:schemeClr val="tx1"/>
-                </a:solidFill>
-                <a:effectLst/>
-                <a:uLnTx/>
-                <a:uFillTx/>
-                <a:latin typeface="Proxima Nova Rg"/>
-                <a:ea typeface="+mn-ea"/>
-                <a:cs typeface="+mn-cs"/>
-              </a:rPr>
-              <a:t> (ou en cas d’arbitrage ou de rachat pour les contrats d’assurance vie/capitalisation, ou de dénouement par décès pour les contrats d’assurance vie), le Taux de Rendement Annuel effectif peut être supérieur ou inférieur au Taux de Rendement Annuel indiqué dans la présente brochure. De plus, l’investisseur peut subir une perte en capital. </a:t>
-            </a:r>
+              <a:t>De plus l’investisseur peut subir une perte en capital partielle ou totale. Les avantages du titre de créance profitent aux seuls investisseurs qui conservent l’instrument financier jusqu’à son échéance effective. </a:t>
+            </a:r>
+            <a:endParaRPr kumimoji="0" lang="fr-FR" sz="800" b="0" i="0" u="none" strike="noStrike" kern="1200" cap="none" spc="0" normalizeH="0" baseline="0" noProof="0" dirty="0">
+              <a:ln>
+                <a:noFill/>
+              </a:ln>
+              <a:solidFill>
+                <a:schemeClr val="tx1"/>
+              </a:solidFill>
+              <a:effectLst/>
+              <a:uLnTx/>
+              <a:uFillTx/>
+              <a:latin typeface="Proxima Nova Rg"/>
+              <a:ea typeface="+mn-ea"/>
+              <a:cs typeface="+mn-cs"/>
+            </a:endParaRPr>
           </a:p>
           <a:p>
             <a:pPr marL="0" marR="0" lvl="1" indent="0" algn="just" defTabSz="755934" rtl="0" eaLnBrk="1" fontAlgn="auto" latinLnBrk="0" hangingPunct="1">
@@ -11758,7 +11813,7 @@
                 <a:ea typeface="+mn-ea"/>
                 <a:cs typeface="+mn-cs"/>
               </a:rPr>
-              <a:t>Pour un investissement dans « kopkpopok », vous êtes exposés pour une durée de 4 à 40 trimestres à l’évolution de l'indice</a:t>
+              <a:t>Pour un investissement dans « kopkpopok », vous êtes exposé pour une durée de 4 à 40 trimestres à la performance positive ou négative de l'indice</a:t>
             </a:r>
             <a:r>
               <a:rPr lang="fr-FR" sz="800" b="1" dirty="0">
@@ -11882,7 +11937,7 @@
                 <a:ea typeface="+mn-ea"/>
                 <a:cs typeface="+mn-cs"/>
               </a:rPr>
-              <a:t>si celui-ci, à la date de constatation finale</a:t>
+              <a:t>si celui-ci clôture, à la date de constatation finale</a:t>
             </a:r>
             <a:r>
               <a:rPr kumimoji="0" lang="fr-FR" sz="800" b="0" i="0" u="none" strike="noStrike" kern="1200" cap="none" spc="0" normalizeH="0" baseline="30000" noProof="0" dirty="0">
@@ -11910,7 +11965,7 @@
                 <a:ea typeface="+mn-ea"/>
                 <a:cs typeface="+mn-cs"/>
               </a:rPr>
-              <a:t>, clôture à un niveau strictement inférieur à 70% de son Niveau Initial.</a:t>
+              <a:t>, à un niveau strictement inférieur à 70% de son Niveau Initial.</a:t>
             </a:r>
           </a:p>
           <a:p>
@@ -11946,7 +12001,7 @@
                 <a:ea typeface="+mn-ea"/>
                 <a:cs typeface="+mn-cs"/>
               </a:rPr>
-              <a:t>… avec un mécanisme de remboursement anticipé à hauteur de l’intégralité du capital initial, activable automatiquement à partir de la fin du trimestre 4 jusqu'à la fin du trimestre 39</a:t>
+              <a:t>… avec un mécanisme de remboursement anticipé activable automatiquement à partir de la fin du trimestre 4 jusqu'à la fin du trimestre 39</a:t>
             </a:r>
             <a:r>
               <a:rPr kumimoji="0" lang="fr-FR" sz="800" b="1" i="0" u="none" strike="noStrike" kern="1200" cap="none" spc="0" normalizeH="0" baseline="0" noProof="0" dirty="0">
@@ -12030,7 +12085,7 @@
                 <a:ea typeface="+mn-ea"/>
                 <a:cs typeface="+mn-cs"/>
               </a:rPr>
-              <a:t>ou égal à 95% de son Niveau Initial.</a:t>
+              <a:t>ou égal à 100% de son Niveau Initial.</a:t>
             </a:r>
           </a:p>
           <a:p>
@@ -12170,7 +12225,38 @@
                 <a:ea typeface="+mn-ea"/>
                 <a:cs typeface="+mn-cs"/>
               </a:rPr>
-              <a:t>ou égal à 95 </a:t>
+              <a:t>ou égal à </a:t>
+            </a:r>
+            <a:r>
+              <a:rPr kumimoji="0" lang="fr-FR" sz="800" b="0" i="0" u="none" strike="noStrike" kern="1200" cap="none" spc="0" normalizeH="0" baseline="0" noProof="0" dirty="0">
+                <a:ln>
+                  <a:noFill/>
+                </a:ln>
+                <a:effectLst/>
+                <a:highlight>
+                  <a:srgbClr val="FFFF00"/>
+                </a:highlight>
+                <a:uLnTx/>
+                <a:uFillTx/>
+                <a:latin typeface="Proxima Nova Rg"/>
+                <a:ea typeface="+mn-ea"/>
+                <a:cs typeface="+mn-cs"/>
+              </a:rPr>
+              <a:t>100 </a:t>
+            </a:r>
+            <a:r>
+              <a:rPr kumimoji="0" lang="fr-FR" sz="800" b="0" i="0" u="none" strike="noStrike" kern="1200" cap="none" spc="0" normalizeH="0" baseline="0" noProof="0" dirty="0">
+                <a:ln>
+                  <a:noFill/>
+                </a:ln>
+                <a:effectLst/>
+                <a:uLnTx/>
+                <a:uFillTx/>
+                <a:latin typeface="Proxima Nova Rg"/>
+                <a:ea typeface="+mn-ea"/>
+                <a:cs typeface="+mn-cs"/>
+              </a:rPr>
+              <a:t/>
             </a:r>
             <a:r>
               <a:rPr kumimoji="0" lang="fr-FR" sz="800" b="0" i="0" u="none" strike="noStrike" kern="1200" cap="none" spc="0" normalizeH="0" baseline="0" noProof="0" dirty="0">
@@ -12318,10 +12404,61 @@
                 <a:ea typeface="+mn-ea"/>
                 <a:cs typeface="+mn-cs"/>
               </a:rPr>
-              <a:t>: afin de bénéficier d’un remboursement du capital à l’échéance</a:t>
-            </a:r>
-            <a:r>
-              <a:rPr kumimoji="0" lang="fr-FR" sz="800" b="0" i="0" u="none" strike="noStrike" kern="1200" cap="none" spc="0" normalizeH="0" baseline="30000" noProof="0" dirty="0">
+              <a:t>: En acceptant de limiter leurs gains à 1,00% par trimestre écoulé (soit un Taux de Rendement Annuel net maximum de 2,92%%), les investisseurs recevront en contrepartie l’intégralité du capital initial si l'indice ne baisse pas de plus de </a:t>
+            </a:r>
+            <a:r>
+              <a:rPr kumimoji="0" lang="fr-FR" sz="800" b="0" i="0" u="none" strike="noStrike" kern="1200" cap="none" spc="0" normalizeH="0" baseline="0" noProof="0" dirty="0">
+                <a:ln>
+                  <a:noFill/>
+                </a:ln>
+                <a:solidFill>
+                  <a:schemeClr val="tx1"/>
+                </a:solidFill>
+                <a:effectLst/>
+                <a:highlight>
+                  <a:srgbClr val="FFFF00"/>
+                </a:highlight>
+                <a:uLnTx/>
+                <a:uFillTx/>
+                <a:latin typeface="Proxima Nova Rg"/>
+                <a:ea typeface="+mn-ea"/>
+                <a:cs typeface="+mn-cs"/>
+              </a:rPr>
+              <a:t>&lt;</a:t>
+            </a:r>
+            <a:r>
+              <a:rPr lang="fr-FR" sz="800" dirty="0">
+                <a:solidFill>
+                  <a:srgbClr val="000000"/>
+                </a:solidFill>
+                <a:highlight>
+                  <a:srgbClr val="FFFF00"/>
+                </a:highlight>
+              </a:rPr>
+              <a:t>PDIPERF&gt;</a:t>
+            </a:r>
+            <a:r>
+              <a:rPr kumimoji="0" lang="fr-FR" sz="800" b="0" i="0" u="none" strike="noStrike" kern="1200" cap="none" spc="0" normalizeH="0" baseline="0" noProof="0" dirty="0">
+                <a:ln>
+                  <a:noFill/>
+                </a:ln>
+                <a:solidFill>
+                  <a:schemeClr val="tx1"/>
+                </a:solidFill>
+                <a:effectLst/>
+                <a:highlight>
+                  <a:srgbClr val="FFFF00"/>
+                </a:highlight>
+                <a:uLnTx/>
+                <a:uFillTx/>
+                <a:latin typeface="Proxima Nova Rg"/>
+                <a:ea typeface="+mn-ea"/>
+                <a:cs typeface="+mn-cs"/>
+              </a:rPr>
+              <a:t> </a:t>
+            </a:r>
+            <a:r>
+              <a:rPr kumimoji="0" lang="fr-FR" sz="800" b="0" i="0" u="none" strike="noStrike" kern="1200" cap="none" spc="0" normalizeH="0" baseline="0" noProof="0" dirty="0">
                 <a:ln>
                   <a:noFill/>
                 </a:ln>
@@ -12335,188 +12472,7 @@
                 <a:ea typeface="+mn-ea"/>
                 <a:cs typeface="+mn-cs"/>
               </a:rPr>
-              <a:t>⁽¹⁾</a:t>
-            </a:r>
-            <a:r>
-              <a:rPr kumimoji="0" lang="fr-FR" sz="800" b="0" i="0" u="none" strike="noStrike" kern="1200" cap="none" spc="0" normalizeH="0" baseline="0" noProof="0" dirty="0">
-                <a:ln>
-                  <a:noFill/>
-                </a:ln>
-                <a:solidFill>
-                  <a:schemeClr val="tx1"/>
-                </a:solidFill>
-                <a:effectLst/>
-                <a:uLnTx/>
-                <a:uFillTx/>
-                <a:latin typeface="Proxima Nova Rg"/>
-                <a:ea typeface="+mn-ea"/>
-                <a:cs typeface="+mn-cs"/>
-              </a:rPr>
-              <a:t> si l'indice</a:t>
-            </a:r>
-            <a:r>
-              <a:rPr kumimoji="0" lang="it-IT" sz="800" b="0" i="0" u="none" strike="noStrike" kern="1200" cap="none" spc="0" normalizeH="0" baseline="0" noProof="0" dirty="0">
-                <a:ln>
-                  <a:noFill/>
-                </a:ln>
-                <a:solidFill>
-                  <a:schemeClr val="tx1"/>
-                </a:solidFill>
-                <a:effectLst/>
-                <a:uLnTx/>
-                <a:uFillTx/>
-                <a:latin typeface="Proxima Nova Rg"/>
-                <a:ea typeface="+mn-ea"/>
-                <a:cs typeface="+mn-cs"/>
-              </a:rPr>
-              <a:t> </a:t>
-            </a:r>
-            <a:r>
-              <a:rPr kumimoji="0" lang="fr-FR" sz="800" b="0" i="0" u="none" strike="noStrike" kern="1200" cap="none" spc="0" normalizeH="0" baseline="0" noProof="0" dirty="0">
-                <a:ln>
-                  <a:noFill/>
-                </a:ln>
-                <a:solidFill>
-                  <a:schemeClr val="tx1"/>
-                </a:solidFill>
-                <a:effectLst/>
-                <a:uLnTx/>
-                <a:uFillTx/>
-                <a:latin typeface="Proxima Nova Rg"/>
-                <a:ea typeface="+mn-ea"/>
-                <a:cs typeface="+mn-cs"/>
-              </a:rPr>
-              <a:t>n’enregistre pas de baisse de plus de 30% par rapport à son Niveau Initial, l’investisseur accepte de limiter ses gains en cas de forte hausse de l'indice (Taux de Rendement Annuel net maximum de </a:t>
-            </a:r>
-            <a:r>
-              <a:rPr lang="fr-FR" sz="800" dirty="0">
-                <a:solidFill>
-                  <a:schemeClr val="tx1"/>
-                </a:solidFill>
-                <a:latin typeface="Proxima Nova Rg"/>
-              </a:rPr>
-              <a:t>2,92%(</a:t>
-            </a:r>
-            <a:r>
-              <a:rPr kumimoji="0" lang="fr-FR" sz="800" b="0" i="0" u="none" strike="noStrike" kern="1200" cap="none" spc="0" normalizeH="0" baseline="30000" noProof="0" dirty="0">
-                <a:ln>
-                  <a:noFill/>
-                </a:ln>
-                <a:solidFill>
-                  <a:schemeClr val="tx1"/>
-                </a:solidFill>
-                <a:effectLst/>
-                <a:uLnTx/>
-                <a:uFillTx/>
-                <a:latin typeface="Proxima Nova Rg"/>
-                <a:ea typeface="+mn-ea"/>
-                <a:cs typeface="+mn-cs"/>
-              </a:rPr>
-              <a:t>2)</a:t>
-            </a:r>
-            <a:r>
-              <a:rPr kumimoji="0" lang="fr-FR" sz="800" b="0" i="0" u="none" strike="noStrike" kern="1200" cap="none" spc="0" normalizeH="0" baseline="0" noProof="0" dirty="0">
-                <a:ln>
-                  <a:noFill/>
-                </a:ln>
-                <a:solidFill>
-                  <a:schemeClr val="tx1"/>
-                </a:solidFill>
-                <a:effectLst/>
-                <a:uLnTx/>
-                <a:uFillTx/>
-                <a:latin typeface="Proxima Nova Rg"/>
-                <a:ea typeface="+mn-ea"/>
-                <a:cs typeface="+mn-cs"/>
-              </a:rPr>
-              <a:t>).</a:t>
-            </a:r>
-          </a:p>
-          <a:p>
-            <a:pPr marL="0" marR="0" lvl="1" indent="0" algn="just" defTabSz="755934" rtl="0" eaLnBrk="1" fontAlgn="auto" latinLnBrk="0" hangingPunct="1">
-              <a:lnSpc>
-                <a:spcPct val="90000"/>
-              </a:lnSpc>
-              <a:spcBef>
-                <a:spcPts val="600"/>
-              </a:spcBef>
-              <a:spcAft>
-                <a:spcPts val="200"/>
-              </a:spcAft>
-              <a:buClrTx/>
-              <a:buSzTx/>
-              <a:buFont typeface="Arial" panose="020B0604020202020204" pitchFamily="34" charset="0"/>
-              <a:buNone/>
-              <a:tabLst/>
-              <a:defRPr/>
-            </a:pPr>
-            <a:r>
-              <a:rPr kumimoji="0" lang="fr-FR" sz="800" b="0" i="1" u="none" strike="noStrike" kern="1200" cap="none" spc="0" normalizeH="0" baseline="0" noProof="0" dirty="0">
-                <a:ln>
-                  <a:noFill/>
-                </a:ln>
-                <a:solidFill>
-                  <a:schemeClr val="tx1"/>
-                </a:solidFill>
-                <a:effectLst/>
-                <a:uLnTx/>
-                <a:uFillTx/>
-                <a:latin typeface="Proxima Nova Rg"/>
-                <a:ea typeface="+mn-ea"/>
-                <a:cs typeface="+mn-cs"/>
-              </a:rPr>
-              <a:t>Les titres de créance «</a:t>
-            </a:r>
-            <a:r>
-              <a:rPr kumimoji="0" lang="fr-FR" sz="800" b="1" i="1" u="none" strike="noStrike" kern="1200" cap="none" spc="0" normalizeH="0" baseline="0" noProof="0" dirty="0">
-                <a:ln>
-                  <a:noFill/>
-                </a:ln>
-                <a:solidFill>
-                  <a:schemeClr val="tx1"/>
-                </a:solidFill>
-                <a:effectLst/>
-                <a:uLnTx/>
-                <a:uFillTx/>
-                <a:latin typeface="Proxima Nova Rg"/>
-                <a:ea typeface="+mn-ea"/>
-                <a:cs typeface="+mn-cs"/>
-              </a:rPr>
-              <a:t> </a:t>
-            </a:r>
-            <a:r>
-              <a:rPr kumimoji="0" lang="fr-FR" sz="800" b="0" i="1" u="none" strike="noStrike" kern="1200" cap="none" spc="0" normalizeH="0" baseline="0" noProof="0" dirty="0">
-                <a:ln>
-                  <a:noFill/>
-                </a:ln>
-                <a:solidFill>
-                  <a:schemeClr val="tx1"/>
-                </a:solidFill>
-                <a:effectLst/>
-                <a:uLnTx/>
-                <a:uFillTx/>
-                <a:latin typeface="Proxima Nova Rg"/>
-                <a:ea typeface="+mn-ea"/>
-                <a:cs typeface="+mn-cs"/>
-              </a:rPr>
-              <a:t>kopkpopok » peuvent être proposés comme un actif représentatif d’une unité de compte dans le cadre de contrats d’assurance vie et/ou de capitalisation. L’Assureur s’engage sur le nombre d’unités de compte mais pas sur leur valeur, qu’il ne garantit pas. La présente brochure décrit les caractéristiques du support « kopkpopok » et ne prend pas en compte les spécificités des contrats d’assurance vie ou de capitalisation dans le cadre desquels ce produit est proposé. </a:t>
-            </a:r>
-            <a:r>
-              <a:rPr kumimoji="0" lang="fr-FR" sz="800" b="1" i="1" u="none" strike="noStrike" kern="1200" cap="none" spc="0" normalizeH="0" baseline="0" noProof="0" dirty="0">
-                <a:ln>
-                  <a:noFill/>
-                </a:ln>
-                <a:solidFill>
-                  <a:schemeClr val="tx1"/>
-                </a:solidFill>
-                <a:effectLst/>
-                <a:uLnTx/>
-                <a:uFillTx/>
-                <a:latin typeface="Proxima Nova Rg"/>
-                <a:ea typeface="+mn-ea"/>
-                <a:cs typeface="+mn-cs"/>
-              </a:rPr>
-              <a:t>Il est précisé que l’Assureur d’une part, l’Émetteur et le Garant de la formule d’autre part, sont des entités juridiques distinctes. Ce document n’a pas été rédigé par l’Assureur.</a:t>
+              <a:t>par rapport à son Niveau Initial </a:t>
             </a:r>
           </a:p>
           <a:p>
@@ -12538,47 +12494,13 @@
               <a:defRPr/>
             </a:pPr>
             <a:r>
-              <a:rPr kumimoji="0" lang="fr-FR" b="1" i="1" u="none" strike="noStrike" kern="1200" cap="none" spc="0" normalizeH="0" baseline="0" noProof="0" dirty="0">
-                <a:ln>
-                  <a:noFill/>
-                </a:ln>
+              <a:rPr lang="fr-FR" dirty="0">
                 <a:solidFill>
                   <a:schemeClr val="tx1"/>
                 </a:solidFill>
-                <a:effectLst/>
-                <a:uLnTx/>
-                <a:uFillTx/>
                 <a:latin typeface="Proxima Nova Rg"/>
-                <a:ea typeface="+mn-ea"/>
-                <a:cs typeface="+mn-cs"/>
-              </a:rPr>
-              <a:t> « kopkpopok » ne peut constituer l’intégralité d’un portefeuille d’investissement. L’investisseur est exposé pour une durée de 4 à 40 trimestres à </a:t>
-            </a:r>
-            <a:r>
-              <a:rPr lang="fr-FR" b="1" i="1" dirty="0">
-                <a:solidFill>
-                  <a:schemeClr val="tx1"/>
-                </a:solidFill>
-                <a:latin typeface="Proxima Nova Rg"/>
-              </a:rPr>
-              <a:t>l'indice, . Vous </a:t>
-            </a:r>
-            <a:r>
-              <a:rPr kumimoji="0" lang="fr-FR" b="1" i="1" u="none" strike="noStrike" kern="1200" cap="none" spc="0" normalizeH="0" baseline="0" noProof="0" dirty="0">
-                <a:ln>
-                  <a:noFill/>
-                </a:ln>
-                <a:solidFill>
-                  <a:schemeClr val="tx1"/>
-                </a:solidFill>
-                <a:effectLst/>
-                <a:uLnTx/>
-                <a:uFillTx/>
-                <a:latin typeface="Proxima Nova Rg"/>
-                <a:ea typeface="+mn-ea"/>
-                <a:cs typeface="+mn-cs"/>
-              </a:rPr>
-              <a:t>êtes sur le point d’acheter un produit qui n’est pas simple et qui peut être difficile à comprendre.</a:t>
+              </a:rPr>
+              <a:t> « kopkpopok » ne peut constituer l’intégralité d’un portefeuille d’investissement. L’investisseur est exposé pour une durée de 4 à 40 trimestres à l'indice. Vous êtes sur le point d’acheter un produit qui n’est pas simple et qui peut être difficile à comprendre.</a:t>
             </a:r>
           </a:p>
         </p:txBody>
@@ -12611,6 +12533,55 @@
           </a:bodyPr>
           <a:lstStyle/>
           <a:p/>
+        </p:txBody>
+      </p:sp>
+      <p:sp>
+        <p:nvSpPr>
+          <p:cNvPr id="13" name="Rectangle">
+            <a:extLst>
+              <a:ext uri="{FF2B5EF4-FFF2-40B4-BE49-F238E27FC236}">
+                <a16:creationId xmlns:a16="http://schemas.microsoft.com/office/drawing/2014/main" id="{BE2900B0-346F-9C03-3B28-C7107EF48128}"/>
+              </a:ext>
+            </a:extLst>
+          </p:cNvPr>
+          <p:cNvSpPr/>
+          <p:nvPr/>
+        </p:nvSpPr>
+        <p:spPr>
+          <a:xfrm>
+            <a:off x="283637" y="9695762"/>
+            <a:ext cx="6840000" cy="6846"/>
+          </a:xfrm>
+          <a:prstGeom prst="rect">
+            <a:avLst/>
+          </a:prstGeom>
+          <a:solidFill>
+            <a:srgbClr val="C5AF5C"/>
+          </a:solidFill>
+          <a:ln w="3175">
+            <a:miter lim="400000"/>
+          </a:ln>
+        </p:spPr>
+        <p:txBody>
+          <a:bodyPr lIns="20981" tIns="20981" rIns="20981" bIns="20981" anchor="ctr"/>
+          <a:lstStyle/>
+          <a:p>
+            <a:pPr algn="ctr" defTabSz="825500">
+              <a:lnSpc>
+                <a:spcPct val="100000"/>
+              </a:lnSpc>
+              <a:defRPr sz="3200" b="0">
+                <a:solidFill>
+                  <a:srgbClr val="FFFFFF"/>
+                </a:solidFill>
+                <a:latin typeface="Helvetica Neue Medium"/>
+                <a:ea typeface="Helvetica Neue Medium"/>
+                <a:cs typeface="Helvetica Neue Medium"/>
+                <a:sym typeface="Helvetica Neue Medium"/>
+              </a:defRPr>
+            </a:pPr>
+            <a:endParaRPr/>
+          </a:p>
         </p:txBody>
       </p:sp>
       <p:pic>
@@ -13307,7 +13278,7 @@
             </a:pPr>
             <a:r>
               <a:rPr lang="fr-FR" sz="800" dirty="0"/>
-              <a:t>Un gain de 1,00% par trimestre écoulé depuis le 29/07/2022</a:t>
+              <a:t>Un gain plafonné fixe de 1,00% par trimestre écoulé depuis le 29/07/2022</a:t>
             </a:r>
           </a:p>
           <a:p>
@@ -13728,15 +13699,15 @@
                   <a:schemeClr val="tx2"/>
                 </a:solidFill>
               </a:rPr>
-              <a:t>Si, à une date de constatation trimestrielle</a:t>
-            </a:r>
-            <a:r>
-              <a:rPr lang="fr-FR" sz="800" b="1" baseline="30000" dirty="0">
+              <a:t>Si </a:t>
+            </a:r>
+            <a:r>
+              <a:rPr lang="it-IT" sz="800" b="1" dirty="0">
                 <a:solidFill>
                   <a:schemeClr val="tx2"/>
                 </a:solidFill>
               </a:rPr>
-              <a:t>⁽¹⁾</a:t>
+              <a:t>l'indice </a:t>
             </a:r>
             <a:r>
               <a:rPr lang="fr-FR" sz="800" b="1" dirty="0">
@@ -13744,23 +13715,7 @@
                   <a:schemeClr val="tx2"/>
                 </a:solidFill>
               </a:rPr>
-              <a:t>, </a:t>
-            </a:r>
-            <a:r>
-              <a:rPr lang="it-IT" sz="800" b="1" dirty="0">
-                <a:solidFill>
-                  <a:schemeClr val="tx2"/>
-                </a:solidFill>
-              </a:rPr>
-              <a:t>l'indice </a:t>
-            </a:r>
-            <a:r>
-              <a:rPr lang="fr-FR" sz="800" b="1" dirty="0">
-                <a:solidFill>
-                  <a:schemeClr val="tx2"/>
-                </a:solidFill>
-              </a:rPr>
-              <a:t>clôture à un niveau supérieur ou égal à 95% de son Niveau Initial, le produit est automatiquement remboursé par anticipation et l’investisseur reçoit, à la date de remboursement anticipé automatique correspondante</a:t>
+              <a:t>clôture à un niveau supérieur ou égal à 100% de son Niveau Initial, le produit est automatiquement remboursé par anticipation et l’investisseur reçoit, à la date de remboursement anticipé automatique correspondante</a:t>
             </a:r>
             <a:r>
               <a:rPr lang="fr-FR" sz="800" b="1" baseline="30000" dirty="0">
@@ -14100,7 +14055,7 @@
                   <a:schemeClr val="tx2"/>
                 </a:solidFill>
               </a:rPr>
-              <a:t>clôture à un niveau supérieur ou égal à 95% de son Niveau Initial, l’investisseur reçoit, le 02 août 2032</a:t>
+              <a:t>clôture à un niveau supérieur ou égal à 100% de son Niveau Initial, l’investisseur reçoit, le 02 août 2032</a:t>
             </a:r>
             <a:r>
               <a:rPr lang="fr-FR" sz="800" b="1" baseline="30000" dirty="0">
@@ -14136,7 +14091,7 @@
         <p:spPr>
           <a:xfrm>
             <a:off x="917672" y="8553774"/>
-            <a:ext cx="6073677" cy="246221"/>
+            <a:ext cx="6073677" cy="123111"/>
           </a:xfrm>
           <a:prstGeom prst="rect">
             <a:avLst/>
@@ -14180,7 +14135,23 @@
                   <a:schemeClr val="tx2"/>
                 </a:solidFill>
               </a:rPr>
-              <a:t>clôture à un niveau strictement inférieur à 70% de son niveau de Référence, l’investisseur reçoit, le 02 août 2032</a:t>
+              <a:t>clôture à un niveau strictement inférieur à 70% de </a:t>
+            </a:r>
+            <a:r>
+              <a:rPr lang="fr-FR" sz="800" b="1">
+                <a:solidFill>
+                  <a:schemeClr val="tx2"/>
+                </a:solidFill>
+              </a:rPr>
+              <a:t>son Niveau Initial, </a:t>
+            </a:r>
+            <a:r>
+              <a:rPr lang="fr-FR" sz="800" b="1" dirty="0">
+                <a:solidFill>
+                  <a:schemeClr val="tx2"/>
+                </a:solidFill>
+              </a:rPr>
+              <a:t>l’investisseur reçoit, le 02 août 2032</a:t>
             </a:r>
           </a:p>
         </p:txBody>
@@ -14682,7 +14653,7 @@
                 <a:ea typeface="+mn-ea"/>
                 <a:cs typeface="+mn-cs"/>
               </a:rPr>
-              <a:t>Le Niveau Initial correspond au niveau de clôture de l'indice le 29/07/2022</a:t>
+              <a:t>Le Niveau Initial correspond au niveau de clôture de l'indiceEURO STOXX 50 Price EUR le 29/07/2022</a:t>
             </a:r>
             <a:endParaRPr lang="fr-FR" sz="800" i="0" kern="1200" dirty="0">
               <a:solidFill>
@@ -15356,7 +15327,7 @@
                   <a:srgbClr val="000000"/>
                 </a:solidFill>
               </a:rPr>
-              <a:t>clôture à un niveau strictement inférieur à 95% mais supérieur ou égal à 70% de son Niveau Initial, l’investisseur reçoit, le 02 août 2032 : </a:t>
+              <a:t>clôture à un niveau strictement inférieur à 100% mais supérieur ou égal à 70% de son Niveau Initial, l’investisseur reçoit, le 02 août 2032 : </a:t>
             </a:r>
           </a:p>
         </p:txBody>
@@ -15391,9 +15362,58 @@
           <a:p>
             <a:r>
               <a:rPr lang="fr-FR" sz="800" dirty="0"/>
-              <a:t/>
+              <a:t> 100% DU Niveau Initial de l'indice</a:t>
             </a:r>
             <a:endParaRPr lang="en-US" sz="800" dirty="0"/>
+          </a:p>
+        </p:txBody>
+      </p:sp>
+      <p:sp>
+        <p:nvSpPr>
+          <p:cNvPr id="22" name="Rectangle">
+            <a:extLst>
+              <a:ext uri="{FF2B5EF4-FFF2-40B4-BE49-F238E27FC236}">
+                <a16:creationId xmlns:a16="http://schemas.microsoft.com/office/drawing/2014/main" id="{6B9B65C2-6288-5A83-9D8D-B46A62946578}"/>
+              </a:ext>
+            </a:extLst>
+          </p:cNvPr>
+          <p:cNvSpPr/>
+          <p:nvPr/>
+        </p:nvSpPr>
+        <p:spPr>
+          <a:xfrm>
+            <a:off x="368373" y="9702502"/>
+            <a:ext cx="6840000" cy="6846"/>
+          </a:xfrm>
+          <a:prstGeom prst="rect">
+            <a:avLst/>
+          </a:prstGeom>
+          <a:solidFill>
+            <a:srgbClr val="C5AF5C"/>
+          </a:solidFill>
+          <a:ln w="3175">
+            <a:miter lim="400000"/>
+          </a:ln>
+        </p:spPr>
+        <p:txBody>
+          <a:bodyPr lIns="20981" tIns="20981" rIns="20981" bIns="20981" anchor="ctr"/>
+          <a:lstStyle/>
+          <a:p>
+            <a:pPr algn="ctr" defTabSz="825500">
+              <a:lnSpc>
+                <a:spcPct val="100000"/>
+              </a:lnSpc>
+              <a:defRPr sz="3200" b="0">
+                <a:solidFill>
+                  <a:srgbClr val="FFFFFF"/>
+                </a:solidFill>
+                <a:latin typeface="Helvetica Neue Medium"/>
+                <a:ea typeface="Helvetica Neue Medium"/>
+                <a:cs typeface="Helvetica Neue Medium"/>
+                <a:sym typeface="Helvetica Neue Medium"/>
+              </a:defRPr>
+            </a:pPr>
+            <a:endParaRPr/>
           </a:p>
         </p:txBody>
       </p:sp>
@@ -15842,7 +15862,7 @@
         </p:nvSpPr>
         <p:spPr>
           <a:xfrm>
-            <a:off x="541297" y="9536636"/>
+            <a:off x="539837" y="9727492"/>
             <a:ext cx="6480000" cy="6846"/>
           </a:xfrm>
           <a:prstGeom prst="rect">
@@ -15874,100 +15894,6 @@
               </a:defRPr>
             </a:pPr>
             <a:endParaRPr/>
-          </a:p>
-        </p:txBody>
-      </p:sp>
-      <p:sp>
-        <p:nvSpPr>
-          <p:cNvPr id="8" name="Rectangle">
-            <a:extLst>
-              <a:ext uri="{FF2B5EF4-FFF2-40B4-BE49-F238E27FC236}">
-                <a16:creationId xmlns:a16="http://schemas.microsoft.com/office/drawing/2014/main" id="{C768572F-300B-4C49-A926-4F8F54816CFD}"/>
-              </a:ext>
-            </a:extLst>
-          </p:cNvPr>
-          <p:cNvSpPr/>
-          <p:nvPr/>
-        </p:nvSpPr>
-        <p:spPr>
-          <a:xfrm>
-            <a:off x="541297" y="9058605"/>
-            <a:ext cx="6480000" cy="6846"/>
-          </a:xfrm>
-          <a:prstGeom prst="rect">
-            <a:avLst/>
-          </a:prstGeom>
-          <a:solidFill>
-            <a:srgbClr val="C5AF5C"/>
-          </a:solidFill>
-          <a:ln w="3175">
-            <a:miter lim="400000"/>
-          </a:ln>
-        </p:spPr>
-        <p:txBody>
-          <a:bodyPr lIns="20981" tIns="20981" rIns="20981" bIns="20981" anchor="ctr"/>
-          <a:lstStyle/>
-          <a:p>
-            <a:pPr algn="ctr" defTabSz="825500">
-              <a:lnSpc>
-                <a:spcPct val="100000"/>
-              </a:lnSpc>
-              <a:defRPr sz="3200" b="0">
-                <a:solidFill>
-                  <a:srgbClr val="FFFFFF"/>
-                </a:solidFill>
-                <a:latin typeface="Helvetica Neue Medium"/>
-                <a:ea typeface="Helvetica Neue Medium"/>
-                <a:cs typeface="Helvetica Neue Medium"/>
-                <a:sym typeface="Helvetica Neue Medium"/>
-              </a:defRPr>
-            </a:pPr>
-            <a:endParaRPr/>
-          </a:p>
-        </p:txBody>
-      </p:sp>
-      <p:sp>
-        <p:nvSpPr>
-          <p:cNvPr id="9" name="ZoneTexte 8">
-            <a:extLst>
-              <a:ext uri="{FF2B5EF4-FFF2-40B4-BE49-F238E27FC236}">
-                <a16:creationId xmlns:a16="http://schemas.microsoft.com/office/drawing/2014/main" id="{A55E763B-8611-4526-B7E2-84EB19435569}"/>
-              </a:ext>
-            </a:extLst>
-          </p:cNvPr>
-          <p:cNvSpPr txBox="1"/>
-          <p:nvPr/>
-        </p:nvSpPr>
-        <p:spPr>
-          <a:xfrm>
-            <a:off x="537948" y="9144369"/>
-            <a:ext cx="6483350" cy="332399"/>
-          </a:xfrm>
-          <a:prstGeom prst="rect">
-            <a:avLst/>
-          </a:prstGeom>
-          <a:noFill/>
-        </p:spPr>
-        <p:txBody>
-          <a:bodyPr wrap="square" lIns="0" tIns="0" rIns="0" bIns="0">
-            <a:spAutoFit/>
-          </a:bodyPr>
-          <a:lstStyle/>
-          <a:p>
-            <a:pPr marL="0" lvl="2" indent="0" algn="just">
-              <a:lnSpc>
-                <a:spcPct val="90000"/>
-              </a:lnSpc>
-              <a:buNone/>
-            </a:pPr>
-            <a:r>
-              <a:rPr lang="fr-FR" sz="800" dirty="0">
-                <a:solidFill>
-                  <a:srgbClr val="000000"/>
-                </a:solidFill>
-              </a:rPr>
-              <a:t>En tant que banque d’investissement avec un large éventail d’activités, BNP Paribas peut faire face à de potentiels conflits d’intérêts. Dans le cadre de l’émission de ces titres de créance, le Groupe BNP Paribas a mis en place des politiques et des mesures appropriées afin de gérer de possibles conflits de ce type entre les différentes entités du Groupe. </a:t>
-            </a:r>
           </a:p>
         </p:txBody>
       </p:sp>
@@ -15986,7 +15912,7 @@
         <p:spPr>
           <a:xfrm>
             <a:off x="361950" y="960898"/>
-            <a:ext cx="6837887" cy="7083862"/>
+            <a:ext cx="6837887" cy="6373027"/>
           </a:xfrm>
           <a:prstGeom prst="rect">
             <a:avLst/>
@@ -16017,6 +15943,21 @@
             </a:r>
           </a:p>
           <a:p>
+            <a:pPr algn="just">
+              <a:lnSpc>
+                <a:spcPct val="95000"/>
+              </a:lnSpc>
+              <a:spcBef>
+                <a:spcPts val="600"/>
+              </a:spcBef>
+            </a:pPr>
+            <a:endParaRPr lang="fr-FR" sz="1000" b="1" dirty="0">
+              <a:solidFill>
+                <a:srgbClr val="B9A049"/>
+              </a:solidFill>
+            </a:endParaRPr>
+          </a:p>
+          <a:p>
             <a:pPr marL="171450" indent="-171450" algn="just">
               <a:lnSpc>
                 <a:spcPct val="95000"/>
@@ -16033,7 +15974,7 @@
                   <a:srgbClr val="000000"/>
                 </a:solidFill>
               </a:rPr>
-              <a:t>De la fin du trimestre 4 jusqu'à la fin du trimestre 39, si à l’une des dates de constatation trimestrielle correspondantes</a:t>
+              <a:t>De la fin du trimestre 4 jusqu'à la fin du trimestre 39, si à l’une des dates de constatation</a:t>
             </a:r>
             <a:r>
               <a:rPr lang="fr-FR" sz="800" baseline="30000" dirty="0">
@@ -16049,7 +15990,7 @@
                   <a:srgbClr val="000000"/>
                 </a:solidFill>
               </a:rPr>
-              <a:t> l'indice clôture à un niveau supérieur ou égal à 95% de son Niveau Initial, </a:t>
+              <a:t> trimestrielle l'indice clôture à un niveau supérieur ou égal à 100% de son Niveau Initial, </a:t>
             </a:r>
             <a:r>
               <a:rPr lang="fr-FR" sz="800" b="1" dirty="0">
@@ -16103,6 +16044,18 @@
               </a:rPr>
               <a:t>).</a:t>
             </a:r>
+          </a:p>
+          <a:p>
+            <a:pPr marL="171450" indent="-171450" algn="just">
+              <a:lnSpc>
+                <a:spcPct val="95000"/>
+              </a:lnSpc>
+              <a:spcAft>
+                <a:spcPts val="200"/>
+              </a:spcAft>
+              <a:buFont typeface="Arial" panose="020B0604020202020204" pitchFamily="34" charset="0"/>
+              <a:buChar char="•"/>
+            </a:pPr>
             <a:endParaRPr lang="fr-FR" sz="800" dirty="0">
               <a:solidFill>
                 <a:srgbClr val="000000"/>
@@ -16142,7 +16095,7 @@
                   <a:srgbClr val="000000"/>
                 </a:solidFill>
               </a:rPr>
-              <a:t>, si le mécanisme de remboursement anticipé n’a pas été activé au préalable, et si l'indice clôture à un niveau supérieur ou égal à 95% de son Niveau Initial, l’investisseur récupère alors l’intégralité de son capital initial, majorée d’un gain de 1,00% par trimestre écoulé depuis le 29/07/2022  (soit un gain de 40,00% et un Taux de Rendement Annuel net de 2,38%</a:t>
+              <a:t>, si le mécanisme de remboursement anticipé n’a pas été activé au préalable, et si l'indice clôture à un niveau supérieur ou égal à 100% de son Niveau Initial, l’investisseur récupère alors l’intégralité de son capital initial, majorée d’un gain de 1,00% par trimestre écoulé depuis le 29/07/2022  (soit un gain de 40,00% et un Taux de Rendement Annuel net de 2,38%</a:t>
             </a:r>
             <a:r>
               <a:rPr lang="fr-FR" sz="800" baseline="30000" dirty="0">
@@ -16178,7 +16131,7 @@
                   <a:srgbClr val="000000"/>
                 </a:solidFill>
               </a:rPr>
-              <a:t>Sinon, si le mécanisme automatique de remboursement anticipé n’a pas été activé au préalable et si, à la date de constatation finale⁽¹⁾, l'indice clôture à un niveau strictement inférieur à 95% de son Niveau Initial mais supérieur ou égal à 70% de ce dernier, l’investisseur récupère l’intégralité de son capital initialement investi. Le capital n’est donc exposé à un risque de perte à l’échéance⁽¹⁾ que si l'indice clôture à un niveau strictement inférieur à 70% de son Niveau Initial à la date de constatation finale⁽¹⁾.</a:t>
+              <a:t>Sinon, si le mécanisme automatique de remboursement anticipé n’a pas été activé au préalable et si, à la date de constatation finale⁽¹⁾, l'indice clôture à un niveau strictement inférieur à 100% de son Niveau Initial mais supérieur ou égal à 70% de ce dernier, l’investisseur récupère l’intégralité de son capital initialement investi. Le capital n’est donc exposé à un risque de perte à l’échéance⁽¹⁾ que si l'indice clôture à un niveau strictement inférieur à 70% de son Niveau Initial à la date de constatation finale⁽¹⁾.</a:t>
             </a:r>
           </a:p>
           <a:p>
@@ -16200,6 +16153,21 @@
             </a:r>
           </a:p>
           <a:p>
+            <a:pPr marL="0" lvl="1" algn="just">
+              <a:lnSpc>
+                <a:spcPct val="95000"/>
+              </a:lnSpc>
+              <a:spcBef>
+                <a:spcPts val="600"/>
+              </a:spcBef>
+            </a:pPr>
+            <a:endParaRPr lang="fr-FR" sz="1000" b="1" dirty="0">
+              <a:solidFill>
+                <a:srgbClr val="B9A049"/>
+              </a:solidFill>
+            </a:endParaRPr>
+          </a:p>
+          <a:p>
             <a:pPr marL="171450" indent="-171450" algn="just">
               <a:lnSpc>
                 <a:spcPct val="95000"/>
@@ -16312,7 +16280,7 @@
                   <a:srgbClr val="000000"/>
                 </a:solidFill>
               </a:rPr>
-              <a:t>, il est impossible de mesurer a priori le gain ou la perte possible, le prix pratiqué dépendant alors des paramètres de marché du jour. La perte en capital peut être partielle ou totale. Dans le cadre d’un contrat d’assurance vie ou de capitalisation, le dénouement ou le rachat partiel de celui-ci peut entraîner le désinvestissement des unités de compte adossées aux titres de créance avant leur date de remboursement final</a:t>
+              <a:t>, il est impossible de mesurer a priori le gain ou la perte possible, le prix pratiqué dépendant alors des paramètres de marché du jour. La perte en capital peut être partielle ou totale. Si le cadre d’investissement du produit est un contrat d’assurance vie ou de capitalisation, le dénouement ou le rachat partiel de celui-ci peut entraîner le désinvestissement des unités de compte adossées aux titres de créance avant leur date de remboursement final</a:t>
             </a:r>
             <a:r>
               <a:rPr lang="fr-FR" sz="800" baseline="30000" dirty="0">
@@ -16334,74 +16302,25 @@
           <a:p>
             <a:pPr marL="171450" indent="-171450" algn="just">
               <a:lnSpc>
-                <a:spcPct val="92000"/>
-              </a:lnSpc>
-              <a:spcBef>
-                <a:spcPts val="200"/>
-              </a:spcBef>
+                <a:spcPct val="95000"/>
+              </a:lnSpc>
               <a:spcAft>
                 <a:spcPts val="200"/>
               </a:spcAft>
               <a:buFont typeface="Arial" panose="020B0604020202020204" pitchFamily="34" charset="0"/>
               <a:buChar char="•"/>
             </a:pPr>
-            <a:r>
-              <a:rPr lang="fr-FR" sz="800" b="1" dirty="0">
-                <a:solidFill>
-                  <a:srgbClr val="000000"/>
-                </a:solidFill>
-              </a:rPr>
-              <a:t>L’investisseur est exposé à un éventuel défaut de paiement et de faillite </a:t>
-            </a:r>
-            <a:r>
-              <a:rPr lang="fr-FR" sz="800" dirty="0">
-                <a:solidFill>
-                  <a:srgbClr val="000000"/>
-                </a:solidFill>
-              </a:rPr>
-              <a:t>(qui induit un risque de non remboursement) ou à une </a:t>
-            </a:r>
-            <a:r>
-              <a:rPr lang="fr-FR" sz="800" b="1" dirty="0">
-                <a:solidFill>
-                  <a:srgbClr val="000000"/>
-                </a:solidFill>
-              </a:rPr>
-              <a:t>dégradation de la qualité de crédit</a:t>
-            </a:r>
-            <a:r>
-              <a:rPr lang="fr-FR" sz="800" dirty="0">
-                <a:solidFill>
-                  <a:srgbClr val="000000"/>
-                </a:solidFill>
-              </a:rPr>
-              <a:t> (qui induit un risque sur la valeur de marché du produit) de l’Émetteur ainsi qu’au </a:t>
-            </a:r>
-            <a:r>
-              <a:rPr lang="fr-FR" sz="800" b="1" dirty="0">
-                <a:solidFill>
-                  <a:srgbClr val="000000"/>
-                </a:solidFill>
-              </a:rPr>
-              <a:t>risque de défaut de paiement, de faillite et de mise en résolution </a:t>
-            </a:r>
-            <a:r>
-              <a:rPr lang="fr-FR" sz="800" dirty="0">
-                <a:solidFill>
-                  <a:srgbClr val="000000"/>
-                </a:solidFill>
-              </a:rPr>
-              <a:t>du Garant de la formule et du paiement des sommes dues au titre du produit.</a:t>
-            </a:r>
+            <a:endParaRPr lang="fr-FR" sz="800" dirty="0">
+              <a:solidFill>
+                <a:srgbClr val="000000"/>
+              </a:solidFill>
+            </a:endParaRPr>
           </a:p>
           <a:p>
             <a:pPr marL="171450" indent="-171450" algn="just">
               <a:lnSpc>
-                <a:spcPct val="92000"/>
-              </a:lnSpc>
-              <a:spcBef>
-                <a:spcPts val="200"/>
-              </a:spcBef>
+                <a:spcPct val="95000"/>
+              </a:lnSpc>
               <a:spcAft>
                 <a:spcPts val="200"/>
               </a:spcAft>
@@ -16414,83 +16333,25 @@
                   <a:srgbClr val="000000"/>
                 </a:solidFill>
               </a:rPr>
-              <a:t>L’investisseur ne connaît pas à l’avance la durée exacte de son investissement qui peut varier de </a:t>
-            </a:r>
-            <a:r>
-              <a:rPr lang="fr-FR" sz="800" b="1" dirty="0">
-                <a:solidFill>
-                  <a:srgbClr val="000000"/>
-                </a:solidFill>
-              </a:rPr>
-              <a:t>4 à 40 trimestres.</a:t>
+              <a:t>En cas de revente des titres de créance avant la date de remboursement final⁽¹⁾, il est impossible de mesurer a priori le gain ou la perte possible, le prix pratiqué dépendant alors des paramètres de marché du jour. La perte en capital peut être partielle ou totale. Si le cadre d’investissement du produit est un contrat d’assurance vie ou de capitalisation, le dénouement ou le rachat partiel de celui-ci peut entraîner le désinvestissement des unités de compte adossées aux titres de créance avant leur date de remboursement final.</a:t>
             </a:r>
           </a:p>
           <a:p>
             <a:pPr marL="171450" indent="-171450" algn="just">
               <a:lnSpc>
-                <a:spcPct val="92000"/>
-              </a:lnSpc>
-              <a:spcBef>
-                <a:spcPts val="200"/>
-              </a:spcBef>
+                <a:spcPct val="95000"/>
+              </a:lnSpc>
               <a:spcAft>
                 <a:spcPts val="200"/>
               </a:spcAft>
               <a:buFont typeface="Arial" panose="020B0604020202020204" pitchFamily="34" charset="0"/>
               <a:buChar char="•"/>
             </a:pPr>
-            <a:r>
-              <a:rPr lang="fr-FR" sz="800" dirty="0">
-                <a:solidFill>
-                  <a:srgbClr val="000000"/>
-                </a:solidFill>
-              </a:rPr>
-              <a:t>L’investisseur peut ne bénéficier que d’une hausse partielle de l'indice, du fait du </a:t>
-            </a:r>
-            <a:r>
-              <a:rPr lang="fr-FR" sz="800" b="1" dirty="0">
-                <a:solidFill>
-                  <a:srgbClr val="000000"/>
-                </a:solidFill>
-              </a:rPr>
-              <a:t>mécanisme de plafonnement des gains à 1,00% par trimestre écoulé depuis le 29/07/2022 </a:t>
-            </a:r>
-            <a:r>
-              <a:rPr lang="fr-FR" sz="800" dirty="0">
-                <a:solidFill>
-                  <a:srgbClr val="000000"/>
-                </a:solidFill>
-              </a:rPr>
-              <a:t>(soit un Taux de Rendement Annuel net maximum de 2,92%</a:t>
-            </a:r>
-            <a:r>
-              <a:rPr lang="fr-FR" sz="800" baseline="30000" dirty="0">
-                <a:solidFill>
-                  <a:srgbClr val="000000"/>
-                </a:solidFill>
-                <a:ea typeface="SimSun" pitchFamily="2" charset="-122"/>
-                <a:cs typeface="Times New Roman" pitchFamily="18" charset="0"/>
-              </a:rPr>
-              <a:t>⁽²⁾</a:t>
-            </a:r>
-            <a:r>
-              <a:rPr lang="fr-FR" sz="800" dirty="0">
-                <a:solidFill>
-                  <a:srgbClr val="000000"/>
-                </a:solidFill>
-                <a:ea typeface="SimSun" pitchFamily="2" charset="-122"/>
-                <a:cs typeface="Times New Roman" pitchFamily="18" charset="0"/>
-              </a:rPr>
-              <a:t>)</a:t>
-            </a:r>
-            <a:r>
-              <a:rPr lang="fr-FR" sz="800" dirty="0">
-                <a:solidFill>
-                  <a:srgbClr val="000000"/>
-                </a:solidFill>
-              </a:rPr>
-              <a:t>.</a:t>
-            </a:r>
+            <a:endParaRPr lang="fr-FR" sz="800" dirty="0">
+              <a:solidFill>
+                <a:srgbClr val="000000"/>
+              </a:solidFill>
+            </a:endParaRPr>
           </a:p>
           <a:p>
             <a:pPr marL="171450" indent="-171450" algn="just">
@@ -16512,6 +16373,220 @@
                   <a:srgbClr val="000000"/>
                 </a:solidFill>
               </a:rPr>
+              <a:t>L’investisseur est exposé à un éventuel défaut de paiement et/ou de faillite </a:t>
+            </a:r>
+            <a:r>
+              <a:rPr lang="fr-FR" sz="800" dirty="0">
+                <a:solidFill>
+                  <a:srgbClr val="000000"/>
+                </a:solidFill>
+              </a:rPr>
+              <a:t>(qui induit un risque de non remboursement) ou à une </a:t>
+            </a:r>
+            <a:r>
+              <a:rPr lang="fr-FR" sz="800" b="1" dirty="0">
+                <a:solidFill>
+                  <a:srgbClr val="000000"/>
+                </a:solidFill>
+              </a:rPr>
+              <a:t>dégradation de la qualité de crédit</a:t>
+            </a:r>
+            <a:r>
+              <a:rPr lang="fr-FR" sz="800" dirty="0">
+                <a:solidFill>
+                  <a:srgbClr val="000000"/>
+                </a:solidFill>
+              </a:rPr>
+              <a:t> </a:t>
+            </a:r>
+            <a:r>
+              <a:rPr lang="fr-FR" sz="800" dirty="0">
+                <a:solidFill>
+                  <a:srgbClr val="000000"/>
+                </a:solidFill>
+                <a:latin typeface="Proxima Nova Rg" panose="02000506030000020004" pitchFamily="2" charset="0"/>
+              </a:rPr>
+              <a:t>(qui induit un risque sur la valeur de marché du titre de créance) de l’Émetteur.</a:t>
+            </a:r>
+          </a:p>
+          <a:p>
+            <a:pPr marL="171450" indent="-171450" algn="just">
+              <a:lnSpc>
+                <a:spcPct val="92000"/>
+              </a:lnSpc>
+              <a:spcBef>
+                <a:spcPts val="200"/>
+              </a:spcBef>
+              <a:spcAft>
+                <a:spcPts val="200"/>
+              </a:spcAft>
+              <a:buFont typeface="Arial" panose="020B0604020202020204" pitchFamily="34" charset="0"/>
+              <a:buChar char="•"/>
+            </a:pPr>
+            <a:endParaRPr lang="fr-FR" sz="800" dirty="0">
+              <a:solidFill>
+                <a:srgbClr val="000000"/>
+              </a:solidFill>
+            </a:endParaRPr>
+          </a:p>
+          <a:p>
+            <a:pPr marL="171450" indent="-171450" algn="just">
+              <a:lnSpc>
+                <a:spcPct val="92000"/>
+              </a:lnSpc>
+              <a:spcBef>
+                <a:spcPts val="200"/>
+              </a:spcBef>
+              <a:spcAft>
+                <a:spcPts val="200"/>
+              </a:spcAft>
+              <a:buFont typeface="Arial" panose="020B0604020202020204" pitchFamily="34" charset="0"/>
+              <a:buChar char="•"/>
+            </a:pPr>
+            <a:r>
+              <a:rPr lang="fr-FR" sz="800" dirty="0">
+                <a:solidFill>
+                  <a:srgbClr val="000000"/>
+                </a:solidFill>
+              </a:rPr>
+              <a:t>L’investisseur ne connaît pas à l’avance la durée exacte de son investissement qui peut varier de </a:t>
+            </a:r>
+            <a:r>
+              <a:rPr lang="fr-FR" sz="800" b="1" dirty="0">
+                <a:solidFill>
+                  <a:srgbClr val="000000"/>
+                </a:solidFill>
+              </a:rPr>
+              <a:t>4 à 40 trimestres.</a:t>
+            </a:r>
+          </a:p>
+          <a:p>
+            <a:pPr marL="171450" indent="-171450" algn="just">
+              <a:lnSpc>
+                <a:spcPct val="92000"/>
+              </a:lnSpc>
+              <a:spcBef>
+                <a:spcPts val="200"/>
+              </a:spcBef>
+              <a:spcAft>
+                <a:spcPts val="200"/>
+              </a:spcAft>
+              <a:buFont typeface="Arial" panose="020B0604020202020204" pitchFamily="34" charset="0"/>
+              <a:buChar char="•"/>
+            </a:pPr>
+            <a:endParaRPr lang="fr-FR" sz="800" b="1" dirty="0">
+              <a:solidFill>
+                <a:srgbClr val="000000"/>
+              </a:solidFill>
+            </a:endParaRPr>
+          </a:p>
+          <a:p>
+            <a:pPr marL="171450" indent="-171450" algn="just">
+              <a:lnSpc>
+                <a:spcPct val="92000"/>
+              </a:lnSpc>
+              <a:spcBef>
+                <a:spcPts val="200"/>
+              </a:spcBef>
+              <a:spcAft>
+                <a:spcPts val="200"/>
+              </a:spcAft>
+              <a:buFont typeface="Arial" panose="020B0604020202020204" pitchFamily="34" charset="0"/>
+              <a:buChar char="•"/>
+            </a:pPr>
+            <a:r>
+              <a:rPr lang="fr-FR" sz="800" dirty="0">
+                <a:solidFill>
+                  <a:srgbClr val="000000"/>
+                </a:solidFill>
+              </a:rPr>
+              <a:t>L’investisseur peut ne bénéficier que d’une hausse partielle de l'indice, du fait du </a:t>
+            </a:r>
+            <a:r>
+              <a:rPr lang="fr-FR" sz="800" b="1" dirty="0">
+                <a:solidFill>
+                  <a:srgbClr val="000000"/>
+                </a:solidFill>
+              </a:rPr>
+              <a:t>mécanisme de plafonnement des gains à 1,00% par trimestre écoulé depuis le 29/07/2022 </a:t>
+            </a:r>
+            <a:r>
+              <a:rPr lang="fr-FR" sz="800" dirty="0">
+                <a:solidFill>
+                  <a:srgbClr val="000000"/>
+                </a:solidFill>
+              </a:rPr>
+              <a:t>(soit un Taux de Rendement Annuel net maximum de 2,92%</a:t>
+            </a:r>
+            <a:r>
+              <a:rPr lang="fr-FR" sz="800" baseline="30000" dirty="0">
+                <a:solidFill>
+                  <a:srgbClr val="000000"/>
+                </a:solidFill>
+                <a:ea typeface="SimSun" pitchFamily="2" charset="-122"/>
+                <a:cs typeface="Times New Roman" pitchFamily="18" charset="0"/>
+              </a:rPr>
+              <a:t>⁽²⁾</a:t>
+            </a:r>
+            <a:r>
+              <a:rPr lang="fr-FR" sz="800" dirty="0">
+                <a:solidFill>
+                  <a:srgbClr val="000000"/>
+                </a:solidFill>
+                <a:ea typeface="SimSun" pitchFamily="2" charset="-122"/>
+                <a:cs typeface="Times New Roman" pitchFamily="18" charset="0"/>
+              </a:rPr>
+              <a:t>)</a:t>
+            </a:r>
+            <a:r>
+              <a:rPr lang="fr-FR" sz="800" dirty="0">
+                <a:solidFill>
+                  <a:srgbClr val="000000"/>
+                </a:solidFill>
+              </a:rPr>
+              <a:t>.</a:t>
+            </a:r>
+          </a:p>
+          <a:p>
+            <a:pPr marL="171450" indent="-171450" algn="just">
+              <a:lnSpc>
+                <a:spcPct val="92000"/>
+              </a:lnSpc>
+              <a:spcBef>
+                <a:spcPts val="200"/>
+              </a:spcBef>
+              <a:spcAft>
+                <a:spcPts val="200"/>
+              </a:spcAft>
+              <a:buFont typeface="Arial" panose="020B0604020202020204" pitchFamily="34" charset="0"/>
+              <a:buChar char="•"/>
+            </a:pPr>
+            <a:endParaRPr lang="fr-FR" sz="800" dirty="0">
+              <a:solidFill>
+                <a:srgbClr val="000000"/>
+              </a:solidFill>
+            </a:endParaRPr>
+          </a:p>
+          <a:p>
+            <a:pPr marL="171450" indent="-171450" algn="just">
+              <a:lnSpc>
+                <a:spcPct val="92000"/>
+              </a:lnSpc>
+              <a:spcBef>
+                <a:spcPts val="200"/>
+              </a:spcBef>
+              <a:spcAft>
+                <a:spcPts val="200"/>
+              </a:spcAft>
+              <a:buFont typeface="Arial" panose="020B0604020202020204" pitchFamily="34" charset="0"/>
+              <a:buChar char="•"/>
+            </a:pPr>
+            <a:r>
+              <a:rPr lang="fr-FR" sz="800" b="1" dirty="0">
+                <a:solidFill>
+                  <a:srgbClr val="000000"/>
+                </a:solidFill>
+              </a:rPr>
               <a:t>Le rendement de « kopkpopok » est très sensible à une faible variation du niveau de clôture de l'indice autour du seuil de </a:t>
             </a:r>
             <a:r>
@@ -16522,14 +16597,14 @@
                 <a:effectLst/>
                 <a:ea typeface="Calibri" panose="020F0502020204030204" pitchFamily="34" charset="0"/>
               </a:rPr>
-              <a:t>95% de son Niveau Initial   </a:t>
+              <a:t>100% de son Niveau Initial   </a:t>
             </a:r>
             <a:r>
               <a:rPr lang="fr-FR" sz="800" b="1" dirty="0">
                 <a:effectLst/>
                 <a:ea typeface="Calibri" panose="020F0502020204030204" pitchFamily="34" charset="0"/>
               </a:rPr>
-              <a:t>en cours de vie, et des seuils de 95% et 70% de son Niveau Initial à la date de constatation finale</a:t>
+              <a:t>en cours de vie, et des seuils de 100% et 70% de son Niveau Initial à la date de constatation finale</a:t>
             </a:r>
             <a:r>
               <a:rPr lang="fr-FR" sz="800" b="1" baseline="30000" dirty="0">
@@ -16543,8 +16618,11 @@
                 <a:effectLst/>
                 <a:ea typeface="Calibri" panose="020F0502020204030204" pitchFamily="34" charset="0"/>
               </a:rPr>
-              <a:t>.</a:t>
-            </a:r>
+              <a:t>. </a:t>
+            </a:r>
+            <a:endParaRPr lang="fr-FR" sz="800" b="1" dirty="0">
+              <a:ea typeface="Calibri" panose="020F0502020204030204" pitchFamily="34" charset="0"/>
+            </a:endParaRPr>
           </a:p>
           <a:p>
             <a:pPr marL="171450" indent="-171450" algn="just">
@@ -16560,29 +16638,33 @@
               <a:buFont typeface="Arial" panose="020B0604020202020204" pitchFamily="34" charset="0"/>
               <a:buChar char="•"/>
             </a:pPr>
+            <a:endParaRPr lang="fr-FR" sz="800" b="1" dirty="0">
+              <a:solidFill>
+                <a:srgbClr val="000000"/>
+              </a:solidFill>
+            </a:endParaRPr>
+          </a:p>
+          <a:p>
+            <a:pPr marL="171450" indent="-171450" algn="just">
+              <a:lnSpc>
+                <a:spcPct val="92000"/>
+              </a:lnSpc>
+              <a:spcBef>
+                <a:spcPts val="200"/>
+              </a:spcBef>
+              <a:spcAft>
+                <a:spcPts val="200"/>
+              </a:spcAft>
+              <a:buFont typeface="Arial" panose="020B0604020202020204" pitchFamily="34" charset="0"/>
+              <a:buChar char="•"/>
+            </a:pPr>
             <a:r>
               <a:rPr lang="fr-FR" sz="800" dirty="0">
                 <a:solidFill>
                   <a:srgbClr val="000000"/>
                 </a:solidFill>
               </a:rPr>
-              <a:t>&lt;</a:t>
-            </a:r>
-            <a:r>
-              <a:rPr lang="fr-FR" sz="800" dirty="0" err="1">
-                <a:solidFill>
-                  <a:srgbClr val="000000"/>
-                </a:solidFill>
-              </a:rPr>
-              <a:t>inconv</a:t>
-            </a:r>
-            <a:r>
-              <a:rPr lang="fr-FR" sz="800" dirty="0">
-                <a:solidFill>
-                  <a:srgbClr val="000000"/>
-                </a:solidFill>
-              </a:rPr>
-              <a:t>&gt;.</a:t>
+              <a:t>NULL</a:t>
             </a:r>
             <a:endParaRPr lang="fr-FR" sz="800" dirty="0">
               <a:solidFill>
@@ -16594,288 +16676,73 @@
             </a:endParaRPr>
           </a:p>
           <a:p>
-            <a:pPr marL="0" lvl="1" indent="0" algn="just">
-              <a:lnSpc>
-                <a:spcPct val="95000"/>
-              </a:lnSpc>
-              <a:spcBef>
-                <a:spcPts val="600"/>
+            <a:pPr marL="171450" indent="-171450" algn="just">
+              <a:lnSpc>
+                <a:spcPct val="92000"/>
+              </a:lnSpc>
+              <a:spcBef>
+                <a:spcPts val="200"/>
               </a:spcBef>
               <a:spcAft>
                 <a:spcPts val="200"/>
               </a:spcAft>
-              <a:buNone/>
+              <a:buFont typeface="Arial" panose="020B0604020202020204" pitchFamily="34" charset="0"/>
+              <a:buChar char="•"/>
             </a:pPr>
-            <a:r>
-              <a:rPr lang="fr-FR" sz="1000" b="1" dirty="0">
-                <a:solidFill>
-                  <a:srgbClr val="B9A049"/>
-                </a:solidFill>
-              </a:rPr>
-              <a:t>PRINCIPAUX FACTEURS DE RISQUES</a:t>
-            </a:r>
-          </a:p>
-          <a:p>
-            <a:pPr algn="just">
-              <a:lnSpc>
-                <a:spcPct val="95000"/>
-              </a:lnSpc>
-            </a:pPr>
-            <a:r>
-              <a:rPr lang="fr-FR" sz="800" i="1" dirty="0">
-                <a:solidFill>
-                  <a:srgbClr val="000000"/>
-                </a:solidFill>
-              </a:rPr>
-              <a:t>Les investisseurs sont invités à lire attentivement la section « Facteurs de Risques » du Prospectus de base. </a:t>
-            </a:r>
-          </a:p>
-          <a:p>
-            <a:pPr algn="just">
-              <a:lnSpc>
-                <a:spcPct val="95000"/>
-              </a:lnSpc>
-              <a:spcAft>
-                <a:spcPts val="600"/>
-              </a:spcAft>
-            </a:pPr>
-            <a:r>
-              <a:rPr lang="fr-FR" sz="800" b="1" u="sng" dirty="0">
-                <a:solidFill>
-                  <a:srgbClr val="000000"/>
-                </a:solidFill>
-              </a:rPr>
-              <a:t>Ces risques sont notamment :</a:t>
-            </a:r>
-            <a:endParaRPr lang="fr-FR" sz="800" i="1" u="sng" dirty="0">
+            <a:endParaRPr lang="fr-FR" sz="800" dirty="0">
               <a:solidFill>
                 <a:srgbClr val="000000"/>
               </a:solidFill>
+              <a:highlight>
+                <a:srgbClr val="FFFF00"/>
+              </a:highlight>
             </a:endParaRPr>
           </a:p>
           <a:p>
             <a:pPr marL="171450" indent="-171450" algn="just">
               <a:lnSpc>
-                <a:spcPct val="90000"/>
-              </a:lnSpc>
+                <a:spcPct val="92000"/>
+              </a:lnSpc>
+              <a:spcBef>
+                <a:spcPts val="200"/>
+              </a:spcBef>
               <a:spcAft>
                 <a:spcPts val="200"/>
               </a:spcAft>
               <a:buFont typeface="Arial" panose="020B0604020202020204" pitchFamily="34" charset="0"/>
               <a:buChar char="•"/>
             </a:pPr>
-            <a:r>
-              <a:rPr lang="fr-FR" sz="800" b="1" dirty="0">
-                <a:solidFill>
-                  <a:srgbClr val="000000"/>
-                </a:solidFill>
-              </a:rPr>
-              <a:t>Risque de crédit : </a:t>
-            </a:r>
-            <a:r>
-              <a:rPr lang="fr-FR" sz="800" dirty="0">
-                <a:solidFill>
-                  <a:srgbClr val="000000"/>
-                </a:solidFill>
-              </a:rPr>
-              <a:t>L’investisseur supporte le risque de défaut de paiement et de faillite de l’Émetteur ainsi que le risque de défaut de paiement, de faillite et de mise en résolution du Garant de la formule. Conformément à la règlementation relative au mécanisme de renflouement interne des institutions financières (bail-in), en cas de défaillance probable ou certaine du Garant de la formule, l’investisseur est susceptible de ne pas recouvrer, le cas échéant, la totalité ou partie du montant qui est dû par le Garant de la formule au titre de la Garantie ou l’Investisseur peut être susceptible de recevoir, le cas échéant, tout autre instrument financier émis par le Garant de la formule (ou toute autre entité) en remplacement du montant qui est dû au titre des titres de créance émis par l’Émetteur.</a:t>
-            </a:r>
-            <a:endParaRPr lang="fr-FR" sz="800" b="1" dirty="0">
+            <a:endParaRPr lang="fr-FR" sz="800" dirty="0">
               <a:solidFill>
                 <a:srgbClr val="000000"/>
               </a:solidFill>
+              <a:highlight>
+                <a:srgbClr val="FFFF00"/>
+              </a:highlight>
             </a:endParaRPr>
           </a:p>
           <a:p>
             <a:pPr marL="171450" indent="-171450" algn="just">
               <a:lnSpc>
-                <a:spcPct val="90000"/>
-              </a:lnSpc>
+                <a:spcPct val="92000"/>
+              </a:lnSpc>
+              <a:spcBef>
+                <a:spcPts val="200"/>
+              </a:spcBef>
               <a:spcAft>
                 <a:spcPts val="200"/>
               </a:spcAft>
               <a:buFont typeface="Arial" panose="020B0604020202020204" pitchFamily="34" charset="0"/>
               <a:buChar char="•"/>
             </a:pPr>
-            <a:r>
-              <a:rPr lang="fr-FR" sz="800" b="1" dirty="0">
-                <a:solidFill>
-                  <a:srgbClr val="000000"/>
-                </a:solidFill>
-              </a:rPr>
-              <a:t>Risque de marché : </a:t>
-            </a:r>
-            <a:r>
-              <a:rPr lang="fr-FR" sz="800" dirty="0">
-                <a:solidFill>
-                  <a:srgbClr val="000000"/>
-                </a:solidFill>
-              </a:rPr>
-              <a:t>Le produit peut connaître à tout moment d’importantes fluctuations de cours (en raison notamment de l’évolution du prix, du (ou des) instrument(s) sous-jacent(s) et des taux d’intérêt), pouvant aboutir dans certains cas à la perte totale du montant investi. </a:t>
-            </a:r>
-            <a:r>
-              <a:rPr lang="fr-FR" sz="800" dirty="0">
-                <a:solidFill>
-                  <a:srgbClr val="000000"/>
-                </a:solidFill>
-                <a:highlight>
-                  <a:srgbClr val="FFFF00"/>
-                </a:highlight>
-              </a:rPr>
-              <a:t>Les fluctuations du prix du produit en cours de vie sont également plus importantes en cas de baisse des marchés en raison de la méthode de prélèvement forfaitaire en points.</a:t>
-            </a:r>
-          </a:p>
-          <a:p>
-            <a:pPr marL="171450" indent="-171450" algn="just">
-              <a:lnSpc>
-                <a:spcPct val="90000"/>
-              </a:lnSpc>
-              <a:spcAft>
-                <a:spcPts val="200"/>
-              </a:spcAft>
-              <a:buFont typeface="Arial" panose="020B0604020202020204" pitchFamily="34" charset="0"/>
-              <a:buChar char="•"/>
-            </a:pPr>
-            <a:r>
-              <a:rPr lang="fr-FR" sz="800" b="1" dirty="0">
-                <a:solidFill>
-                  <a:srgbClr val="000000"/>
-                </a:solidFill>
-              </a:rPr>
-              <a:t>Risque de liquidité : </a:t>
-            </a:r>
-            <a:r>
-              <a:rPr lang="fr-FR" sz="800" dirty="0">
-                <a:solidFill>
-                  <a:srgbClr val="000000"/>
-                </a:solidFill>
-              </a:rPr>
-              <a:t>Certaines conditions exceptionnelles de marché peuvent avoir un effet défavorable sur la liquidité du produit, voire même rendre le produit totalement illiquide, ce qui peut rendre impossible la vente du produit et entraîner la perte totale ou partielle du montant investi.</a:t>
-            </a:r>
-          </a:p>
-          <a:p>
-            <a:pPr marL="171450" indent="-171450" algn="just">
-              <a:lnSpc>
-                <a:spcPct val="90000"/>
-              </a:lnSpc>
-              <a:spcAft>
-                <a:spcPts val="200"/>
-              </a:spcAft>
-              <a:buFont typeface="Arial" panose="020B0604020202020204" pitchFamily="34" charset="0"/>
-              <a:buChar char="•"/>
-            </a:pPr>
-            <a:r>
-              <a:rPr lang="fr-FR" sz="800" b="1" dirty="0">
-                <a:solidFill>
-                  <a:srgbClr val="000000"/>
-                </a:solidFill>
-              </a:rPr>
-              <a:t>Risque de perte en capital : </a:t>
-            </a:r>
-            <a:r>
-              <a:rPr lang="fr-FR" sz="800" dirty="0">
-                <a:solidFill>
-                  <a:srgbClr val="000000"/>
-                </a:solidFill>
-              </a:rPr>
-              <a:t>Le produit présente un risque de perte en capital. La valeur de remboursement du produit peut être inférieure au montant de l’investissement initial. Dans le pire des scénarios, les investisseurs peuvent perdre jusqu’à la totalité de leur investissement.</a:t>
-            </a:r>
-          </a:p>
-          <a:p>
-            <a:pPr marL="171450" indent="-171450" algn="just">
-              <a:lnSpc>
-                <a:spcPct val="90000"/>
-              </a:lnSpc>
-              <a:spcAft>
-                <a:spcPts val="200"/>
-              </a:spcAft>
-              <a:buFont typeface="Arial" panose="020B0604020202020204" pitchFamily="34" charset="0"/>
-              <a:buChar char="•"/>
-            </a:pPr>
-            <a:r>
-              <a:rPr lang="fr-FR" sz="800" b="1" dirty="0">
-                <a:solidFill>
-                  <a:srgbClr val="000000"/>
-                </a:solidFill>
-              </a:rPr>
-              <a:t>Risque lié au sous-jacent : </a:t>
-            </a:r>
-            <a:r>
-              <a:rPr lang="fr-FR" sz="800" dirty="0">
-                <a:solidFill>
-                  <a:srgbClr val="000000"/>
-                </a:solidFill>
-              </a:rPr>
-              <a:t>Le mécanisme de remboursement est lié à l’évolution du niveau de l'indice et donc à l’évolution des marchés actions.</a:t>
-            </a:r>
-          </a:p>
-          <a:p>
-            <a:pPr marL="171450" indent="-171450" algn="just">
-              <a:lnSpc>
-                <a:spcPct val="90000"/>
-              </a:lnSpc>
-              <a:spcAft>
-                <a:spcPts val="200"/>
-              </a:spcAft>
-              <a:buFont typeface="Arial" panose="020B0604020202020204" pitchFamily="34" charset="0"/>
-              <a:buChar char="•"/>
-            </a:pPr>
-            <a:r>
-              <a:rPr lang="fr-FR" sz="800" b="1" dirty="0">
-                <a:solidFill>
-                  <a:srgbClr val="000000"/>
-                </a:solidFill>
-              </a:rPr>
-              <a:t>Risque découlant de la nature du support : </a:t>
-            </a:r>
-            <a:r>
-              <a:rPr lang="fr-FR" sz="800" dirty="0">
-                <a:solidFill>
-                  <a:srgbClr val="000000"/>
-                </a:solidFill>
-              </a:rPr>
-              <a:t>En cas de revente du produit avant l’échéance ou, selon le cas, à la date de remboursement anticipé automatique</a:t>
-            </a:r>
-            <a:r>
-              <a:rPr lang="fr-FR" sz="800" baseline="30000" dirty="0">
-                <a:solidFill>
-                  <a:srgbClr val="000000"/>
-                </a:solidFill>
-              </a:rPr>
-              <a:t>⁽¹⁾</a:t>
-            </a:r>
-            <a:r>
-              <a:rPr lang="fr-FR" sz="800" dirty="0">
-                <a:solidFill>
-                  <a:srgbClr val="000000"/>
-                </a:solidFill>
-              </a:rPr>
-              <a:t>, alors que les conditions de remboursement anticipé automatique ne sont pas remplies, il est impossible de mesurer a priori le gain ou la perte possibles, le prix pratiqué dépendant alors des conditions de marché en vigueur. Si le cadre d’investissement du produit est un contrat d’assurance vie ou de capitalisation, le dénouement (notamment par rachat ou décès de l’assuré), l’arbitrage ou le rachat partiel de celui-ci peuvent entraîner le désinvestissement des unités de compte adossées aux titres avant leur dates d’échéance</a:t>
-            </a:r>
-            <a:r>
-              <a:rPr lang="fr-FR" sz="800" baseline="30000" dirty="0">
-                <a:solidFill>
-                  <a:srgbClr val="000000"/>
-                </a:solidFill>
-              </a:rPr>
-              <a:t>⁽¹⁾</a:t>
-            </a:r>
-            <a:r>
-              <a:rPr lang="fr-FR" sz="800" dirty="0">
-                <a:solidFill>
-                  <a:srgbClr val="000000"/>
-                </a:solidFill>
-              </a:rPr>
-              <a:t>. Ainsi, le montant remboursé pourra être très différent (inférieur ou supérieur) du montant résultant de l’application de la formule annoncée. </a:t>
-            </a:r>
-            <a:r>
-              <a:rPr lang="fr-FR" sz="800" b="1" dirty="0">
-                <a:solidFill>
-                  <a:srgbClr val="000000"/>
-                </a:solidFill>
-              </a:rPr>
-              <a:t>Il existe donc un risque de perte en capital partielle ou totale. Il est précisé que l’Assureur, d'une part, l'Emetteur et le Garant de la formule d'autre part sont des entités juridiques indépendantes.</a:t>
-            </a:r>
+            <a:endParaRPr lang="fr-FR" sz="800" dirty="0">
+              <a:solidFill>
+                <a:srgbClr val="000000"/>
+              </a:solidFill>
+              <a:highlight>
+                <a:srgbClr val="FFFF00"/>
+              </a:highlight>
+            </a:endParaRPr>
           </a:p>
         </p:txBody>
       </p:sp>
@@ -16955,7 +16822,7 @@
         </p:nvSpPr>
         <p:spPr bwMode="auto">
           <a:xfrm>
-            <a:off x="361950" y="9765983"/>
+            <a:off x="359409" y="9771581"/>
             <a:ext cx="6483350" cy="700192"/>
           </a:xfrm>
           <a:prstGeom prst="rect">
@@ -17061,40 +16928,22 @@
                 </a:solidFill>
                 <a:latin typeface="+mn-lt"/>
               </a:rPr>
-              <a:t>(3</a:t>
-            </a:r>
-            <a:r>
-              <a:rPr lang="fr-FR" sz="650" baseline="30000" dirty="0">
+              <a:t>(3) </a:t>
+            </a:r>
+            <a:r>
+              <a:rPr lang="fr-FR" sz="650" dirty="0">
                 <a:solidFill>
                   <a:schemeClr val="tx2"/>
                 </a:solidFill>
-                <a:highlight>
-                  <a:srgbClr val="FFFF00"/>
-                </a:highlight>
                 <a:latin typeface="+mn-lt"/>
               </a:rPr>
-              <a:t>) </a:t>
-            </a:r>
-            <a:r>
-              <a:rPr lang="fr-FR" sz="650" dirty="0">
+              <a:t>Hors prise en compte des dividendes éventuels détachés par </a:t>
+            </a:r>
+            <a:r>
+              <a:rPr lang="it-IT" sz="650" dirty="0">
                 <a:solidFill>
                   <a:schemeClr val="tx2"/>
                 </a:solidFill>
-                <a:highlight>
-                  <a:srgbClr val="FFFF00"/>
-                </a:highlight>
-                <a:latin typeface="+mn-lt"/>
-              </a:rPr>
-              <a:t>Hors prise en compte des dividendes éventuels détachés par </a:t>
-            </a:r>
-            <a:r>
-              <a:rPr lang="it-IT" sz="650" dirty="0">
-                <a:solidFill>
-                  <a:schemeClr val="tx2"/>
-                </a:solidFill>
-                <a:highlight>
-                  <a:srgbClr val="FFFF00"/>
-                </a:highlight>
                 <a:latin typeface="+mn-lt"/>
               </a:rPr>
               <a:t>l'indice</a:t>
@@ -17103,9 +16952,6 @@
               <a:solidFill>
                 <a:schemeClr val="tx2"/>
               </a:solidFill>
-              <a:highlight>
-                <a:srgbClr val="FFFF00"/>
-              </a:highlight>
               <a:latin typeface="+mn-lt"/>
             </a:endParaRPr>
           </a:p>
@@ -17381,7 +17227,7 @@
         <p:spPr bwMode="auto">
           <a:xfrm>
             <a:off x="458462" y="953313"/>
-            <a:ext cx="6741374" cy="369332"/>
+            <a:ext cx="6741374" cy="246221"/>
           </a:xfrm>
           <a:prstGeom prst="rect">
             <a:avLst/>
@@ -17405,7 +17251,7 @@
               <a:rPr lang="fr-FR" sz="800" b="1" dirty="0">
                 <a:latin typeface="Proxima Nova Rg" panose="02000506030000020004" pitchFamily="2" charset="0"/>
               </a:rPr>
-              <a:t>Les données chiffrées utilisées dans ces exemples n’ont qu’une valeur indicative et informative, l’objectif étant de décrire le mécanisme du produit. Ces illustrations ont été réalisées de bonne foi à titre d'information uniquement. Elles ne préjugent en rien de l'évolution future de l'indice EURO STOXX 50 Price EUR et du produit.</a:t>
+              <a:t>Les données chiffrées utilisées dans ces exemples n’ont qu’une valeur indicative et informative, l’objectif étant de décrire le mécanisme du produit. Ces illustrations ont été réalisées de bonne foi à titre d'information uniquement. Elles ne préjugent en rien de l'évolution future de l'indice et du produit.</a:t>
             </a:r>
           </a:p>
         </p:txBody>
@@ -17527,7 +17373,7 @@
               <a:rPr lang="fr-FR" sz="800" b="0" dirty="0">
                 <a:latin typeface="+mn-lt"/>
               </a:rPr>
-              <a:t>À la date de constatation finale(¹), l'indice clôture à un niveau strictement inférieur à 95% mais supérieur ou égal à 70% de son Niveau Initial</a:t>
+              <a:t>À la date de constatation finale(¹), l'indice clôture à un niveau strictement inférieur à 100% mais supérieur ou égal à 70% de son Niveau Initial</a:t>
             </a:r>
           </a:p>
         </p:txBody>
@@ -17585,7 +17431,7 @@
               <a:rPr lang="fr-FR" sz="800" b="0" dirty="0">
                 <a:latin typeface="+mn-lt"/>
               </a:rPr>
-              <a:t>Dès la première date de constatation trimestrielle du mécanisme de remboursement anticipé automatique, l'indice clôture à un niveau supérieur ou égal à 95% de son Niveau Initial</a:t>
+              <a:t>Dès la première date de constatation du mécanisme de remboursement anticipé automatique, l'indice clôture à un niveau supérieur ou égal à 100% de son Niveau Initial</a:t>
             </a:r>
           </a:p>
         </p:txBody>
@@ -17803,7 +17649,7 @@
                 </a:solidFill>
                 <a:latin typeface="+mn-lt"/>
               </a:rPr>
-              <a:t>LE RENDEMENT DU PRODUIT « kopkpopok » EST TRÈS SENSIBLE À UNE FAIBLE VARIATION DU niveau DE CLÔTURE de l'indice AUTOUR DES SEUILS DE 95% ET DE 70% </a:t>
+              <a:t>LE RENDEMENT DU PRODUIT « kopkpopok » EST TRÈS SENSIBLE À UNE FAIBLE VARIATION DU niveau DE CLÔTURE de l'indice AUTOUR DES SEUILS DE 100% ET DE 70% </a:t>
             </a:r>
             <a:r>
               <a:rPr lang="fr-FR" sz="800" cap="all" dirty="0">
@@ -17898,11 +17744,11 @@
               <a:rPr lang="fr-FR" sz="800" dirty="0">
                 <a:latin typeface="+mn-lt"/>
               </a:rPr>
-              <a:t>des trimestres 4 à 39</a:t>
+              <a:t>du trimestres 4 à 39</a:t>
             </a:r>
             <a:r>
               <a:rPr lang="fr-FR" sz="800" dirty="0"/>
-              <a:t>, l'indice clôture à un niveau strictement inférieur à 95% de son Niveau Initial. Le mécanisme de remboursement anticipé automatique n’est donc pas activé et le produit continue.</a:t>
+              <a:t>, l'indice clôture à un niveau strictement inférieur à 100% de son Niveau Initial. Le mécanisme de remboursement anticipé automatique n’est donc pas activé et le produit continue.</a:t>
             </a:r>
           </a:p>
           <a:p>
@@ -18070,7 +17916,7 @@
                 </a:solidFill>
                 <a:latin typeface="+mn-lt"/>
               </a:rPr>
-              <a:t>un niveau strictement inférieur à 95% de son Niveau Initial</a:t>
+              <a:t>un niveau strictement inférieur à 100% de son Niveau Initial</a:t>
             </a:r>
             <a:r>
               <a:rPr lang="fr-FR" sz="800" dirty="0">
@@ -18105,7 +17951,7 @@
               <a:rPr lang="fr-FR" sz="800" dirty="0">
                 <a:latin typeface="+mn-lt"/>
               </a:rPr>
-              <a:t>À la date de constatation finale(¹), l'indice clôture à un niveau strictement inférieur à 95% de son Niveau Initial (70% dans cet exemple). L’investisseur récupère alors l’intégralité de son capital initialement investi.
+              <a:t>À la date de constatation finale(¹), l'indice clôture à un niveau strictement inférieur à 100% de son Niveau Initial (65% dans cet exemple). L’investisseur récupère alors l’intégralité de son capital initialement investi.
         </a:t>
             </a:r>
           </a:p>
@@ -18143,7 +17989,7 @@
                 </a:solidFill>
                 <a:latin typeface="+mn-lt"/>
               </a:rPr>
-              <a:t>, contre un Taux de Rendement Annuel net de -4,46%</a:t>
+              <a:t>, contre un Taux de Rendement Annuel net de -5,17%</a:t>
             </a:r>
             <a:r>
               <a:rPr lang="fr-FR" sz="800" baseline="30000" dirty="0">
@@ -18315,7 +18161,7 @@
                 </a:solidFill>
                 <a:latin typeface="Proxima Nova Rg" panose="02000506030000020004" pitchFamily="2" charset="0"/>
               </a:rPr>
-              <a:t>un niveau supérieur à 95% de son Niveau Initial 95% de son Niveau Initial </a:t>
+              <a:t>un niveau supérieur à 100% de son Niveau Initial 100% de son Niveau Initial </a:t>
             </a:r>
             <a:r>
               <a:rPr lang="fr-FR" sz="800" dirty="0">
@@ -18463,6 +18309,55 @@
           </a:bodyPr>
           <a:lstStyle/>
           <a:p/>
+        </p:txBody>
+      </p:sp>
+      <p:sp>
+        <p:nvSpPr>
+          <p:cNvPr id="17" name="Rectangle">
+            <a:extLst>
+              <a:ext uri="{FF2B5EF4-FFF2-40B4-BE49-F238E27FC236}">
+                <a16:creationId xmlns:a16="http://schemas.microsoft.com/office/drawing/2014/main" id="{BEDC322A-047C-AD25-3052-3FBCB8664A82}"/>
+              </a:ext>
+            </a:extLst>
+          </p:cNvPr>
+          <p:cNvSpPr/>
+          <p:nvPr/>
+        </p:nvSpPr>
+        <p:spPr>
+          <a:xfrm>
+            <a:off x="357721" y="9671422"/>
+            <a:ext cx="6840000" cy="6846"/>
+          </a:xfrm>
+          <a:prstGeom prst="rect">
+            <a:avLst/>
+          </a:prstGeom>
+          <a:solidFill>
+            <a:srgbClr val="C5AF5C"/>
+          </a:solidFill>
+          <a:ln w="3175">
+            <a:miter lim="400000"/>
+          </a:ln>
+        </p:spPr>
+        <p:txBody>
+          <a:bodyPr lIns="20981" tIns="20981" rIns="20981" bIns="20981" anchor="ctr"/>
+          <a:lstStyle/>
+          <a:p>
+            <a:pPr algn="ctr" defTabSz="825500">
+              <a:lnSpc>
+                <a:spcPct val="100000"/>
+              </a:lnSpc>
+              <a:defRPr sz="3200" b="0">
+                <a:solidFill>
+                  <a:srgbClr val="FFFFFF"/>
+                </a:solidFill>
+                <a:latin typeface="Helvetica Neue Medium"/>
+                <a:ea typeface="Helvetica Neue Medium"/>
+                <a:cs typeface="Helvetica Neue Medium"/>
+                <a:sym typeface="Helvetica Neue Medium"/>
+              </a:defRPr>
+            </a:pPr>
+            <a:endParaRPr/>
+          </a:p>
         </p:txBody>
       </p:sp>
       <p:pic>
@@ -19282,8 +19177,8 @@
 </file>
 
 <file path=customXml/item1.xml><?xml version="1.0" encoding="utf-8"?>
-<ct:contentTypeSchema xmlns:ct="http://schemas.microsoft.com/office/2006/metadata/contentType" xmlns:ma="http://schemas.microsoft.com/office/2006/metadata/properties/metaAttributes" ct:_="" ma:_="" ma:contentTypeName="Document" ma:contentTypeID="0x0101005DDE610BC516E448BB8152259F39635A" ma:contentTypeVersion="13" ma:contentTypeDescription="Crée un document." ma:contentTypeScope="" ma:versionID="4e51a0dab1f5d4663d954168d546c586">
-  <xsd:schema xmlns:xsd="http://www.w3.org/2001/XMLSchema" xmlns:xs="http://www.w3.org/2001/XMLSchema" xmlns:p="http://schemas.microsoft.com/office/2006/metadata/properties" xmlns:ns2="ef624bc2-1644-4d69-8362-5c28ca496374" xmlns:ns3="514a554b-82b0-4359-b247-fc84018a95f0" targetNamespace="http://schemas.microsoft.com/office/2006/metadata/properties" ma:root="true" ma:fieldsID="d7b51e5f287975310341ecd8502634d3" ns2:_="" ns3:_="">
+<ct:contentTypeSchema xmlns:ct="http://schemas.microsoft.com/office/2006/metadata/contentType" xmlns:ma="http://schemas.microsoft.com/office/2006/metadata/properties/metaAttributes" ct:_="" ma:_="" ma:contentTypeName="Document" ma:contentTypeID="0x0101005DDE610BC516E448BB8152259F39635A" ma:contentTypeVersion="17" ma:contentTypeDescription="Crée un document." ma:contentTypeScope="" ma:versionID="bfb75e103009df80b8e5001438c41194">
+  <xsd:schema xmlns:xsd="http://www.w3.org/2001/XMLSchema" xmlns:xs="http://www.w3.org/2001/XMLSchema" xmlns:p="http://schemas.microsoft.com/office/2006/metadata/properties" xmlns:ns2="ef624bc2-1644-4d69-8362-5c28ca496374" xmlns:ns3="514a554b-82b0-4359-b247-fc84018a95f0" targetNamespace="http://schemas.microsoft.com/office/2006/metadata/properties" ma:root="true" ma:fieldsID="2ae3df86d13efbb4a35042af2564d386" ns2:_="" ns3:_="">
     <xsd:import namespace="ef624bc2-1644-4d69-8362-5c28ca496374"/>
     <xsd:import namespace="514a554b-82b0-4359-b247-fc84018a95f0"/>
     <xsd:element name="properties">
@@ -19305,6 +19200,9 @@
                 <xsd:element ref="ns2:MediaServiceAutoKeyPoints" minOccurs="0"/>
                 <xsd:element ref="ns2:MediaServiceKeyPoints" minOccurs="0"/>
                 <xsd:element ref="ns2:_Flow_SignoffStatus" minOccurs="0"/>
+                <xsd:element ref="ns2:lcf76f155ced4ddcb4097134ff3c332f" minOccurs="0"/>
+                <xsd:element ref="ns3:TaxCatchAll" minOccurs="0"/>
+                <xsd:element ref="ns2:MediaLengthInSeconds" minOccurs="0"/>
               </xsd:all>
             </xsd:complexType>
           </xsd:element>
@@ -19374,6 +19272,18 @@
         <xsd:restriction base="dms:Text"/>
       </xsd:simpleType>
     </xsd:element>
+    <xsd:element name="lcf76f155ced4ddcb4097134ff3c332f" ma:index="22" nillable="true" ma:taxonomy="true" ma:internalName="lcf76f155ced4ddcb4097134ff3c332f" ma:taxonomyFieldName="MediaServiceImageTags" ma:displayName="Balises d’images" ma:readOnly="false" ma:fieldId="{5cf76f15-5ced-4ddc-b409-7134ff3c332f}" ma:taxonomyMulti="true" ma:sspId="5604eaa7-7f48-49f2-a7a3-87e28e00304d" ma:termSetId="09814cd3-568e-fe90-9814-8d621ff8fb84" ma:anchorId="fba54fb3-c3e1-fe81-a776-ca4b69148c4d" ma:open="true" ma:isKeyword="false">
+      <xsd:complexType>
+        <xsd:sequence>
+          <xsd:element ref="pc:Terms" minOccurs="0" maxOccurs="1"/>
+        </xsd:sequence>
+      </xsd:complexType>
+    </xsd:element>
+    <xsd:element name="MediaLengthInSeconds" ma:index="24" nillable="true" ma:displayName="MediaLengthInSeconds" ma:hidden="true" ma:internalName="MediaLengthInSeconds" ma:readOnly="true">
+      <xsd:simpleType>
+        <xsd:restriction base="dms:Unknown"/>
+      </xsd:simpleType>
+    </xsd:element>
   </xsd:schema>
   <xsd:schema xmlns:xsd="http://www.w3.org/2001/XMLSchema" xmlns:xs="http://www.w3.org/2001/XMLSchema" xmlns:dms="http://schemas.microsoft.com/office/2006/documentManagement/types" xmlns:pc="http://schemas.microsoft.com/office/infopath/2007/PartnerControls" targetNamespace="514a554b-82b0-4359-b247-fc84018a95f0" elementFormDefault="qualified">
     <xsd:import namespace="http://schemas.microsoft.com/office/2006/documentManagement/types"/>
@@ -19403,6 +19313,17 @@
           <xsd:maxLength value="255"/>
         </xsd:restriction>
       </xsd:simpleType>
+    </xsd:element>
+    <xsd:element name="TaxCatchAll" ma:index="23" nillable="true" ma:displayName="Taxonomy Catch All Column" ma:hidden="true" ma:list="{56d650d2-3c99-4a10-8e9e-56f47bffeb82}" ma:internalName="TaxCatchAll" ma:showField="CatchAllData" ma:web="514a554b-82b0-4359-b247-fc84018a95f0">
+      <xsd:complexType>
+        <xsd:complexContent>
+          <xsd:extension base="dms:MultiChoiceLookup">
+            <xsd:sequence>
+              <xsd:element name="Value" type="dms:Lookup" maxOccurs="unbounded" minOccurs="0" nillable="true"/>
+            </xsd:sequence>
+          </xsd:extension>
+        </xsd:complexContent>
+      </xsd:complexType>
     </xsd:element>
   </xsd:schema>
   <xsd:schema xmlns="http://schemas.openxmlformats.org/package/2006/metadata/core-properties" xmlns:xsd="http://www.w3.org/2001/XMLSchema" xmlns:xsi="http://www.w3.org/2001/XMLSchema-instance" xmlns:dc="http://purl.org/dc/elements/1.1/" xmlns:dcterms="http://purl.org/dc/terms/" xmlns:odoc="http://schemas.microsoft.com/internal/obd" targetNamespace="http://schemas.openxmlformats.org/package/2006/metadata/core-properties" elementFormDefault="qualified" attributeFormDefault="unqualified" blockDefault="#all">
@@ -19517,12 +19438,16 @@
 <p:properties xmlns:p="http://schemas.microsoft.com/office/2006/metadata/properties" xmlns:xsi="http://www.w3.org/2001/XMLSchema-instance" xmlns:pc="http://schemas.microsoft.com/office/infopath/2007/PartnerControls">
   <documentManagement>
     <_Flow_SignoffStatus xmlns="ef624bc2-1644-4d69-8362-5c28ca496374" xsi:nil="true"/>
+    <TaxCatchAll xmlns="514a554b-82b0-4359-b247-fc84018a95f0" xsi:nil="true"/>
+    <lcf76f155ced4ddcb4097134ff3c332f xmlns="ef624bc2-1644-4d69-8362-5c28ca496374">
+      <Terms xmlns="http://schemas.microsoft.com/office/infopath/2007/PartnerControls"/>
+    </lcf76f155ced4ddcb4097134ff3c332f>
   </documentManagement>
 </p:properties>
 </file>
 
 <file path=customXml/itemProps1.xml><?xml version="1.0" encoding="utf-8"?>
-<ds:datastoreItem xmlns:ds="http://schemas.openxmlformats.org/officeDocument/2006/customXml" ds:itemID="{41EF0323-6FE8-41A6-BEA1-CC5178579BBD}">
+<ds:datastoreItem xmlns:ds="http://schemas.openxmlformats.org/officeDocument/2006/customXml" ds:itemID="{DE898DE2-83E7-42CE-B7CD-9C9DF4B16BA4}">
   <ds:schemaRefs>
     <ds:schemaRef ds:uri="http://schemas.microsoft.com/office/2006/metadata/contentType"/>
     <ds:schemaRef ds:uri="http://schemas.microsoft.com/office/2006/metadata/properties/metaAttributes"/>
@@ -19551,16 +19476,16 @@
 <file path=customXml/itemProps3.xml><?xml version="1.0" encoding="utf-8"?>
 <ds:datastoreItem xmlns:ds="http://schemas.openxmlformats.org/officeDocument/2006/customXml" ds:itemID="{25DE574B-2CD2-4078-9BEA-2A14717D9698}">
   <ds:schemaRefs>
+    <ds:schemaRef ds:uri="514a554b-82b0-4359-b247-fc84018a95f0"/>
     <ds:schemaRef ds:uri="ef624bc2-1644-4d69-8362-5c28ca496374"/>
-    <ds:schemaRef ds:uri="http://www.w3.org/XML/1998/namespace"/>
-    <ds:schemaRef ds:uri="http://schemas.openxmlformats.org/package/2006/metadata/core-properties"/>
+    <ds:schemaRef ds:uri="http://purl.org/dc/dcmitype/"/>
     <ds:schemaRef ds:uri="http://purl.org/dc/elements/1.1/"/>
-    <ds:schemaRef ds:uri="http://schemas.microsoft.com/office/2006/metadata/properties"/>
-    <ds:schemaRef ds:uri="514a554b-82b0-4359-b247-fc84018a95f0"/>
     <ds:schemaRef ds:uri="http://purl.org/dc/terms/"/>
     <ds:schemaRef ds:uri="http://schemas.microsoft.com/office/2006/documentManagement/types"/>
+    <ds:schemaRef ds:uri="http://schemas.microsoft.com/office/2006/metadata/properties"/>
     <ds:schemaRef ds:uri="http://schemas.microsoft.com/office/infopath/2007/PartnerControls"/>
-    <ds:schemaRef ds:uri="http://purl.org/dc/dcmitype/"/>
+    <ds:schemaRef ds:uri="http://schemas.openxmlformats.org/package/2006/metadata/core-properties"/>
+    <ds:schemaRef ds:uri="http://www.w3.org/XML/1998/namespace"/>
   </ds:schemaRefs>
 </ds:datastoreItem>
 </file>